--- a/linsley_postdoc/presentations/weekly_meetings/1_4_24.pptx
+++ b/linsley_postdoc/presentations/weekly_meetings/1_4_24.pptx
@@ -5,7 +5,7 @@
     <p:sldMasterId id="2147483648" r:id="rId1"/>
   </p:sldMasterIdLst>
   <p:notesMasterIdLst>
-    <p:notesMasterId r:id="rId16"/>
+    <p:notesMasterId r:id="rId18"/>
   </p:notesMasterIdLst>
   <p:sldIdLst>
     <p:sldId id="477" r:id="rId2"/>
@@ -14,14 +14,16 @@
     <p:sldId id="509" r:id="rId5"/>
     <p:sldId id="511" r:id="rId6"/>
     <p:sldId id="506" r:id="rId7"/>
-    <p:sldId id="505" r:id="rId8"/>
-    <p:sldId id="512" r:id="rId9"/>
-    <p:sldId id="486" r:id="rId10"/>
-    <p:sldId id="510" r:id="rId11"/>
-    <p:sldId id="507" r:id="rId12"/>
-    <p:sldId id="515" r:id="rId13"/>
-    <p:sldId id="513" r:id="rId14"/>
-    <p:sldId id="514" r:id="rId15"/>
+    <p:sldId id="517" r:id="rId8"/>
+    <p:sldId id="516" r:id="rId9"/>
+    <p:sldId id="505" r:id="rId10"/>
+    <p:sldId id="512" r:id="rId11"/>
+    <p:sldId id="486" r:id="rId12"/>
+    <p:sldId id="510" r:id="rId13"/>
+    <p:sldId id="507" r:id="rId14"/>
+    <p:sldId id="515" r:id="rId15"/>
+    <p:sldId id="513" r:id="rId16"/>
+    <p:sldId id="514" r:id="rId17"/>
   </p:sldIdLst>
   <p:sldSz cx="12192000" cy="6858000"/>
   <p:notesSz cx="6858000" cy="9144000"/>
@@ -221,7 +223,7 @@
           <a:p>
             <a:fld id="{E933A773-0DCE-3544-BB67-D5FA58DF903C}" type="datetimeFigureOut">
               <a:rPr lang="en-US" smtClean="0"/>
-              <a:t>1/1/24</a:t>
+              <a:t>1/2/24</a:t>
             </a:fld>
             <a:endParaRPr lang="en-US"/>
           </a:p>
@@ -652,7 +654,7 @@
     </p:spTree>
     <p:extLst>
       <p:ext uri="{BB962C8B-B14F-4D97-AF65-F5344CB8AC3E}">
-        <p14:creationId xmlns:p14="http://schemas.microsoft.com/office/powerpoint/2010/main" val="256492057"/>
+        <p14:creationId xmlns:p14="http://schemas.microsoft.com/office/powerpoint/2010/main" val="1550285497"/>
       </p:ext>
     </p:extLst>
   </p:cSld>
@@ -742,7 +744,7 @@
     </p:spTree>
     <p:extLst>
       <p:ext uri="{BB962C8B-B14F-4D97-AF65-F5344CB8AC3E}">
-        <p14:creationId xmlns:p14="http://schemas.microsoft.com/office/powerpoint/2010/main" val="335981907"/>
+        <p14:creationId xmlns:p14="http://schemas.microsoft.com/office/powerpoint/2010/main" val="1801458086"/>
       </p:ext>
     </p:extLst>
   </p:cSld>
@@ -832,7 +834,7 @@
     </p:spTree>
     <p:extLst>
       <p:ext uri="{BB962C8B-B14F-4D97-AF65-F5344CB8AC3E}">
-        <p14:creationId xmlns:p14="http://schemas.microsoft.com/office/powerpoint/2010/main" val="3639552818"/>
+        <p14:creationId xmlns:p14="http://schemas.microsoft.com/office/powerpoint/2010/main" val="256492057"/>
       </p:ext>
     </p:extLst>
   </p:cSld>
@@ -922,7 +924,7 @@
     </p:spTree>
     <p:extLst>
       <p:ext uri="{BB962C8B-B14F-4D97-AF65-F5344CB8AC3E}">
-        <p14:creationId xmlns:p14="http://schemas.microsoft.com/office/powerpoint/2010/main" val="1610850162"/>
+        <p14:creationId xmlns:p14="http://schemas.microsoft.com/office/powerpoint/2010/main" val="335981907"/>
       </p:ext>
     </p:extLst>
   </p:cSld>
@@ -1004,6 +1006,186 @@
             <a:fld id="{061BAA8C-FDC6-D345-B4E0-3B02449209FB}" type="slidenum">
               <a:rPr lang="en-US" smtClean="0"/>
               <a:t>14</a:t>
+            </a:fld>
+            <a:endParaRPr lang="en-US"/>
+          </a:p>
+        </p:txBody>
+      </p:sp>
+    </p:spTree>
+    <p:extLst>
+      <p:ext uri="{BB962C8B-B14F-4D97-AF65-F5344CB8AC3E}">
+        <p14:creationId xmlns:p14="http://schemas.microsoft.com/office/powerpoint/2010/main" val="3639552818"/>
+      </p:ext>
+    </p:extLst>
+  </p:cSld>
+  <p:clrMapOvr>
+    <a:masterClrMapping/>
+  </p:clrMapOvr>
+</p:notes>
+</file>
+
+<file path=ppt/notesSlides/notesSlide15.xml><?xml version="1.0" encoding="utf-8"?>
+<p:notes xmlns:a="http://schemas.openxmlformats.org/drawingml/2006/main" xmlns:r="http://schemas.openxmlformats.org/officeDocument/2006/relationships" xmlns:p="http://schemas.openxmlformats.org/presentationml/2006/main">
+  <p:cSld>
+    <p:spTree>
+      <p:nvGrpSpPr>
+        <p:cNvPr id="1" name=""/>
+        <p:cNvGrpSpPr/>
+        <p:nvPr/>
+      </p:nvGrpSpPr>
+      <p:grpSpPr>
+        <a:xfrm>
+          <a:off x="0" y="0"/>
+          <a:ext cx="0" cy="0"/>
+          <a:chOff x="0" y="0"/>
+          <a:chExt cx="0" cy="0"/>
+        </a:xfrm>
+      </p:grpSpPr>
+      <p:sp>
+        <p:nvSpPr>
+          <p:cNvPr id="2" name="Slide Image Placeholder 1"/>
+          <p:cNvSpPr>
+            <a:spLocks noGrp="1" noRot="1" noChangeAspect="1"/>
+          </p:cNvSpPr>
+          <p:nvPr>
+            <p:ph type="sldImg"/>
+          </p:nvPr>
+        </p:nvSpPr>
+        <p:spPr/>
+      </p:sp>
+      <p:sp>
+        <p:nvSpPr>
+          <p:cNvPr id="3" name="Notes Placeholder 2"/>
+          <p:cNvSpPr>
+            <a:spLocks noGrp="1"/>
+          </p:cNvSpPr>
+          <p:nvPr>
+            <p:ph type="body" idx="1"/>
+          </p:nvPr>
+        </p:nvSpPr>
+        <p:spPr/>
+        <p:txBody>
+          <a:bodyPr/>
+          <a:lstStyle/>
+          <a:p>
+            <a:endParaRPr lang="en-US" b="0" dirty="0">
+              <a:solidFill>
+                <a:srgbClr val="CCCCCC"/>
+              </a:solidFill>
+              <a:effectLst/>
+              <a:latin typeface="Menlo" panose="020B0609030804020204" pitchFamily="49" charset="0"/>
+            </a:endParaRPr>
+          </a:p>
+        </p:txBody>
+      </p:sp>
+      <p:sp>
+        <p:nvSpPr>
+          <p:cNvPr id="4" name="Slide Number Placeholder 3"/>
+          <p:cNvSpPr>
+            <a:spLocks noGrp="1"/>
+          </p:cNvSpPr>
+          <p:nvPr>
+            <p:ph type="sldNum" sz="quarter" idx="5"/>
+          </p:nvPr>
+        </p:nvSpPr>
+        <p:spPr/>
+        <p:txBody>
+          <a:bodyPr/>
+          <a:lstStyle/>
+          <a:p>
+            <a:fld id="{061BAA8C-FDC6-D345-B4E0-3B02449209FB}" type="slidenum">
+              <a:rPr lang="en-US" smtClean="0"/>
+              <a:t>15</a:t>
+            </a:fld>
+            <a:endParaRPr lang="en-US"/>
+          </a:p>
+        </p:txBody>
+      </p:sp>
+    </p:spTree>
+    <p:extLst>
+      <p:ext uri="{BB962C8B-B14F-4D97-AF65-F5344CB8AC3E}">
+        <p14:creationId xmlns:p14="http://schemas.microsoft.com/office/powerpoint/2010/main" val="1610850162"/>
+      </p:ext>
+    </p:extLst>
+  </p:cSld>
+  <p:clrMapOvr>
+    <a:masterClrMapping/>
+  </p:clrMapOvr>
+</p:notes>
+</file>
+
+<file path=ppt/notesSlides/notesSlide16.xml><?xml version="1.0" encoding="utf-8"?>
+<p:notes xmlns:a="http://schemas.openxmlformats.org/drawingml/2006/main" xmlns:r="http://schemas.openxmlformats.org/officeDocument/2006/relationships" xmlns:p="http://schemas.openxmlformats.org/presentationml/2006/main">
+  <p:cSld>
+    <p:spTree>
+      <p:nvGrpSpPr>
+        <p:cNvPr id="1" name=""/>
+        <p:cNvGrpSpPr/>
+        <p:nvPr/>
+      </p:nvGrpSpPr>
+      <p:grpSpPr>
+        <a:xfrm>
+          <a:off x="0" y="0"/>
+          <a:ext cx="0" cy="0"/>
+          <a:chOff x="0" y="0"/>
+          <a:chExt cx="0" cy="0"/>
+        </a:xfrm>
+      </p:grpSpPr>
+      <p:sp>
+        <p:nvSpPr>
+          <p:cNvPr id="2" name="Slide Image Placeholder 1"/>
+          <p:cNvSpPr>
+            <a:spLocks noGrp="1" noRot="1" noChangeAspect="1"/>
+          </p:cNvSpPr>
+          <p:nvPr>
+            <p:ph type="sldImg"/>
+          </p:nvPr>
+        </p:nvSpPr>
+        <p:spPr/>
+      </p:sp>
+      <p:sp>
+        <p:nvSpPr>
+          <p:cNvPr id="3" name="Notes Placeholder 2"/>
+          <p:cNvSpPr>
+            <a:spLocks noGrp="1"/>
+          </p:cNvSpPr>
+          <p:nvPr>
+            <p:ph type="body" idx="1"/>
+          </p:nvPr>
+        </p:nvSpPr>
+        <p:spPr/>
+        <p:txBody>
+          <a:bodyPr/>
+          <a:lstStyle/>
+          <a:p>
+            <a:endParaRPr lang="en-US" b="0" dirty="0">
+              <a:solidFill>
+                <a:srgbClr val="CCCCCC"/>
+              </a:solidFill>
+              <a:effectLst/>
+              <a:latin typeface="Menlo" panose="020B0609030804020204" pitchFamily="49" charset="0"/>
+            </a:endParaRPr>
+          </a:p>
+        </p:txBody>
+      </p:sp>
+      <p:sp>
+        <p:nvSpPr>
+          <p:cNvPr id="4" name="Slide Number Placeholder 3"/>
+          <p:cNvSpPr>
+            <a:spLocks noGrp="1"/>
+          </p:cNvSpPr>
+          <p:nvPr>
+            <p:ph type="sldNum" sz="quarter" idx="5"/>
+          </p:nvPr>
+        </p:nvSpPr>
+        <p:spPr/>
+        <p:txBody>
+          <a:bodyPr/>
+          <a:lstStyle/>
+          <a:p>
+            <a:fld id="{061BAA8C-FDC6-D345-B4E0-3B02449209FB}" type="slidenum">
+              <a:rPr lang="en-US" smtClean="0"/>
+              <a:t>16</a:t>
             </a:fld>
             <a:endParaRPr lang="en-US"/>
           </a:p>
@@ -1516,13 +1698,40 @@
           <a:bodyPr/>
           <a:lstStyle/>
           <a:p>
-            <a:endParaRPr lang="en-US" b="0" dirty="0">
-              <a:solidFill>
-                <a:srgbClr val="CCCCCC"/>
-              </a:solidFill>
-              <a:effectLst/>
-              <a:latin typeface="Menlo" panose="020B0609030804020204" pitchFamily="49" charset="0"/>
-            </a:endParaRPr>
+            <a:r>
+              <a:rPr lang="en-US" b="0" dirty="0">
+                <a:solidFill>
+                  <a:srgbClr val="CCCCCC"/>
+                </a:solidFill>
+                <a:effectLst/>
+                <a:latin typeface="Menlo" panose="020B0609030804020204" pitchFamily="49" charset="0"/>
+              </a:rPr>
+              <a:t># TRAV12-CD8 T: 0.01593</a:t>
+            </a:r>
+          </a:p>
+          <a:p>
+            <a:r>
+              <a:rPr lang="en-US" b="0" dirty="0">
+                <a:solidFill>
+                  <a:srgbClr val="CCCCCC"/>
+                </a:solidFill>
+                <a:effectLst/>
+                <a:latin typeface="Menlo" panose="020B0609030804020204" pitchFamily="49" charset="0"/>
+              </a:rPr>
+              <a:t># TRAV17-CD4 T: 0.01052</a:t>
+            </a:r>
+          </a:p>
+          <a:p>
+            <a:r>
+              <a:rPr lang="en-US" b="0" dirty="0">
+                <a:solidFill>
+                  <a:srgbClr val="CCCCCC"/>
+                </a:solidFill>
+                <a:effectLst/>
+                <a:latin typeface="Menlo" panose="020B0609030804020204" pitchFamily="49" charset="0"/>
+              </a:rPr>
+              <a:t># TRAJ7-CD4 T: 0.004169</a:t>
+            </a:r>
           </a:p>
         </p:txBody>
       </p:sp>
@@ -1552,7 +1761,7 @@
     </p:spTree>
     <p:extLst>
       <p:ext uri="{BB962C8B-B14F-4D97-AF65-F5344CB8AC3E}">
-        <p14:creationId xmlns:p14="http://schemas.microsoft.com/office/powerpoint/2010/main" val="508667042"/>
+        <p14:creationId xmlns:p14="http://schemas.microsoft.com/office/powerpoint/2010/main" val="3673769963"/>
       </p:ext>
     </p:extLst>
   </p:cSld>
@@ -1642,7 +1851,7 @@
     </p:spTree>
     <p:extLst>
       <p:ext uri="{BB962C8B-B14F-4D97-AF65-F5344CB8AC3E}">
-        <p14:creationId xmlns:p14="http://schemas.microsoft.com/office/powerpoint/2010/main" val="1550285497"/>
+        <p14:creationId xmlns:p14="http://schemas.microsoft.com/office/powerpoint/2010/main" val="890911387"/>
       </p:ext>
     </p:extLst>
   </p:cSld>
@@ -1732,7 +1941,7 @@
     </p:spTree>
     <p:extLst>
       <p:ext uri="{BB962C8B-B14F-4D97-AF65-F5344CB8AC3E}">
-        <p14:creationId xmlns:p14="http://schemas.microsoft.com/office/powerpoint/2010/main" val="1801458086"/>
+        <p14:creationId xmlns:p14="http://schemas.microsoft.com/office/powerpoint/2010/main" val="508667042"/>
       </p:ext>
     </p:extLst>
   </p:cSld>
@@ -1889,7 +2098,7 @@
           <a:p>
             <a:fld id="{80FC6068-BAFB-FC44-B9D8-F4B3BB105DE6}" type="datetimeFigureOut">
               <a:rPr lang="en-US" smtClean="0"/>
-              <a:t>1/1/24</a:t>
+              <a:t>1/2/24</a:t>
             </a:fld>
             <a:endParaRPr lang="en-US"/>
           </a:p>
@@ -2087,7 +2296,7 @@
           <a:p>
             <a:fld id="{80FC6068-BAFB-FC44-B9D8-F4B3BB105DE6}" type="datetimeFigureOut">
               <a:rPr lang="en-US" smtClean="0"/>
-              <a:t>1/1/24</a:t>
+              <a:t>1/2/24</a:t>
             </a:fld>
             <a:endParaRPr lang="en-US"/>
           </a:p>
@@ -2295,7 +2504,7 @@
           <a:p>
             <a:fld id="{80FC6068-BAFB-FC44-B9D8-F4B3BB105DE6}" type="datetimeFigureOut">
               <a:rPr lang="en-US" smtClean="0"/>
-              <a:t>1/1/24</a:t>
+              <a:t>1/2/24</a:t>
             </a:fld>
             <a:endParaRPr lang="en-US"/>
           </a:p>
@@ -2499,7 +2708,7 @@
           <a:p>
             <a:fld id="{80FC6068-BAFB-FC44-B9D8-F4B3BB105DE6}" type="datetimeFigureOut">
               <a:rPr lang="en-US" smtClean="0"/>
-              <a:t>1/1/24</a:t>
+              <a:t>1/2/24</a:t>
             </a:fld>
             <a:endParaRPr lang="en-US"/>
           </a:p>
@@ -2790,7 +2999,7 @@
           <a:p>
             <a:fld id="{80FC6068-BAFB-FC44-B9D8-F4B3BB105DE6}" type="datetimeFigureOut">
               <a:rPr lang="en-US" smtClean="0"/>
-              <a:t>1/1/24</a:t>
+              <a:t>1/2/24</a:t>
             </a:fld>
             <a:endParaRPr lang="en-US"/>
           </a:p>
@@ -3055,7 +3264,7 @@
           <a:p>
             <a:fld id="{80FC6068-BAFB-FC44-B9D8-F4B3BB105DE6}" type="datetimeFigureOut">
               <a:rPr lang="en-US" smtClean="0"/>
-              <a:t>1/1/24</a:t>
+              <a:t>1/2/24</a:t>
             </a:fld>
             <a:endParaRPr lang="en-US"/>
           </a:p>
@@ -3467,7 +3676,7 @@
           <a:p>
             <a:fld id="{80FC6068-BAFB-FC44-B9D8-F4B3BB105DE6}" type="datetimeFigureOut">
               <a:rPr lang="en-US" smtClean="0"/>
-              <a:t>1/1/24</a:t>
+              <a:t>1/2/24</a:t>
             </a:fld>
             <a:endParaRPr lang="en-US"/>
           </a:p>
@@ -3608,7 +3817,7 @@
           <a:p>
             <a:fld id="{80FC6068-BAFB-FC44-B9D8-F4B3BB105DE6}" type="datetimeFigureOut">
               <a:rPr lang="en-US" smtClean="0"/>
-              <a:t>1/1/24</a:t>
+              <a:t>1/2/24</a:t>
             </a:fld>
             <a:endParaRPr lang="en-US"/>
           </a:p>
@@ -3721,7 +3930,7 @@
           <a:p>
             <a:fld id="{80FC6068-BAFB-FC44-B9D8-F4B3BB105DE6}" type="datetimeFigureOut">
               <a:rPr lang="en-US" smtClean="0"/>
-              <a:t>1/1/24</a:t>
+              <a:t>1/2/24</a:t>
             </a:fld>
             <a:endParaRPr lang="en-US"/>
           </a:p>
@@ -4032,7 +4241,7 @@
           <a:p>
             <a:fld id="{80FC6068-BAFB-FC44-B9D8-F4B3BB105DE6}" type="datetimeFigureOut">
               <a:rPr lang="en-US" smtClean="0"/>
-              <a:t>1/1/24</a:t>
+              <a:t>1/2/24</a:t>
             </a:fld>
             <a:endParaRPr lang="en-US"/>
           </a:p>
@@ -4320,7 +4529,7 @@
           <a:p>
             <a:fld id="{80FC6068-BAFB-FC44-B9D8-F4B3BB105DE6}" type="datetimeFigureOut">
               <a:rPr lang="en-US" smtClean="0"/>
-              <a:t>1/1/24</a:t>
+              <a:t>1/2/24</a:t>
             </a:fld>
             <a:endParaRPr lang="en-US"/>
           </a:p>
@@ -4561,7 +4770,7 @@
           <a:p>
             <a:fld id="{80FC6068-BAFB-FC44-B9D8-F4B3BB105DE6}" type="datetimeFigureOut">
               <a:rPr lang="en-US" smtClean="0"/>
-              <a:t>1/1/24</a:t>
+              <a:t>1/2/24</a:t>
             </a:fld>
             <a:endParaRPr lang="en-US"/>
           </a:p>
@@ -5096,31 +5305,23 @@
         </p:spPr>
         <p:txBody>
           <a:bodyPr>
-            <a:normAutofit fontScale="90000"/>
+            <a:normAutofit/>
           </a:bodyPr>
           <a:lstStyle/>
           <a:p>
             <a:r>
               <a:rPr lang="en-US" dirty="0"/>
-              <a:t>Additional super weak conclusion 2 from myocarditis dataset: highly expanded CD4 TEM TRAs less germline-like in </a:t>
-            </a:r>
-            <a:r>
-              <a:rPr lang="en-US" dirty="0" err="1"/>
-              <a:t>irAE</a:t>
-            </a:r>
-            <a:r>
-              <a:rPr lang="en-US" dirty="0"/>
-              <a:t> patients</a:t>
+              <a:t>Strongest myocarditis conclusion for comparison</a:t>
             </a:r>
           </a:p>
         </p:txBody>
       </p:sp>
       <p:pic>
         <p:nvPicPr>
-          <p:cNvPr id="10" name="Picture 9">
-            <a:extLst>
-              <a:ext uri="{FF2B5EF4-FFF2-40B4-BE49-F238E27FC236}">
-                <a16:creationId xmlns:a16="http://schemas.microsoft.com/office/drawing/2014/main" id="{53EEA28D-131A-ED5F-D1B8-B8A5BBBE9C67}"/>
+          <p:cNvPr id="4" name="Picture 3">
+            <a:extLst>
+              <a:ext uri="{FF2B5EF4-FFF2-40B4-BE49-F238E27FC236}">
+                <a16:creationId xmlns:a16="http://schemas.microsoft.com/office/drawing/2014/main" id="{22064411-2632-A287-93B9-78DA0B6E7314}"/>
               </a:ext>
             </a:extLst>
           </p:cNvPr>
@@ -5137,8 +5338,8 @@
         </p:blipFill>
         <p:spPr>
           <a:xfrm>
-            <a:off x="0" y="2482411"/>
-            <a:ext cx="6271793" cy="3673738"/>
+            <a:off x="1203960" y="1627522"/>
+            <a:ext cx="7772400" cy="4636753"/>
           </a:xfrm>
           <a:prstGeom prst="rect">
             <a:avLst/>
@@ -5147,75 +5348,10 @@
       </p:pic>
       <p:sp>
         <p:nvSpPr>
-          <p:cNvPr id="11" name="TextBox 10">
-            <a:extLst>
-              <a:ext uri="{FF2B5EF4-FFF2-40B4-BE49-F238E27FC236}">
-                <a16:creationId xmlns:a16="http://schemas.microsoft.com/office/drawing/2014/main" id="{F3A11341-32FE-0A8A-0B5E-40D7CFBF2A67}"/>
-              </a:ext>
-            </a:extLst>
-          </p:cNvPr>
-          <p:cNvSpPr txBox="1"/>
-          <p:nvPr/>
-        </p:nvSpPr>
-        <p:spPr>
-          <a:xfrm>
-            <a:off x="1795504" y="2900103"/>
-            <a:ext cx="683535" cy="369332"/>
-          </a:xfrm>
-          <a:prstGeom prst="rect">
-            <a:avLst/>
-          </a:prstGeom>
-          <a:noFill/>
-        </p:spPr>
-        <p:txBody>
-          <a:bodyPr wrap="square" rtlCol="0">
-            <a:spAutoFit/>
-          </a:bodyPr>
-          <a:lstStyle/>
-          <a:p>
-            <a:r>
-              <a:rPr lang="en-US" dirty="0"/>
-              <a:t>*</a:t>
-            </a:r>
-          </a:p>
-        </p:txBody>
-      </p:sp>
-      <p:pic>
-        <p:nvPicPr>
-          <p:cNvPr id="12" name="Picture 11">
-            <a:extLst>
-              <a:ext uri="{FF2B5EF4-FFF2-40B4-BE49-F238E27FC236}">
-                <a16:creationId xmlns:a16="http://schemas.microsoft.com/office/drawing/2014/main" id="{A6C5CDB3-6B3B-21B9-0146-C46995AE0150}"/>
-              </a:ext>
-            </a:extLst>
-          </p:cNvPr>
-          <p:cNvPicPr>
-            <a:picLocks noChangeAspect="1"/>
-          </p:cNvPicPr>
-          <p:nvPr/>
-        </p:nvPicPr>
-        <p:blipFill>
-          <a:blip r:embed="rId4"/>
-          <a:stretch>
-            <a:fillRect/>
-          </a:stretch>
-        </p:blipFill>
-        <p:spPr>
-          <a:xfrm>
-            <a:off x="6690583" y="2295413"/>
-            <a:ext cx="5501417" cy="3211093"/>
-          </a:xfrm>
-          <a:prstGeom prst="rect">
-            <a:avLst/>
-          </a:prstGeom>
-        </p:spPr>
-      </p:pic>
-      <p:sp>
-        <p:nvSpPr>
-          <p:cNvPr id="3" name="TextBox 2">
-            <a:extLst>
-              <a:ext uri="{FF2B5EF4-FFF2-40B4-BE49-F238E27FC236}">
-                <a16:creationId xmlns:a16="http://schemas.microsoft.com/office/drawing/2014/main" id="{DAB45A85-3D1D-DEC2-E20D-C0D63B7818CA}"/>
+          <p:cNvPr id="5" name="TextBox 4">
+            <a:extLst>
+              <a:ext uri="{FF2B5EF4-FFF2-40B4-BE49-F238E27FC236}">
+                <a16:creationId xmlns:a16="http://schemas.microsoft.com/office/drawing/2014/main" id="{F125686D-CEE9-CF68-4BA3-C080BE32C00C}"/>
               </a:ext>
             </a:extLst>
           </p:cNvPr>
@@ -5268,42 +5404,12 @@
           </a:p>
         </p:txBody>
       </p:sp>
-      <p:pic>
-        <p:nvPicPr>
-          <p:cNvPr id="4" name="Picture 3">
-            <a:extLst>
-              <a:ext uri="{FF2B5EF4-FFF2-40B4-BE49-F238E27FC236}">
-                <a16:creationId xmlns:a16="http://schemas.microsoft.com/office/drawing/2014/main" id="{BAA52B71-02EF-A21A-1C08-B97598825ED1}"/>
-              </a:ext>
-            </a:extLst>
-          </p:cNvPr>
-          <p:cNvPicPr>
-            <a:picLocks noChangeAspect="1"/>
-          </p:cNvPicPr>
-          <p:nvPr/>
-        </p:nvPicPr>
-        <p:blipFill>
-          <a:blip r:embed="rId5"/>
-          <a:stretch>
-            <a:fillRect/>
-          </a:stretch>
-        </p:blipFill>
-        <p:spPr>
-          <a:xfrm>
-            <a:off x="0" y="5434934"/>
-            <a:ext cx="3601720" cy="2096823"/>
-          </a:xfrm>
-          <a:prstGeom prst="rect">
-            <a:avLst/>
-          </a:prstGeom>
-        </p:spPr>
-      </p:pic>
-      <p:sp>
-        <p:nvSpPr>
-          <p:cNvPr id="5" name="TextBox 4">
-            <a:extLst>
-              <a:ext uri="{FF2B5EF4-FFF2-40B4-BE49-F238E27FC236}">
-                <a16:creationId xmlns:a16="http://schemas.microsoft.com/office/drawing/2014/main" id="{FEDD680D-41B0-7F3C-70B4-B594B626B1AF}"/>
+      <p:sp>
+        <p:nvSpPr>
+          <p:cNvPr id="6" name="TextBox 5">
+            <a:extLst>
+              <a:ext uri="{FF2B5EF4-FFF2-40B4-BE49-F238E27FC236}">
+                <a16:creationId xmlns:a16="http://schemas.microsoft.com/office/drawing/2014/main" id="{A1FA9CBB-C193-F78E-BE9D-D7887FFB22C7}"/>
               </a:ext>
             </a:extLst>
           </p:cNvPr>
@@ -5312,8 +5418,8 @@
         </p:nvSpPr>
         <p:spPr>
           <a:xfrm>
-            <a:off x="1978384" y="5531906"/>
-            <a:ext cx="683535" cy="369332"/>
+            <a:off x="5645435" y="2219581"/>
+            <a:ext cx="589280" cy="369332"/>
           </a:xfrm>
           <a:prstGeom prst="rect">
             <a:avLst/>
@@ -5333,10 +5439,92 @@
           </a:p>
         </p:txBody>
       </p:sp>
+      <p:sp>
+        <p:nvSpPr>
+          <p:cNvPr id="7" name="TextBox 6">
+            <a:extLst>
+              <a:ext uri="{FF2B5EF4-FFF2-40B4-BE49-F238E27FC236}">
+                <a16:creationId xmlns:a16="http://schemas.microsoft.com/office/drawing/2014/main" id="{AA02738C-558B-5971-7406-F80142D56ECD}"/>
+              </a:ext>
+            </a:extLst>
+          </p:cNvPr>
+          <p:cNvSpPr txBox="1"/>
+          <p:nvPr/>
+        </p:nvSpPr>
+        <p:spPr>
+          <a:xfrm>
+            <a:off x="6905275" y="2219581"/>
+            <a:ext cx="589280" cy="369332"/>
+          </a:xfrm>
+          <a:prstGeom prst="rect">
+            <a:avLst/>
+          </a:prstGeom>
+          <a:noFill/>
+        </p:spPr>
+        <p:txBody>
+          <a:bodyPr wrap="square" rtlCol="0">
+            <a:spAutoFit/>
+          </a:bodyPr>
+          <a:lstStyle/>
+          <a:p>
+            <a:r>
+              <a:rPr lang="en-US" dirty="0"/>
+              <a:t>*</a:t>
+            </a:r>
+          </a:p>
+        </p:txBody>
+      </p:sp>
+      <p:sp>
+        <p:nvSpPr>
+          <p:cNvPr id="3" name="TextBox 2">
+            <a:extLst>
+              <a:ext uri="{FF2B5EF4-FFF2-40B4-BE49-F238E27FC236}">
+                <a16:creationId xmlns:a16="http://schemas.microsoft.com/office/drawing/2014/main" id="{33151649-41B4-9230-8670-C92EC0D33DF7}"/>
+              </a:ext>
+            </a:extLst>
+          </p:cNvPr>
+          <p:cNvSpPr txBox="1"/>
+          <p:nvPr/>
+        </p:nvSpPr>
+        <p:spPr>
+          <a:xfrm>
+            <a:off x="936357" y="6011063"/>
+            <a:ext cx="8260851" cy="369332"/>
+          </a:xfrm>
+          <a:prstGeom prst="rect">
+            <a:avLst/>
+          </a:prstGeom>
+          <a:noFill/>
+        </p:spPr>
+        <p:txBody>
+          <a:bodyPr wrap="none" rtlCol="0">
+            <a:spAutoFit/>
+          </a:bodyPr>
+          <a:lstStyle/>
+          <a:p>
+            <a:r>
+              <a:rPr lang="en-US" dirty="0" err="1"/>
+              <a:t>Havent</a:t>
+            </a:r>
+            <a:r>
+              <a:rPr lang="en-US" dirty="0"/>
+              <a:t> adjusted p </a:t>
+            </a:r>
+            <a:r>
+              <a:rPr lang="en-US" dirty="0" err="1"/>
+              <a:t>val</a:t>
+            </a:r>
+            <a:r>
+              <a:rPr lang="en-US" dirty="0"/>
+              <a:t> yet, also show how its not just not normalized (why its not weak)</a:t>
+            </a:r>
+          </a:p>
+        </p:txBody>
+      </p:sp>
     </p:spTree>
     <p:extLst>
       <p:ext uri="{BB962C8B-B14F-4D97-AF65-F5344CB8AC3E}">
-        <p14:creationId xmlns:p14="http://schemas.microsoft.com/office/powerpoint/2010/main" val="3284446982"/>
+        <p14:creationId xmlns:p14="http://schemas.microsoft.com/office/powerpoint/2010/main" val="2854579076"/>
       </p:ext>
     </p:extLst>
   </p:cSld>
@@ -5393,7 +5581,7 @@
           <a:p>
             <a:r>
               <a:rPr lang="en-US" dirty="0"/>
-              <a:t>Additional super weak conclusion 3 from myocarditis dataset: highly expanded CD4 TCM TRAs less germline-like in </a:t>
+              <a:t>Additional super weak conclusion 1 from myocarditis dataset: highly expanded CD8 Naïve TRBs less germline-like in </a:t>
             </a:r>
             <a:r>
               <a:rPr lang="en-US" dirty="0" err="1"/>
@@ -5408,10 +5596,10 @@
       </p:sp>
       <p:pic>
         <p:nvPicPr>
-          <p:cNvPr id="4" name="Picture 3">
-            <a:extLst>
-              <a:ext uri="{FF2B5EF4-FFF2-40B4-BE49-F238E27FC236}">
-                <a16:creationId xmlns:a16="http://schemas.microsoft.com/office/drawing/2014/main" id="{CB0345FA-A8C3-8FB2-F846-0BE892530310}"/>
+          <p:cNvPr id="21" name="Picture 20">
+            <a:extLst>
+              <a:ext uri="{FF2B5EF4-FFF2-40B4-BE49-F238E27FC236}">
+                <a16:creationId xmlns:a16="http://schemas.microsoft.com/office/drawing/2014/main" id="{8ED9DADA-4E48-4BA5-2B94-7B3234667549}"/>
               </a:ext>
             </a:extLst>
           </p:cNvPr>
@@ -5428,8 +5616,8 @@
         </p:blipFill>
         <p:spPr>
           <a:xfrm>
-            <a:off x="0" y="2482197"/>
-            <a:ext cx="5357431" cy="3015978"/>
+            <a:off x="211423" y="2104276"/>
+            <a:ext cx="6124440" cy="3523293"/>
           </a:xfrm>
           <a:prstGeom prst="rect">
             <a:avLst/>
@@ -5438,10 +5626,10 @@
       </p:pic>
       <p:sp>
         <p:nvSpPr>
-          <p:cNvPr id="5" name="TextBox 4">
-            <a:extLst>
-              <a:ext uri="{FF2B5EF4-FFF2-40B4-BE49-F238E27FC236}">
-                <a16:creationId xmlns:a16="http://schemas.microsoft.com/office/drawing/2014/main" id="{4FC1DBAB-4112-92CC-8453-666F98679938}"/>
+          <p:cNvPr id="22" name="TextBox 21">
+            <a:extLst>
+              <a:ext uri="{FF2B5EF4-FFF2-40B4-BE49-F238E27FC236}">
+                <a16:creationId xmlns:a16="http://schemas.microsoft.com/office/drawing/2014/main" id="{FB933261-9B70-5795-4D85-5E2FBB60D324}"/>
               </a:ext>
             </a:extLst>
           </p:cNvPr>
@@ -5450,8 +5638,8 @@
         </p:nvSpPr>
         <p:spPr>
           <a:xfrm>
-            <a:off x="1493520" y="2651728"/>
-            <a:ext cx="300082" cy="369332"/>
+            <a:off x="1934725" y="2528037"/>
+            <a:ext cx="415498" cy="369332"/>
           </a:xfrm>
           <a:prstGeom prst="rect">
             <a:avLst/>
@@ -5466,17 +5654,17 @@
           <a:p>
             <a:r>
               <a:rPr lang="en-US" dirty="0"/>
-              <a:t>*</a:t>
+              <a:t>**</a:t>
             </a:r>
           </a:p>
         </p:txBody>
       </p:sp>
       <p:pic>
         <p:nvPicPr>
-          <p:cNvPr id="6" name="Picture 5">
-            <a:extLst>
-              <a:ext uri="{FF2B5EF4-FFF2-40B4-BE49-F238E27FC236}">
-                <a16:creationId xmlns:a16="http://schemas.microsoft.com/office/drawing/2014/main" id="{72C5FA71-987C-D11A-FF0C-09FE4B7AF7D3}"/>
+          <p:cNvPr id="24" name="Picture 23">
+            <a:extLst>
+              <a:ext uri="{FF2B5EF4-FFF2-40B4-BE49-F238E27FC236}">
+                <a16:creationId xmlns:a16="http://schemas.microsoft.com/office/drawing/2014/main" id="{6195BBD5-08DD-16AD-FAB1-129B3A23552C}"/>
               </a:ext>
             </a:extLst>
           </p:cNvPr>
@@ -5493,8 +5681,8 @@
         </p:blipFill>
         <p:spPr>
           <a:xfrm>
-            <a:off x="6138307" y="2364252"/>
-            <a:ext cx="5770657" cy="3367603"/>
+            <a:off x="5877207" y="2213884"/>
+            <a:ext cx="6330513" cy="3598673"/>
           </a:xfrm>
           <a:prstGeom prst="rect">
             <a:avLst/>
@@ -5506,7 +5694,7 @@
           <p:cNvPr id="3" name="TextBox 2">
             <a:extLst>
               <a:ext uri="{FF2B5EF4-FFF2-40B4-BE49-F238E27FC236}">
-                <a16:creationId xmlns:a16="http://schemas.microsoft.com/office/drawing/2014/main" id="{9CC0B7DE-843F-4F91-7B15-E95101715101}"/>
+                <a16:creationId xmlns:a16="http://schemas.microsoft.com/office/drawing/2014/main" id="{B710E3F1-65C1-846E-8D4A-82F1005D4DA6}"/>
               </a:ext>
             </a:extLst>
           </p:cNvPr>
@@ -5561,10 +5749,10 @@
       </p:sp>
       <p:pic>
         <p:nvPicPr>
-          <p:cNvPr id="7" name="Picture 6">
-            <a:extLst>
-              <a:ext uri="{FF2B5EF4-FFF2-40B4-BE49-F238E27FC236}">
-                <a16:creationId xmlns:a16="http://schemas.microsoft.com/office/drawing/2014/main" id="{CD234FE6-D8A4-411B-4B41-29579B2DEB11}"/>
+          <p:cNvPr id="5" name="Picture 4">
+            <a:extLst>
+              <a:ext uri="{FF2B5EF4-FFF2-40B4-BE49-F238E27FC236}">
+                <a16:creationId xmlns:a16="http://schemas.microsoft.com/office/drawing/2014/main" id="{8657F2FC-0AA5-A814-38D4-B44F59E8444B}"/>
               </a:ext>
             </a:extLst>
           </p:cNvPr>
@@ -5581,8 +5769,8 @@
         </p:blipFill>
         <p:spPr>
           <a:xfrm>
-            <a:off x="-81431" y="5299847"/>
-            <a:ext cx="3886200" cy="2366997"/>
+            <a:off x="210065" y="5440528"/>
+            <a:ext cx="3449320" cy="2085635"/>
           </a:xfrm>
           <a:prstGeom prst="rect">
             <a:avLst/>
@@ -5591,10 +5779,10 @@
       </p:pic>
       <p:sp>
         <p:nvSpPr>
-          <p:cNvPr id="8" name="TextBox 7">
-            <a:extLst>
-              <a:ext uri="{FF2B5EF4-FFF2-40B4-BE49-F238E27FC236}">
-                <a16:creationId xmlns:a16="http://schemas.microsoft.com/office/drawing/2014/main" id="{A222B6C0-8A6D-09FE-92C5-EFF607487A84}"/>
+          <p:cNvPr id="6" name="TextBox 5">
+            <a:extLst>
+              <a:ext uri="{FF2B5EF4-FFF2-40B4-BE49-F238E27FC236}">
+                <a16:creationId xmlns:a16="http://schemas.microsoft.com/office/drawing/2014/main" id="{0FC37743-9597-BF34-452A-AB3A4E096E23}"/>
               </a:ext>
             </a:extLst>
           </p:cNvPr>
@@ -5603,8 +5791,8 @@
         </p:nvSpPr>
         <p:spPr>
           <a:xfrm>
-            <a:off x="2089435" y="5440301"/>
-            <a:ext cx="589280" cy="369332"/>
+            <a:off x="2094937" y="5606090"/>
+            <a:ext cx="415498" cy="369332"/>
           </a:xfrm>
           <a:prstGeom prst="rect">
             <a:avLst/>
@@ -5612,14 +5800,14 @@
           <a:noFill/>
         </p:spPr>
         <p:txBody>
-          <a:bodyPr wrap="square" rtlCol="0">
+          <a:bodyPr wrap="none" rtlCol="0">
             <a:spAutoFit/>
           </a:bodyPr>
           <a:lstStyle/>
           <a:p>
             <a:r>
               <a:rPr lang="en-US" dirty="0"/>
-              <a:t>*</a:t>
+              <a:t>**</a:t>
             </a:r>
           </a:p>
         </p:txBody>
@@ -5627,7 +5815,7 @@
     </p:spTree>
     <p:extLst>
       <p:ext uri="{BB962C8B-B14F-4D97-AF65-F5344CB8AC3E}">
-        <p14:creationId xmlns:p14="http://schemas.microsoft.com/office/powerpoint/2010/main" val="778138977"/>
+        <p14:creationId xmlns:p14="http://schemas.microsoft.com/office/powerpoint/2010/main" val="83269482"/>
       </p:ext>
     </p:extLst>
   </p:cSld>
@@ -5678,93 +5866,31 @@
         </p:spPr>
         <p:txBody>
           <a:bodyPr>
-            <a:normAutofit/>
+            <a:normAutofit fontScale="90000"/>
           </a:bodyPr>
           <a:lstStyle/>
           <a:p>
             <a:r>
-              <a:rPr lang="en-US"/>
-              <a:t>Weak conclusion </a:t>
-            </a:r>
-            <a:r>
               <a:rPr lang="en-US" dirty="0"/>
-              <a:t>1</a:t>
-            </a:r>
-            <a:r>
-              <a:rPr lang="en-US"/>
-              <a:t> </a:t>
+              <a:t>Additional super weak conclusion 2 from myocarditis dataset: highly expanded CD4 TEM TRAs less germline-like in </a:t>
+            </a:r>
+            <a:r>
+              <a:rPr lang="en-US" dirty="0" err="1"/>
+              <a:t>irAE</a:t>
             </a:r>
             <a:r>
               <a:rPr lang="en-US" dirty="0"/>
-              <a:t>from colitis dataset (seen last week):</a:t>
-            </a:r>
-          </a:p>
-        </p:txBody>
-      </p:sp>
-      <p:sp>
-        <p:nvSpPr>
-          <p:cNvPr id="3" name="TextBox 2">
-            <a:extLst>
-              <a:ext uri="{FF2B5EF4-FFF2-40B4-BE49-F238E27FC236}">
-                <a16:creationId xmlns:a16="http://schemas.microsoft.com/office/drawing/2014/main" id="{9CC0B7DE-843F-4F91-7B15-E95101715101}"/>
-              </a:ext>
-            </a:extLst>
-          </p:cNvPr>
-          <p:cNvSpPr txBox="1"/>
-          <p:nvPr/>
-        </p:nvSpPr>
-        <p:spPr>
-          <a:xfrm>
-            <a:off x="3483977" y="6483346"/>
-            <a:ext cx="4573688" cy="369332"/>
-          </a:xfrm>
-          <a:prstGeom prst="rect">
-            <a:avLst/>
-          </a:prstGeom>
-          <a:noFill/>
-        </p:spPr>
-        <p:txBody>
-          <a:bodyPr wrap="none" rtlCol="0">
-            <a:spAutoFit/>
-          </a:bodyPr>
-          <a:lstStyle/>
-          <a:p>
-            <a:r>
-              <a:rPr lang="en-US" dirty="0"/>
-              <a:t>Wilcoxon rank sum test.</a:t>
-            </a:r>
-            <a:r>
-              <a:rPr lang="en-US" dirty="0">
-                <a:latin typeface="Calibri" panose="020F0502020204030204" pitchFamily="34" charset="0"/>
-                <a:cs typeface="Times New Roman" panose="02020603050405020304" pitchFamily="18" charset="0"/>
-              </a:rPr>
-              <a:t> </a:t>
-            </a:r>
-            <a:r>
-              <a:rPr lang="en-US" sz="1800" dirty="0">
-                <a:effectLst/>
-                <a:latin typeface="Calibri" panose="020F0502020204030204" pitchFamily="34" charset="0"/>
-                <a:ea typeface="Calibri" panose="020F0502020204030204" pitchFamily="34" charset="0"/>
-                <a:cs typeface="Times New Roman" panose="02020603050405020304" pitchFamily="18" charset="0"/>
-              </a:rPr>
-              <a:t>**, p &lt;1e-2; *; p &lt;0.05</a:t>
-            </a:r>
-            <a:endParaRPr lang="en-US" b="0" i="0" u="none" strike="noStrike" dirty="0">
-              <a:solidFill>
-                <a:srgbClr val="212121"/>
-              </a:solidFill>
-              <a:effectLst/>
-              <a:latin typeface="Cambria" panose="02040503050406030204" pitchFamily="18" charset="0"/>
-            </a:endParaRPr>
+              <a:t> patients</a:t>
+            </a:r>
           </a:p>
         </p:txBody>
       </p:sp>
       <p:pic>
         <p:nvPicPr>
-          <p:cNvPr id="5" name="Picture 4">
-            <a:extLst>
-              <a:ext uri="{FF2B5EF4-FFF2-40B4-BE49-F238E27FC236}">
-                <a16:creationId xmlns:a16="http://schemas.microsoft.com/office/drawing/2014/main" id="{0FAF4098-EA3F-8047-A14D-0DB653ECA8CD}"/>
+          <p:cNvPr id="10" name="Picture 9">
+            <a:extLst>
+              <a:ext uri="{FF2B5EF4-FFF2-40B4-BE49-F238E27FC236}">
+                <a16:creationId xmlns:a16="http://schemas.microsoft.com/office/drawing/2014/main" id="{53EEA28D-131A-ED5F-D1B8-B8A5BBBE9C67}"/>
               </a:ext>
             </a:extLst>
           </p:cNvPr>
@@ -5781,8 +5907,8 @@
         </p:blipFill>
         <p:spPr>
           <a:xfrm>
-            <a:off x="2209800" y="2753359"/>
-            <a:ext cx="5087716" cy="2860939"/>
+            <a:off x="0" y="2482411"/>
+            <a:ext cx="6271793" cy="3673738"/>
           </a:xfrm>
           <a:prstGeom prst="rect">
             <a:avLst/>
@@ -5791,10 +5917,10 @@
       </p:pic>
       <p:sp>
         <p:nvSpPr>
-          <p:cNvPr id="6" name="TextBox 5">
-            <a:extLst>
-              <a:ext uri="{FF2B5EF4-FFF2-40B4-BE49-F238E27FC236}">
-                <a16:creationId xmlns:a16="http://schemas.microsoft.com/office/drawing/2014/main" id="{2AD06CAF-DA31-938F-C215-BD840618A111}"/>
+          <p:cNvPr id="11" name="TextBox 10">
+            <a:extLst>
+              <a:ext uri="{FF2B5EF4-FFF2-40B4-BE49-F238E27FC236}">
+                <a16:creationId xmlns:a16="http://schemas.microsoft.com/office/drawing/2014/main" id="{F3A11341-32FE-0A8A-0B5E-40D7CFBF2A67}"/>
               </a:ext>
             </a:extLst>
           </p:cNvPr>
@@ -5803,8 +5929,8 @@
         </p:nvSpPr>
         <p:spPr>
           <a:xfrm>
-            <a:off x="4277360" y="5842000"/>
-            <a:ext cx="2804679" cy="369332"/>
+            <a:off x="1795504" y="2900103"/>
+            <a:ext cx="683535" cy="369332"/>
           </a:xfrm>
           <a:prstGeom prst="rect">
             <a:avLst/>
@@ -5812,24 +5938,54 @@
           <a:noFill/>
         </p:spPr>
         <p:txBody>
-          <a:bodyPr wrap="none" rtlCol="0">
+          <a:bodyPr wrap="square" rtlCol="0">
             <a:spAutoFit/>
           </a:bodyPr>
           <a:lstStyle/>
           <a:p>
             <a:r>
               <a:rPr lang="en-US" dirty="0"/>
-              <a:t>Label wrong not normalized</a:t>
-            </a:r>
-          </a:p>
-        </p:txBody>
-      </p:sp>
-      <p:sp>
-        <p:nvSpPr>
-          <p:cNvPr id="7" name="TextBox 6">
-            <a:extLst>
-              <a:ext uri="{FF2B5EF4-FFF2-40B4-BE49-F238E27FC236}">
-                <a16:creationId xmlns:a16="http://schemas.microsoft.com/office/drawing/2014/main" id="{A7A97028-62D0-E4A6-8B67-1495CFF0B258}"/>
+              <a:t>*</a:t>
+            </a:r>
+          </a:p>
+        </p:txBody>
+      </p:sp>
+      <p:pic>
+        <p:nvPicPr>
+          <p:cNvPr id="12" name="Picture 11">
+            <a:extLst>
+              <a:ext uri="{FF2B5EF4-FFF2-40B4-BE49-F238E27FC236}">
+                <a16:creationId xmlns:a16="http://schemas.microsoft.com/office/drawing/2014/main" id="{A6C5CDB3-6B3B-21B9-0146-C46995AE0150}"/>
+              </a:ext>
+            </a:extLst>
+          </p:cNvPr>
+          <p:cNvPicPr>
+            <a:picLocks noChangeAspect="1"/>
+          </p:cNvPicPr>
+          <p:nvPr/>
+        </p:nvPicPr>
+        <p:blipFill>
+          <a:blip r:embed="rId4"/>
+          <a:stretch>
+            <a:fillRect/>
+          </a:stretch>
+        </p:blipFill>
+        <p:spPr>
+          <a:xfrm>
+            <a:off x="6690583" y="2295413"/>
+            <a:ext cx="5501417" cy="3211093"/>
+          </a:xfrm>
+          <a:prstGeom prst="rect">
+            <a:avLst/>
+          </a:prstGeom>
+        </p:spPr>
+      </p:pic>
+      <p:sp>
+        <p:nvSpPr>
+          <p:cNvPr id="3" name="TextBox 2">
+            <a:extLst>
+              <a:ext uri="{FF2B5EF4-FFF2-40B4-BE49-F238E27FC236}">
+                <a16:creationId xmlns:a16="http://schemas.microsoft.com/office/drawing/2014/main" id="{DAB45A85-3D1D-DEC2-E20D-C0D63B7818CA}"/>
               </a:ext>
             </a:extLst>
           </p:cNvPr>
@@ -5838,8 +5994,8 @@
         </p:nvSpPr>
         <p:spPr>
           <a:xfrm>
-            <a:off x="5698538" y="3059668"/>
-            <a:ext cx="641302" cy="369332"/>
+            <a:off x="3483977" y="6483346"/>
+            <a:ext cx="4573688" cy="369332"/>
           </a:xfrm>
           <a:prstGeom prst="rect">
             <a:avLst/>
@@ -5847,6 +6003,94 @@
           <a:noFill/>
         </p:spPr>
         <p:txBody>
+          <a:bodyPr wrap="none" rtlCol="0">
+            <a:spAutoFit/>
+          </a:bodyPr>
+          <a:lstStyle/>
+          <a:p>
+            <a:r>
+              <a:rPr lang="en-US" dirty="0"/>
+              <a:t>Wilcoxon rank sum test.</a:t>
+            </a:r>
+            <a:r>
+              <a:rPr lang="en-US" dirty="0">
+                <a:latin typeface="Calibri" panose="020F0502020204030204" pitchFamily="34" charset="0"/>
+                <a:cs typeface="Times New Roman" panose="02020603050405020304" pitchFamily="18" charset="0"/>
+              </a:rPr>
+              <a:t> </a:t>
+            </a:r>
+            <a:r>
+              <a:rPr lang="en-US" sz="1800" dirty="0">
+                <a:effectLst/>
+                <a:latin typeface="Calibri" panose="020F0502020204030204" pitchFamily="34" charset="0"/>
+                <a:ea typeface="Calibri" panose="020F0502020204030204" pitchFamily="34" charset="0"/>
+                <a:cs typeface="Times New Roman" panose="02020603050405020304" pitchFamily="18" charset="0"/>
+              </a:rPr>
+              <a:t>**, p &lt;1e-2; *; p &lt;0.05</a:t>
+            </a:r>
+            <a:endParaRPr lang="en-US" b="0" i="0" u="none" strike="noStrike" dirty="0">
+              <a:solidFill>
+                <a:srgbClr val="212121"/>
+              </a:solidFill>
+              <a:effectLst/>
+              <a:latin typeface="Cambria" panose="02040503050406030204" pitchFamily="18" charset="0"/>
+            </a:endParaRPr>
+          </a:p>
+        </p:txBody>
+      </p:sp>
+      <p:pic>
+        <p:nvPicPr>
+          <p:cNvPr id="4" name="Picture 3">
+            <a:extLst>
+              <a:ext uri="{FF2B5EF4-FFF2-40B4-BE49-F238E27FC236}">
+                <a16:creationId xmlns:a16="http://schemas.microsoft.com/office/drawing/2014/main" id="{BAA52B71-02EF-A21A-1C08-B97598825ED1}"/>
+              </a:ext>
+            </a:extLst>
+          </p:cNvPr>
+          <p:cNvPicPr>
+            <a:picLocks noChangeAspect="1"/>
+          </p:cNvPicPr>
+          <p:nvPr/>
+        </p:nvPicPr>
+        <p:blipFill>
+          <a:blip r:embed="rId5"/>
+          <a:stretch>
+            <a:fillRect/>
+          </a:stretch>
+        </p:blipFill>
+        <p:spPr>
+          <a:xfrm>
+            <a:off x="0" y="5434934"/>
+            <a:ext cx="3601720" cy="2096823"/>
+          </a:xfrm>
+          <a:prstGeom prst="rect">
+            <a:avLst/>
+          </a:prstGeom>
+        </p:spPr>
+      </p:pic>
+      <p:sp>
+        <p:nvSpPr>
+          <p:cNvPr id="5" name="TextBox 4">
+            <a:extLst>
+              <a:ext uri="{FF2B5EF4-FFF2-40B4-BE49-F238E27FC236}">
+                <a16:creationId xmlns:a16="http://schemas.microsoft.com/office/drawing/2014/main" id="{FEDD680D-41B0-7F3C-70B4-B594B626B1AF}"/>
+              </a:ext>
+            </a:extLst>
+          </p:cNvPr>
+          <p:cNvSpPr txBox="1"/>
+          <p:nvPr/>
+        </p:nvSpPr>
+        <p:spPr>
+          <a:xfrm>
+            <a:off x="1978384" y="5531906"/>
+            <a:ext cx="683535" cy="369332"/>
+          </a:xfrm>
+          <a:prstGeom prst="rect">
+            <a:avLst/>
+          </a:prstGeom>
+          <a:noFill/>
+        </p:spPr>
+        <p:txBody>
           <a:bodyPr wrap="square" rtlCol="0">
             <a:spAutoFit/>
           </a:bodyPr>
@@ -5862,7 +6106,7 @@
     </p:spTree>
     <p:extLst>
       <p:ext uri="{BB962C8B-B14F-4D97-AF65-F5344CB8AC3E}">
-        <p14:creationId xmlns:p14="http://schemas.microsoft.com/office/powerpoint/2010/main" val="3033499721"/>
+        <p14:creationId xmlns:p14="http://schemas.microsoft.com/office/powerpoint/2010/main" val="3284446982"/>
       </p:ext>
     </p:extLst>
   </p:cSld>
@@ -5919,6 +6163,532 @@
           <a:p>
             <a:r>
               <a:rPr lang="en-US" dirty="0"/>
+              <a:t>Additional super weak conclusion 3 from myocarditis dataset: highly expanded CD4 TCM TRAs less germline-like in </a:t>
+            </a:r>
+            <a:r>
+              <a:rPr lang="en-US" dirty="0" err="1"/>
+              <a:t>irAE</a:t>
+            </a:r>
+            <a:r>
+              <a:rPr lang="en-US" dirty="0"/>
+              <a:t> patients</a:t>
+            </a:r>
+          </a:p>
+        </p:txBody>
+      </p:sp>
+      <p:pic>
+        <p:nvPicPr>
+          <p:cNvPr id="4" name="Picture 3">
+            <a:extLst>
+              <a:ext uri="{FF2B5EF4-FFF2-40B4-BE49-F238E27FC236}">
+                <a16:creationId xmlns:a16="http://schemas.microsoft.com/office/drawing/2014/main" id="{CB0345FA-A8C3-8FB2-F846-0BE892530310}"/>
+              </a:ext>
+            </a:extLst>
+          </p:cNvPr>
+          <p:cNvPicPr>
+            <a:picLocks noChangeAspect="1"/>
+          </p:cNvPicPr>
+          <p:nvPr/>
+        </p:nvPicPr>
+        <p:blipFill>
+          <a:blip r:embed="rId3"/>
+          <a:stretch>
+            <a:fillRect/>
+          </a:stretch>
+        </p:blipFill>
+        <p:spPr>
+          <a:xfrm>
+            <a:off x="0" y="2482197"/>
+            <a:ext cx="5357431" cy="3015978"/>
+          </a:xfrm>
+          <a:prstGeom prst="rect">
+            <a:avLst/>
+          </a:prstGeom>
+        </p:spPr>
+      </p:pic>
+      <p:sp>
+        <p:nvSpPr>
+          <p:cNvPr id="5" name="TextBox 4">
+            <a:extLst>
+              <a:ext uri="{FF2B5EF4-FFF2-40B4-BE49-F238E27FC236}">
+                <a16:creationId xmlns:a16="http://schemas.microsoft.com/office/drawing/2014/main" id="{4FC1DBAB-4112-92CC-8453-666F98679938}"/>
+              </a:ext>
+            </a:extLst>
+          </p:cNvPr>
+          <p:cNvSpPr txBox="1"/>
+          <p:nvPr/>
+        </p:nvSpPr>
+        <p:spPr>
+          <a:xfrm>
+            <a:off x="1493520" y="2651728"/>
+            <a:ext cx="300082" cy="369332"/>
+          </a:xfrm>
+          <a:prstGeom prst="rect">
+            <a:avLst/>
+          </a:prstGeom>
+          <a:noFill/>
+        </p:spPr>
+        <p:txBody>
+          <a:bodyPr wrap="none" rtlCol="0">
+            <a:spAutoFit/>
+          </a:bodyPr>
+          <a:lstStyle/>
+          <a:p>
+            <a:r>
+              <a:rPr lang="en-US" dirty="0"/>
+              <a:t>*</a:t>
+            </a:r>
+          </a:p>
+        </p:txBody>
+      </p:sp>
+      <p:pic>
+        <p:nvPicPr>
+          <p:cNvPr id="6" name="Picture 5">
+            <a:extLst>
+              <a:ext uri="{FF2B5EF4-FFF2-40B4-BE49-F238E27FC236}">
+                <a16:creationId xmlns:a16="http://schemas.microsoft.com/office/drawing/2014/main" id="{72C5FA71-987C-D11A-FF0C-09FE4B7AF7D3}"/>
+              </a:ext>
+            </a:extLst>
+          </p:cNvPr>
+          <p:cNvPicPr>
+            <a:picLocks noChangeAspect="1"/>
+          </p:cNvPicPr>
+          <p:nvPr/>
+        </p:nvPicPr>
+        <p:blipFill>
+          <a:blip r:embed="rId4"/>
+          <a:stretch>
+            <a:fillRect/>
+          </a:stretch>
+        </p:blipFill>
+        <p:spPr>
+          <a:xfrm>
+            <a:off x="6138307" y="2364252"/>
+            <a:ext cx="5770657" cy="3367603"/>
+          </a:xfrm>
+          <a:prstGeom prst="rect">
+            <a:avLst/>
+          </a:prstGeom>
+        </p:spPr>
+      </p:pic>
+      <p:sp>
+        <p:nvSpPr>
+          <p:cNvPr id="3" name="TextBox 2">
+            <a:extLst>
+              <a:ext uri="{FF2B5EF4-FFF2-40B4-BE49-F238E27FC236}">
+                <a16:creationId xmlns:a16="http://schemas.microsoft.com/office/drawing/2014/main" id="{9CC0B7DE-843F-4F91-7B15-E95101715101}"/>
+              </a:ext>
+            </a:extLst>
+          </p:cNvPr>
+          <p:cNvSpPr txBox="1"/>
+          <p:nvPr/>
+        </p:nvSpPr>
+        <p:spPr>
+          <a:xfrm>
+            <a:off x="3483977" y="6483346"/>
+            <a:ext cx="4573688" cy="369332"/>
+          </a:xfrm>
+          <a:prstGeom prst="rect">
+            <a:avLst/>
+          </a:prstGeom>
+          <a:noFill/>
+        </p:spPr>
+        <p:txBody>
+          <a:bodyPr wrap="none" rtlCol="0">
+            <a:spAutoFit/>
+          </a:bodyPr>
+          <a:lstStyle/>
+          <a:p>
+            <a:r>
+              <a:rPr lang="en-US" dirty="0"/>
+              <a:t>Wilcoxon rank sum test.</a:t>
+            </a:r>
+            <a:r>
+              <a:rPr lang="en-US" dirty="0">
+                <a:latin typeface="Calibri" panose="020F0502020204030204" pitchFamily="34" charset="0"/>
+                <a:cs typeface="Times New Roman" panose="02020603050405020304" pitchFamily="18" charset="0"/>
+              </a:rPr>
+              <a:t> </a:t>
+            </a:r>
+            <a:r>
+              <a:rPr lang="en-US" sz="1800" dirty="0">
+                <a:effectLst/>
+                <a:latin typeface="Calibri" panose="020F0502020204030204" pitchFamily="34" charset="0"/>
+                <a:ea typeface="Calibri" panose="020F0502020204030204" pitchFamily="34" charset="0"/>
+                <a:cs typeface="Times New Roman" panose="02020603050405020304" pitchFamily="18" charset="0"/>
+              </a:rPr>
+              <a:t>**, p &lt;1e-2; *; p &lt;0.05</a:t>
+            </a:r>
+            <a:endParaRPr lang="en-US" b="0" i="0" u="none" strike="noStrike" dirty="0">
+              <a:solidFill>
+                <a:srgbClr val="212121"/>
+              </a:solidFill>
+              <a:effectLst/>
+              <a:latin typeface="Cambria" panose="02040503050406030204" pitchFamily="18" charset="0"/>
+            </a:endParaRPr>
+          </a:p>
+        </p:txBody>
+      </p:sp>
+      <p:pic>
+        <p:nvPicPr>
+          <p:cNvPr id="7" name="Picture 6">
+            <a:extLst>
+              <a:ext uri="{FF2B5EF4-FFF2-40B4-BE49-F238E27FC236}">
+                <a16:creationId xmlns:a16="http://schemas.microsoft.com/office/drawing/2014/main" id="{CD234FE6-D8A4-411B-4B41-29579B2DEB11}"/>
+              </a:ext>
+            </a:extLst>
+          </p:cNvPr>
+          <p:cNvPicPr>
+            <a:picLocks noChangeAspect="1"/>
+          </p:cNvPicPr>
+          <p:nvPr/>
+        </p:nvPicPr>
+        <p:blipFill>
+          <a:blip r:embed="rId5"/>
+          <a:stretch>
+            <a:fillRect/>
+          </a:stretch>
+        </p:blipFill>
+        <p:spPr>
+          <a:xfrm>
+            <a:off x="-81431" y="5299847"/>
+            <a:ext cx="3886200" cy="2366997"/>
+          </a:xfrm>
+          <a:prstGeom prst="rect">
+            <a:avLst/>
+          </a:prstGeom>
+        </p:spPr>
+      </p:pic>
+      <p:sp>
+        <p:nvSpPr>
+          <p:cNvPr id="8" name="TextBox 7">
+            <a:extLst>
+              <a:ext uri="{FF2B5EF4-FFF2-40B4-BE49-F238E27FC236}">
+                <a16:creationId xmlns:a16="http://schemas.microsoft.com/office/drawing/2014/main" id="{A222B6C0-8A6D-09FE-92C5-EFF607487A84}"/>
+              </a:ext>
+            </a:extLst>
+          </p:cNvPr>
+          <p:cNvSpPr txBox="1"/>
+          <p:nvPr/>
+        </p:nvSpPr>
+        <p:spPr>
+          <a:xfrm>
+            <a:off x="2089435" y="5440301"/>
+            <a:ext cx="589280" cy="369332"/>
+          </a:xfrm>
+          <a:prstGeom prst="rect">
+            <a:avLst/>
+          </a:prstGeom>
+          <a:noFill/>
+        </p:spPr>
+        <p:txBody>
+          <a:bodyPr wrap="square" rtlCol="0">
+            <a:spAutoFit/>
+          </a:bodyPr>
+          <a:lstStyle/>
+          <a:p>
+            <a:r>
+              <a:rPr lang="en-US" dirty="0"/>
+              <a:t>*</a:t>
+            </a:r>
+          </a:p>
+        </p:txBody>
+      </p:sp>
+    </p:spTree>
+    <p:extLst>
+      <p:ext uri="{BB962C8B-B14F-4D97-AF65-F5344CB8AC3E}">
+        <p14:creationId xmlns:p14="http://schemas.microsoft.com/office/powerpoint/2010/main" val="778138977"/>
+      </p:ext>
+    </p:extLst>
+  </p:cSld>
+  <p:clrMapOvr>
+    <a:masterClrMapping/>
+  </p:clrMapOvr>
+</p:sld>
+</file>
+
+<file path=ppt/slides/slide14.xml><?xml version="1.0" encoding="utf-8"?>
+<p:sld xmlns:a="http://schemas.openxmlformats.org/drawingml/2006/main" xmlns:r="http://schemas.openxmlformats.org/officeDocument/2006/relationships" xmlns:p="http://schemas.openxmlformats.org/presentationml/2006/main">
+  <p:cSld>
+    <p:spTree>
+      <p:nvGrpSpPr>
+        <p:cNvPr id="1" name=""/>
+        <p:cNvGrpSpPr/>
+        <p:nvPr/>
+      </p:nvGrpSpPr>
+      <p:grpSpPr>
+        <a:xfrm>
+          <a:off x="0" y="0"/>
+          <a:ext cx="0" cy="0"/>
+          <a:chOff x="0" y="0"/>
+          <a:chExt cx="0" cy="0"/>
+        </a:xfrm>
+      </p:grpSpPr>
+      <p:sp>
+        <p:nvSpPr>
+          <p:cNvPr id="2" name="Title 1">
+            <a:extLst>
+              <a:ext uri="{FF2B5EF4-FFF2-40B4-BE49-F238E27FC236}">
+                <a16:creationId xmlns:a16="http://schemas.microsoft.com/office/drawing/2014/main" id="{70A4C97D-8F21-3D3B-6A90-EA7145324964}"/>
+              </a:ext>
+            </a:extLst>
+          </p:cNvPr>
+          <p:cNvSpPr>
+            <a:spLocks noGrp="1"/>
+          </p:cNvSpPr>
+          <p:nvPr>
+            <p:ph type="title"/>
+          </p:nvPr>
+        </p:nvSpPr>
+        <p:spPr>
+          <a:xfrm>
+            <a:off x="838200" y="593725"/>
+            <a:ext cx="10515600" cy="1325563"/>
+          </a:xfrm>
+        </p:spPr>
+        <p:txBody>
+          <a:bodyPr>
+            <a:normAutofit/>
+          </a:bodyPr>
+          <a:lstStyle/>
+          <a:p>
+            <a:r>
+              <a:rPr lang="en-US"/>
+              <a:t>Weak conclusion </a:t>
+            </a:r>
+            <a:r>
+              <a:rPr lang="en-US" dirty="0"/>
+              <a:t>1</a:t>
+            </a:r>
+            <a:r>
+              <a:rPr lang="en-US"/>
+              <a:t> </a:t>
+            </a:r>
+            <a:r>
+              <a:rPr lang="en-US" dirty="0"/>
+              <a:t>from colitis dataset (seen last week):</a:t>
+            </a:r>
+          </a:p>
+        </p:txBody>
+      </p:sp>
+      <p:sp>
+        <p:nvSpPr>
+          <p:cNvPr id="3" name="TextBox 2">
+            <a:extLst>
+              <a:ext uri="{FF2B5EF4-FFF2-40B4-BE49-F238E27FC236}">
+                <a16:creationId xmlns:a16="http://schemas.microsoft.com/office/drawing/2014/main" id="{9CC0B7DE-843F-4F91-7B15-E95101715101}"/>
+              </a:ext>
+            </a:extLst>
+          </p:cNvPr>
+          <p:cNvSpPr txBox="1"/>
+          <p:nvPr/>
+        </p:nvSpPr>
+        <p:spPr>
+          <a:xfrm>
+            <a:off x="3483977" y="6483346"/>
+            <a:ext cx="4573688" cy="369332"/>
+          </a:xfrm>
+          <a:prstGeom prst="rect">
+            <a:avLst/>
+          </a:prstGeom>
+          <a:noFill/>
+        </p:spPr>
+        <p:txBody>
+          <a:bodyPr wrap="none" rtlCol="0">
+            <a:spAutoFit/>
+          </a:bodyPr>
+          <a:lstStyle/>
+          <a:p>
+            <a:r>
+              <a:rPr lang="en-US" dirty="0"/>
+              <a:t>Wilcoxon rank sum test.</a:t>
+            </a:r>
+            <a:r>
+              <a:rPr lang="en-US" dirty="0">
+                <a:latin typeface="Calibri" panose="020F0502020204030204" pitchFamily="34" charset="0"/>
+                <a:cs typeface="Times New Roman" panose="02020603050405020304" pitchFamily="18" charset="0"/>
+              </a:rPr>
+              <a:t> </a:t>
+            </a:r>
+            <a:r>
+              <a:rPr lang="en-US" sz="1800" dirty="0">
+                <a:effectLst/>
+                <a:latin typeface="Calibri" panose="020F0502020204030204" pitchFamily="34" charset="0"/>
+                <a:ea typeface="Calibri" panose="020F0502020204030204" pitchFamily="34" charset="0"/>
+                <a:cs typeface="Times New Roman" panose="02020603050405020304" pitchFamily="18" charset="0"/>
+              </a:rPr>
+              <a:t>**, p &lt;1e-2; *; p &lt;0.05</a:t>
+            </a:r>
+            <a:endParaRPr lang="en-US" b="0" i="0" u="none" strike="noStrike" dirty="0">
+              <a:solidFill>
+                <a:srgbClr val="212121"/>
+              </a:solidFill>
+              <a:effectLst/>
+              <a:latin typeface="Cambria" panose="02040503050406030204" pitchFamily="18" charset="0"/>
+            </a:endParaRPr>
+          </a:p>
+        </p:txBody>
+      </p:sp>
+      <p:pic>
+        <p:nvPicPr>
+          <p:cNvPr id="5" name="Picture 4">
+            <a:extLst>
+              <a:ext uri="{FF2B5EF4-FFF2-40B4-BE49-F238E27FC236}">
+                <a16:creationId xmlns:a16="http://schemas.microsoft.com/office/drawing/2014/main" id="{0FAF4098-EA3F-8047-A14D-0DB653ECA8CD}"/>
+              </a:ext>
+            </a:extLst>
+          </p:cNvPr>
+          <p:cNvPicPr>
+            <a:picLocks noChangeAspect="1"/>
+          </p:cNvPicPr>
+          <p:nvPr/>
+        </p:nvPicPr>
+        <p:blipFill>
+          <a:blip r:embed="rId3"/>
+          <a:stretch>
+            <a:fillRect/>
+          </a:stretch>
+        </p:blipFill>
+        <p:spPr>
+          <a:xfrm>
+            <a:off x="2209800" y="2753359"/>
+            <a:ext cx="5087716" cy="2860939"/>
+          </a:xfrm>
+          <a:prstGeom prst="rect">
+            <a:avLst/>
+          </a:prstGeom>
+        </p:spPr>
+      </p:pic>
+      <p:sp>
+        <p:nvSpPr>
+          <p:cNvPr id="6" name="TextBox 5">
+            <a:extLst>
+              <a:ext uri="{FF2B5EF4-FFF2-40B4-BE49-F238E27FC236}">
+                <a16:creationId xmlns:a16="http://schemas.microsoft.com/office/drawing/2014/main" id="{2AD06CAF-DA31-938F-C215-BD840618A111}"/>
+              </a:ext>
+            </a:extLst>
+          </p:cNvPr>
+          <p:cNvSpPr txBox="1"/>
+          <p:nvPr/>
+        </p:nvSpPr>
+        <p:spPr>
+          <a:xfrm>
+            <a:off x="4277360" y="5842000"/>
+            <a:ext cx="2804679" cy="369332"/>
+          </a:xfrm>
+          <a:prstGeom prst="rect">
+            <a:avLst/>
+          </a:prstGeom>
+          <a:noFill/>
+        </p:spPr>
+        <p:txBody>
+          <a:bodyPr wrap="none" rtlCol="0">
+            <a:spAutoFit/>
+          </a:bodyPr>
+          <a:lstStyle/>
+          <a:p>
+            <a:r>
+              <a:rPr lang="en-US" dirty="0"/>
+              <a:t>Label wrong not normalized</a:t>
+            </a:r>
+          </a:p>
+        </p:txBody>
+      </p:sp>
+      <p:sp>
+        <p:nvSpPr>
+          <p:cNvPr id="7" name="TextBox 6">
+            <a:extLst>
+              <a:ext uri="{FF2B5EF4-FFF2-40B4-BE49-F238E27FC236}">
+                <a16:creationId xmlns:a16="http://schemas.microsoft.com/office/drawing/2014/main" id="{A7A97028-62D0-E4A6-8B67-1495CFF0B258}"/>
+              </a:ext>
+            </a:extLst>
+          </p:cNvPr>
+          <p:cNvSpPr txBox="1"/>
+          <p:nvPr/>
+        </p:nvSpPr>
+        <p:spPr>
+          <a:xfrm>
+            <a:off x="5698538" y="3059668"/>
+            <a:ext cx="641302" cy="369332"/>
+          </a:xfrm>
+          <a:prstGeom prst="rect">
+            <a:avLst/>
+          </a:prstGeom>
+          <a:noFill/>
+        </p:spPr>
+        <p:txBody>
+          <a:bodyPr wrap="square" rtlCol="0">
+            <a:spAutoFit/>
+          </a:bodyPr>
+          <a:lstStyle/>
+          <a:p>
+            <a:r>
+              <a:rPr lang="en-US" dirty="0"/>
+              <a:t>*</a:t>
+            </a:r>
+          </a:p>
+        </p:txBody>
+      </p:sp>
+    </p:spTree>
+    <p:extLst>
+      <p:ext uri="{BB962C8B-B14F-4D97-AF65-F5344CB8AC3E}">
+        <p14:creationId xmlns:p14="http://schemas.microsoft.com/office/powerpoint/2010/main" val="3033499721"/>
+      </p:ext>
+    </p:extLst>
+  </p:cSld>
+  <p:clrMapOvr>
+    <a:masterClrMapping/>
+  </p:clrMapOvr>
+</p:sld>
+</file>
+
+<file path=ppt/slides/slide15.xml><?xml version="1.0" encoding="utf-8"?>
+<p:sld xmlns:a="http://schemas.openxmlformats.org/drawingml/2006/main" xmlns:r="http://schemas.openxmlformats.org/officeDocument/2006/relationships" xmlns:p="http://schemas.openxmlformats.org/presentationml/2006/main">
+  <p:cSld>
+    <p:spTree>
+      <p:nvGrpSpPr>
+        <p:cNvPr id="1" name=""/>
+        <p:cNvGrpSpPr/>
+        <p:nvPr/>
+      </p:nvGrpSpPr>
+      <p:grpSpPr>
+        <a:xfrm>
+          <a:off x="0" y="0"/>
+          <a:ext cx="0" cy="0"/>
+          <a:chOff x="0" y="0"/>
+          <a:chExt cx="0" cy="0"/>
+        </a:xfrm>
+      </p:grpSpPr>
+      <p:sp>
+        <p:nvSpPr>
+          <p:cNvPr id="2" name="Title 1">
+            <a:extLst>
+              <a:ext uri="{FF2B5EF4-FFF2-40B4-BE49-F238E27FC236}">
+                <a16:creationId xmlns:a16="http://schemas.microsoft.com/office/drawing/2014/main" id="{70A4C97D-8F21-3D3B-6A90-EA7145324964}"/>
+              </a:ext>
+            </a:extLst>
+          </p:cNvPr>
+          <p:cNvSpPr>
+            <a:spLocks noGrp="1"/>
+          </p:cNvSpPr>
+          <p:nvPr>
+            <p:ph type="title"/>
+          </p:nvPr>
+        </p:nvSpPr>
+        <p:spPr>
+          <a:xfrm>
+            <a:off x="838200" y="593725"/>
+            <a:ext cx="10515600" cy="1325563"/>
+          </a:xfrm>
+        </p:spPr>
+        <p:txBody>
+          <a:bodyPr>
+            <a:normAutofit fontScale="90000"/>
+          </a:bodyPr>
+          <a:lstStyle/>
+          <a:p>
+            <a:r>
+              <a:rPr lang="en-US" dirty="0"/>
               <a:t>Additional weak conclusion 1 from colitis dataset: highly expanded CD8 TCM TRBs less germline-like in colitis patients (opposite of myocarditis conclusion)</a:t>
             </a:r>
           </a:p>
@@ -6155,7 +6925,7 @@
 </p:sld>
 </file>
 
-<file path=ppt/slides/slide14.xml><?xml version="1.0" encoding="utf-8"?>
+<file path=ppt/slides/slide16.xml><?xml version="1.0" encoding="utf-8"?>
 <p:sld xmlns:a="http://schemas.openxmlformats.org/drawingml/2006/main" xmlns:r="http://schemas.openxmlformats.org/officeDocument/2006/relationships" xmlns:p="http://schemas.openxmlformats.org/presentationml/2006/main">
   <p:cSld>
     <p:spTree>
@@ -7697,40 +8467,436 @@
           <a:p>
             <a:r>
               <a:rPr lang="en-US" dirty="0"/>
-              <a:t>Conclusions</a:t>
-            </a:r>
-          </a:p>
-        </p:txBody>
-      </p:sp>
-      <p:sp>
-        <p:nvSpPr>
-          <p:cNvPr id="3" name="Content Placeholder 2">
-            <a:extLst>
-              <a:ext uri="{FF2B5EF4-FFF2-40B4-BE49-F238E27FC236}">
-                <a16:creationId xmlns:a16="http://schemas.microsoft.com/office/drawing/2014/main" id="{B9501834-7B32-1ACA-4358-B630FB8EEC36}"/>
-              </a:ext>
-            </a:extLst>
-          </p:cNvPr>
-          <p:cNvSpPr>
-            <a:spLocks noGrp="1"/>
-          </p:cNvSpPr>
-          <p:nvPr>
-            <p:ph idx="1"/>
-          </p:nvPr>
-        </p:nvSpPr>
-        <p:spPr>
-          <a:xfrm>
-            <a:off x="838200" y="1919289"/>
-            <a:ext cx="10612120" cy="4623402"/>
-          </a:xfrm>
-        </p:spPr>
-        <p:txBody>
-          <a:bodyPr>
-            <a:normAutofit/>
+              <a:t>Some cell type normalized abundances in </a:t>
+            </a:r>
+            <a:r>
+              <a:rPr lang="en-US" dirty="0" err="1"/>
+              <a:t>irAE</a:t>
+            </a:r>
+            <a:r>
+              <a:rPr lang="en-US" dirty="0"/>
+              <a:t> tissue (colitis dataset) are different between </a:t>
+            </a:r>
+            <a:r>
+              <a:rPr lang="en-US" dirty="0" err="1"/>
+              <a:t>irAE</a:t>
+            </a:r>
+            <a:r>
+              <a:rPr lang="en-US" dirty="0"/>
+              <a:t> groups</a:t>
+            </a:r>
+          </a:p>
+        </p:txBody>
+      </p:sp>
+      <p:pic>
+        <p:nvPicPr>
+          <p:cNvPr id="4" name="Picture 3">
+            <a:extLst>
+              <a:ext uri="{FF2B5EF4-FFF2-40B4-BE49-F238E27FC236}">
+                <a16:creationId xmlns:a16="http://schemas.microsoft.com/office/drawing/2014/main" id="{DC4C55AC-6D75-3C99-5786-CE9BE67AC93A}"/>
+              </a:ext>
+            </a:extLst>
+          </p:cNvPr>
+          <p:cNvPicPr>
+            <a:picLocks noChangeAspect="1"/>
+          </p:cNvPicPr>
+          <p:nvPr/>
+        </p:nvPicPr>
+        <p:blipFill>
+          <a:blip r:embed="rId3"/>
+          <a:stretch>
+            <a:fillRect/>
+          </a:stretch>
+        </p:blipFill>
+        <p:spPr>
+          <a:xfrm>
+            <a:off x="0" y="2230955"/>
+            <a:ext cx="5745480" cy="3519526"/>
+          </a:xfrm>
+          <a:prstGeom prst="rect">
+            <a:avLst/>
+          </a:prstGeom>
+        </p:spPr>
+      </p:pic>
+      <p:sp>
+        <p:nvSpPr>
+          <p:cNvPr id="5" name="TextBox 4">
+            <a:extLst>
+              <a:ext uri="{FF2B5EF4-FFF2-40B4-BE49-F238E27FC236}">
+                <a16:creationId xmlns:a16="http://schemas.microsoft.com/office/drawing/2014/main" id="{2B65CDE9-FA4E-0649-FFEB-FE67B86BA39D}"/>
+              </a:ext>
+            </a:extLst>
+          </p:cNvPr>
+          <p:cNvSpPr txBox="1"/>
+          <p:nvPr/>
+        </p:nvSpPr>
+        <p:spPr>
+          <a:xfrm>
+            <a:off x="1920240" y="1861623"/>
+            <a:ext cx="2031838" cy="369332"/>
+          </a:xfrm>
+          <a:prstGeom prst="rect">
+            <a:avLst/>
+          </a:prstGeom>
+          <a:noFill/>
+        </p:spPr>
+        <p:txBody>
+          <a:bodyPr wrap="none" rtlCol="0">
+            <a:spAutoFit/>
           </a:bodyPr>
           <a:lstStyle/>
           <a:p>
-            <a:endParaRPr lang="en-US" dirty="0"/>
+            <a:r>
+              <a:rPr lang="en-US" dirty="0"/>
+              <a:t>Myocarditis dataset</a:t>
+            </a:r>
+          </a:p>
+        </p:txBody>
+      </p:sp>
+      <p:sp>
+        <p:nvSpPr>
+          <p:cNvPr id="7" name="TextBox 6">
+            <a:extLst>
+              <a:ext uri="{FF2B5EF4-FFF2-40B4-BE49-F238E27FC236}">
+                <a16:creationId xmlns:a16="http://schemas.microsoft.com/office/drawing/2014/main" id="{33AC99D1-BBFB-364D-C93D-F9EFA893D647}"/>
+              </a:ext>
+            </a:extLst>
+          </p:cNvPr>
+          <p:cNvSpPr txBox="1"/>
+          <p:nvPr/>
+        </p:nvSpPr>
+        <p:spPr>
+          <a:xfrm>
+            <a:off x="8239924" y="1861622"/>
+            <a:ext cx="1504194" cy="369332"/>
+          </a:xfrm>
+          <a:prstGeom prst="rect">
+            <a:avLst/>
+          </a:prstGeom>
+          <a:noFill/>
+        </p:spPr>
+        <p:txBody>
+          <a:bodyPr wrap="none" rtlCol="0">
+            <a:spAutoFit/>
+          </a:bodyPr>
+          <a:lstStyle/>
+          <a:p>
+            <a:r>
+              <a:rPr lang="en-US" dirty="0"/>
+              <a:t>Colitis dataset</a:t>
+            </a:r>
+          </a:p>
+        </p:txBody>
+      </p:sp>
+      <p:pic>
+        <p:nvPicPr>
+          <p:cNvPr id="8" name="Picture 7">
+            <a:extLst>
+              <a:ext uri="{FF2B5EF4-FFF2-40B4-BE49-F238E27FC236}">
+                <a16:creationId xmlns:a16="http://schemas.microsoft.com/office/drawing/2014/main" id="{8BBCF908-21A1-C77A-83FE-5EEEC47210AE}"/>
+              </a:ext>
+            </a:extLst>
+          </p:cNvPr>
+          <p:cNvPicPr>
+            <a:picLocks noChangeAspect="1"/>
+          </p:cNvPicPr>
+          <p:nvPr/>
+        </p:nvPicPr>
+        <p:blipFill>
+          <a:blip r:embed="rId4"/>
+          <a:stretch>
+            <a:fillRect/>
+          </a:stretch>
+        </p:blipFill>
+        <p:spPr>
+          <a:xfrm>
+            <a:off x="5865251" y="2230954"/>
+            <a:ext cx="6351645" cy="3519526"/>
+          </a:xfrm>
+          <a:prstGeom prst="rect">
+            <a:avLst/>
+          </a:prstGeom>
+        </p:spPr>
+      </p:pic>
+      <p:sp>
+        <p:nvSpPr>
+          <p:cNvPr id="9" name="TextBox 8">
+            <a:extLst>
+              <a:ext uri="{FF2B5EF4-FFF2-40B4-BE49-F238E27FC236}">
+                <a16:creationId xmlns:a16="http://schemas.microsoft.com/office/drawing/2014/main" id="{4FD04972-7431-A8DF-F214-0CA56CC31F94}"/>
+              </a:ext>
+            </a:extLst>
+          </p:cNvPr>
+          <p:cNvSpPr txBox="1"/>
+          <p:nvPr/>
+        </p:nvSpPr>
+        <p:spPr>
+          <a:xfrm>
+            <a:off x="3483977" y="6483346"/>
+            <a:ext cx="4573688" cy="369332"/>
+          </a:xfrm>
+          <a:prstGeom prst="rect">
+            <a:avLst/>
+          </a:prstGeom>
+          <a:noFill/>
+        </p:spPr>
+        <p:txBody>
+          <a:bodyPr wrap="none" rtlCol="0">
+            <a:spAutoFit/>
+          </a:bodyPr>
+          <a:lstStyle/>
+          <a:p>
+            <a:r>
+              <a:rPr lang="en-US" dirty="0"/>
+              <a:t>Wilcoxon rank sum test.</a:t>
+            </a:r>
+            <a:r>
+              <a:rPr lang="en-US" dirty="0">
+                <a:latin typeface="Calibri" panose="020F0502020204030204" pitchFamily="34" charset="0"/>
+                <a:cs typeface="Times New Roman" panose="02020603050405020304" pitchFamily="18" charset="0"/>
+              </a:rPr>
+              <a:t> </a:t>
+            </a:r>
+            <a:r>
+              <a:rPr lang="en-US" sz="1800" dirty="0">
+                <a:effectLst/>
+                <a:latin typeface="Calibri" panose="020F0502020204030204" pitchFamily="34" charset="0"/>
+                <a:ea typeface="Calibri" panose="020F0502020204030204" pitchFamily="34" charset="0"/>
+                <a:cs typeface="Times New Roman" panose="02020603050405020304" pitchFamily="18" charset="0"/>
+              </a:rPr>
+              <a:t>**, p &lt;1e-2; *; p &lt;0.05</a:t>
+            </a:r>
+            <a:endParaRPr lang="en-US" b="0" i="0" u="none" strike="noStrike" dirty="0">
+              <a:solidFill>
+                <a:srgbClr val="212121"/>
+              </a:solidFill>
+              <a:effectLst/>
+              <a:latin typeface="Cambria" panose="02040503050406030204" pitchFamily="18" charset="0"/>
+            </a:endParaRPr>
+          </a:p>
+        </p:txBody>
+      </p:sp>
+      <p:sp>
+        <p:nvSpPr>
+          <p:cNvPr id="10" name="TextBox 9">
+            <a:extLst>
+              <a:ext uri="{FF2B5EF4-FFF2-40B4-BE49-F238E27FC236}">
+                <a16:creationId xmlns:a16="http://schemas.microsoft.com/office/drawing/2014/main" id="{CEE05D2D-A200-4B71-9407-51E00BEE8CB1}"/>
+              </a:ext>
+            </a:extLst>
+          </p:cNvPr>
+          <p:cNvSpPr txBox="1"/>
+          <p:nvPr/>
+        </p:nvSpPr>
+        <p:spPr>
+          <a:xfrm>
+            <a:off x="8189124" y="2817853"/>
+            <a:ext cx="674399" cy="369332"/>
+          </a:xfrm>
+          <a:prstGeom prst="rect">
+            <a:avLst/>
+          </a:prstGeom>
+          <a:noFill/>
+        </p:spPr>
+        <p:txBody>
+          <a:bodyPr wrap="square" rtlCol="0">
+            <a:spAutoFit/>
+          </a:bodyPr>
+          <a:lstStyle/>
+          <a:p>
+            <a:r>
+              <a:rPr lang="en-US" dirty="0"/>
+              <a:t>**</a:t>
+            </a:r>
+          </a:p>
+        </p:txBody>
+      </p:sp>
+      <p:sp>
+        <p:nvSpPr>
+          <p:cNvPr id="11" name="TextBox 10">
+            <a:extLst>
+              <a:ext uri="{FF2B5EF4-FFF2-40B4-BE49-F238E27FC236}">
+                <a16:creationId xmlns:a16="http://schemas.microsoft.com/office/drawing/2014/main" id="{9B3A035E-CF79-F577-26A2-9DDBF7593AB8}"/>
+              </a:ext>
+            </a:extLst>
+          </p:cNvPr>
+          <p:cNvSpPr txBox="1"/>
+          <p:nvPr/>
+        </p:nvSpPr>
+        <p:spPr>
+          <a:xfrm>
+            <a:off x="10192850" y="2817853"/>
+            <a:ext cx="674399" cy="369332"/>
+          </a:xfrm>
+          <a:prstGeom prst="rect">
+            <a:avLst/>
+          </a:prstGeom>
+          <a:noFill/>
+        </p:spPr>
+        <p:txBody>
+          <a:bodyPr wrap="square" rtlCol="0">
+            <a:spAutoFit/>
+          </a:bodyPr>
+          <a:lstStyle/>
+          <a:p>
+            <a:r>
+              <a:rPr lang="en-US" dirty="0"/>
+              <a:t>**</a:t>
+            </a:r>
+          </a:p>
+        </p:txBody>
+      </p:sp>
+      <p:sp>
+        <p:nvSpPr>
+          <p:cNvPr id="12" name="TextBox 11">
+            <a:extLst>
+              <a:ext uri="{FF2B5EF4-FFF2-40B4-BE49-F238E27FC236}">
+                <a16:creationId xmlns:a16="http://schemas.microsoft.com/office/drawing/2014/main" id="{851B0F4D-1B2B-499E-62ED-A459DCDF2C0D}"/>
+              </a:ext>
+            </a:extLst>
+          </p:cNvPr>
+          <p:cNvSpPr txBox="1"/>
+          <p:nvPr/>
+        </p:nvSpPr>
+        <p:spPr>
+          <a:xfrm>
+            <a:off x="7565525" y="2814798"/>
+            <a:ext cx="674399" cy="369332"/>
+          </a:xfrm>
+          <a:prstGeom prst="rect">
+            <a:avLst/>
+          </a:prstGeom>
+          <a:noFill/>
+        </p:spPr>
+        <p:txBody>
+          <a:bodyPr wrap="square" rtlCol="0">
+            <a:spAutoFit/>
+          </a:bodyPr>
+          <a:lstStyle/>
+          <a:p>
+            <a:r>
+              <a:rPr lang="en-US" dirty="0"/>
+              <a:t>**</a:t>
+            </a:r>
+          </a:p>
+        </p:txBody>
+      </p:sp>
+      <p:sp>
+        <p:nvSpPr>
+          <p:cNvPr id="13" name="TextBox 12">
+            <a:extLst>
+              <a:ext uri="{FF2B5EF4-FFF2-40B4-BE49-F238E27FC236}">
+                <a16:creationId xmlns:a16="http://schemas.microsoft.com/office/drawing/2014/main" id="{47BF5AFD-0B8A-DF3B-9573-2866AF4DB562}"/>
+              </a:ext>
+            </a:extLst>
+          </p:cNvPr>
+          <p:cNvSpPr txBox="1"/>
+          <p:nvPr/>
+        </p:nvSpPr>
+        <p:spPr>
+          <a:xfrm>
+            <a:off x="8973298" y="2810253"/>
+            <a:ext cx="674399" cy="369332"/>
+          </a:xfrm>
+          <a:prstGeom prst="rect">
+            <a:avLst/>
+          </a:prstGeom>
+          <a:noFill/>
+        </p:spPr>
+        <p:txBody>
+          <a:bodyPr wrap="square" rtlCol="0">
+            <a:spAutoFit/>
+          </a:bodyPr>
+          <a:lstStyle/>
+          <a:p>
+            <a:r>
+              <a:rPr lang="en-US" dirty="0"/>
+              <a:t>*</a:t>
+            </a:r>
+          </a:p>
+        </p:txBody>
+      </p:sp>
+      <p:sp>
+        <p:nvSpPr>
+          <p:cNvPr id="14" name="TextBox 13">
+            <a:extLst>
+              <a:ext uri="{FF2B5EF4-FFF2-40B4-BE49-F238E27FC236}">
+                <a16:creationId xmlns:a16="http://schemas.microsoft.com/office/drawing/2014/main" id="{6A946E68-5EFE-F2FA-4842-A758670F4EFB}"/>
+              </a:ext>
+            </a:extLst>
+          </p:cNvPr>
+          <p:cNvSpPr txBox="1"/>
+          <p:nvPr/>
+        </p:nvSpPr>
+        <p:spPr>
+          <a:xfrm>
+            <a:off x="9316779" y="2810253"/>
+            <a:ext cx="674399" cy="369332"/>
+          </a:xfrm>
+          <a:prstGeom prst="rect">
+            <a:avLst/>
+          </a:prstGeom>
+          <a:noFill/>
+        </p:spPr>
+        <p:txBody>
+          <a:bodyPr wrap="square" rtlCol="0">
+            <a:spAutoFit/>
+          </a:bodyPr>
+          <a:lstStyle/>
+          <a:p>
+            <a:r>
+              <a:rPr lang="en-US" dirty="0"/>
+              <a:t>*</a:t>
+            </a:r>
+          </a:p>
+        </p:txBody>
+      </p:sp>
+      <p:sp>
+        <p:nvSpPr>
+          <p:cNvPr id="16" name="TextBox 15">
+            <a:extLst>
+              <a:ext uri="{FF2B5EF4-FFF2-40B4-BE49-F238E27FC236}">
+                <a16:creationId xmlns:a16="http://schemas.microsoft.com/office/drawing/2014/main" id="{0956E71C-1C54-4166-F07D-4F94B1E9B006}"/>
+              </a:ext>
+            </a:extLst>
+          </p:cNvPr>
+          <p:cNvSpPr txBox="1"/>
+          <p:nvPr/>
+        </p:nvSpPr>
+        <p:spPr>
+          <a:xfrm>
+            <a:off x="5865251" y="5725379"/>
+            <a:ext cx="6374694" cy="523220"/>
+          </a:xfrm>
+          <a:prstGeom prst="rect">
+            <a:avLst/>
+          </a:prstGeom>
+          <a:noFill/>
+        </p:spPr>
+        <p:txBody>
+          <a:bodyPr wrap="none" rtlCol="0">
+            <a:spAutoFit/>
+          </a:bodyPr>
+          <a:lstStyle/>
+          <a:p>
+            <a:r>
+              <a:rPr lang="en-US" sz="1400" dirty="0"/>
+              <a:t>More proliferating T cells (CD4 and CD8), fewer memory T cells (CD4 TEM, CD8 TCM),</a:t>
+            </a:r>
+          </a:p>
+          <a:p>
+            <a:r>
+              <a:rPr lang="en-US" sz="1400" dirty="0"/>
+              <a:t>fewer MAITs in </a:t>
+            </a:r>
+            <a:r>
+              <a:rPr lang="en-US" sz="1400" dirty="0" err="1"/>
+              <a:t>irAE</a:t>
+            </a:r>
+            <a:r>
+              <a:rPr lang="en-US" sz="1400" dirty="0"/>
+              <a:t> tissue</a:t>
+            </a:r>
           </a:p>
         </p:txBody>
       </p:sp>
@@ -7794,47 +8960,246 @@
           <a:p>
             <a:r>
               <a:rPr lang="en-US" dirty="0"/>
-              <a:t>Next steps</a:t>
-            </a:r>
-          </a:p>
-        </p:txBody>
-      </p:sp>
-      <p:sp>
-        <p:nvSpPr>
-          <p:cNvPr id="3" name="Content Placeholder 2">
-            <a:extLst>
-              <a:ext uri="{FF2B5EF4-FFF2-40B4-BE49-F238E27FC236}">
-                <a16:creationId xmlns:a16="http://schemas.microsoft.com/office/drawing/2014/main" id="{B9501834-7B32-1ACA-4358-B630FB8EEC36}"/>
-              </a:ext>
-            </a:extLst>
-          </p:cNvPr>
-          <p:cNvSpPr>
-            <a:spLocks noGrp="1"/>
-          </p:cNvSpPr>
-          <p:nvPr>
-            <p:ph idx="1"/>
-          </p:nvPr>
-        </p:nvSpPr>
-        <p:spPr>
-          <a:xfrm>
-            <a:off x="838200" y="1919289"/>
-            <a:ext cx="10612120" cy="4623402"/>
-          </a:xfrm>
-        </p:spPr>
-        <p:txBody>
-          <a:bodyPr>
-            <a:normAutofit/>
+              <a:t>A few VJ genes are more common in different </a:t>
+            </a:r>
+            <a:r>
+              <a:rPr lang="en-US" dirty="0" err="1"/>
+              <a:t>irAE</a:t>
+            </a:r>
+            <a:r>
+              <a:rPr lang="en-US" dirty="0"/>
+              <a:t> groups in myocarditis dataset</a:t>
+            </a:r>
+          </a:p>
+        </p:txBody>
+      </p:sp>
+      <p:sp>
+        <p:nvSpPr>
+          <p:cNvPr id="9" name="TextBox 8">
+            <a:extLst>
+              <a:ext uri="{FF2B5EF4-FFF2-40B4-BE49-F238E27FC236}">
+                <a16:creationId xmlns:a16="http://schemas.microsoft.com/office/drawing/2014/main" id="{4FD04972-7431-A8DF-F214-0CA56CC31F94}"/>
+              </a:ext>
+            </a:extLst>
+          </p:cNvPr>
+          <p:cNvSpPr txBox="1"/>
+          <p:nvPr/>
+        </p:nvSpPr>
+        <p:spPr>
+          <a:xfrm>
+            <a:off x="3483977" y="6483346"/>
+            <a:ext cx="4573688" cy="369332"/>
+          </a:xfrm>
+          <a:prstGeom prst="rect">
+            <a:avLst/>
+          </a:prstGeom>
+          <a:noFill/>
+        </p:spPr>
+        <p:txBody>
+          <a:bodyPr wrap="none" rtlCol="0">
+            <a:spAutoFit/>
           </a:bodyPr>
           <a:lstStyle/>
           <a:p>
-            <a:endParaRPr lang="en-US" dirty="0"/>
+            <a:r>
+              <a:rPr lang="en-US" dirty="0"/>
+              <a:t>Wilcoxon rank sum test.</a:t>
+            </a:r>
+            <a:r>
+              <a:rPr lang="en-US" dirty="0">
+                <a:latin typeface="Calibri" panose="020F0502020204030204" pitchFamily="34" charset="0"/>
+                <a:cs typeface="Times New Roman" panose="02020603050405020304" pitchFamily="18" charset="0"/>
+              </a:rPr>
+              <a:t> </a:t>
+            </a:r>
+            <a:r>
+              <a:rPr lang="en-US" sz="1800" dirty="0">
+                <a:effectLst/>
+                <a:latin typeface="Calibri" panose="020F0502020204030204" pitchFamily="34" charset="0"/>
+                <a:ea typeface="Calibri" panose="020F0502020204030204" pitchFamily="34" charset="0"/>
+                <a:cs typeface="Times New Roman" panose="02020603050405020304" pitchFamily="18" charset="0"/>
+              </a:rPr>
+              <a:t>**, p &lt;1e-2; *; p &lt;0.05</a:t>
+            </a:r>
+            <a:endParaRPr lang="en-US" b="0" i="0" u="none" strike="noStrike" dirty="0">
+              <a:solidFill>
+                <a:srgbClr val="212121"/>
+              </a:solidFill>
+              <a:effectLst/>
+              <a:latin typeface="Cambria" panose="02040503050406030204" pitchFamily="18" charset="0"/>
+            </a:endParaRPr>
+          </a:p>
+        </p:txBody>
+      </p:sp>
+      <p:pic>
+        <p:nvPicPr>
+          <p:cNvPr id="3" name="Picture 2">
+            <a:extLst>
+              <a:ext uri="{FF2B5EF4-FFF2-40B4-BE49-F238E27FC236}">
+                <a16:creationId xmlns:a16="http://schemas.microsoft.com/office/drawing/2014/main" id="{AEC8A77D-ED0C-947C-6CFD-81F3A92ADB24}"/>
+              </a:ext>
+            </a:extLst>
+          </p:cNvPr>
+          <p:cNvPicPr>
+            <a:picLocks noChangeAspect="1"/>
+          </p:cNvPicPr>
+          <p:nvPr/>
+        </p:nvPicPr>
+        <p:blipFill>
+          <a:blip r:embed="rId3"/>
+          <a:stretch>
+            <a:fillRect/>
+          </a:stretch>
+        </p:blipFill>
+        <p:spPr>
+          <a:xfrm>
+            <a:off x="-5356" y="2155412"/>
+            <a:ext cx="6121676" cy="3632835"/>
+          </a:xfrm>
+          <a:prstGeom prst="rect">
+            <a:avLst/>
+          </a:prstGeom>
+        </p:spPr>
+      </p:pic>
+      <p:pic>
+        <p:nvPicPr>
+          <p:cNvPr id="6" name="Picture 5">
+            <a:extLst>
+              <a:ext uri="{FF2B5EF4-FFF2-40B4-BE49-F238E27FC236}">
+                <a16:creationId xmlns:a16="http://schemas.microsoft.com/office/drawing/2014/main" id="{606B4FED-87EA-A232-E032-B7C2FFDB63EE}"/>
+              </a:ext>
+            </a:extLst>
+          </p:cNvPr>
+          <p:cNvPicPr>
+            <a:picLocks noChangeAspect="1"/>
+          </p:cNvPicPr>
+          <p:nvPr/>
+        </p:nvPicPr>
+        <p:blipFill>
+          <a:blip r:embed="rId4"/>
+          <a:stretch>
+            <a:fillRect/>
+          </a:stretch>
+        </p:blipFill>
+        <p:spPr>
+          <a:xfrm>
+            <a:off x="6024880" y="2155412"/>
+            <a:ext cx="6121676" cy="3598910"/>
+          </a:xfrm>
+          <a:prstGeom prst="rect">
+            <a:avLst/>
+          </a:prstGeom>
+        </p:spPr>
+      </p:pic>
+      <p:sp>
+        <p:nvSpPr>
+          <p:cNvPr id="17" name="TextBox 16">
+            <a:extLst>
+              <a:ext uri="{FF2B5EF4-FFF2-40B4-BE49-F238E27FC236}">
+                <a16:creationId xmlns:a16="http://schemas.microsoft.com/office/drawing/2014/main" id="{96FD2CFA-222D-7A6E-BC22-96303AF8FCED}"/>
+              </a:ext>
+            </a:extLst>
+          </p:cNvPr>
+          <p:cNvSpPr txBox="1"/>
+          <p:nvPr/>
+        </p:nvSpPr>
+        <p:spPr>
+          <a:xfrm>
+            <a:off x="3004682" y="2998708"/>
+            <a:ext cx="674399" cy="369332"/>
+          </a:xfrm>
+          <a:prstGeom prst="rect">
+            <a:avLst/>
+          </a:prstGeom>
+          <a:noFill/>
+        </p:spPr>
+        <p:txBody>
+          <a:bodyPr wrap="square" rtlCol="0">
+            <a:spAutoFit/>
+          </a:bodyPr>
+          <a:lstStyle/>
+          <a:p>
+            <a:r>
+              <a:rPr lang="en-US" dirty="0"/>
+              <a:t>*</a:t>
+            </a:r>
+          </a:p>
+        </p:txBody>
+      </p:sp>
+      <p:sp>
+        <p:nvSpPr>
+          <p:cNvPr id="18" name="TextBox 17">
+            <a:extLst>
+              <a:ext uri="{FF2B5EF4-FFF2-40B4-BE49-F238E27FC236}">
+                <a16:creationId xmlns:a16="http://schemas.microsoft.com/office/drawing/2014/main" id="{4B813F1E-1D0D-843E-BAF4-B662BAD90C57}"/>
+              </a:ext>
+            </a:extLst>
+          </p:cNvPr>
+          <p:cNvSpPr txBox="1"/>
+          <p:nvPr/>
+        </p:nvSpPr>
+        <p:spPr>
+          <a:xfrm>
+            <a:off x="1172624" y="2988548"/>
+            <a:ext cx="674399" cy="369332"/>
+          </a:xfrm>
+          <a:prstGeom prst="rect">
+            <a:avLst/>
+          </a:prstGeom>
+          <a:noFill/>
+        </p:spPr>
+        <p:txBody>
+          <a:bodyPr wrap="square" rtlCol="0">
+            <a:spAutoFit/>
+          </a:bodyPr>
+          <a:lstStyle/>
+          <a:p>
+            <a:r>
+              <a:rPr lang="en-US" dirty="0"/>
+              <a:t>*</a:t>
+            </a:r>
+          </a:p>
+        </p:txBody>
+      </p:sp>
+      <p:sp>
+        <p:nvSpPr>
+          <p:cNvPr id="19" name="TextBox 18">
+            <a:extLst>
+              <a:ext uri="{FF2B5EF4-FFF2-40B4-BE49-F238E27FC236}">
+                <a16:creationId xmlns:a16="http://schemas.microsoft.com/office/drawing/2014/main" id="{A726C593-874A-0322-E9A0-A890E4D720A0}"/>
+              </a:ext>
+            </a:extLst>
+          </p:cNvPr>
+          <p:cNvSpPr txBox="1"/>
+          <p:nvPr/>
+        </p:nvSpPr>
+        <p:spPr>
+          <a:xfrm>
+            <a:off x="6658639" y="3044428"/>
+            <a:ext cx="674399" cy="369332"/>
+          </a:xfrm>
+          <a:prstGeom prst="rect">
+            <a:avLst/>
+          </a:prstGeom>
+          <a:noFill/>
+        </p:spPr>
+        <p:txBody>
+          <a:bodyPr wrap="square" rtlCol="0">
+            <a:spAutoFit/>
+          </a:bodyPr>
+          <a:lstStyle/>
+          <a:p>
+            <a:r>
+              <a:rPr lang="en-US" dirty="0"/>
+              <a:t>**</a:t>
+            </a:r>
           </a:p>
         </p:txBody>
       </p:sp>
     </p:spTree>
     <p:extLst>
       <p:ext uri="{BB962C8B-B14F-4D97-AF65-F5344CB8AC3E}">
-        <p14:creationId xmlns:p14="http://schemas.microsoft.com/office/powerpoint/2010/main" val="3146602281"/>
+        <p14:creationId xmlns:p14="http://schemas.microsoft.com/office/powerpoint/2010/main" val="297799472"/>
       </p:ext>
     </p:extLst>
   </p:cSld>
@@ -7891,220 +9256,47 @@
           <a:p>
             <a:r>
               <a:rPr lang="en-US" dirty="0"/>
-              <a:t>Strongest myocarditis conclusion for comparison</a:t>
-            </a:r>
-          </a:p>
-        </p:txBody>
-      </p:sp>
-      <p:pic>
-        <p:nvPicPr>
-          <p:cNvPr id="4" name="Picture 3">
-            <a:extLst>
-              <a:ext uri="{FF2B5EF4-FFF2-40B4-BE49-F238E27FC236}">
-                <a16:creationId xmlns:a16="http://schemas.microsoft.com/office/drawing/2014/main" id="{22064411-2632-A287-93B9-78DA0B6E7314}"/>
-              </a:ext>
-            </a:extLst>
-          </p:cNvPr>
-          <p:cNvPicPr>
-            <a:picLocks noChangeAspect="1"/>
-          </p:cNvPicPr>
-          <p:nvPr/>
-        </p:nvPicPr>
-        <p:blipFill>
-          <a:blip r:embed="rId3"/>
-          <a:stretch>
-            <a:fillRect/>
-          </a:stretch>
-        </p:blipFill>
-        <p:spPr>
-          <a:xfrm>
-            <a:off x="1203960" y="1627522"/>
-            <a:ext cx="7772400" cy="4636753"/>
-          </a:xfrm>
-          <a:prstGeom prst="rect">
-            <a:avLst/>
-          </a:prstGeom>
-        </p:spPr>
-      </p:pic>
-      <p:sp>
-        <p:nvSpPr>
-          <p:cNvPr id="5" name="TextBox 4">
-            <a:extLst>
-              <a:ext uri="{FF2B5EF4-FFF2-40B4-BE49-F238E27FC236}">
-                <a16:creationId xmlns:a16="http://schemas.microsoft.com/office/drawing/2014/main" id="{F125686D-CEE9-CF68-4BA3-C080BE32C00C}"/>
-              </a:ext>
-            </a:extLst>
-          </p:cNvPr>
-          <p:cNvSpPr txBox="1"/>
-          <p:nvPr/>
-        </p:nvSpPr>
-        <p:spPr>
-          <a:xfrm>
-            <a:off x="3483977" y="6483346"/>
-            <a:ext cx="4573688" cy="369332"/>
-          </a:xfrm>
-          <a:prstGeom prst="rect">
-            <a:avLst/>
-          </a:prstGeom>
-          <a:noFill/>
-        </p:spPr>
-        <p:txBody>
-          <a:bodyPr wrap="none" rtlCol="0">
-            <a:spAutoFit/>
+              <a:t>Conclusions</a:t>
+            </a:r>
+          </a:p>
+        </p:txBody>
+      </p:sp>
+      <p:sp>
+        <p:nvSpPr>
+          <p:cNvPr id="3" name="Content Placeholder 2">
+            <a:extLst>
+              <a:ext uri="{FF2B5EF4-FFF2-40B4-BE49-F238E27FC236}">
+                <a16:creationId xmlns:a16="http://schemas.microsoft.com/office/drawing/2014/main" id="{B9501834-7B32-1ACA-4358-B630FB8EEC36}"/>
+              </a:ext>
+            </a:extLst>
+          </p:cNvPr>
+          <p:cNvSpPr>
+            <a:spLocks noGrp="1"/>
+          </p:cNvSpPr>
+          <p:nvPr>
+            <p:ph idx="1"/>
+          </p:nvPr>
+        </p:nvSpPr>
+        <p:spPr>
+          <a:xfrm>
+            <a:off x="838200" y="1919289"/>
+            <a:ext cx="10612120" cy="4623402"/>
+          </a:xfrm>
+        </p:spPr>
+        <p:txBody>
+          <a:bodyPr>
+            <a:normAutofit/>
           </a:bodyPr>
           <a:lstStyle/>
           <a:p>
-            <a:r>
-              <a:rPr lang="en-US" dirty="0"/>
-              <a:t>Wilcoxon rank sum test.</a:t>
-            </a:r>
-            <a:r>
-              <a:rPr lang="en-US" dirty="0">
-                <a:latin typeface="Calibri" panose="020F0502020204030204" pitchFamily="34" charset="0"/>
-                <a:cs typeface="Times New Roman" panose="02020603050405020304" pitchFamily="18" charset="0"/>
-              </a:rPr>
-              <a:t> </a:t>
-            </a:r>
-            <a:r>
-              <a:rPr lang="en-US" sz="1800" dirty="0">
-                <a:effectLst/>
-                <a:latin typeface="Calibri" panose="020F0502020204030204" pitchFamily="34" charset="0"/>
-                <a:ea typeface="Calibri" panose="020F0502020204030204" pitchFamily="34" charset="0"/>
-                <a:cs typeface="Times New Roman" panose="02020603050405020304" pitchFamily="18" charset="0"/>
-              </a:rPr>
-              <a:t>**, p &lt;1e-2; *; p &lt;0.05</a:t>
-            </a:r>
-            <a:endParaRPr lang="en-US" b="0" i="0" u="none" strike="noStrike" dirty="0">
-              <a:solidFill>
-                <a:srgbClr val="212121"/>
-              </a:solidFill>
-              <a:effectLst/>
-              <a:latin typeface="Cambria" panose="02040503050406030204" pitchFamily="18" charset="0"/>
-            </a:endParaRPr>
-          </a:p>
-        </p:txBody>
-      </p:sp>
-      <p:sp>
-        <p:nvSpPr>
-          <p:cNvPr id="6" name="TextBox 5">
-            <a:extLst>
-              <a:ext uri="{FF2B5EF4-FFF2-40B4-BE49-F238E27FC236}">
-                <a16:creationId xmlns:a16="http://schemas.microsoft.com/office/drawing/2014/main" id="{A1FA9CBB-C193-F78E-BE9D-D7887FFB22C7}"/>
-              </a:ext>
-            </a:extLst>
-          </p:cNvPr>
-          <p:cNvSpPr txBox="1"/>
-          <p:nvPr/>
-        </p:nvSpPr>
-        <p:spPr>
-          <a:xfrm>
-            <a:off x="5645435" y="2219581"/>
-            <a:ext cx="589280" cy="369332"/>
-          </a:xfrm>
-          <a:prstGeom prst="rect">
-            <a:avLst/>
-          </a:prstGeom>
-          <a:noFill/>
-        </p:spPr>
-        <p:txBody>
-          <a:bodyPr wrap="square" rtlCol="0">
-            <a:spAutoFit/>
-          </a:bodyPr>
-          <a:lstStyle/>
-          <a:p>
-            <a:r>
-              <a:rPr lang="en-US" dirty="0"/>
-              <a:t>*</a:t>
-            </a:r>
-          </a:p>
-        </p:txBody>
-      </p:sp>
-      <p:sp>
-        <p:nvSpPr>
-          <p:cNvPr id="7" name="TextBox 6">
-            <a:extLst>
-              <a:ext uri="{FF2B5EF4-FFF2-40B4-BE49-F238E27FC236}">
-                <a16:creationId xmlns:a16="http://schemas.microsoft.com/office/drawing/2014/main" id="{AA02738C-558B-5971-7406-F80142D56ECD}"/>
-              </a:ext>
-            </a:extLst>
-          </p:cNvPr>
-          <p:cNvSpPr txBox="1"/>
-          <p:nvPr/>
-        </p:nvSpPr>
-        <p:spPr>
-          <a:xfrm>
-            <a:off x="6905275" y="2219581"/>
-            <a:ext cx="589280" cy="369332"/>
-          </a:xfrm>
-          <a:prstGeom prst="rect">
-            <a:avLst/>
-          </a:prstGeom>
-          <a:noFill/>
-        </p:spPr>
-        <p:txBody>
-          <a:bodyPr wrap="square" rtlCol="0">
-            <a:spAutoFit/>
-          </a:bodyPr>
-          <a:lstStyle/>
-          <a:p>
-            <a:r>
-              <a:rPr lang="en-US" dirty="0"/>
-              <a:t>*</a:t>
-            </a:r>
-          </a:p>
-        </p:txBody>
-      </p:sp>
-      <p:sp>
-        <p:nvSpPr>
-          <p:cNvPr id="3" name="TextBox 2">
-            <a:extLst>
-              <a:ext uri="{FF2B5EF4-FFF2-40B4-BE49-F238E27FC236}">
-                <a16:creationId xmlns:a16="http://schemas.microsoft.com/office/drawing/2014/main" id="{33151649-41B4-9230-8670-C92EC0D33DF7}"/>
-              </a:ext>
-            </a:extLst>
-          </p:cNvPr>
-          <p:cNvSpPr txBox="1"/>
-          <p:nvPr/>
-        </p:nvSpPr>
-        <p:spPr>
-          <a:xfrm>
-            <a:off x="936357" y="6011063"/>
-            <a:ext cx="8260851" cy="369332"/>
-          </a:xfrm>
-          <a:prstGeom prst="rect">
-            <a:avLst/>
-          </a:prstGeom>
-          <a:noFill/>
-        </p:spPr>
-        <p:txBody>
-          <a:bodyPr wrap="none" rtlCol="0">
-            <a:spAutoFit/>
-          </a:bodyPr>
-          <a:lstStyle/>
-          <a:p>
-            <a:r>
-              <a:rPr lang="en-US" dirty="0" err="1"/>
-              <a:t>Havent</a:t>
-            </a:r>
-            <a:r>
-              <a:rPr lang="en-US" dirty="0"/>
-              <a:t> adjusted p </a:t>
-            </a:r>
-            <a:r>
-              <a:rPr lang="en-US" dirty="0" err="1"/>
-              <a:t>val</a:t>
-            </a:r>
-            <a:r>
-              <a:rPr lang="en-US" dirty="0"/>
-              <a:t> yet, also show how its not just not normalized (why its not weak)</a:t>
-            </a:r>
+            <a:endParaRPr lang="en-US" dirty="0"/>
           </a:p>
         </p:txBody>
       </p:sp>
     </p:spTree>
     <p:extLst>
       <p:ext uri="{BB962C8B-B14F-4D97-AF65-F5344CB8AC3E}">
-        <p14:creationId xmlns:p14="http://schemas.microsoft.com/office/powerpoint/2010/main" val="2854579076"/>
+        <p14:creationId xmlns:p14="http://schemas.microsoft.com/office/powerpoint/2010/main" val="638429564"/>
       </p:ext>
     </p:extLst>
   </p:cSld>
@@ -8155,247 +9347,53 @@
         </p:spPr>
         <p:txBody>
           <a:bodyPr>
-            <a:normAutofit fontScale="90000"/>
+            <a:normAutofit/>
           </a:bodyPr>
           <a:lstStyle/>
           <a:p>
             <a:r>
               <a:rPr lang="en-US" dirty="0"/>
-              <a:t>Additional super weak conclusion 1 from myocarditis dataset: highly expanded CD8 Naïve TRBs less germline-like in </a:t>
-            </a:r>
-            <a:r>
-              <a:rPr lang="en-US" dirty="0" err="1"/>
-              <a:t>irAE</a:t>
-            </a:r>
-            <a:r>
-              <a:rPr lang="en-US" dirty="0"/>
-              <a:t> patients</a:t>
-            </a:r>
-          </a:p>
-        </p:txBody>
-      </p:sp>
-      <p:pic>
-        <p:nvPicPr>
-          <p:cNvPr id="21" name="Picture 20">
-            <a:extLst>
-              <a:ext uri="{FF2B5EF4-FFF2-40B4-BE49-F238E27FC236}">
-                <a16:creationId xmlns:a16="http://schemas.microsoft.com/office/drawing/2014/main" id="{8ED9DADA-4E48-4BA5-2B94-7B3234667549}"/>
-              </a:ext>
-            </a:extLst>
-          </p:cNvPr>
-          <p:cNvPicPr>
-            <a:picLocks noChangeAspect="1"/>
-          </p:cNvPicPr>
-          <p:nvPr/>
-        </p:nvPicPr>
-        <p:blipFill>
-          <a:blip r:embed="rId3"/>
-          <a:stretch>
-            <a:fillRect/>
-          </a:stretch>
-        </p:blipFill>
-        <p:spPr>
-          <a:xfrm>
-            <a:off x="211423" y="2104276"/>
-            <a:ext cx="6124440" cy="3523293"/>
-          </a:xfrm>
-          <a:prstGeom prst="rect">
-            <a:avLst/>
-          </a:prstGeom>
-        </p:spPr>
-      </p:pic>
-      <p:sp>
-        <p:nvSpPr>
-          <p:cNvPr id="22" name="TextBox 21">
-            <a:extLst>
-              <a:ext uri="{FF2B5EF4-FFF2-40B4-BE49-F238E27FC236}">
-                <a16:creationId xmlns:a16="http://schemas.microsoft.com/office/drawing/2014/main" id="{FB933261-9B70-5795-4D85-5E2FBB60D324}"/>
-              </a:ext>
-            </a:extLst>
-          </p:cNvPr>
-          <p:cNvSpPr txBox="1"/>
-          <p:nvPr/>
-        </p:nvSpPr>
-        <p:spPr>
-          <a:xfrm>
-            <a:off x="1934725" y="2528037"/>
-            <a:ext cx="415498" cy="369332"/>
-          </a:xfrm>
-          <a:prstGeom prst="rect">
-            <a:avLst/>
-          </a:prstGeom>
-          <a:noFill/>
-        </p:spPr>
-        <p:txBody>
-          <a:bodyPr wrap="none" rtlCol="0">
-            <a:spAutoFit/>
+              <a:t>Next steps</a:t>
+            </a:r>
+          </a:p>
+        </p:txBody>
+      </p:sp>
+      <p:sp>
+        <p:nvSpPr>
+          <p:cNvPr id="3" name="Content Placeholder 2">
+            <a:extLst>
+              <a:ext uri="{FF2B5EF4-FFF2-40B4-BE49-F238E27FC236}">
+                <a16:creationId xmlns:a16="http://schemas.microsoft.com/office/drawing/2014/main" id="{B9501834-7B32-1ACA-4358-B630FB8EEC36}"/>
+              </a:ext>
+            </a:extLst>
+          </p:cNvPr>
+          <p:cNvSpPr>
+            <a:spLocks noGrp="1"/>
+          </p:cNvSpPr>
+          <p:nvPr>
+            <p:ph idx="1"/>
+          </p:nvPr>
+        </p:nvSpPr>
+        <p:spPr>
+          <a:xfrm>
+            <a:off x="838200" y="1919289"/>
+            <a:ext cx="10612120" cy="4623402"/>
+          </a:xfrm>
+        </p:spPr>
+        <p:txBody>
+          <a:bodyPr>
+            <a:normAutofit/>
           </a:bodyPr>
           <a:lstStyle/>
           <a:p>
-            <a:r>
-              <a:rPr lang="en-US" dirty="0"/>
-              <a:t>**</a:t>
-            </a:r>
-          </a:p>
-        </p:txBody>
-      </p:sp>
-      <p:pic>
-        <p:nvPicPr>
-          <p:cNvPr id="24" name="Picture 23">
-            <a:extLst>
-              <a:ext uri="{FF2B5EF4-FFF2-40B4-BE49-F238E27FC236}">
-                <a16:creationId xmlns:a16="http://schemas.microsoft.com/office/drawing/2014/main" id="{6195BBD5-08DD-16AD-FAB1-129B3A23552C}"/>
-              </a:ext>
-            </a:extLst>
-          </p:cNvPr>
-          <p:cNvPicPr>
-            <a:picLocks noChangeAspect="1"/>
-          </p:cNvPicPr>
-          <p:nvPr/>
-        </p:nvPicPr>
-        <p:blipFill>
-          <a:blip r:embed="rId4"/>
-          <a:stretch>
-            <a:fillRect/>
-          </a:stretch>
-        </p:blipFill>
-        <p:spPr>
-          <a:xfrm>
-            <a:off x="5877207" y="2213884"/>
-            <a:ext cx="6330513" cy="3598673"/>
-          </a:xfrm>
-          <a:prstGeom prst="rect">
-            <a:avLst/>
-          </a:prstGeom>
-        </p:spPr>
-      </p:pic>
-      <p:sp>
-        <p:nvSpPr>
-          <p:cNvPr id="3" name="TextBox 2">
-            <a:extLst>
-              <a:ext uri="{FF2B5EF4-FFF2-40B4-BE49-F238E27FC236}">
-                <a16:creationId xmlns:a16="http://schemas.microsoft.com/office/drawing/2014/main" id="{B710E3F1-65C1-846E-8D4A-82F1005D4DA6}"/>
-              </a:ext>
-            </a:extLst>
-          </p:cNvPr>
-          <p:cNvSpPr txBox="1"/>
-          <p:nvPr/>
-        </p:nvSpPr>
-        <p:spPr>
-          <a:xfrm>
-            <a:off x="3483977" y="6483346"/>
-            <a:ext cx="4573688" cy="369332"/>
-          </a:xfrm>
-          <a:prstGeom prst="rect">
-            <a:avLst/>
-          </a:prstGeom>
-          <a:noFill/>
-        </p:spPr>
-        <p:txBody>
-          <a:bodyPr wrap="none" rtlCol="0">
-            <a:spAutoFit/>
-          </a:bodyPr>
-          <a:lstStyle/>
-          <a:p>
-            <a:r>
-              <a:rPr lang="en-US" dirty="0"/>
-              <a:t>Wilcoxon rank sum test.</a:t>
-            </a:r>
-            <a:r>
-              <a:rPr lang="en-US" dirty="0">
-                <a:latin typeface="Calibri" panose="020F0502020204030204" pitchFamily="34" charset="0"/>
-                <a:cs typeface="Times New Roman" panose="02020603050405020304" pitchFamily="18" charset="0"/>
-              </a:rPr>
-              <a:t> </a:t>
-            </a:r>
-            <a:r>
-              <a:rPr lang="en-US" sz="1800" dirty="0">
-                <a:effectLst/>
-                <a:latin typeface="Calibri" panose="020F0502020204030204" pitchFamily="34" charset="0"/>
-                <a:ea typeface="Calibri" panose="020F0502020204030204" pitchFamily="34" charset="0"/>
-                <a:cs typeface="Times New Roman" panose="02020603050405020304" pitchFamily="18" charset="0"/>
-              </a:rPr>
-              <a:t>**, p &lt;1e-2; *; p &lt;0.05</a:t>
-            </a:r>
-            <a:endParaRPr lang="en-US" b="0" i="0" u="none" strike="noStrike" dirty="0">
-              <a:solidFill>
-                <a:srgbClr val="212121"/>
-              </a:solidFill>
-              <a:effectLst/>
-              <a:latin typeface="Cambria" panose="02040503050406030204" pitchFamily="18" charset="0"/>
-            </a:endParaRPr>
-          </a:p>
-        </p:txBody>
-      </p:sp>
-      <p:pic>
-        <p:nvPicPr>
-          <p:cNvPr id="5" name="Picture 4">
-            <a:extLst>
-              <a:ext uri="{FF2B5EF4-FFF2-40B4-BE49-F238E27FC236}">
-                <a16:creationId xmlns:a16="http://schemas.microsoft.com/office/drawing/2014/main" id="{8657F2FC-0AA5-A814-38D4-B44F59E8444B}"/>
-              </a:ext>
-            </a:extLst>
-          </p:cNvPr>
-          <p:cNvPicPr>
-            <a:picLocks noChangeAspect="1"/>
-          </p:cNvPicPr>
-          <p:nvPr/>
-        </p:nvPicPr>
-        <p:blipFill>
-          <a:blip r:embed="rId5"/>
-          <a:stretch>
-            <a:fillRect/>
-          </a:stretch>
-        </p:blipFill>
-        <p:spPr>
-          <a:xfrm>
-            <a:off x="210065" y="5440528"/>
-            <a:ext cx="3449320" cy="2085635"/>
-          </a:xfrm>
-          <a:prstGeom prst="rect">
-            <a:avLst/>
-          </a:prstGeom>
-        </p:spPr>
-      </p:pic>
-      <p:sp>
-        <p:nvSpPr>
-          <p:cNvPr id="6" name="TextBox 5">
-            <a:extLst>
-              <a:ext uri="{FF2B5EF4-FFF2-40B4-BE49-F238E27FC236}">
-                <a16:creationId xmlns:a16="http://schemas.microsoft.com/office/drawing/2014/main" id="{0FC37743-9597-BF34-452A-AB3A4E096E23}"/>
-              </a:ext>
-            </a:extLst>
-          </p:cNvPr>
-          <p:cNvSpPr txBox="1"/>
-          <p:nvPr/>
-        </p:nvSpPr>
-        <p:spPr>
-          <a:xfrm>
-            <a:off x="2094937" y="5606090"/>
-            <a:ext cx="415498" cy="369332"/>
-          </a:xfrm>
-          <a:prstGeom prst="rect">
-            <a:avLst/>
-          </a:prstGeom>
-          <a:noFill/>
-        </p:spPr>
-        <p:txBody>
-          <a:bodyPr wrap="none" rtlCol="0">
-            <a:spAutoFit/>
-          </a:bodyPr>
-          <a:lstStyle/>
-          <a:p>
-            <a:r>
-              <a:rPr lang="en-US" dirty="0"/>
-              <a:t>**</a:t>
-            </a:r>
+            <a:endParaRPr lang="en-US" dirty="0"/>
           </a:p>
         </p:txBody>
       </p:sp>
     </p:spTree>
     <p:extLst>
       <p:ext uri="{BB962C8B-B14F-4D97-AF65-F5344CB8AC3E}">
-        <p14:creationId xmlns:p14="http://schemas.microsoft.com/office/powerpoint/2010/main" val="83269482"/>
+        <p14:creationId xmlns:p14="http://schemas.microsoft.com/office/powerpoint/2010/main" val="3146602281"/>
       </p:ext>
     </p:extLst>
   </p:cSld>

--- a/linsley_postdoc/presentations/weekly_meetings/1_4_24.pptx
+++ b/linsley_postdoc/presentations/weekly_meetings/1_4_24.pptx
@@ -5,25 +5,26 @@
     <p:sldMasterId id="2147483648" r:id="rId1"/>
   </p:sldMasterIdLst>
   <p:notesMasterIdLst>
-    <p:notesMasterId r:id="rId18"/>
+    <p:notesMasterId r:id="rId19"/>
   </p:notesMasterIdLst>
   <p:sldIdLst>
     <p:sldId id="477" r:id="rId2"/>
     <p:sldId id="499" r:id="rId3"/>
-    <p:sldId id="508" r:id="rId4"/>
-    <p:sldId id="509" r:id="rId5"/>
-    <p:sldId id="511" r:id="rId6"/>
-    <p:sldId id="506" r:id="rId7"/>
-    <p:sldId id="517" r:id="rId8"/>
-    <p:sldId id="516" r:id="rId9"/>
-    <p:sldId id="505" r:id="rId10"/>
-    <p:sldId id="512" r:id="rId11"/>
-    <p:sldId id="486" r:id="rId12"/>
-    <p:sldId id="510" r:id="rId13"/>
-    <p:sldId id="507" r:id="rId14"/>
-    <p:sldId id="515" r:id="rId15"/>
-    <p:sldId id="513" r:id="rId16"/>
-    <p:sldId id="514" r:id="rId17"/>
+    <p:sldId id="506" r:id="rId4"/>
+    <p:sldId id="517" r:id="rId5"/>
+    <p:sldId id="518" r:id="rId6"/>
+    <p:sldId id="516" r:id="rId7"/>
+    <p:sldId id="505" r:id="rId8"/>
+    <p:sldId id="512" r:id="rId9"/>
+    <p:sldId id="508" r:id="rId10"/>
+    <p:sldId id="509" r:id="rId11"/>
+    <p:sldId id="511" r:id="rId12"/>
+    <p:sldId id="486" r:id="rId13"/>
+    <p:sldId id="510" r:id="rId14"/>
+    <p:sldId id="507" r:id="rId15"/>
+    <p:sldId id="515" r:id="rId16"/>
+    <p:sldId id="513" r:id="rId17"/>
+    <p:sldId id="514" r:id="rId18"/>
   </p:sldIdLst>
   <p:sldSz cx="12192000" cy="6858000"/>
   <p:notesSz cx="6858000" cy="9144000"/>
@@ -223,7 +224,7 @@
           <a:p>
             <a:fld id="{E933A773-0DCE-3544-BB67-D5FA58DF903C}" type="datetimeFigureOut">
               <a:rPr lang="en-US" smtClean="0"/>
-              <a:t>1/2/24</a:t>
+              <a:t>1/3/24</a:t>
             </a:fld>
             <a:endParaRPr lang="en-US"/>
           </a:p>
@@ -654,7 +655,7 @@
     </p:spTree>
     <p:extLst>
       <p:ext uri="{BB962C8B-B14F-4D97-AF65-F5344CB8AC3E}">
-        <p14:creationId xmlns:p14="http://schemas.microsoft.com/office/powerpoint/2010/main" val="1550285497"/>
+        <p14:creationId xmlns:p14="http://schemas.microsoft.com/office/powerpoint/2010/main" val="4098486630"/>
       </p:ext>
     </p:extLst>
   </p:cSld>
@@ -744,7 +745,7 @@
     </p:spTree>
     <p:extLst>
       <p:ext uri="{BB962C8B-B14F-4D97-AF65-F5344CB8AC3E}">
-        <p14:creationId xmlns:p14="http://schemas.microsoft.com/office/powerpoint/2010/main" val="1801458086"/>
+        <p14:creationId xmlns:p14="http://schemas.microsoft.com/office/powerpoint/2010/main" val="487863271"/>
       </p:ext>
     </p:extLst>
   </p:cSld>
@@ -834,7 +835,7 @@
     </p:spTree>
     <p:extLst>
       <p:ext uri="{BB962C8B-B14F-4D97-AF65-F5344CB8AC3E}">
-        <p14:creationId xmlns:p14="http://schemas.microsoft.com/office/powerpoint/2010/main" val="256492057"/>
+        <p14:creationId xmlns:p14="http://schemas.microsoft.com/office/powerpoint/2010/main" val="1801458086"/>
       </p:ext>
     </p:extLst>
   </p:cSld>
@@ -924,7 +925,7 @@
     </p:spTree>
     <p:extLst>
       <p:ext uri="{BB962C8B-B14F-4D97-AF65-F5344CB8AC3E}">
-        <p14:creationId xmlns:p14="http://schemas.microsoft.com/office/powerpoint/2010/main" val="335981907"/>
+        <p14:creationId xmlns:p14="http://schemas.microsoft.com/office/powerpoint/2010/main" val="256492057"/>
       </p:ext>
     </p:extLst>
   </p:cSld>
@@ -1014,7 +1015,7 @@
     </p:spTree>
     <p:extLst>
       <p:ext uri="{BB962C8B-B14F-4D97-AF65-F5344CB8AC3E}">
-        <p14:creationId xmlns:p14="http://schemas.microsoft.com/office/powerpoint/2010/main" val="3639552818"/>
+        <p14:creationId xmlns:p14="http://schemas.microsoft.com/office/powerpoint/2010/main" val="335981907"/>
       </p:ext>
     </p:extLst>
   </p:cSld>
@@ -1104,7 +1105,7 @@
     </p:spTree>
     <p:extLst>
       <p:ext uri="{BB962C8B-B14F-4D97-AF65-F5344CB8AC3E}">
-        <p14:creationId xmlns:p14="http://schemas.microsoft.com/office/powerpoint/2010/main" val="1610850162"/>
+        <p14:creationId xmlns:p14="http://schemas.microsoft.com/office/powerpoint/2010/main" val="3639552818"/>
       </p:ext>
     </p:extLst>
   </p:cSld>
@@ -1186,6 +1187,96 @@
             <a:fld id="{061BAA8C-FDC6-D345-B4E0-3B02449209FB}" type="slidenum">
               <a:rPr lang="en-US" smtClean="0"/>
               <a:t>16</a:t>
+            </a:fld>
+            <a:endParaRPr lang="en-US"/>
+          </a:p>
+        </p:txBody>
+      </p:sp>
+    </p:spTree>
+    <p:extLst>
+      <p:ext uri="{BB962C8B-B14F-4D97-AF65-F5344CB8AC3E}">
+        <p14:creationId xmlns:p14="http://schemas.microsoft.com/office/powerpoint/2010/main" val="1610850162"/>
+      </p:ext>
+    </p:extLst>
+  </p:cSld>
+  <p:clrMapOvr>
+    <a:masterClrMapping/>
+  </p:clrMapOvr>
+</p:notes>
+</file>
+
+<file path=ppt/notesSlides/notesSlide17.xml><?xml version="1.0" encoding="utf-8"?>
+<p:notes xmlns:a="http://schemas.openxmlformats.org/drawingml/2006/main" xmlns:r="http://schemas.openxmlformats.org/officeDocument/2006/relationships" xmlns:p="http://schemas.openxmlformats.org/presentationml/2006/main">
+  <p:cSld>
+    <p:spTree>
+      <p:nvGrpSpPr>
+        <p:cNvPr id="1" name=""/>
+        <p:cNvGrpSpPr/>
+        <p:nvPr/>
+      </p:nvGrpSpPr>
+      <p:grpSpPr>
+        <a:xfrm>
+          <a:off x="0" y="0"/>
+          <a:ext cx="0" cy="0"/>
+          <a:chOff x="0" y="0"/>
+          <a:chExt cx="0" cy="0"/>
+        </a:xfrm>
+      </p:grpSpPr>
+      <p:sp>
+        <p:nvSpPr>
+          <p:cNvPr id="2" name="Slide Image Placeholder 1"/>
+          <p:cNvSpPr>
+            <a:spLocks noGrp="1" noRot="1" noChangeAspect="1"/>
+          </p:cNvSpPr>
+          <p:nvPr>
+            <p:ph type="sldImg"/>
+          </p:nvPr>
+        </p:nvSpPr>
+        <p:spPr/>
+      </p:sp>
+      <p:sp>
+        <p:nvSpPr>
+          <p:cNvPr id="3" name="Notes Placeholder 2"/>
+          <p:cNvSpPr>
+            <a:spLocks noGrp="1"/>
+          </p:cNvSpPr>
+          <p:nvPr>
+            <p:ph type="body" idx="1"/>
+          </p:nvPr>
+        </p:nvSpPr>
+        <p:spPr/>
+        <p:txBody>
+          <a:bodyPr/>
+          <a:lstStyle/>
+          <a:p>
+            <a:endParaRPr lang="en-US" b="0" dirty="0">
+              <a:solidFill>
+                <a:srgbClr val="CCCCCC"/>
+              </a:solidFill>
+              <a:effectLst/>
+              <a:latin typeface="Menlo" panose="020B0609030804020204" pitchFamily="49" charset="0"/>
+            </a:endParaRPr>
+          </a:p>
+        </p:txBody>
+      </p:sp>
+      <p:sp>
+        <p:nvSpPr>
+          <p:cNvPr id="4" name="Slide Number Placeholder 3"/>
+          <p:cNvSpPr>
+            <a:spLocks noGrp="1"/>
+          </p:cNvSpPr>
+          <p:nvPr>
+            <p:ph type="sldNum" sz="quarter" idx="5"/>
+          </p:nvPr>
+        </p:nvSpPr>
+        <p:spPr/>
+        <p:txBody>
+          <a:bodyPr/>
+          <a:lstStyle/>
+          <a:p>
+            <a:fld id="{061BAA8C-FDC6-D345-B4E0-3B02449209FB}" type="slidenum">
+              <a:rPr lang="en-US" smtClean="0"/>
+              <a:t>17</a:t>
             </a:fld>
             <a:endParaRPr lang="en-US"/>
           </a:p>
@@ -1338,13 +1429,36 @@
           <a:bodyPr/>
           <a:lstStyle/>
           <a:p>
-            <a:endParaRPr lang="en-US" b="0" dirty="0">
-              <a:solidFill>
-                <a:srgbClr val="CCCCCC"/>
-              </a:solidFill>
-              <a:effectLst/>
-              <a:latin typeface="Menlo" panose="020B0609030804020204" pitchFamily="49" charset="0"/>
-            </a:endParaRPr>
+            <a:r>
+              <a:rPr lang="en-US" b="0" dirty="0">
+                <a:solidFill>
+                  <a:srgbClr val="CCCCCC"/>
+                </a:solidFill>
+                <a:effectLst/>
+                <a:latin typeface="Menlo" panose="020B0609030804020204" pitchFamily="49" charset="0"/>
+              </a:rPr>
+              <a:t>Fewer Tregs associated with </a:t>
+            </a:r>
+            <a:r>
+              <a:rPr lang="en-US" b="0" dirty="0" err="1">
+                <a:solidFill>
+                  <a:srgbClr val="CCCCCC"/>
+                </a:solidFill>
+                <a:effectLst/>
+                <a:latin typeface="Menlo" panose="020B0609030804020204" pitchFamily="49" charset="0"/>
+              </a:rPr>
+              <a:t>irAEs</a:t>
+            </a:r>
+            <a:r>
+              <a:rPr lang="en-US" b="0" dirty="0">
+                <a:solidFill>
+                  <a:srgbClr val="CCCCCC"/>
+                </a:solidFill>
+                <a:effectLst/>
+                <a:latin typeface="Menlo" panose="020B0609030804020204" pitchFamily="49" charset="0"/>
+              </a:rPr>
+              <a:t> in literature, don’t see that here though</a:t>
+            </a:r>
           </a:p>
         </p:txBody>
       </p:sp>
@@ -1374,7 +1488,7 @@
     </p:spTree>
     <p:extLst>
       <p:ext uri="{BB962C8B-B14F-4D97-AF65-F5344CB8AC3E}">
-        <p14:creationId xmlns:p14="http://schemas.microsoft.com/office/powerpoint/2010/main" val="884207481"/>
+        <p14:creationId xmlns:p14="http://schemas.microsoft.com/office/powerpoint/2010/main" val="2737585015"/>
       </p:ext>
     </p:extLst>
   </p:cSld>
@@ -1464,7 +1578,7 @@
     </p:spTree>
     <p:extLst>
       <p:ext uri="{BB962C8B-B14F-4D97-AF65-F5344CB8AC3E}">
-        <p14:creationId xmlns:p14="http://schemas.microsoft.com/office/powerpoint/2010/main" val="691961565"/>
+        <p14:creationId xmlns:p14="http://schemas.microsoft.com/office/powerpoint/2010/main" val="3673769963"/>
       </p:ext>
     </p:extLst>
   </p:cSld>
@@ -1554,7 +1668,7 @@
     </p:spTree>
     <p:extLst>
       <p:ext uri="{BB962C8B-B14F-4D97-AF65-F5344CB8AC3E}">
-        <p14:creationId xmlns:p14="http://schemas.microsoft.com/office/powerpoint/2010/main" val="4003064191"/>
+        <p14:creationId xmlns:p14="http://schemas.microsoft.com/office/powerpoint/2010/main" val="3151721272"/>
       </p:ext>
     </p:extLst>
   </p:cSld>
@@ -1644,7 +1758,7 @@
     </p:spTree>
     <p:extLst>
       <p:ext uri="{BB962C8B-B14F-4D97-AF65-F5344CB8AC3E}">
-        <p14:creationId xmlns:p14="http://schemas.microsoft.com/office/powerpoint/2010/main" val="2737585015"/>
+        <p14:creationId xmlns:p14="http://schemas.microsoft.com/office/powerpoint/2010/main" val="890911387"/>
       </p:ext>
     </p:extLst>
   </p:cSld>
@@ -1698,40 +1812,13 @@
           <a:bodyPr/>
           <a:lstStyle/>
           <a:p>
-            <a:r>
-              <a:rPr lang="en-US" b="0" dirty="0">
-                <a:solidFill>
-                  <a:srgbClr val="CCCCCC"/>
-                </a:solidFill>
-                <a:effectLst/>
-                <a:latin typeface="Menlo" panose="020B0609030804020204" pitchFamily="49" charset="0"/>
-              </a:rPr>
-              <a:t># TRAV12-CD8 T: 0.01593</a:t>
-            </a:r>
-          </a:p>
-          <a:p>
-            <a:r>
-              <a:rPr lang="en-US" b="0" dirty="0">
-                <a:solidFill>
-                  <a:srgbClr val="CCCCCC"/>
-                </a:solidFill>
-                <a:effectLst/>
-                <a:latin typeface="Menlo" panose="020B0609030804020204" pitchFamily="49" charset="0"/>
-              </a:rPr>
-              <a:t># TRAV17-CD4 T: 0.01052</a:t>
-            </a:r>
-          </a:p>
-          <a:p>
-            <a:r>
-              <a:rPr lang="en-US" b="0" dirty="0">
-                <a:solidFill>
-                  <a:srgbClr val="CCCCCC"/>
-                </a:solidFill>
-                <a:effectLst/>
-                <a:latin typeface="Menlo" panose="020B0609030804020204" pitchFamily="49" charset="0"/>
-              </a:rPr>
-              <a:t># TRAJ7-CD4 T: 0.004169</a:t>
-            </a:r>
+            <a:endParaRPr lang="en-US" b="0" dirty="0">
+              <a:solidFill>
+                <a:srgbClr val="CCCCCC"/>
+              </a:solidFill>
+              <a:effectLst/>
+              <a:latin typeface="Menlo" panose="020B0609030804020204" pitchFamily="49" charset="0"/>
+            </a:endParaRPr>
           </a:p>
         </p:txBody>
       </p:sp>
@@ -1761,7 +1848,7 @@
     </p:spTree>
     <p:extLst>
       <p:ext uri="{BB962C8B-B14F-4D97-AF65-F5344CB8AC3E}">
-        <p14:creationId xmlns:p14="http://schemas.microsoft.com/office/powerpoint/2010/main" val="3673769963"/>
+        <p14:creationId xmlns:p14="http://schemas.microsoft.com/office/powerpoint/2010/main" val="508667042"/>
       </p:ext>
     </p:extLst>
   </p:cSld>
@@ -1851,7 +1938,7 @@
     </p:spTree>
     <p:extLst>
       <p:ext uri="{BB962C8B-B14F-4D97-AF65-F5344CB8AC3E}">
-        <p14:creationId xmlns:p14="http://schemas.microsoft.com/office/powerpoint/2010/main" val="890911387"/>
+        <p14:creationId xmlns:p14="http://schemas.microsoft.com/office/powerpoint/2010/main" val="1550285497"/>
       </p:ext>
     </p:extLst>
   </p:cSld>
@@ -1905,13 +1992,36 @@
           <a:bodyPr/>
           <a:lstStyle/>
           <a:p>
-            <a:endParaRPr lang="en-US" b="0" dirty="0">
-              <a:solidFill>
-                <a:srgbClr val="CCCCCC"/>
-              </a:solidFill>
-              <a:effectLst/>
-              <a:latin typeface="Menlo" panose="020B0609030804020204" pitchFamily="49" charset="0"/>
-            </a:endParaRPr>
+            <a:r>
+              <a:rPr lang="en-US" b="0" dirty="0">
+                <a:solidFill>
+                  <a:srgbClr val="CCCCCC"/>
+                </a:solidFill>
+                <a:effectLst/>
+                <a:latin typeface="Menlo" panose="020B0609030804020204" pitchFamily="49" charset="0"/>
+              </a:rPr>
+              <a:t>No </a:t>
+            </a:r>
+            <a:r>
+              <a:rPr lang="en-US" b="0" dirty="0" err="1">
+                <a:solidFill>
+                  <a:srgbClr val="CCCCCC"/>
+                </a:solidFill>
+                <a:effectLst/>
+                <a:latin typeface="Menlo" panose="020B0609030804020204" pitchFamily="49" charset="0"/>
+              </a:rPr>
+              <a:t>pgen</a:t>
+            </a:r>
+            <a:r>
+              <a:rPr lang="en-US" b="0" dirty="0">
+                <a:solidFill>
+                  <a:srgbClr val="CCCCCC"/>
+                </a:solidFill>
+                <a:effectLst/>
+                <a:latin typeface="Menlo" panose="020B0609030804020204" pitchFamily="49" charset="0"/>
+              </a:rPr>
+              <a:t> differences (least at 15 clonotype level)</a:t>
+            </a:r>
           </a:p>
         </p:txBody>
       </p:sp>
@@ -1941,7 +2051,7 @@
     </p:spTree>
     <p:extLst>
       <p:ext uri="{BB962C8B-B14F-4D97-AF65-F5344CB8AC3E}">
-        <p14:creationId xmlns:p14="http://schemas.microsoft.com/office/powerpoint/2010/main" val="508667042"/>
+        <p14:creationId xmlns:p14="http://schemas.microsoft.com/office/powerpoint/2010/main" val="2979991149"/>
       </p:ext>
     </p:extLst>
   </p:cSld>
@@ -2098,7 +2208,7 @@
           <a:p>
             <a:fld id="{80FC6068-BAFB-FC44-B9D8-F4B3BB105DE6}" type="datetimeFigureOut">
               <a:rPr lang="en-US" smtClean="0"/>
-              <a:t>1/2/24</a:t>
+              <a:t>1/3/24</a:t>
             </a:fld>
             <a:endParaRPr lang="en-US"/>
           </a:p>
@@ -2296,7 +2406,7 @@
           <a:p>
             <a:fld id="{80FC6068-BAFB-FC44-B9D8-F4B3BB105DE6}" type="datetimeFigureOut">
               <a:rPr lang="en-US" smtClean="0"/>
-              <a:t>1/2/24</a:t>
+              <a:t>1/3/24</a:t>
             </a:fld>
             <a:endParaRPr lang="en-US"/>
           </a:p>
@@ -2504,7 +2614,7 @@
           <a:p>
             <a:fld id="{80FC6068-BAFB-FC44-B9D8-F4B3BB105DE6}" type="datetimeFigureOut">
               <a:rPr lang="en-US" smtClean="0"/>
-              <a:t>1/2/24</a:t>
+              <a:t>1/3/24</a:t>
             </a:fld>
             <a:endParaRPr lang="en-US"/>
           </a:p>
@@ -2708,7 +2818,7 @@
           <a:p>
             <a:fld id="{80FC6068-BAFB-FC44-B9D8-F4B3BB105DE6}" type="datetimeFigureOut">
               <a:rPr lang="en-US" smtClean="0"/>
-              <a:t>1/2/24</a:t>
+              <a:t>1/3/24</a:t>
             </a:fld>
             <a:endParaRPr lang="en-US"/>
           </a:p>
@@ -2999,7 +3109,7 @@
           <a:p>
             <a:fld id="{80FC6068-BAFB-FC44-B9D8-F4B3BB105DE6}" type="datetimeFigureOut">
               <a:rPr lang="en-US" smtClean="0"/>
-              <a:t>1/2/24</a:t>
+              <a:t>1/3/24</a:t>
             </a:fld>
             <a:endParaRPr lang="en-US"/>
           </a:p>
@@ -3264,7 +3374,7 @@
           <a:p>
             <a:fld id="{80FC6068-BAFB-FC44-B9D8-F4B3BB105DE6}" type="datetimeFigureOut">
               <a:rPr lang="en-US" smtClean="0"/>
-              <a:t>1/2/24</a:t>
+              <a:t>1/3/24</a:t>
             </a:fld>
             <a:endParaRPr lang="en-US"/>
           </a:p>
@@ -3676,7 +3786,7 @@
           <a:p>
             <a:fld id="{80FC6068-BAFB-FC44-B9D8-F4B3BB105DE6}" type="datetimeFigureOut">
               <a:rPr lang="en-US" smtClean="0"/>
-              <a:t>1/2/24</a:t>
+              <a:t>1/3/24</a:t>
             </a:fld>
             <a:endParaRPr lang="en-US"/>
           </a:p>
@@ -3817,7 +3927,7 @@
           <a:p>
             <a:fld id="{80FC6068-BAFB-FC44-B9D8-F4B3BB105DE6}" type="datetimeFigureOut">
               <a:rPr lang="en-US" smtClean="0"/>
-              <a:t>1/2/24</a:t>
+              <a:t>1/3/24</a:t>
             </a:fld>
             <a:endParaRPr lang="en-US"/>
           </a:p>
@@ -3930,7 +4040,7 @@
           <a:p>
             <a:fld id="{80FC6068-BAFB-FC44-B9D8-F4B3BB105DE6}" type="datetimeFigureOut">
               <a:rPr lang="en-US" smtClean="0"/>
-              <a:t>1/2/24</a:t>
+              <a:t>1/3/24</a:t>
             </a:fld>
             <a:endParaRPr lang="en-US"/>
           </a:p>
@@ -4241,7 +4351,7 @@
           <a:p>
             <a:fld id="{80FC6068-BAFB-FC44-B9D8-F4B3BB105DE6}" type="datetimeFigureOut">
               <a:rPr lang="en-US" smtClean="0"/>
-              <a:t>1/2/24</a:t>
+              <a:t>1/3/24</a:t>
             </a:fld>
             <a:endParaRPr lang="en-US"/>
           </a:p>
@@ -4529,7 +4639,7 @@
           <a:p>
             <a:fld id="{80FC6068-BAFB-FC44-B9D8-F4B3BB105DE6}" type="datetimeFigureOut">
               <a:rPr lang="en-US" smtClean="0"/>
-              <a:t>1/2/24</a:t>
+              <a:t>1/3/24</a:t>
             </a:fld>
             <a:endParaRPr lang="en-US"/>
           </a:p>
@@ -4770,7 +4880,7 @@
           <a:p>
             <a:fld id="{80FC6068-BAFB-FC44-B9D8-F4B3BB105DE6}" type="datetimeFigureOut">
               <a:rPr lang="en-US" smtClean="0"/>
-              <a:t>1/2/24</a:t>
+              <a:t>1/3/24</a:t>
             </a:fld>
             <a:endParaRPr lang="en-US"/>
           </a:p>
@@ -5305,23 +5415,31 @@
         </p:spPr>
         <p:txBody>
           <a:bodyPr>
-            <a:normAutofit/>
+            <a:normAutofit fontScale="90000"/>
           </a:bodyPr>
           <a:lstStyle/>
           <a:p>
             <a:r>
               <a:rPr lang="en-US" dirty="0"/>
-              <a:t>Strongest myocarditis conclusion for comparison</a:t>
+              <a:t>Additional weak conclusion 2 from myocarditis dataset: highly expanded CD4 TCM TRB more germline-like in </a:t>
+            </a:r>
+            <a:r>
+              <a:rPr lang="en-US" dirty="0" err="1"/>
+              <a:t>irAE</a:t>
+            </a:r>
+            <a:r>
+              <a:rPr lang="en-US" dirty="0"/>
+              <a:t> patients</a:t>
             </a:r>
           </a:p>
         </p:txBody>
       </p:sp>
       <p:pic>
         <p:nvPicPr>
-          <p:cNvPr id="4" name="Picture 3">
-            <a:extLst>
-              <a:ext uri="{FF2B5EF4-FFF2-40B4-BE49-F238E27FC236}">
-                <a16:creationId xmlns:a16="http://schemas.microsoft.com/office/drawing/2014/main" id="{22064411-2632-A287-93B9-78DA0B6E7314}"/>
+          <p:cNvPr id="7" name="Picture 6">
+            <a:extLst>
+              <a:ext uri="{FF2B5EF4-FFF2-40B4-BE49-F238E27FC236}">
+                <a16:creationId xmlns:a16="http://schemas.microsoft.com/office/drawing/2014/main" id="{AA13BBE1-1F2E-1C86-3DBB-44FF80ADE88A}"/>
               </a:ext>
             </a:extLst>
           </p:cNvPr>
@@ -5338,8 +5456,8 @@
         </p:blipFill>
         <p:spPr>
           <a:xfrm>
-            <a:off x="1203960" y="1627522"/>
-            <a:ext cx="7772400" cy="4636753"/>
+            <a:off x="140678" y="2226479"/>
+            <a:ext cx="6253551" cy="3503762"/>
           </a:xfrm>
           <a:prstGeom prst="rect">
             <a:avLst/>
@@ -5348,10 +5466,110 @@
       </p:pic>
       <p:sp>
         <p:nvSpPr>
-          <p:cNvPr id="5" name="TextBox 4">
-            <a:extLst>
-              <a:ext uri="{FF2B5EF4-FFF2-40B4-BE49-F238E27FC236}">
-                <a16:creationId xmlns:a16="http://schemas.microsoft.com/office/drawing/2014/main" id="{F125686D-CEE9-CF68-4BA3-C080BE32C00C}"/>
+          <p:cNvPr id="19" name="TextBox 18">
+            <a:extLst>
+              <a:ext uri="{FF2B5EF4-FFF2-40B4-BE49-F238E27FC236}">
+                <a16:creationId xmlns:a16="http://schemas.microsoft.com/office/drawing/2014/main" id="{64FE5E85-49E4-6F65-E9DE-AD82474B127E}"/>
+              </a:ext>
+            </a:extLst>
+          </p:cNvPr>
+          <p:cNvSpPr txBox="1"/>
+          <p:nvPr/>
+        </p:nvSpPr>
+        <p:spPr>
+          <a:xfrm>
+            <a:off x="1378252" y="2629306"/>
+            <a:ext cx="389588" cy="369332"/>
+          </a:xfrm>
+          <a:prstGeom prst="rect">
+            <a:avLst/>
+          </a:prstGeom>
+          <a:noFill/>
+        </p:spPr>
+        <p:txBody>
+          <a:bodyPr wrap="square" rtlCol="0">
+            <a:spAutoFit/>
+          </a:bodyPr>
+          <a:lstStyle/>
+          <a:p>
+            <a:r>
+              <a:rPr lang="en-US" dirty="0"/>
+              <a:t>* </a:t>
+            </a:r>
+          </a:p>
+        </p:txBody>
+      </p:sp>
+      <p:pic>
+        <p:nvPicPr>
+          <p:cNvPr id="3" name="Picture 2">
+            <a:extLst>
+              <a:ext uri="{FF2B5EF4-FFF2-40B4-BE49-F238E27FC236}">
+                <a16:creationId xmlns:a16="http://schemas.microsoft.com/office/drawing/2014/main" id="{195B8E52-4CEC-219D-AD57-6BE9A3BEEE10}"/>
+              </a:ext>
+            </a:extLst>
+          </p:cNvPr>
+          <p:cNvPicPr>
+            <a:picLocks noChangeAspect="1"/>
+          </p:cNvPicPr>
+          <p:nvPr/>
+        </p:nvPicPr>
+        <p:blipFill>
+          <a:blip r:embed="rId4"/>
+          <a:stretch>
+            <a:fillRect/>
+          </a:stretch>
+        </p:blipFill>
+        <p:spPr>
+          <a:xfrm>
+            <a:off x="6220444" y="2226479"/>
+            <a:ext cx="5971556" cy="3503762"/>
+          </a:xfrm>
+          <a:prstGeom prst="rect">
+            <a:avLst/>
+          </a:prstGeom>
+        </p:spPr>
+      </p:pic>
+      <p:sp>
+        <p:nvSpPr>
+          <p:cNvPr id="9" name="TextBox 8">
+            <a:extLst>
+              <a:ext uri="{FF2B5EF4-FFF2-40B4-BE49-F238E27FC236}">
+                <a16:creationId xmlns:a16="http://schemas.microsoft.com/office/drawing/2014/main" id="{43723566-79A3-1197-E932-3517E4A633BA}"/>
+              </a:ext>
+            </a:extLst>
+          </p:cNvPr>
+          <p:cNvSpPr txBox="1"/>
+          <p:nvPr/>
+        </p:nvSpPr>
+        <p:spPr>
+          <a:xfrm>
+            <a:off x="7928513" y="2813972"/>
+            <a:ext cx="595809" cy="369332"/>
+          </a:xfrm>
+          <a:prstGeom prst="rect">
+            <a:avLst/>
+          </a:prstGeom>
+          <a:noFill/>
+        </p:spPr>
+        <p:txBody>
+          <a:bodyPr wrap="square" rtlCol="0">
+            <a:spAutoFit/>
+          </a:bodyPr>
+          <a:lstStyle/>
+          <a:p>
+            <a:r>
+              <a:rPr lang="en-US" dirty="0"/>
+              <a:t>*</a:t>
+            </a:r>
+          </a:p>
+        </p:txBody>
+      </p:sp>
+      <p:sp>
+        <p:nvSpPr>
+          <p:cNvPr id="4" name="TextBox 3">
+            <a:extLst>
+              <a:ext uri="{FF2B5EF4-FFF2-40B4-BE49-F238E27FC236}">
+                <a16:creationId xmlns:a16="http://schemas.microsoft.com/office/drawing/2014/main" id="{5C7870BB-AF9B-7645-3D2E-187D0204E9FA}"/>
               </a:ext>
             </a:extLst>
           </p:cNvPr>
@@ -5406,10 +5624,10 @@
       </p:sp>
       <p:sp>
         <p:nvSpPr>
-          <p:cNvPr id="6" name="TextBox 5">
-            <a:extLst>
-              <a:ext uri="{FF2B5EF4-FFF2-40B4-BE49-F238E27FC236}">
-                <a16:creationId xmlns:a16="http://schemas.microsoft.com/office/drawing/2014/main" id="{A1FA9CBB-C193-F78E-BE9D-D7887FFB22C7}"/>
+          <p:cNvPr id="8" name="TextBox 7">
+            <a:extLst>
+              <a:ext uri="{FF2B5EF4-FFF2-40B4-BE49-F238E27FC236}">
+                <a16:creationId xmlns:a16="http://schemas.microsoft.com/office/drawing/2014/main" id="{0B293859-9A24-EB7C-04EF-1CA68F77CE57}"/>
               </a:ext>
             </a:extLst>
           </p:cNvPr>
@@ -5418,8 +5636,8 @@
         </p:nvSpPr>
         <p:spPr>
           <a:xfrm>
-            <a:off x="5645435" y="2219581"/>
-            <a:ext cx="589280" cy="369332"/>
+            <a:off x="7128846" y="5653361"/>
+            <a:ext cx="4421467" cy="369332"/>
           </a:xfrm>
           <a:prstGeom prst="rect">
             <a:avLst/>
@@ -5427,24 +5645,24 @@
           <a:noFill/>
         </p:spPr>
         <p:txBody>
-          <a:bodyPr wrap="square" rtlCol="0">
+          <a:bodyPr wrap="none" rtlCol="0">
             <a:spAutoFit/>
           </a:bodyPr>
           <a:lstStyle/>
           <a:p>
             <a:r>
               <a:rPr lang="en-US" dirty="0"/>
-              <a:t>*</a:t>
-            </a:r>
-          </a:p>
-        </p:txBody>
-      </p:sp>
-      <p:sp>
-        <p:nvSpPr>
-          <p:cNvPr id="7" name="TextBox 6">
-            <a:extLst>
-              <a:ext uri="{FF2B5EF4-FFF2-40B4-BE49-F238E27FC236}">
-                <a16:creationId xmlns:a16="http://schemas.microsoft.com/office/drawing/2014/main" id="{AA02738C-558B-5971-7406-F80142D56ECD}"/>
+              <a:t>Not significant for top 5, 10, or 20 clonotypes</a:t>
+            </a:r>
+          </a:p>
+        </p:txBody>
+      </p:sp>
+      <p:sp>
+        <p:nvSpPr>
+          <p:cNvPr id="14" name="TextBox 13">
+            <a:extLst>
+              <a:ext uri="{FF2B5EF4-FFF2-40B4-BE49-F238E27FC236}">
+                <a16:creationId xmlns:a16="http://schemas.microsoft.com/office/drawing/2014/main" id="{0AC0ACB9-CC5A-DCB5-43C7-ADABB9D56CB4}"/>
               </a:ext>
             </a:extLst>
           </p:cNvPr>
@@ -5453,8 +5671,8 @@
         </p:nvSpPr>
         <p:spPr>
           <a:xfrm>
-            <a:off x="6905275" y="2219581"/>
-            <a:ext cx="589280" cy="369332"/>
+            <a:off x="1307970" y="5653361"/>
+            <a:ext cx="3644011" cy="369332"/>
           </a:xfrm>
           <a:prstGeom prst="rect">
             <a:avLst/>
@@ -5462,61 +5680,14 @@
           <a:noFill/>
         </p:spPr>
         <p:txBody>
-          <a:bodyPr wrap="square" rtlCol="0">
-            <a:spAutoFit/>
-          </a:bodyPr>
-          <a:lstStyle/>
-          <a:p>
-            <a:r>
-              <a:rPr lang="en-US" dirty="0"/>
-              <a:t>*</a:t>
-            </a:r>
-          </a:p>
-        </p:txBody>
-      </p:sp>
-      <p:sp>
-        <p:nvSpPr>
-          <p:cNvPr id="3" name="TextBox 2">
-            <a:extLst>
-              <a:ext uri="{FF2B5EF4-FFF2-40B4-BE49-F238E27FC236}">
-                <a16:creationId xmlns:a16="http://schemas.microsoft.com/office/drawing/2014/main" id="{33151649-41B4-9230-8670-C92EC0D33DF7}"/>
-              </a:ext>
-            </a:extLst>
-          </p:cNvPr>
-          <p:cNvSpPr txBox="1"/>
-          <p:nvPr/>
-        </p:nvSpPr>
-        <p:spPr>
-          <a:xfrm>
-            <a:off x="936357" y="6011063"/>
-            <a:ext cx="8260851" cy="369332"/>
-          </a:xfrm>
-          <a:prstGeom prst="rect">
-            <a:avLst/>
-          </a:prstGeom>
-          <a:noFill/>
-        </p:spPr>
-        <p:txBody>
           <a:bodyPr wrap="none" rtlCol="0">
             <a:spAutoFit/>
           </a:bodyPr>
           <a:lstStyle/>
           <a:p>
             <a:r>
-              <a:rPr lang="en-US" dirty="0" err="1"/>
-              <a:t>Havent</a:t>
-            </a:r>
-            <a:r>
-              <a:rPr lang="en-US" dirty="0"/>
-              <a:t> adjusted p </a:t>
-            </a:r>
-            <a:r>
-              <a:rPr lang="en-US" dirty="0" err="1"/>
-              <a:t>val</a:t>
-            </a:r>
-            <a:r>
-              <a:rPr lang="en-US" dirty="0"/>
-              <a:t> yet, also show how its not just not normalized (why its not weak)</a:t>
+              <a:rPr lang="en-US" dirty="0"/>
+              <a:t>Also significant for top 20 clonotypes</a:t>
             </a:r>
           </a:p>
         </p:txBody>
@@ -5524,7 +5695,7 @@
     </p:spTree>
     <p:extLst>
       <p:ext uri="{BB962C8B-B14F-4D97-AF65-F5344CB8AC3E}">
-        <p14:creationId xmlns:p14="http://schemas.microsoft.com/office/powerpoint/2010/main" val="2854579076"/>
+        <p14:creationId xmlns:p14="http://schemas.microsoft.com/office/powerpoint/2010/main" val="3617837239"/>
       </p:ext>
     </p:extLst>
   </p:cSld>
@@ -5575,13 +5746,13 @@
         </p:spPr>
         <p:txBody>
           <a:bodyPr>
-            <a:normAutofit fontScale="90000"/>
+            <a:normAutofit/>
           </a:bodyPr>
           <a:lstStyle/>
           <a:p>
             <a:r>
               <a:rPr lang="en-US" dirty="0"/>
-              <a:t>Additional super weak conclusion 1 from myocarditis dataset: highly expanded CD8 Naïve TRBs less germline-like in </a:t>
+              <a:t>Additional weak conclusion 3 from myocarditis dataset: public Treg TRAs less germline-like in </a:t>
             </a:r>
             <a:r>
               <a:rPr lang="en-US" dirty="0" err="1"/>
@@ -5596,10 +5767,10 @@
       </p:sp>
       <p:pic>
         <p:nvPicPr>
-          <p:cNvPr id="21" name="Picture 20">
-            <a:extLst>
-              <a:ext uri="{FF2B5EF4-FFF2-40B4-BE49-F238E27FC236}">
-                <a16:creationId xmlns:a16="http://schemas.microsoft.com/office/drawing/2014/main" id="{8ED9DADA-4E48-4BA5-2B94-7B3234667549}"/>
+          <p:cNvPr id="13" name="Picture 12">
+            <a:extLst>
+              <a:ext uri="{FF2B5EF4-FFF2-40B4-BE49-F238E27FC236}">
+                <a16:creationId xmlns:a16="http://schemas.microsoft.com/office/drawing/2014/main" id="{5A080777-538D-D95B-1DB0-551EA30800B6}"/>
               </a:ext>
             </a:extLst>
           </p:cNvPr>
@@ -5616,8 +5787,8 @@
         </p:blipFill>
         <p:spPr>
           <a:xfrm>
-            <a:off x="211423" y="2104276"/>
-            <a:ext cx="6124440" cy="3523293"/>
+            <a:off x="54689" y="1944688"/>
+            <a:ext cx="6791145" cy="3979037"/>
           </a:xfrm>
           <a:prstGeom prst="rect">
             <a:avLst/>
@@ -5626,10 +5797,10 @@
       </p:pic>
       <p:sp>
         <p:nvSpPr>
-          <p:cNvPr id="22" name="TextBox 21">
-            <a:extLst>
-              <a:ext uri="{FF2B5EF4-FFF2-40B4-BE49-F238E27FC236}">
-                <a16:creationId xmlns:a16="http://schemas.microsoft.com/office/drawing/2014/main" id="{FB933261-9B70-5795-4D85-5E2FBB60D324}"/>
+          <p:cNvPr id="14" name="TextBox 13">
+            <a:extLst>
+              <a:ext uri="{FF2B5EF4-FFF2-40B4-BE49-F238E27FC236}">
+                <a16:creationId xmlns:a16="http://schemas.microsoft.com/office/drawing/2014/main" id="{DB0972C3-3D9C-7A5F-1DB1-05D124E8546C}"/>
               </a:ext>
             </a:extLst>
           </p:cNvPr>
@@ -5638,8 +5809,8 @@
         </p:nvSpPr>
         <p:spPr>
           <a:xfrm>
-            <a:off x="1934725" y="2528037"/>
-            <a:ext cx="415498" cy="369332"/>
+            <a:off x="3846800" y="2478909"/>
+            <a:ext cx="674399" cy="369332"/>
           </a:xfrm>
           <a:prstGeom prst="rect">
             <a:avLst/>
@@ -5647,24 +5818,24 @@
           <a:noFill/>
         </p:spPr>
         <p:txBody>
-          <a:bodyPr wrap="none" rtlCol="0">
+          <a:bodyPr wrap="square" rtlCol="0">
             <a:spAutoFit/>
           </a:bodyPr>
           <a:lstStyle/>
           <a:p>
             <a:r>
               <a:rPr lang="en-US" dirty="0"/>
-              <a:t>**</a:t>
+              <a:t>*</a:t>
             </a:r>
           </a:p>
         </p:txBody>
       </p:sp>
       <p:pic>
         <p:nvPicPr>
-          <p:cNvPr id="24" name="Picture 23">
-            <a:extLst>
-              <a:ext uri="{FF2B5EF4-FFF2-40B4-BE49-F238E27FC236}">
-                <a16:creationId xmlns:a16="http://schemas.microsoft.com/office/drawing/2014/main" id="{6195BBD5-08DD-16AD-FAB1-129B3A23552C}"/>
+          <p:cNvPr id="15" name="Picture 14">
+            <a:extLst>
+              <a:ext uri="{FF2B5EF4-FFF2-40B4-BE49-F238E27FC236}">
+                <a16:creationId xmlns:a16="http://schemas.microsoft.com/office/drawing/2014/main" id="{89CFB0E3-CA3E-CB57-4C59-ADF959DE7B3F}"/>
               </a:ext>
             </a:extLst>
           </p:cNvPr>
@@ -5681,8 +5852,8 @@
         </p:blipFill>
         <p:spPr>
           <a:xfrm>
-            <a:off x="5877207" y="2213884"/>
-            <a:ext cx="6330513" cy="3598673"/>
+            <a:off x="6185472" y="1944688"/>
+            <a:ext cx="6034860" cy="3553477"/>
           </a:xfrm>
           <a:prstGeom prst="rect">
             <a:avLst/>
@@ -5694,7 +5865,7 @@
           <p:cNvPr id="3" name="TextBox 2">
             <a:extLst>
               <a:ext uri="{FF2B5EF4-FFF2-40B4-BE49-F238E27FC236}">
-                <a16:creationId xmlns:a16="http://schemas.microsoft.com/office/drawing/2014/main" id="{B710E3F1-65C1-846E-8D4A-82F1005D4DA6}"/>
+                <a16:creationId xmlns:a16="http://schemas.microsoft.com/office/drawing/2014/main" id="{0ACF6FA3-AA2F-D5BE-CE32-768201ABADDA}"/>
               </a:ext>
             </a:extLst>
           </p:cNvPr>
@@ -5747,75 +5918,10 @@
           </a:p>
         </p:txBody>
       </p:sp>
-      <p:pic>
-        <p:nvPicPr>
-          <p:cNvPr id="5" name="Picture 4">
-            <a:extLst>
-              <a:ext uri="{FF2B5EF4-FFF2-40B4-BE49-F238E27FC236}">
-                <a16:creationId xmlns:a16="http://schemas.microsoft.com/office/drawing/2014/main" id="{8657F2FC-0AA5-A814-38D4-B44F59E8444B}"/>
-              </a:ext>
-            </a:extLst>
-          </p:cNvPr>
-          <p:cNvPicPr>
-            <a:picLocks noChangeAspect="1"/>
-          </p:cNvPicPr>
-          <p:nvPr/>
-        </p:nvPicPr>
-        <p:blipFill>
-          <a:blip r:embed="rId5"/>
-          <a:stretch>
-            <a:fillRect/>
-          </a:stretch>
-        </p:blipFill>
-        <p:spPr>
-          <a:xfrm>
-            <a:off x="210065" y="5440528"/>
-            <a:ext cx="3449320" cy="2085635"/>
-          </a:xfrm>
-          <a:prstGeom prst="rect">
-            <a:avLst/>
-          </a:prstGeom>
-        </p:spPr>
-      </p:pic>
-      <p:sp>
-        <p:nvSpPr>
-          <p:cNvPr id="6" name="TextBox 5">
-            <a:extLst>
-              <a:ext uri="{FF2B5EF4-FFF2-40B4-BE49-F238E27FC236}">
-                <a16:creationId xmlns:a16="http://schemas.microsoft.com/office/drawing/2014/main" id="{0FC37743-9597-BF34-452A-AB3A4E096E23}"/>
-              </a:ext>
-            </a:extLst>
-          </p:cNvPr>
-          <p:cNvSpPr txBox="1"/>
-          <p:nvPr/>
-        </p:nvSpPr>
-        <p:spPr>
-          <a:xfrm>
-            <a:off x="2094937" y="5606090"/>
-            <a:ext cx="415498" cy="369332"/>
-          </a:xfrm>
-          <a:prstGeom prst="rect">
-            <a:avLst/>
-          </a:prstGeom>
-          <a:noFill/>
-        </p:spPr>
-        <p:txBody>
-          <a:bodyPr wrap="none" rtlCol="0">
-            <a:spAutoFit/>
-          </a:bodyPr>
-          <a:lstStyle/>
-          <a:p>
-            <a:r>
-              <a:rPr lang="en-US" dirty="0"/>
-              <a:t>**</a:t>
-            </a:r>
-          </a:p>
-        </p:txBody>
-      </p:sp>
     </p:spTree>
     <p:extLst>
       <p:ext uri="{BB962C8B-B14F-4D97-AF65-F5344CB8AC3E}">
-        <p14:creationId xmlns:p14="http://schemas.microsoft.com/office/powerpoint/2010/main" val="83269482"/>
+        <p14:creationId xmlns:p14="http://schemas.microsoft.com/office/powerpoint/2010/main" val="1430622526"/>
       </p:ext>
     </p:extLst>
   </p:cSld>
@@ -5872,7 +5978,7 @@
           <a:p>
             <a:r>
               <a:rPr lang="en-US" dirty="0"/>
-              <a:t>Additional super weak conclusion 2 from myocarditis dataset: highly expanded CD4 TEM TRAs less germline-like in </a:t>
+              <a:t>Additional super weak conclusion 1 from myocarditis dataset: highly expanded CD8 Naïve TRBs less germline-like in </a:t>
             </a:r>
             <a:r>
               <a:rPr lang="en-US" dirty="0" err="1"/>
@@ -5887,10 +5993,10 @@
       </p:sp>
       <p:pic>
         <p:nvPicPr>
-          <p:cNvPr id="10" name="Picture 9">
-            <a:extLst>
-              <a:ext uri="{FF2B5EF4-FFF2-40B4-BE49-F238E27FC236}">
-                <a16:creationId xmlns:a16="http://schemas.microsoft.com/office/drawing/2014/main" id="{53EEA28D-131A-ED5F-D1B8-B8A5BBBE9C67}"/>
+          <p:cNvPr id="21" name="Picture 20">
+            <a:extLst>
+              <a:ext uri="{FF2B5EF4-FFF2-40B4-BE49-F238E27FC236}">
+                <a16:creationId xmlns:a16="http://schemas.microsoft.com/office/drawing/2014/main" id="{8ED9DADA-4E48-4BA5-2B94-7B3234667549}"/>
               </a:ext>
             </a:extLst>
           </p:cNvPr>
@@ -5907,8 +6013,8 @@
         </p:blipFill>
         <p:spPr>
           <a:xfrm>
-            <a:off x="0" y="2482411"/>
-            <a:ext cx="6271793" cy="3673738"/>
+            <a:off x="211423" y="2104276"/>
+            <a:ext cx="6124440" cy="3523293"/>
           </a:xfrm>
           <a:prstGeom prst="rect">
             <a:avLst/>
@@ -5917,10 +6023,10 @@
       </p:pic>
       <p:sp>
         <p:nvSpPr>
-          <p:cNvPr id="11" name="TextBox 10">
-            <a:extLst>
-              <a:ext uri="{FF2B5EF4-FFF2-40B4-BE49-F238E27FC236}">
-                <a16:creationId xmlns:a16="http://schemas.microsoft.com/office/drawing/2014/main" id="{F3A11341-32FE-0A8A-0B5E-40D7CFBF2A67}"/>
+          <p:cNvPr id="22" name="TextBox 21">
+            <a:extLst>
+              <a:ext uri="{FF2B5EF4-FFF2-40B4-BE49-F238E27FC236}">
+                <a16:creationId xmlns:a16="http://schemas.microsoft.com/office/drawing/2014/main" id="{FB933261-9B70-5795-4D85-5E2FBB60D324}"/>
               </a:ext>
             </a:extLst>
           </p:cNvPr>
@@ -5929,8 +6035,8 @@
         </p:nvSpPr>
         <p:spPr>
           <a:xfrm>
-            <a:off x="1795504" y="2900103"/>
-            <a:ext cx="683535" cy="369332"/>
+            <a:off x="1934725" y="2528037"/>
+            <a:ext cx="415498" cy="369332"/>
           </a:xfrm>
           <a:prstGeom prst="rect">
             <a:avLst/>
@@ -5938,24 +6044,24 @@
           <a:noFill/>
         </p:spPr>
         <p:txBody>
-          <a:bodyPr wrap="square" rtlCol="0">
+          <a:bodyPr wrap="none" rtlCol="0">
             <a:spAutoFit/>
           </a:bodyPr>
           <a:lstStyle/>
           <a:p>
             <a:r>
               <a:rPr lang="en-US" dirty="0"/>
-              <a:t>*</a:t>
+              <a:t>**</a:t>
             </a:r>
           </a:p>
         </p:txBody>
       </p:sp>
       <p:pic>
         <p:nvPicPr>
-          <p:cNvPr id="12" name="Picture 11">
-            <a:extLst>
-              <a:ext uri="{FF2B5EF4-FFF2-40B4-BE49-F238E27FC236}">
-                <a16:creationId xmlns:a16="http://schemas.microsoft.com/office/drawing/2014/main" id="{A6C5CDB3-6B3B-21B9-0146-C46995AE0150}"/>
+          <p:cNvPr id="24" name="Picture 23">
+            <a:extLst>
+              <a:ext uri="{FF2B5EF4-FFF2-40B4-BE49-F238E27FC236}">
+                <a16:creationId xmlns:a16="http://schemas.microsoft.com/office/drawing/2014/main" id="{6195BBD5-08DD-16AD-FAB1-129B3A23552C}"/>
               </a:ext>
             </a:extLst>
           </p:cNvPr>
@@ -5972,8 +6078,8 @@
         </p:blipFill>
         <p:spPr>
           <a:xfrm>
-            <a:off x="6690583" y="2295413"/>
-            <a:ext cx="5501417" cy="3211093"/>
+            <a:off x="5877207" y="2213884"/>
+            <a:ext cx="6330513" cy="3598673"/>
           </a:xfrm>
           <a:prstGeom prst="rect">
             <a:avLst/>
@@ -5985,7 +6091,7 @@
           <p:cNvPr id="3" name="TextBox 2">
             <a:extLst>
               <a:ext uri="{FF2B5EF4-FFF2-40B4-BE49-F238E27FC236}">
-                <a16:creationId xmlns:a16="http://schemas.microsoft.com/office/drawing/2014/main" id="{DAB45A85-3D1D-DEC2-E20D-C0D63B7818CA}"/>
+                <a16:creationId xmlns:a16="http://schemas.microsoft.com/office/drawing/2014/main" id="{B710E3F1-65C1-846E-8D4A-82F1005D4DA6}"/>
               </a:ext>
             </a:extLst>
           </p:cNvPr>
@@ -6038,42 +6144,12 @@
           </a:p>
         </p:txBody>
       </p:sp>
-      <p:pic>
-        <p:nvPicPr>
-          <p:cNvPr id="4" name="Picture 3">
-            <a:extLst>
-              <a:ext uri="{FF2B5EF4-FFF2-40B4-BE49-F238E27FC236}">
-                <a16:creationId xmlns:a16="http://schemas.microsoft.com/office/drawing/2014/main" id="{BAA52B71-02EF-A21A-1C08-B97598825ED1}"/>
-              </a:ext>
-            </a:extLst>
-          </p:cNvPr>
-          <p:cNvPicPr>
-            <a:picLocks noChangeAspect="1"/>
-          </p:cNvPicPr>
-          <p:nvPr/>
-        </p:nvPicPr>
-        <p:blipFill>
-          <a:blip r:embed="rId5"/>
-          <a:stretch>
-            <a:fillRect/>
-          </a:stretch>
-        </p:blipFill>
-        <p:spPr>
-          <a:xfrm>
-            <a:off x="0" y="5434934"/>
-            <a:ext cx="3601720" cy="2096823"/>
-          </a:xfrm>
-          <a:prstGeom prst="rect">
-            <a:avLst/>
-          </a:prstGeom>
-        </p:spPr>
-      </p:pic>
-      <p:sp>
-        <p:nvSpPr>
-          <p:cNvPr id="5" name="TextBox 4">
-            <a:extLst>
-              <a:ext uri="{FF2B5EF4-FFF2-40B4-BE49-F238E27FC236}">
-                <a16:creationId xmlns:a16="http://schemas.microsoft.com/office/drawing/2014/main" id="{FEDD680D-41B0-7F3C-70B4-B594B626B1AF}"/>
+      <p:sp>
+        <p:nvSpPr>
+          <p:cNvPr id="4" name="TextBox 3">
+            <a:extLst>
+              <a:ext uri="{FF2B5EF4-FFF2-40B4-BE49-F238E27FC236}">
+                <a16:creationId xmlns:a16="http://schemas.microsoft.com/office/drawing/2014/main" id="{39C33379-B800-6813-2835-ABC582A1A4BC}"/>
               </a:ext>
             </a:extLst>
           </p:cNvPr>
@@ -6082,8 +6158,8 @@
         </p:nvSpPr>
         <p:spPr>
           <a:xfrm>
-            <a:off x="1978384" y="5531906"/>
-            <a:ext cx="683535" cy="369332"/>
+            <a:off x="1190348" y="5501459"/>
+            <a:ext cx="4166590" cy="369332"/>
           </a:xfrm>
           <a:prstGeom prst="rect">
             <a:avLst/>
@@ -6091,14 +6167,14 @@
           <a:noFill/>
         </p:spPr>
         <p:txBody>
-          <a:bodyPr wrap="square" rtlCol="0">
+          <a:bodyPr wrap="none" rtlCol="0">
             <a:spAutoFit/>
           </a:bodyPr>
           <a:lstStyle/>
           <a:p>
             <a:r>
               <a:rPr lang="en-US" dirty="0"/>
-              <a:t>*</a:t>
+              <a:t>Not significant for top 5, 10, 20 clonotypes</a:t>
             </a:r>
           </a:p>
         </p:txBody>
@@ -6106,7 +6182,7 @@
     </p:spTree>
     <p:extLst>
       <p:ext uri="{BB962C8B-B14F-4D97-AF65-F5344CB8AC3E}">
-        <p14:creationId xmlns:p14="http://schemas.microsoft.com/office/powerpoint/2010/main" val="3284446982"/>
+        <p14:creationId xmlns:p14="http://schemas.microsoft.com/office/powerpoint/2010/main" val="83269482"/>
       </p:ext>
     </p:extLst>
   </p:cSld>
@@ -6163,7 +6239,7 @@
           <a:p>
             <a:r>
               <a:rPr lang="en-US" dirty="0"/>
-              <a:t>Additional super weak conclusion 3 from myocarditis dataset: highly expanded CD4 TCM TRAs less germline-like in </a:t>
+              <a:t>Additional super weak conclusion 2 from myocarditis dataset: highly expanded CD4 TEM TRAs less germline-like in </a:t>
             </a:r>
             <a:r>
               <a:rPr lang="en-US" dirty="0" err="1"/>
@@ -6178,10 +6254,10 @@
       </p:sp>
       <p:pic>
         <p:nvPicPr>
-          <p:cNvPr id="4" name="Picture 3">
-            <a:extLst>
-              <a:ext uri="{FF2B5EF4-FFF2-40B4-BE49-F238E27FC236}">
-                <a16:creationId xmlns:a16="http://schemas.microsoft.com/office/drawing/2014/main" id="{CB0345FA-A8C3-8FB2-F846-0BE892530310}"/>
+          <p:cNvPr id="10" name="Picture 9">
+            <a:extLst>
+              <a:ext uri="{FF2B5EF4-FFF2-40B4-BE49-F238E27FC236}">
+                <a16:creationId xmlns:a16="http://schemas.microsoft.com/office/drawing/2014/main" id="{53EEA28D-131A-ED5F-D1B8-B8A5BBBE9C67}"/>
               </a:ext>
             </a:extLst>
           </p:cNvPr>
@@ -6198,8 +6274,8 @@
         </p:blipFill>
         <p:spPr>
           <a:xfrm>
-            <a:off x="0" y="2482197"/>
-            <a:ext cx="5357431" cy="3015978"/>
+            <a:off x="0" y="2482411"/>
+            <a:ext cx="6271793" cy="3673738"/>
           </a:xfrm>
           <a:prstGeom prst="rect">
             <a:avLst/>
@@ -6208,10 +6284,10 @@
       </p:pic>
       <p:sp>
         <p:nvSpPr>
-          <p:cNvPr id="5" name="TextBox 4">
-            <a:extLst>
-              <a:ext uri="{FF2B5EF4-FFF2-40B4-BE49-F238E27FC236}">
-                <a16:creationId xmlns:a16="http://schemas.microsoft.com/office/drawing/2014/main" id="{4FC1DBAB-4112-92CC-8453-666F98679938}"/>
+          <p:cNvPr id="11" name="TextBox 10">
+            <a:extLst>
+              <a:ext uri="{FF2B5EF4-FFF2-40B4-BE49-F238E27FC236}">
+                <a16:creationId xmlns:a16="http://schemas.microsoft.com/office/drawing/2014/main" id="{F3A11341-32FE-0A8A-0B5E-40D7CFBF2A67}"/>
               </a:ext>
             </a:extLst>
           </p:cNvPr>
@@ -6220,8 +6296,8 @@
         </p:nvSpPr>
         <p:spPr>
           <a:xfrm>
-            <a:off x="1493520" y="2651728"/>
-            <a:ext cx="300082" cy="369332"/>
+            <a:off x="1795504" y="2900103"/>
+            <a:ext cx="683535" cy="369332"/>
           </a:xfrm>
           <a:prstGeom prst="rect">
             <a:avLst/>
@@ -6229,7 +6305,7 @@
           <a:noFill/>
         </p:spPr>
         <p:txBody>
-          <a:bodyPr wrap="none" rtlCol="0">
+          <a:bodyPr wrap="square" rtlCol="0">
             <a:spAutoFit/>
           </a:bodyPr>
           <a:lstStyle/>
@@ -6243,10 +6319,10 @@
       </p:sp>
       <p:pic>
         <p:nvPicPr>
-          <p:cNvPr id="6" name="Picture 5">
-            <a:extLst>
-              <a:ext uri="{FF2B5EF4-FFF2-40B4-BE49-F238E27FC236}">
-                <a16:creationId xmlns:a16="http://schemas.microsoft.com/office/drawing/2014/main" id="{72C5FA71-987C-D11A-FF0C-09FE4B7AF7D3}"/>
+          <p:cNvPr id="12" name="Picture 11">
+            <a:extLst>
+              <a:ext uri="{FF2B5EF4-FFF2-40B4-BE49-F238E27FC236}">
+                <a16:creationId xmlns:a16="http://schemas.microsoft.com/office/drawing/2014/main" id="{A6C5CDB3-6B3B-21B9-0146-C46995AE0150}"/>
               </a:ext>
             </a:extLst>
           </p:cNvPr>
@@ -6263,8 +6339,8 @@
         </p:blipFill>
         <p:spPr>
           <a:xfrm>
-            <a:off x="6138307" y="2364252"/>
-            <a:ext cx="5770657" cy="3367603"/>
+            <a:off x="6690583" y="2295413"/>
+            <a:ext cx="5501417" cy="3211093"/>
           </a:xfrm>
           <a:prstGeom prst="rect">
             <a:avLst/>
@@ -6276,7 +6352,7 @@
           <p:cNvPr id="3" name="TextBox 2">
             <a:extLst>
               <a:ext uri="{FF2B5EF4-FFF2-40B4-BE49-F238E27FC236}">
-                <a16:creationId xmlns:a16="http://schemas.microsoft.com/office/drawing/2014/main" id="{9CC0B7DE-843F-4F91-7B15-E95101715101}"/>
+                <a16:creationId xmlns:a16="http://schemas.microsoft.com/office/drawing/2014/main" id="{DAB45A85-3D1D-DEC2-E20D-C0D63B7818CA}"/>
               </a:ext>
             </a:extLst>
           </p:cNvPr>
@@ -6329,42 +6405,12 @@
           </a:p>
         </p:txBody>
       </p:sp>
-      <p:pic>
-        <p:nvPicPr>
-          <p:cNvPr id="7" name="Picture 6">
-            <a:extLst>
-              <a:ext uri="{FF2B5EF4-FFF2-40B4-BE49-F238E27FC236}">
-                <a16:creationId xmlns:a16="http://schemas.microsoft.com/office/drawing/2014/main" id="{CD234FE6-D8A4-411B-4B41-29579B2DEB11}"/>
-              </a:ext>
-            </a:extLst>
-          </p:cNvPr>
-          <p:cNvPicPr>
-            <a:picLocks noChangeAspect="1"/>
-          </p:cNvPicPr>
-          <p:nvPr/>
-        </p:nvPicPr>
-        <p:blipFill>
-          <a:blip r:embed="rId5"/>
-          <a:stretch>
-            <a:fillRect/>
-          </a:stretch>
-        </p:blipFill>
-        <p:spPr>
-          <a:xfrm>
-            <a:off x="-81431" y="5299847"/>
-            <a:ext cx="3886200" cy="2366997"/>
-          </a:xfrm>
-          <a:prstGeom prst="rect">
-            <a:avLst/>
-          </a:prstGeom>
-        </p:spPr>
-      </p:pic>
-      <p:sp>
-        <p:nvSpPr>
-          <p:cNvPr id="8" name="TextBox 7">
-            <a:extLst>
-              <a:ext uri="{FF2B5EF4-FFF2-40B4-BE49-F238E27FC236}">
-                <a16:creationId xmlns:a16="http://schemas.microsoft.com/office/drawing/2014/main" id="{A222B6C0-8A6D-09FE-92C5-EFF607487A84}"/>
+      <p:sp>
+        <p:nvSpPr>
+          <p:cNvPr id="6" name="TextBox 5">
+            <a:extLst>
+              <a:ext uri="{FF2B5EF4-FFF2-40B4-BE49-F238E27FC236}">
+                <a16:creationId xmlns:a16="http://schemas.microsoft.com/office/drawing/2014/main" id="{E7F0355D-6A5F-783C-3EDF-05DB6E4DD773}"/>
               </a:ext>
             </a:extLst>
           </p:cNvPr>
@@ -6373,8 +6419,8 @@
         </p:nvSpPr>
         <p:spPr>
           <a:xfrm>
-            <a:off x="2089435" y="5440301"/>
-            <a:ext cx="589280" cy="369332"/>
+            <a:off x="1052601" y="5950416"/>
+            <a:ext cx="4166590" cy="369332"/>
           </a:xfrm>
           <a:prstGeom prst="rect">
             <a:avLst/>
@@ -6382,14 +6428,14 @@
           <a:noFill/>
         </p:spPr>
         <p:txBody>
-          <a:bodyPr wrap="square" rtlCol="0">
+          <a:bodyPr wrap="none" rtlCol="0">
             <a:spAutoFit/>
           </a:bodyPr>
           <a:lstStyle/>
           <a:p>
             <a:r>
               <a:rPr lang="en-US" dirty="0"/>
-              <a:t>*</a:t>
+              <a:t>Not significant for top 5, 10, 20 clonotypes</a:t>
             </a:r>
           </a:p>
         </p:txBody>
@@ -6397,7 +6443,7 @@
     </p:spTree>
     <p:extLst>
       <p:ext uri="{BB962C8B-B14F-4D97-AF65-F5344CB8AC3E}">
-        <p14:creationId xmlns:p14="http://schemas.microsoft.com/office/powerpoint/2010/main" val="778138977"/>
+        <p14:creationId xmlns:p14="http://schemas.microsoft.com/office/powerpoint/2010/main" val="3284446982"/>
       </p:ext>
     </p:extLst>
   </p:cSld>
@@ -6448,93 +6494,31 @@
         </p:spPr>
         <p:txBody>
           <a:bodyPr>
-            <a:normAutofit/>
+            <a:normAutofit fontScale="90000"/>
           </a:bodyPr>
           <a:lstStyle/>
           <a:p>
             <a:r>
-              <a:rPr lang="en-US"/>
-              <a:t>Weak conclusion </a:t>
-            </a:r>
-            <a:r>
-              <a:rPr lang="en-US" dirty="0"/>
-              <a:t>1</a:t>
-            </a:r>
-            <a:r>
-              <a:rPr lang="en-US"/>
-              <a:t> </a:t>
-            </a:r>
-            <a:r>
-              <a:rPr lang="en-US" dirty="0"/>
-              <a:t>from colitis dataset (seen last week):</a:t>
-            </a:r>
-          </a:p>
-        </p:txBody>
-      </p:sp>
-      <p:sp>
-        <p:nvSpPr>
-          <p:cNvPr id="3" name="TextBox 2">
-            <a:extLst>
-              <a:ext uri="{FF2B5EF4-FFF2-40B4-BE49-F238E27FC236}">
-                <a16:creationId xmlns:a16="http://schemas.microsoft.com/office/drawing/2014/main" id="{9CC0B7DE-843F-4F91-7B15-E95101715101}"/>
-              </a:ext>
-            </a:extLst>
-          </p:cNvPr>
-          <p:cNvSpPr txBox="1"/>
-          <p:nvPr/>
-        </p:nvSpPr>
-        <p:spPr>
-          <a:xfrm>
-            <a:off x="3483977" y="6483346"/>
-            <a:ext cx="4573688" cy="369332"/>
-          </a:xfrm>
-          <a:prstGeom prst="rect">
-            <a:avLst/>
-          </a:prstGeom>
-          <a:noFill/>
-        </p:spPr>
-        <p:txBody>
-          <a:bodyPr wrap="none" rtlCol="0">
-            <a:spAutoFit/>
-          </a:bodyPr>
-          <a:lstStyle/>
-          <a:p>
-            <a:r>
-              <a:rPr lang="en-US" dirty="0"/>
-              <a:t>Wilcoxon rank sum test.</a:t>
-            </a:r>
-            <a:r>
-              <a:rPr lang="en-US" dirty="0">
-                <a:latin typeface="Calibri" panose="020F0502020204030204" pitchFamily="34" charset="0"/>
-                <a:cs typeface="Times New Roman" panose="02020603050405020304" pitchFamily="18" charset="0"/>
-              </a:rPr>
-              <a:t> </a:t>
-            </a:r>
-            <a:r>
-              <a:rPr lang="en-US" sz="1800" dirty="0">
-                <a:effectLst/>
-                <a:latin typeface="Calibri" panose="020F0502020204030204" pitchFamily="34" charset="0"/>
-                <a:ea typeface="Calibri" panose="020F0502020204030204" pitchFamily="34" charset="0"/>
-                <a:cs typeface="Times New Roman" panose="02020603050405020304" pitchFamily="18" charset="0"/>
-              </a:rPr>
-              <a:t>**, p &lt;1e-2; *; p &lt;0.05</a:t>
-            </a:r>
-            <a:endParaRPr lang="en-US" b="0" i="0" u="none" strike="noStrike" dirty="0">
-              <a:solidFill>
-                <a:srgbClr val="212121"/>
-              </a:solidFill>
-              <a:effectLst/>
-              <a:latin typeface="Cambria" panose="02040503050406030204" pitchFamily="18" charset="0"/>
-            </a:endParaRPr>
+              <a:rPr lang="en-US" dirty="0"/>
+              <a:t>Additional super weak conclusion 3 from myocarditis dataset: highly expanded CD4 TCM TRAs less germline-like in </a:t>
+            </a:r>
+            <a:r>
+              <a:rPr lang="en-US" dirty="0" err="1"/>
+              <a:t>irAE</a:t>
+            </a:r>
+            <a:r>
+              <a:rPr lang="en-US" dirty="0"/>
+              <a:t> patients</a:t>
+            </a:r>
           </a:p>
         </p:txBody>
       </p:sp>
       <p:pic>
         <p:nvPicPr>
-          <p:cNvPr id="5" name="Picture 4">
-            <a:extLst>
-              <a:ext uri="{FF2B5EF4-FFF2-40B4-BE49-F238E27FC236}">
-                <a16:creationId xmlns:a16="http://schemas.microsoft.com/office/drawing/2014/main" id="{0FAF4098-EA3F-8047-A14D-0DB653ECA8CD}"/>
+          <p:cNvPr id="4" name="Picture 3">
+            <a:extLst>
+              <a:ext uri="{FF2B5EF4-FFF2-40B4-BE49-F238E27FC236}">
+                <a16:creationId xmlns:a16="http://schemas.microsoft.com/office/drawing/2014/main" id="{CB0345FA-A8C3-8FB2-F846-0BE892530310}"/>
               </a:ext>
             </a:extLst>
           </p:cNvPr>
@@ -6551,8 +6535,8 @@
         </p:blipFill>
         <p:spPr>
           <a:xfrm>
-            <a:off x="2209800" y="2753359"/>
-            <a:ext cx="5087716" cy="2860939"/>
+            <a:off x="0" y="2482197"/>
+            <a:ext cx="5357431" cy="3015978"/>
           </a:xfrm>
           <a:prstGeom prst="rect">
             <a:avLst/>
@@ -6561,10 +6545,10 @@
       </p:pic>
       <p:sp>
         <p:nvSpPr>
-          <p:cNvPr id="6" name="TextBox 5">
-            <a:extLst>
-              <a:ext uri="{FF2B5EF4-FFF2-40B4-BE49-F238E27FC236}">
-                <a16:creationId xmlns:a16="http://schemas.microsoft.com/office/drawing/2014/main" id="{2AD06CAF-DA31-938F-C215-BD840618A111}"/>
+          <p:cNvPr id="5" name="TextBox 4">
+            <a:extLst>
+              <a:ext uri="{FF2B5EF4-FFF2-40B4-BE49-F238E27FC236}">
+                <a16:creationId xmlns:a16="http://schemas.microsoft.com/office/drawing/2014/main" id="{4FC1DBAB-4112-92CC-8453-666F98679938}"/>
               </a:ext>
             </a:extLst>
           </p:cNvPr>
@@ -6573,8 +6557,8 @@
         </p:nvSpPr>
         <p:spPr>
           <a:xfrm>
-            <a:off x="4277360" y="5842000"/>
-            <a:ext cx="2804679" cy="369332"/>
+            <a:off x="1493520" y="2651728"/>
+            <a:ext cx="300082" cy="369332"/>
           </a:xfrm>
           <a:prstGeom prst="rect">
             <a:avLst/>
@@ -6589,17 +6573,47 @@
           <a:p>
             <a:r>
               <a:rPr lang="en-US" dirty="0"/>
-              <a:t>Label wrong not normalized</a:t>
-            </a:r>
-          </a:p>
-        </p:txBody>
-      </p:sp>
-      <p:sp>
-        <p:nvSpPr>
-          <p:cNvPr id="7" name="TextBox 6">
-            <a:extLst>
-              <a:ext uri="{FF2B5EF4-FFF2-40B4-BE49-F238E27FC236}">
-                <a16:creationId xmlns:a16="http://schemas.microsoft.com/office/drawing/2014/main" id="{A7A97028-62D0-E4A6-8B67-1495CFF0B258}"/>
+              <a:t>*</a:t>
+            </a:r>
+          </a:p>
+        </p:txBody>
+      </p:sp>
+      <p:pic>
+        <p:nvPicPr>
+          <p:cNvPr id="6" name="Picture 5">
+            <a:extLst>
+              <a:ext uri="{FF2B5EF4-FFF2-40B4-BE49-F238E27FC236}">
+                <a16:creationId xmlns:a16="http://schemas.microsoft.com/office/drawing/2014/main" id="{72C5FA71-987C-D11A-FF0C-09FE4B7AF7D3}"/>
+              </a:ext>
+            </a:extLst>
+          </p:cNvPr>
+          <p:cNvPicPr>
+            <a:picLocks noChangeAspect="1"/>
+          </p:cNvPicPr>
+          <p:nvPr/>
+        </p:nvPicPr>
+        <p:blipFill>
+          <a:blip r:embed="rId4"/>
+          <a:stretch>
+            <a:fillRect/>
+          </a:stretch>
+        </p:blipFill>
+        <p:spPr>
+          <a:xfrm>
+            <a:off x="6138307" y="2364252"/>
+            <a:ext cx="5770657" cy="3367603"/>
+          </a:xfrm>
+          <a:prstGeom prst="rect">
+            <a:avLst/>
+          </a:prstGeom>
+        </p:spPr>
+      </p:pic>
+      <p:sp>
+        <p:nvSpPr>
+          <p:cNvPr id="3" name="TextBox 2">
+            <a:extLst>
+              <a:ext uri="{FF2B5EF4-FFF2-40B4-BE49-F238E27FC236}">
+                <a16:creationId xmlns:a16="http://schemas.microsoft.com/office/drawing/2014/main" id="{9CC0B7DE-843F-4F91-7B15-E95101715101}"/>
               </a:ext>
             </a:extLst>
           </p:cNvPr>
@@ -6608,8 +6622,8 @@
         </p:nvSpPr>
         <p:spPr>
           <a:xfrm>
-            <a:off x="5698538" y="3059668"/>
-            <a:ext cx="641302" cy="369332"/>
+            <a:off x="3483977" y="6483346"/>
+            <a:ext cx="4573688" cy="369332"/>
           </a:xfrm>
           <a:prstGeom prst="rect">
             <a:avLst/>
@@ -6617,14 +6631,72 @@
           <a:noFill/>
         </p:spPr>
         <p:txBody>
-          <a:bodyPr wrap="square" rtlCol="0">
+          <a:bodyPr wrap="none" rtlCol="0">
             <a:spAutoFit/>
           </a:bodyPr>
           <a:lstStyle/>
           <a:p>
             <a:r>
               <a:rPr lang="en-US" dirty="0"/>
-              <a:t>*</a:t>
+              <a:t>Wilcoxon rank sum test.</a:t>
+            </a:r>
+            <a:r>
+              <a:rPr lang="en-US" dirty="0">
+                <a:latin typeface="Calibri" panose="020F0502020204030204" pitchFamily="34" charset="0"/>
+                <a:cs typeface="Times New Roman" panose="02020603050405020304" pitchFamily="18" charset="0"/>
+              </a:rPr>
+              <a:t> </a:t>
+            </a:r>
+            <a:r>
+              <a:rPr lang="en-US" sz="1800" dirty="0">
+                <a:effectLst/>
+                <a:latin typeface="Calibri" panose="020F0502020204030204" pitchFamily="34" charset="0"/>
+                <a:ea typeface="Calibri" panose="020F0502020204030204" pitchFamily="34" charset="0"/>
+                <a:cs typeface="Times New Roman" panose="02020603050405020304" pitchFamily="18" charset="0"/>
+              </a:rPr>
+              <a:t>**, p &lt;1e-2; *; p &lt;0.05</a:t>
+            </a:r>
+            <a:endParaRPr lang="en-US" b="0" i="0" u="none" strike="noStrike" dirty="0">
+              <a:solidFill>
+                <a:srgbClr val="212121"/>
+              </a:solidFill>
+              <a:effectLst/>
+              <a:latin typeface="Cambria" panose="02040503050406030204" pitchFamily="18" charset="0"/>
+            </a:endParaRPr>
+          </a:p>
+        </p:txBody>
+      </p:sp>
+      <p:sp>
+        <p:nvSpPr>
+          <p:cNvPr id="9" name="TextBox 8">
+            <a:extLst>
+              <a:ext uri="{FF2B5EF4-FFF2-40B4-BE49-F238E27FC236}">
+                <a16:creationId xmlns:a16="http://schemas.microsoft.com/office/drawing/2014/main" id="{F847260B-E3B7-F10E-1FC0-B81360439B0A}"/>
+              </a:ext>
+            </a:extLst>
+          </p:cNvPr>
+          <p:cNvSpPr txBox="1"/>
+          <p:nvPr/>
+        </p:nvSpPr>
+        <p:spPr>
+          <a:xfrm>
+            <a:off x="731520" y="5621428"/>
+            <a:ext cx="4166590" cy="369332"/>
+          </a:xfrm>
+          <a:prstGeom prst="rect">
+            <a:avLst/>
+          </a:prstGeom>
+          <a:noFill/>
+        </p:spPr>
+        <p:txBody>
+          <a:bodyPr wrap="none" rtlCol="0">
+            <a:spAutoFit/>
+          </a:bodyPr>
+          <a:lstStyle/>
+          <a:p>
+            <a:r>
+              <a:rPr lang="en-US" dirty="0"/>
+              <a:t>Not significant for top 5, 10, 20 clonotypes</a:t>
             </a:r>
           </a:p>
         </p:txBody>
@@ -6632,7 +6704,7 @@
     </p:spTree>
     <p:extLst>
       <p:ext uri="{BB962C8B-B14F-4D97-AF65-F5344CB8AC3E}">
-        <p14:creationId xmlns:p14="http://schemas.microsoft.com/office/powerpoint/2010/main" val="3033499721"/>
+        <p14:creationId xmlns:p14="http://schemas.microsoft.com/office/powerpoint/2010/main" val="778138977"/>
       </p:ext>
     </p:extLst>
   </p:cSld>
@@ -6683,13 +6755,25 @@
         </p:spPr>
         <p:txBody>
           <a:bodyPr>
-            <a:normAutofit fontScale="90000"/>
+            <a:normAutofit/>
           </a:bodyPr>
           <a:lstStyle/>
           <a:p>
             <a:r>
-              <a:rPr lang="en-US" dirty="0"/>
-              <a:t>Additional weak conclusion 1 from colitis dataset: highly expanded CD8 TCM TRBs less germline-like in colitis patients (opposite of myocarditis conclusion)</a:t>
+              <a:rPr lang="en-US"/>
+              <a:t>Weak conclusion </a:t>
+            </a:r>
+            <a:r>
+              <a:rPr lang="en-US" dirty="0"/>
+              <a:t>1</a:t>
+            </a:r>
+            <a:r>
+              <a:rPr lang="en-US"/>
+              <a:t> </a:t>
+            </a:r>
+            <a:r>
+              <a:rPr lang="en-US" dirty="0"/>
+              <a:t>from colitis dataset (seen last week):</a:t>
             </a:r>
           </a:p>
         </p:txBody>
@@ -6754,10 +6838,10 @@
       </p:sp>
       <p:pic>
         <p:nvPicPr>
-          <p:cNvPr id="10" name="Picture 9">
-            <a:extLst>
-              <a:ext uri="{FF2B5EF4-FFF2-40B4-BE49-F238E27FC236}">
-                <a16:creationId xmlns:a16="http://schemas.microsoft.com/office/drawing/2014/main" id="{DCD7A14F-5A6D-D412-BC2D-00D49F736035}"/>
+          <p:cNvPr id="5" name="Picture 4">
+            <a:extLst>
+              <a:ext uri="{FF2B5EF4-FFF2-40B4-BE49-F238E27FC236}">
+                <a16:creationId xmlns:a16="http://schemas.microsoft.com/office/drawing/2014/main" id="{0FAF4098-EA3F-8047-A14D-0DB653ECA8CD}"/>
               </a:ext>
             </a:extLst>
           </p:cNvPr>
@@ -6774,50 +6858,20 @@
         </p:blipFill>
         <p:spPr>
           <a:xfrm>
-            <a:off x="137160" y="2611120"/>
-            <a:ext cx="5166875" cy="3012797"/>
+            <a:off x="2209800" y="1663621"/>
+            <a:ext cx="7025640" cy="3950678"/>
           </a:xfrm>
           <a:prstGeom prst="rect">
             <a:avLst/>
           </a:prstGeom>
         </p:spPr>
       </p:pic>
-      <p:pic>
-        <p:nvPicPr>
-          <p:cNvPr id="11" name="Picture 10">
-            <a:extLst>
-              <a:ext uri="{FF2B5EF4-FFF2-40B4-BE49-F238E27FC236}">
-                <a16:creationId xmlns:a16="http://schemas.microsoft.com/office/drawing/2014/main" id="{5D322030-C8D2-4436-B13C-9B720F6FC9D3}"/>
-              </a:ext>
-            </a:extLst>
-          </p:cNvPr>
-          <p:cNvPicPr>
-            <a:picLocks noChangeAspect="1"/>
-          </p:cNvPicPr>
-          <p:nvPr/>
-        </p:nvPicPr>
-        <p:blipFill>
-          <a:blip r:embed="rId4"/>
-          <a:stretch>
-            <a:fillRect/>
-          </a:stretch>
-        </p:blipFill>
-        <p:spPr>
-          <a:xfrm>
-            <a:off x="6096000" y="2285999"/>
-            <a:ext cx="5427931" cy="3165649"/>
-          </a:xfrm>
-          <a:prstGeom prst="rect">
-            <a:avLst/>
-          </a:prstGeom>
-        </p:spPr>
-      </p:pic>
-      <p:sp>
-        <p:nvSpPr>
-          <p:cNvPr id="12" name="TextBox 11">
-            <a:extLst>
-              <a:ext uri="{FF2B5EF4-FFF2-40B4-BE49-F238E27FC236}">
-                <a16:creationId xmlns:a16="http://schemas.microsoft.com/office/drawing/2014/main" id="{30D60984-4D87-31FB-0C01-891AB3173D52}"/>
+      <p:sp>
+        <p:nvSpPr>
+          <p:cNvPr id="6" name="TextBox 5">
+            <a:extLst>
+              <a:ext uri="{FF2B5EF4-FFF2-40B4-BE49-F238E27FC236}">
+                <a16:creationId xmlns:a16="http://schemas.microsoft.com/office/drawing/2014/main" id="{2AD06CAF-DA31-938F-C215-BD840618A111}"/>
               </a:ext>
             </a:extLst>
           </p:cNvPr>
@@ -6826,8 +6880,8 @@
         </p:nvSpPr>
         <p:spPr>
           <a:xfrm>
-            <a:off x="1117600" y="2865088"/>
-            <a:ext cx="589280" cy="369332"/>
+            <a:off x="4084320" y="5494824"/>
+            <a:ext cx="2804679" cy="369332"/>
           </a:xfrm>
           <a:prstGeom prst="rect">
             <a:avLst/>
@@ -6835,54 +6889,24 @@
           <a:noFill/>
         </p:spPr>
         <p:txBody>
-          <a:bodyPr wrap="square" rtlCol="0">
+          <a:bodyPr wrap="none" rtlCol="0">
             <a:spAutoFit/>
           </a:bodyPr>
           <a:lstStyle/>
           <a:p>
             <a:r>
               <a:rPr lang="en-US" dirty="0"/>
-              <a:t>*</a:t>
-            </a:r>
-          </a:p>
-        </p:txBody>
-      </p:sp>
-      <p:pic>
-        <p:nvPicPr>
-          <p:cNvPr id="14" name="Picture 13">
-            <a:extLst>
-              <a:ext uri="{FF2B5EF4-FFF2-40B4-BE49-F238E27FC236}">
-                <a16:creationId xmlns:a16="http://schemas.microsoft.com/office/drawing/2014/main" id="{10B4E553-75B6-DF12-3C4D-3ADCCA50EDA3}"/>
-              </a:ext>
-            </a:extLst>
-          </p:cNvPr>
-          <p:cNvPicPr>
-            <a:picLocks noChangeAspect="1"/>
-          </p:cNvPicPr>
-          <p:nvPr/>
-        </p:nvPicPr>
-        <p:blipFill>
-          <a:blip r:embed="rId5"/>
-          <a:stretch>
-            <a:fillRect/>
-          </a:stretch>
-        </p:blipFill>
-        <p:spPr>
-          <a:xfrm>
-            <a:off x="1117600" y="4479427"/>
-            <a:ext cx="3632200" cy="2176188"/>
-          </a:xfrm>
-          <a:prstGeom prst="rect">
-            <a:avLst/>
-          </a:prstGeom>
-        </p:spPr>
-      </p:pic>
-      <p:sp>
-        <p:nvSpPr>
-          <p:cNvPr id="15" name="TextBox 14">
-            <a:extLst>
-              <a:ext uri="{FF2B5EF4-FFF2-40B4-BE49-F238E27FC236}">
-                <a16:creationId xmlns:a16="http://schemas.microsoft.com/office/drawing/2014/main" id="{F532F8F1-2F2E-4C60-C2C1-70658057EB22}"/>
+              <a:t>Label wrong not normalized</a:t>
+            </a:r>
+          </a:p>
+        </p:txBody>
+      </p:sp>
+      <p:sp>
+        <p:nvSpPr>
+          <p:cNvPr id="7" name="TextBox 6">
+            <a:extLst>
+              <a:ext uri="{FF2B5EF4-FFF2-40B4-BE49-F238E27FC236}">
+                <a16:creationId xmlns:a16="http://schemas.microsoft.com/office/drawing/2014/main" id="{A7A97028-62D0-E4A6-8B67-1495CFF0B258}"/>
               </a:ext>
             </a:extLst>
           </p:cNvPr>
@@ -6891,8 +6915,8 @@
         </p:nvSpPr>
         <p:spPr>
           <a:xfrm>
-            <a:off x="3068320" y="4693888"/>
-            <a:ext cx="589280" cy="369332"/>
+            <a:off x="7082039" y="2146989"/>
+            <a:ext cx="885576" cy="369332"/>
           </a:xfrm>
           <a:prstGeom prst="rect">
             <a:avLst/>
@@ -6915,7 +6939,7 @@
     </p:spTree>
     <p:extLst>
       <p:ext uri="{BB962C8B-B14F-4D97-AF65-F5344CB8AC3E}">
-        <p14:creationId xmlns:p14="http://schemas.microsoft.com/office/powerpoint/2010/main" val="1684791587"/>
+        <p14:creationId xmlns:p14="http://schemas.microsoft.com/office/powerpoint/2010/main" val="3033499721"/>
       </p:ext>
     </p:extLst>
   </p:cSld>
@@ -6966,21 +6990,13 @@
         </p:spPr>
         <p:txBody>
           <a:bodyPr>
-            <a:normAutofit/>
+            <a:normAutofit fontScale="90000"/>
           </a:bodyPr>
           <a:lstStyle/>
           <a:p>
             <a:r>
               <a:rPr lang="en-US" dirty="0"/>
-              <a:t>Additional weak conclusion 2 from colitis dataset: highly expanded Treg TRA CDR3s longer in </a:t>
-            </a:r>
-            <a:r>
-              <a:rPr lang="en-US" dirty="0" err="1"/>
-              <a:t>irAE</a:t>
-            </a:r>
-            <a:r>
-              <a:rPr lang="en-US" dirty="0"/>
-              <a:t> patients</a:t>
+              <a:t>Additional weak conclusion 1 from colitis dataset: highly expanded CD8 TCM TRBs less germline-like in colitis patients</a:t>
             </a:r>
           </a:p>
         </p:txBody>
@@ -7045,10 +7061,10 @@
       </p:sp>
       <p:pic>
         <p:nvPicPr>
-          <p:cNvPr id="13" name="Picture 12">
-            <a:extLst>
-              <a:ext uri="{FF2B5EF4-FFF2-40B4-BE49-F238E27FC236}">
-                <a16:creationId xmlns:a16="http://schemas.microsoft.com/office/drawing/2014/main" id="{71EEF2DF-04CE-CC47-1647-C102E809861A}"/>
+          <p:cNvPr id="10" name="Picture 9">
+            <a:extLst>
+              <a:ext uri="{FF2B5EF4-FFF2-40B4-BE49-F238E27FC236}">
+                <a16:creationId xmlns:a16="http://schemas.microsoft.com/office/drawing/2014/main" id="{DCD7A14F-5A6D-D412-BC2D-00D49F736035}"/>
               </a:ext>
             </a:extLst>
           </p:cNvPr>
@@ -7065,55 +7081,20 @@
         </p:blipFill>
         <p:spPr>
           <a:xfrm>
-            <a:off x="1183640" y="2437308"/>
-            <a:ext cx="4871720" cy="2952346"/>
+            <a:off x="137160" y="2611120"/>
+            <a:ext cx="5166875" cy="3012797"/>
           </a:xfrm>
           <a:prstGeom prst="rect">
             <a:avLst/>
           </a:prstGeom>
         </p:spPr>
       </p:pic>
-      <p:sp>
-        <p:nvSpPr>
-          <p:cNvPr id="12" name="TextBox 11">
-            <a:extLst>
-              <a:ext uri="{FF2B5EF4-FFF2-40B4-BE49-F238E27FC236}">
-                <a16:creationId xmlns:a16="http://schemas.microsoft.com/office/drawing/2014/main" id="{30D60984-4D87-31FB-0C01-891AB3173D52}"/>
-              </a:ext>
-            </a:extLst>
-          </p:cNvPr>
-          <p:cNvSpPr txBox="1"/>
-          <p:nvPr/>
-        </p:nvSpPr>
-        <p:spPr>
-          <a:xfrm>
-            <a:off x="2052320" y="3059668"/>
-            <a:ext cx="558800" cy="369332"/>
-          </a:xfrm>
-          <a:prstGeom prst="rect">
-            <a:avLst/>
-          </a:prstGeom>
-          <a:noFill/>
-        </p:spPr>
-        <p:txBody>
-          <a:bodyPr wrap="square" rtlCol="0">
-            <a:spAutoFit/>
-          </a:bodyPr>
-          <a:lstStyle/>
-          <a:p>
-            <a:r>
-              <a:rPr lang="en-US" dirty="0"/>
-              <a:t>*</a:t>
-            </a:r>
-          </a:p>
-        </p:txBody>
-      </p:sp>
       <p:pic>
         <p:nvPicPr>
-          <p:cNvPr id="4" name="Picture 3">
-            <a:extLst>
-              <a:ext uri="{FF2B5EF4-FFF2-40B4-BE49-F238E27FC236}">
-                <a16:creationId xmlns:a16="http://schemas.microsoft.com/office/drawing/2014/main" id="{BFC699EB-C5C4-804C-3CF9-145176526AFC}"/>
+          <p:cNvPr id="11" name="Picture 10">
+            <a:extLst>
+              <a:ext uri="{FF2B5EF4-FFF2-40B4-BE49-F238E27FC236}">
+                <a16:creationId xmlns:a16="http://schemas.microsoft.com/office/drawing/2014/main" id="{5D322030-C8D2-4436-B13C-9B720F6FC9D3}"/>
               </a:ext>
             </a:extLst>
           </p:cNvPr>
@@ -7130,20 +7111,221 @@
         </p:blipFill>
         <p:spPr>
           <a:xfrm>
-            <a:off x="6380480" y="2437308"/>
-            <a:ext cx="5501640" cy="3175232"/>
+            <a:off x="6096000" y="2285999"/>
+            <a:ext cx="5427931" cy="3165649"/>
           </a:xfrm>
           <a:prstGeom prst="rect">
             <a:avLst/>
           </a:prstGeom>
         </p:spPr>
       </p:pic>
+      <p:sp>
+        <p:nvSpPr>
+          <p:cNvPr id="12" name="TextBox 11">
+            <a:extLst>
+              <a:ext uri="{FF2B5EF4-FFF2-40B4-BE49-F238E27FC236}">
+                <a16:creationId xmlns:a16="http://schemas.microsoft.com/office/drawing/2014/main" id="{30D60984-4D87-31FB-0C01-891AB3173D52}"/>
+              </a:ext>
+            </a:extLst>
+          </p:cNvPr>
+          <p:cNvSpPr txBox="1"/>
+          <p:nvPr/>
+        </p:nvSpPr>
+        <p:spPr>
+          <a:xfrm>
+            <a:off x="1117600" y="2865088"/>
+            <a:ext cx="589280" cy="369332"/>
+          </a:xfrm>
+          <a:prstGeom prst="rect">
+            <a:avLst/>
+          </a:prstGeom>
+          <a:noFill/>
+        </p:spPr>
+        <p:txBody>
+          <a:bodyPr wrap="square" rtlCol="0">
+            <a:spAutoFit/>
+          </a:bodyPr>
+          <a:lstStyle/>
+          <a:p>
+            <a:r>
+              <a:rPr lang="en-US" dirty="0"/>
+              <a:t>*</a:t>
+            </a:r>
+          </a:p>
+        </p:txBody>
+      </p:sp>
+      <p:sp>
+        <p:nvSpPr>
+          <p:cNvPr id="4" name="TextBox 3">
+            <a:extLst>
+              <a:ext uri="{FF2B5EF4-FFF2-40B4-BE49-F238E27FC236}">
+                <a16:creationId xmlns:a16="http://schemas.microsoft.com/office/drawing/2014/main" id="{9BC7556D-DC34-2EB8-EF24-7639E7CC1E0B}"/>
+              </a:ext>
+            </a:extLst>
+          </p:cNvPr>
+          <p:cNvSpPr txBox="1"/>
+          <p:nvPr/>
+        </p:nvSpPr>
+        <p:spPr>
+          <a:xfrm>
+            <a:off x="731520" y="5499633"/>
+            <a:ext cx="4166590" cy="369332"/>
+          </a:xfrm>
+          <a:prstGeom prst="rect">
+            <a:avLst/>
+          </a:prstGeom>
+          <a:noFill/>
+        </p:spPr>
+        <p:txBody>
+          <a:bodyPr wrap="none" rtlCol="0">
+            <a:spAutoFit/>
+          </a:bodyPr>
+          <a:lstStyle/>
+          <a:p>
+            <a:r>
+              <a:rPr lang="en-US" dirty="0"/>
+              <a:t>Not significant for top 5, 10, 20 clonotypes</a:t>
+            </a:r>
+          </a:p>
+        </p:txBody>
+      </p:sp>
+    </p:spTree>
+    <p:extLst>
+      <p:ext uri="{BB962C8B-B14F-4D97-AF65-F5344CB8AC3E}">
+        <p14:creationId xmlns:p14="http://schemas.microsoft.com/office/powerpoint/2010/main" val="1684791587"/>
+      </p:ext>
+    </p:extLst>
+  </p:cSld>
+  <p:clrMapOvr>
+    <a:masterClrMapping/>
+  </p:clrMapOvr>
+</p:sld>
+</file>
+
+<file path=ppt/slides/slide17.xml><?xml version="1.0" encoding="utf-8"?>
+<p:sld xmlns:a="http://schemas.openxmlformats.org/drawingml/2006/main" xmlns:r="http://schemas.openxmlformats.org/officeDocument/2006/relationships" xmlns:p="http://schemas.openxmlformats.org/presentationml/2006/main">
+  <p:cSld>
+    <p:spTree>
+      <p:nvGrpSpPr>
+        <p:cNvPr id="1" name=""/>
+        <p:cNvGrpSpPr/>
+        <p:nvPr/>
+      </p:nvGrpSpPr>
+      <p:grpSpPr>
+        <a:xfrm>
+          <a:off x="0" y="0"/>
+          <a:ext cx="0" cy="0"/>
+          <a:chOff x="0" y="0"/>
+          <a:chExt cx="0" cy="0"/>
+        </a:xfrm>
+      </p:grpSpPr>
+      <p:sp>
+        <p:nvSpPr>
+          <p:cNvPr id="2" name="Title 1">
+            <a:extLst>
+              <a:ext uri="{FF2B5EF4-FFF2-40B4-BE49-F238E27FC236}">
+                <a16:creationId xmlns:a16="http://schemas.microsoft.com/office/drawing/2014/main" id="{70A4C97D-8F21-3D3B-6A90-EA7145324964}"/>
+              </a:ext>
+            </a:extLst>
+          </p:cNvPr>
+          <p:cNvSpPr>
+            <a:spLocks noGrp="1"/>
+          </p:cNvSpPr>
+          <p:nvPr>
+            <p:ph type="title"/>
+          </p:nvPr>
+        </p:nvSpPr>
+        <p:spPr>
+          <a:xfrm>
+            <a:off x="838200" y="593725"/>
+            <a:ext cx="10515600" cy="1325563"/>
+          </a:xfrm>
+        </p:spPr>
+        <p:txBody>
+          <a:bodyPr>
+            <a:normAutofit/>
+          </a:bodyPr>
+          <a:lstStyle/>
+          <a:p>
+            <a:r>
+              <a:rPr lang="en-US" dirty="0"/>
+              <a:t>Additional weak conclusion 2 from colitis dataset: highly expanded Treg TRA CDR3s longer in </a:t>
+            </a:r>
+            <a:r>
+              <a:rPr lang="en-US" dirty="0" err="1"/>
+              <a:t>irAE</a:t>
+            </a:r>
+            <a:r>
+              <a:rPr lang="en-US" dirty="0"/>
+              <a:t> patients</a:t>
+            </a:r>
+          </a:p>
+        </p:txBody>
+      </p:sp>
+      <p:sp>
+        <p:nvSpPr>
+          <p:cNvPr id="3" name="TextBox 2">
+            <a:extLst>
+              <a:ext uri="{FF2B5EF4-FFF2-40B4-BE49-F238E27FC236}">
+                <a16:creationId xmlns:a16="http://schemas.microsoft.com/office/drawing/2014/main" id="{9CC0B7DE-843F-4F91-7B15-E95101715101}"/>
+              </a:ext>
+            </a:extLst>
+          </p:cNvPr>
+          <p:cNvSpPr txBox="1"/>
+          <p:nvPr/>
+        </p:nvSpPr>
+        <p:spPr>
+          <a:xfrm>
+            <a:off x="3483977" y="6483346"/>
+            <a:ext cx="4573688" cy="369332"/>
+          </a:xfrm>
+          <a:prstGeom prst="rect">
+            <a:avLst/>
+          </a:prstGeom>
+          <a:noFill/>
+        </p:spPr>
+        <p:txBody>
+          <a:bodyPr wrap="none" rtlCol="0">
+            <a:spAutoFit/>
+          </a:bodyPr>
+          <a:lstStyle/>
+          <a:p>
+            <a:r>
+              <a:rPr lang="en-US" dirty="0"/>
+              <a:t>Wilcoxon rank sum test.</a:t>
+            </a:r>
+            <a:r>
+              <a:rPr lang="en-US" dirty="0">
+                <a:latin typeface="Calibri" panose="020F0502020204030204" pitchFamily="34" charset="0"/>
+                <a:cs typeface="Times New Roman" panose="02020603050405020304" pitchFamily="18" charset="0"/>
+              </a:rPr>
+              <a:t> </a:t>
+            </a:r>
+            <a:r>
+              <a:rPr lang="en-US" sz="1800" dirty="0">
+                <a:effectLst/>
+                <a:latin typeface="Calibri" panose="020F0502020204030204" pitchFamily="34" charset="0"/>
+                <a:ea typeface="Calibri" panose="020F0502020204030204" pitchFamily="34" charset="0"/>
+                <a:cs typeface="Times New Roman" panose="02020603050405020304" pitchFamily="18" charset="0"/>
+              </a:rPr>
+              <a:t>**, p &lt;1e-2; *; p &lt;0.05</a:t>
+            </a:r>
+            <a:endParaRPr lang="en-US" b="0" i="0" u="none" strike="noStrike" dirty="0">
+              <a:solidFill>
+                <a:srgbClr val="212121"/>
+              </a:solidFill>
+              <a:effectLst/>
+              <a:latin typeface="Cambria" panose="02040503050406030204" pitchFamily="18" charset="0"/>
+            </a:endParaRPr>
+          </a:p>
+        </p:txBody>
+      </p:sp>
       <p:pic>
         <p:nvPicPr>
-          <p:cNvPr id="5" name="Picture 4">
-            <a:extLst>
-              <a:ext uri="{FF2B5EF4-FFF2-40B4-BE49-F238E27FC236}">
-                <a16:creationId xmlns:a16="http://schemas.microsoft.com/office/drawing/2014/main" id="{83ADA57D-8445-27AC-F8CE-C26BB7261D3C}"/>
+          <p:cNvPr id="13" name="Picture 12">
+            <a:extLst>
+              <a:ext uri="{FF2B5EF4-FFF2-40B4-BE49-F238E27FC236}">
+                <a16:creationId xmlns:a16="http://schemas.microsoft.com/office/drawing/2014/main" id="{71EEF2DF-04CE-CC47-1647-C102E809861A}"/>
               </a:ext>
             </a:extLst>
           </p:cNvPr>
@@ -7153,15 +7335,15 @@
           <p:nvPr/>
         </p:nvPicPr>
         <p:blipFill>
-          <a:blip r:embed="rId5"/>
+          <a:blip r:embed="rId3"/>
           <a:stretch>
             <a:fillRect/>
           </a:stretch>
         </p:blipFill>
         <p:spPr>
           <a:xfrm>
-            <a:off x="678180" y="5206639"/>
-            <a:ext cx="2748280" cy="1651361"/>
+            <a:off x="1183640" y="2437308"/>
+            <a:ext cx="4871720" cy="2952346"/>
           </a:xfrm>
           <a:prstGeom prst="rect">
             <a:avLst/>
@@ -7170,10 +7352,10 @@
       </p:pic>
       <p:sp>
         <p:nvSpPr>
-          <p:cNvPr id="6" name="TextBox 5">
-            <a:extLst>
-              <a:ext uri="{FF2B5EF4-FFF2-40B4-BE49-F238E27FC236}">
-                <a16:creationId xmlns:a16="http://schemas.microsoft.com/office/drawing/2014/main" id="{8344A53E-AB71-308F-E89C-625A41DCBCF5}"/>
+          <p:cNvPr id="12" name="TextBox 11">
+            <a:extLst>
+              <a:ext uri="{FF2B5EF4-FFF2-40B4-BE49-F238E27FC236}">
+                <a16:creationId xmlns:a16="http://schemas.microsoft.com/office/drawing/2014/main" id="{30D60984-4D87-31FB-0C01-891AB3173D52}"/>
               </a:ext>
             </a:extLst>
           </p:cNvPr>
@@ -7182,7 +7364,7 @@
         </p:nvSpPr>
         <p:spPr>
           <a:xfrm>
-            <a:off x="2082800" y="5304196"/>
+            <a:off x="2052320" y="3059668"/>
             <a:ext cx="558800" cy="369332"/>
           </a:xfrm>
           <a:prstGeom prst="rect">
@@ -7199,6 +7381,71 @@
             <a:r>
               <a:rPr lang="en-US" dirty="0"/>
               <a:t>*</a:t>
+            </a:r>
+          </a:p>
+        </p:txBody>
+      </p:sp>
+      <p:pic>
+        <p:nvPicPr>
+          <p:cNvPr id="4" name="Picture 3">
+            <a:extLst>
+              <a:ext uri="{FF2B5EF4-FFF2-40B4-BE49-F238E27FC236}">
+                <a16:creationId xmlns:a16="http://schemas.microsoft.com/office/drawing/2014/main" id="{BFC699EB-C5C4-804C-3CF9-145176526AFC}"/>
+              </a:ext>
+            </a:extLst>
+          </p:cNvPr>
+          <p:cNvPicPr>
+            <a:picLocks noChangeAspect="1"/>
+          </p:cNvPicPr>
+          <p:nvPr/>
+        </p:nvPicPr>
+        <p:blipFill>
+          <a:blip r:embed="rId4"/>
+          <a:stretch>
+            <a:fillRect/>
+          </a:stretch>
+        </p:blipFill>
+        <p:spPr>
+          <a:xfrm>
+            <a:off x="6380480" y="2437308"/>
+            <a:ext cx="5501640" cy="3175232"/>
+          </a:xfrm>
+          <a:prstGeom prst="rect">
+            <a:avLst/>
+          </a:prstGeom>
+        </p:spPr>
+      </p:pic>
+      <p:sp>
+        <p:nvSpPr>
+          <p:cNvPr id="7" name="TextBox 6">
+            <a:extLst>
+              <a:ext uri="{FF2B5EF4-FFF2-40B4-BE49-F238E27FC236}">
+                <a16:creationId xmlns:a16="http://schemas.microsoft.com/office/drawing/2014/main" id="{67E2777B-09E4-6D58-FA81-BAD030D91B72}"/>
+              </a:ext>
+            </a:extLst>
+          </p:cNvPr>
+          <p:cNvSpPr txBox="1"/>
+          <p:nvPr/>
+        </p:nvSpPr>
+        <p:spPr>
+          <a:xfrm>
+            <a:off x="1400682" y="5427874"/>
+            <a:ext cx="4166590" cy="369332"/>
+          </a:xfrm>
+          <a:prstGeom prst="rect">
+            <a:avLst/>
+          </a:prstGeom>
+          <a:noFill/>
+        </p:spPr>
+        <p:txBody>
+          <a:bodyPr wrap="none" rtlCol="0">
+            <a:spAutoFit/>
+          </a:bodyPr>
+          <a:lstStyle/>
+          <a:p>
+            <a:r>
+              <a:rPr lang="en-US" dirty="0"/>
+              <a:t>Not significant for top 5, 10, 20 clonotypes</a:t>
             </a:r>
           </a:p>
         </p:txBody>
@@ -7296,7 +7543,46 @@
           </a:bodyPr>
           <a:lstStyle/>
           <a:p>
-            <a:endParaRPr lang="en-US" dirty="0"/>
+            <a:r>
+              <a:rPr lang="en-US" dirty="0"/>
+              <a:t>Cell type abundance differences by </a:t>
+            </a:r>
+            <a:r>
+              <a:rPr lang="en-US" dirty="0" err="1"/>
+              <a:t>irAE</a:t>
+            </a:r>
+            <a:r>
+              <a:rPr lang="en-US" dirty="0"/>
+              <a:t> group</a:t>
+            </a:r>
+          </a:p>
+          <a:p>
+            <a:r>
+              <a:rPr lang="en-US" dirty="0"/>
+              <a:t>VJ gene usage differences by </a:t>
+            </a:r>
+            <a:r>
+              <a:rPr lang="en-US" dirty="0" err="1"/>
+              <a:t>irAE</a:t>
+            </a:r>
+            <a:r>
+              <a:rPr lang="en-US" dirty="0"/>
+              <a:t> group</a:t>
+            </a:r>
+          </a:p>
+          <a:p>
+            <a:r>
+              <a:rPr lang="en-US" dirty="0"/>
+              <a:t>Donors/junction (AA) vs. donors/junction (</a:t>
+            </a:r>
+            <a:r>
+              <a:rPr lang="en-US" dirty="0" err="1"/>
+              <a:t>nt</a:t>
+            </a:r>
+            <a:r>
+              <a:rPr lang="en-US" dirty="0"/>
+              <a:t>) plots</a:t>
+            </a:r>
           </a:p>
         </p:txBody>
       </p:sp>
@@ -7354,13 +7640,13 @@
         </p:spPr>
         <p:txBody>
           <a:bodyPr>
-            <a:normAutofit fontScale="90000"/>
+            <a:normAutofit/>
           </a:bodyPr>
           <a:lstStyle/>
           <a:p>
             <a:r>
               <a:rPr lang="en-US" dirty="0"/>
-              <a:t>Additional weak conclusion 1 from myocarditis dataset: highly expanded CD8 Naïve TRA CDR3s shorter in </a:t>
+              <a:t>Some cell type normalized abundances in </a:t>
             </a:r>
             <a:r>
               <a:rPr lang="en-US" dirty="0" err="1"/>
@@ -7368,17 +7654,25 @@
             </a:r>
             <a:r>
               <a:rPr lang="en-US" dirty="0"/>
-              <a:t> patients</a:t>
+              <a:t> tissue (colitis dataset) are different between </a:t>
+            </a:r>
+            <a:r>
+              <a:rPr lang="en-US" dirty="0" err="1"/>
+              <a:t>irAE</a:t>
+            </a:r>
+            <a:r>
+              <a:rPr lang="en-US" dirty="0"/>
+              <a:t> groups</a:t>
             </a:r>
           </a:p>
         </p:txBody>
       </p:sp>
       <p:pic>
         <p:nvPicPr>
-          <p:cNvPr id="17" name="Picture 16">
-            <a:extLst>
-              <a:ext uri="{FF2B5EF4-FFF2-40B4-BE49-F238E27FC236}">
-                <a16:creationId xmlns:a16="http://schemas.microsoft.com/office/drawing/2014/main" id="{68FC1849-1211-A848-D40A-DA81C0F42FAB}"/>
+          <p:cNvPr id="4" name="Picture 3">
+            <a:extLst>
+              <a:ext uri="{FF2B5EF4-FFF2-40B4-BE49-F238E27FC236}">
+                <a16:creationId xmlns:a16="http://schemas.microsoft.com/office/drawing/2014/main" id="{DC4C55AC-6D75-3C99-5786-CE9BE67AC93A}"/>
               </a:ext>
             </a:extLst>
           </p:cNvPr>
@@ -7395,20 +7689,90 @@
         </p:blipFill>
         <p:spPr>
           <a:xfrm>
-            <a:off x="-1764" y="2030651"/>
-            <a:ext cx="6097764" cy="3592072"/>
+            <a:off x="0" y="2230955"/>
+            <a:ext cx="5745480" cy="3519526"/>
           </a:xfrm>
           <a:prstGeom prst="rect">
             <a:avLst/>
           </a:prstGeom>
         </p:spPr>
       </p:pic>
+      <p:sp>
+        <p:nvSpPr>
+          <p:cNvPr id="5" name="TextBox 4">
+            <a:extLst>
+              <a:ext uri="{FF2B5EF4-FFF2-40B4-BE49-F238E27FC236}">
+                <a16:creationId xmlns:a16="http://schemas.microsoft.com/office/drawing/2014/main" id="{2B65CDE9-FA4E-0649-FFEB-FE67B86BA39D}"/>
+              </a:ext>
+            </a:extLst>
+          </p:cNvPr>
+          <p:cNvSpPr txBox="1"/>
+          <p:nvPr/>
+        </p:nvSpPr>
+        <p:spPr>
+          <a:xfrm>
+            <a:off x="1920240" y="1861623"/>
+            <a:ext cx="2031838" cy="369332"/>
+          </a:xfrm>
+          <a:prstGeom prst="rect">
+            <a:avLst/>
+          </a:prstGeom>
+          <a:noFill/>
+        </p:spPr>
+        <p:txBody>
+          <a:bodyPr wrap="none" rtlCol="0">
+            <a:spAutoFit/>
+          </a:bodyPr>
+          <a:lstStyle/>
+          <a:p>
+            <a:r>
+              <a:rPr lang="en-US" dirty="0"/>
+              <a:t>Myocarditis dataset</a:t>
+            </a:r>
+          </a:p>
+        </p:txBody>
+      </p:sp>
+      <p:sp>
+        <p:nvSpPr>
+          <p:cNvPr id="7" name="TextBox 6">
+            <a:extLst>
+              <a:ext uri="{FF2B5EF4-FFF2-40B4-BE49-F238E27FC236}">
+                <a16:creationId xmlns:a16="http://schemas.microsoft.com/office/drawing/2014/main" id="{33AC99D1-BBFB-364D-C93D-F9EFA893D647}"/>
+              </a:ext>
+            </a:extLst>
+          </p:cNvPr>
+          <p:cNvSpPr txBox="1"/>
+          <p:nvPr/>
+        </p:nvSpPr>
+        <p:spPr>
+          <a:xfrm>
+            <a:off x="8239924" y="1861622"/>
+            <a:ext cx="1504194" cy="369332"/>
+          </a:xfrm>
+          <a:prstGeom prst="rect">
+            <a:avLst/>
+          </a:prstGeom>
+          <a:noFill/>
+        </p:spPr>
+        <p:txBody>
+          <a:bodyPr wrap="none" rtlCol="0">
+            <a:spAutoFit/>
+          </a:bodyPr>
+          <a:lstStyle/>
+          <a:p>
+            <a:r>
+              <a:rPr lang="en-US" dirty="0"/>
+              <a:t>Colitis dataset</a:t>
+            </a:r>
+          </a:p>
+        </p:txBody>
+      </p:sp>
       <p:pic>
         <p:nvPicPr>
-          <p:cNvPr id="18" name="Picture 17">
-            <a:extLst>
-              <a:ext uri="{FF2B5EF4-FFF2-40B4-BE49-F238E27FC236}">
-                <a16:creationId xmlns:a16="http://schemas.microsoft.com/office/drawing/2014/main" id="{D9EBC4D2-838A-5723-6665-44952CCE9F07}"/>
+          <p:cNvPr id="8" name="Picture 7">
+            <a:extLst>
+              <a:ext uri="{FF2B5EF4-FFF2-40B4-BE49-F238E27FC236}">
+                <a16:creationId xmlns:a16="http://schemas.microsoft.com/office/drawing/2014/main" id="{8BBCF908-21A1-C77A-83FE-5EEEC47210AE}"/>
               </a:ext>
             </a:extLst>
           </p:cNvPr>
@@ -7425,8 +7789,8 @@
         </p:blipFill>
         <p:spPr>
           <a:xfrm>
-            <a:off x="6709872" y="2208606"/>
-            <a:ext cx="5409351" cy="3236161"/>
+            <a:off x="5865251" y="2230954"/>
+            <a:ext cx="6351645" cy="3519526"/>
           </a:xfrm>
           <a:prstGeom prst="rect">
             <a:avLst/>
@@ -7435,45 +7799,10 @@
       </p:pic>
       <p:sp>
         <p:nvSpPr>
-          <p:cNvPr id="20" name="TextBox 19">
-            <a:extLst>
-              <a:ext uri="{FF2B5EF4-FFF2-40B4-BE49-F238E27FC236}">
-                <a16:creationId xmlns:a16="http://schemas.microsoft.com/office/drawing/2014/main" id="{CF68CEC5-9141-7449-715A-197EC4CCFF32}"/>
-              </a:ext>
-            </a:extLst>
-          </p:cNvPr>
-          <p:cNvSpPr txBox="1"/>
-          <p:nvPr/>
-        </p:nvSpPr>
-        <p:spPr>
-          <a:xfrm>
-            <a:off x="7716942" y="2793956"/>
-            <a:ext cx="482177" cy="369332"/>
-          </a:xfrm>
-          <a:prstGeom prst="rect">
-            <a:avLst/>
-          </a:prstGeom>
-          <a:noFill/>
-        </p:spPr>
-        <p:txBody>
-          <a:bodyPr wrap="square" rtlCol="0">
-            <a:spAutoFit/>
-          </a:bodyPr>
-          <a:lstStyle/>
-          <a:p>
-            <a:r>
-              <a:rPr lang="en-US" dirty="0"/>
-              <a:t>*</a:t>
-            </a:r>
-          </a:p>
-        </p:txBody>
-      </p:sp>
-      <p:sp>
-        <p:nvSpPr>
-          <p:cNvPr id="3" name="TextBox 2">
-            <a:extLst>
-              <a:ext uri="{FF2B5EF4-FFF2-40B4-BE49-F238E27FC236}">
-                <a16:creationId xmlns:a16="http://schemas.microsoft.com/office/drawing/2014/main" id="{C471D885-7CA4-4354-CDCD-374C980D5817}"/>
+          <p:cNvPr id="9" name="TextBox 8">
+            <a:extLst>
+              <a:ext uri="{FF2B5EF4-FFF2-40B4-BE49-F238E27FC236}">
+                <a16:creationId xmlns:a16="http://schemas.microsoft.com/office/drawing/2014/main" id="{4FD04972-7431-A8DF-F214-0CA56CC31F94}"/>
               </a:ext>
             </a:extLst>
           </p:cNvPr>
@@ -7526,42 +7855,12 @@
           </a:p>
         </p:txBody>
       </p:sp>
-      <p:pic>
-        <p:nvPicPr>
-          <p:cNvPr id="4" name="Picture 3">
-            <a:extLst>
-              <a:ext uri="{FF2B5EF4-FFF2-40B4-BE49-F238E27FC236}">
-                <a16:creationId xmlns:a16="http://schemas.microsoft.com/office/drawing/2014/main" id="{0A38CE48-A42A-1EF8-2127-9F32498981ED}"/>
-              </a:ext>
-            </a:extLst>
-          </p:cNvPr>
-          <p:cNvPicPr>
-            <a:picLocks noChangeAspect="1"/>
-          </p:cNvPicPr>
-          <p:nvPr/>
-        </p:nvPicPr>
-        <p:blipFill>
-          <a:blip r:embed="rId5"/>
-          <a:stretch>
-            <a:fillRect/>
-          </a:stretch>
-        </p:blipFill>
-        <p:spPr>
-          <a:xfrm>
-            <a:off x="7147560" y="4969802"/>
-            <a:ext cx="3591560" cy="2120631"/>
-          </a:xfrm>
-          <a:prstGeom prst="rect">
-            <a:avLst/>
-          </a:prstGeom>
-        </p:spPr>
-      </p:pic>
-      <p:sp>
-        <p:nvSpPr>
-          <p:cNvPr id="5" name="TextBox 4">
-            <a:extLst>
-              <a:ext uri="{FF2B5EF4-FFF2-40B4-BE49-F238E27FC236}">
-                <a16:creationId xmlns:a16="http://schemas.microsoft.com/office/drawing/2014/main" id="{E79ABD0A-97DD-B3E6-1576-566795C2E8E3}"/>
+      <p:sp>
+        <p:nvSpPr>
+          <p:cNvPr id="10" name="TextBox 9">
+            <a:extLst>
+              <a:ext uri="{FF2B5EF4-FFF2-40B4-BE49-F238E27FC236}">
+                <a16:creationId xmlns:a16="http://schemas.microsoft.com/office/drawing/2014/main" id="{CEE05D2D-A200-4B71-9407-51E00BEE8CB1}"/>
               </a:ext>
             </a:extLst>
           </p:cNvPr>
@@ -7570,8 +7869,8 @@
         </p:nvSpPr>
         <p:spPr>
           <a:xfrm>
-            <a:off x="9173458" y="5078963"/>
-            <a:ext cx="482177" cy="369332"/>
+            <a:off x="8189124" y="2817853"/>
+            <a:ext cx="674399" cy="369332"/>
           </a:xfrm>
           <a:prstGeom prst="rect">
             <a:avLst/>
@@ -7586,17 +7885,17 @@
           <a:p>
             <a:r>
               <a:rPr lang="en-US" dirty="0"/>
-              <a:t>*</a:t>
-            </a:r>
-          </a:p>
-        </p:txBody>
-      </p:sp>
-      <p:sp>
-        <p:nvSpPr>
-          <p:cNvPr id="6" name="TextBox 5">
-            <a:extLst>
-              <a:ext uri="{FF2B5EF4-FFF2-40B4-BE49-F238E27FC236}">
-                <a16:creationId xmlns:a16="http://schemas.microsoft.com/office/drawing/2014/main" id="{8446356C-1DD7-2D8D-2209-0008C8B67B1F}"/>
+              <a:t>**</a:t>
+            </a:r>
+          </a:p>
+        </p:txBody>
+      </p:sp>
+      <p:sp>
+        <p:nvSpPr>
+          <p:cNvPr id="11" name="TextBox 10">
+            <a:extLst>
+              <a:ext uri="{FF2B5EF4-FFF2-40B4-BE49-F238E27FC236}">
+                <a16:creationId xmlns:a16="http://schemas.microsoft.com/office/drawing/2014/main" id="{9B3A035E-CF79-F577-26A2-9DDBF7593AB8}"/>
               </a:ext>
             </a:extLst>
           </p:cNvPr>
@@ -7605,8 +7904,8 @@
         </p:nvSpPr>
         <p:spPr>
           <a:xfrm>
-            <a:off x="9759583" y="5078963"/>
-            <a:ext cx="482177" cy="369332"/>
+            <a:off x="10192850" y="2817853"/>
+            <a:ext cx="674399" cy="369332"/>
           </a:xfrm>
           <a:prstGeom prst="rect">
             <a:avLst/>
@@ -7621,17 +7920,17 @@
           <a:p>
             <a:r>
               <a:rPr lang="en-US" dirty="0"/>
-              <a:t>*</a:t>
-            </a:r>
-          </a:p>
-        </p:txBody>
-      </p:sp>
-      <p:sp>
-        <p:nvSpPr>
-          <p:cNvPr id="7" name="TextBox 6">
-            <a:extLst>
-              <a:ext uri="{FF2B5EF4-FFF2-40B4-BE49-F238E27FC236}">
-                <a16:creationId xmlns:a16="http://schemas.microsoft.com/office/drawing/2014/main" id="{DEFEB2C9-39C3-1343-EEA4-A5E269C06490}"/>
+              <a:t>**</a:t>
+            </a:r>
+          </a:p>
+        </p:txBody>
+      </p:sp>
+      <p:sp>
+        <p:nvSpPr>
+          <p:cNvPr id="12" name="TextBox 11">
+            <a:extLst>
+              <a:ext uri="{FF2B5EF4-FFF2-40B4-BE49-F238E27FC236}">
+                <a16:creationId xmlns:a16="http://schemas.microsoft.com/office/drawing/2014/main" id="{851B0F4D-1B2B-499E-62ED-A459DCDF2C0D}"/>
               </a:ext>
             </a:extLst>
           </p:cNvPr>
@@ -7640,8 +7939,8 @@
         </p:nvSpPr>
         <p:spPr>
           <a:xfrm>
-            <a:off x="7585949" y="6800669"/>
-            <a:ext cx="3153171" cy="369332"/>
+            <a:off x="7565525" y="2814798"/>
+            <a:ext cx="674399" cy="369332"/>
           </a:xfrm>
           <a:prstGeom prst="rect">
             <a:avLst/>
@@ -7649,24 +7948,24 @@
           <a:noFill/>
         </p:spPr>
         <p:txBody>
-          <a:bodyPr wrap="none" rtlCol="0">
+          <a:bodyPr wrap="square" rtlCol="0">
             <a:spAutoFit/>
           </a:bodyPr>
           <a:lstStyle/>
           <a:p>
             <a:r>
               <a:rPr lang="en-US" dirty="0"/>
-              <a:t>Label wrong they’re normalized</a:t>
-            </a:r>
-          </a:p>
-        </p:txBody>
-      </p:sp>
-      <p:sp>
-        <p:nvSpPr>
-          <p:cNvPr id="8" name="TextBox 7">
-            <a:extLst>
-              <a:ext uri="{FF2B5EF4-FFF2-40B4-BE49-F238E27FC236}">
-                <a16:creationId xmlns:a16="http://schemas.microsoft.com/office/drawing/2014/main" id="{54F1D126-805F-B40E-9D1B-E5C081245C54}"/>
+              <a:t>**</a:t>
+            </a:r>
+          </a:p>
+        </p:txBody>
+      </p:sp>
+      <p:sp>
+        <p:nvSpPr>
+          <p:cNvPr id="13" name="TextBox 12">
+            <a:extLst>
+              <a:ext uri="{FF2B5EF4-FFF2-40B4-BE49-F238E27FC236}">
+                <a16:creationId xmlns:a16="http://schemas.microsoft.com/office/drawing/2014/main" id="{47BF5AFD-0B8A-DF3B-9573-2866AF4DB562}"/>
               </a:ext>
             </a:extLst>
           </p:cNvPr>
@@ -7675,8 +7974,8 @@
         </p:nvSpPr>
         <p:spPr>
           <a:xfrm>
-            <a:off x="936357" y="6011063"/>
-            <a:ext cx="2547620" cy="369332"/>
+            <a:off x="8973298" y="2810253"/>
+            <a:ext cx="674399" cy="369332"/>
           </a:xfrm>
           <a:prstGeom prst="rect">
             <a:avLst/>
@@ -7684,26 +7983,98 @@
           <a:noFill/>
         </p:spPr>
         <p:txBody>
+          <a:bodyPr wrap="square" rtlCol="0">
+            <a:spAutoFit/>
+          </a:bodyPr>
+          <a:lstStyle/>
+          <a:p>
+            <a:r>
+              <a:rPr lang="en-US" dirty="0"/>
+              <a:t>*</a:t>
+            </a:r>
+          </a:p>
+        </p:txBody>
+      </p:sp>
+      <p:sp>
+        <p:nvSpPr>
+          <p:cNvPr id="14" name="TextBox 13">
+            <a:extLst>
+              <a:ext uri="{FF2B5EF4-FFF2-40B4-BE49-F238E27FC236}">
+                <a16:creationId xmlns:a16="http://schemas.microsoft.com/office/drawing/2014/main" id="{6A946E68-5EFE-F2FA-4842-A758670F4EFB}"/>
+              </a:ext>
+            </a:extLst>
+          </p:cNvPr>
+          <p:cNvSpPr txBox="1"/>
+          <p:nvPr/>
+        </p:nvSpPr>
+        <p:spPr>
+          <a:xfrm>
+            <a:off x="9316779" y="2810253"/>
+            <a:ext cx="674399" cy="369332"/>
+          </a:xfrm>
+          <a:prstGeom prst="rect">
+            <a:avLst/>
+          </a:prstGeom>
+          <a:noFill/>
+        </p:spPr>
+        <p:txBody>
+          <a:bodyPr wrap="square" rtlCol="0">
+            <a:spAutoFit/>
+          </a:bodyPr>
+          <a:lstStyle/>
+          <a:p>
+            <a:r>
+              <a:rPr lang="en-US" dirty="0"/>
+              <a:t>*</a:t>
+            </a:r>
+          </a:p>
+        </p:txBody>
+      </p:sp>
+      <p:sp>
+        <p:nvSpPr>
+          <p:cNvPr id="16" name="TextBox 15">
+            <a:extLst>
+              <a:ext uri="{FF2B5EF4-FFF2-40B4-BE49-F238E27FC236}">
+                <a16:creationId xmlns:a16="http://schemas.microsoft.com/office/drawing/2014/main" id="{0956E71C-1C54-4166-F07D-4F94B1E9B006}"/>
+              </a:ext>
+            </a:extLst>
+          </p:cNvPr>
+          <p:cNvSpPr txBox="1"/>
+          <p:nvPr/>
+        </p:nvSpPr>
+        <p:spPr>
+          <a:xfrm>
+            <a:off x="5865251" y="5725379"/>
+            <a:ext cx="6374694" cy="523220"/>
+          </a:xfrm>
+          <a:prstGeom prst="rect">
+            <a:avLst/>
+          </a:prstGeom>
+          <a:noFill/>
+        </p:spPr>
+        <p:txBody>
           <a:bodyPr wrap="none" rtlCol="0">
             <a:spAutoFit/>
           </a:bodyPr>
           <a:lstStyle/>
           <a:p>
             <a:r>
-              <a:rPr lang="en-US" dirty="0" err="1"/>
-              <a:t>Havent</a:t>
-            </a:r>
-            <a:r>
-              <a:rPr lang="en-US" dirty="0"/>
-              <a:t> adjusted p </a:t>
-            </a:r>
-            <a:r>
-              <a:rPr lang="en-US" dirty="0" err="1"/>
-              <a:t>val</a:t>
-            </a:r>
-            <a:r>
-              <a:rPr lang="en-US" dirty="0"/>
-              <a:t> yet</a:t>
+              <a:rPr lang="en-US" sz="1400" dirty="0"/>
+              <a:t>More proliferating T cells (CD4 and CD8), fewer memory T cells (CD4 TEM, CD8 TCM),</a:t>
+            </a:r>
+          </a:p>
+          <a:p>
+            <a:r>
+              <a:rPr lang="en-US" sz="1400" dirty="0"/>
+              <a:t>fewer MAITs in </a:t>
+            </a:r>
+            <a:r>
+              <a:rPr lang="en-US" sz="1400" dirty="0" err="1"/>
+              <a:t>irAE</a:t>
+            </a:r>
+            <a:r>
+              <a:rPr lang="en-US" sz="1400" dirty="0"/>
+              <a:t> tissue</a:t>
             </a:r>
           </a:p>
         </p:txBody>
@@ -7711,7 +8082,7 @@
     </p:spTree>
     <p:extLst>
       <p:ext uri="{BB962C8B-B14F-4D97-AF65-F5344CB8AC3E}">
-        <p14:creationId xmlns:p14="http://schemas.microsoft.com/office/powerpoint/2010/main" val="3679358797"/>
+        <p14:creationId xmlns:p14="http://schemas.microsoft.com/office/powerpoint/2010/main" val="409386724"/>
       </p:ext>
     </p:extLst>
   </p:cSld>
@@ -7762,13 +8133,13 @@
         </p:spPr>
         <p:txBody>
           <a:bodyPr>
-            <a:normAutofit fontScale="90000"/>
+            <a:normAutofit/>
           </a:bodyPr>
           <a:lstStyle/>
           <a:p>
             <a:r>
               <a:rPr lang="en-US" dirty="0"/>
-              <a:t>Additional weak conclusion 2 from myocarditis dataset: highly expanded CD4 TCM TRB more germline-like &amp; CDR3s shorter in </a:t>
+              <a:t>In myocarditis dataset, a few VJ genes are differentially encountered in different </a:t>
             </a:r>
             <a:r>
               <a:rPr lang="en-US" dirty="0" err="1"/>
@@ -7776,17 +8147,75 @@
             </a:r>
             <a:r>
               <a:rPr lang="en-US" dirty="0"/>
-              <a:t> patients</a:t>
-            </a:r>
+              <a:t> groups</a:t>
+            </a:r>
+          </a:p>
+        </p:txBody>
+      </p:sp>
+      <p:sp>
+        <p:nvSpPr>
+          <p:cNvPr id="9" name="TextBox 8">
+            <a:extLst>
+              <a:ext uri="{FF2B5EF4-FFF2-40B4-BE49-F238E27FC236}">
+                <a16:creationId xmlns:a16="http://schemas.microsoft.com/office/drawing/2014/main" id="{4FD04972-7431-A8DF-F214-0CA56CC31F94}"/>
+              </a:ext>
+            </a:extLst>
+          </p:cNvPr>
+          <p:cNvSpPr txBox="1"/>
+          <p:nvPr/>
+        </p:nvSpPr>
+        <p:spPr>
+          <a:xfrm>
+            <a:off x="3483977" y="6483346"/>
+            <a:ext cx="4573688" cy="369332"/>
+          </a:xfrm>
+          <a:prstGeom prst="rect">
+            <a:avLst/>
+          </a:prstGeom>
+          <a:noFill/>
+        </p:spPr>
+        <p:txBody>
+          <a:bodyPr wrap="none" rtlCol="0">
+            <a:spAutoFit/>
+          </a:bodyPr>
+          <a:lstStyle/>
+          <a:p>
+            <a:r>
+              <a:rPr lang="en-US" dirty="0"/>
+              <a:t>Wilcoxon rank sum test.</a:t>
+            </a:r>
+            <a:r>
+              <a:rPr lang="en-US" dirty="0">
+                <a:latin typeface="Calibri" panose="020F0502020204030204" pitchFamily="34" charset="0"/>
+                <a:cs typeface="Times New Roman" panose="02020603050405020304" pitchFamily="18" charset="0"/>
+              </a:rPr>
+              <a:t> </a:t>
+            </a:r>
+            <a:r>
+              <a:rPr lang="en-US" sz="1800" dirty="0">
+                <a:effectLst/>
+                <a:latin typeface="Calibri" panose="020F0502020204030204" pitchFamily="34" charset="0"/>
+                <a:ea typeface="Calibri" panose="020F0502020204030204" pitchFamily="34" charset="0"/>
+                <a:cs typeface="Times New Roman" panose="02020603050405020304" pitchFamily="18" charset="0"/>
+              </a:rPr>
+              <a:t>**, p &lt;1e-2; *; p &lt;0.05</a:t>
+            </a:r>
+            <a:endParaRPr lang="en-US" b="0" i="0" u="none" strike="noStrike" dirty="0">
+              <a:solidFill>
+                <a:srgbClr val="212121"/>
+              </a:solidFill>
+              <a:effectLst/>
+              <a:latin typeface="Cambria" panose="02040503050406030204" pitchFamily="18" charset="0"/>
+            </a:endParaRPr>
           </a:p>
         </p:txBody>
       </p:sp>
       <p:pic>
         <p:nvPicPr>
-          <p:cNvPr id="7" name="Picture 6">
-            <a:extLst>
-              <a:ext uri="{FF2B5EF4-FFF2-40B4-BE49-F238E27FC236}">
-                <a16:creationId xmlns:a16="http://schemas.microsoft.com/office/drawing/2014/main" id="{AA13BBE1-1F2E-1C86-3DBB-44FF80ADE88A}"/>
+          <p:cNvPr id="3" name="Picture 2">
+            <a:extLst>
+              <a:ext uri="{FF2B5EF4-FFF2-40B4-BE49-F238E27FC236}">
+                <a16:creationId xmlns:a16="http://schemas.microsoft.com/office/drawing/2014/main" id="{AEC8A77D-ED0C-947C-6CFD-81F3A92ADB24}"/>
               </a:ext>
             </a:extLst>
           </p:cNvPr>
@@ -7803,55 +8232,20 @@
         </p:blipFill>
         <p:spPr>
           <a:xfrm>
-            <a:off x="0" y="2226478"/>
-            <a:ext cx="6790470" cy="3804589"/>
+            <a:off x="-5356" y="2155412"/>
+            <a:ext cx="6121676" cy="3632835"/>
           </a:xfrm>
           <a:prstGeom prst="rect">
             <a:avLst/>
           </a:prstGeom>
         </p:spPr>
       </p:pic>
-      <p:sp>
-        <p:nvSpPr>
-          <p:cNvPr id="19" name="TextBox 18">
-            <a:extLst>
-              <a:ext uri="{FF2B5EF4-FFF2-40B4-BE49-F238E27FC236}">
-                <a16:creationId xmlns:a16="http://schemas.microsoft.com/office/drawing/2014/main" id="{64FE5E85-49E4-6F65-E9DE-AD82474B127E}"/>
-              </a:ext>
-            </a:extLst>
-          </p:cNvPr>
-          <p:cNvSpPr txBox="1"/>
-          <p:nvPr/>
-        </p:nvSpPr>
-        <p:spPr>
-          <a:xfrm>
-            <a:off x="1977692" y="2629306"/>
-            <a:ext cx="389588" cy="369332"/>
-          </a:xfrm>
-          <a:prstGeom prst="rect">
-            <a:avLst/>
-          </a:prstGeom>
-          <a:noFill/>
-        </p:spPr>
-        <p:txBody>
-          <a:bodyPr wrap="square" rtlCol="0">
-            <a:spAutoFit/>
-          </a:bodyPr>
-          <a:lstStyle/>
-          <a:p>
-            <a:r>
-              <a:rPr lang="en-US" dirty="0"/>
-              <a:t>*</a:t>
-            </a:r>
-          </a:p>
-        </p:txBody>
-      </p:sp>
       <p:pic>
         <p:nvPicPr>
-          <p:cNvPr id="3" name="Picture 2">
-            <a:extLst>
-              <a:ext uri="{FF2B5EF4-FFF2-40B4-BE49-F238E27FC236}">
-                <a16:creationId xmlns:a16="http://schemas.microsoft.com/office/drawing/2014/main" id="{195B8E52-4CEC-219D-AD57-6BE9A3BEEE10}"/>
+          <p:cNvPr id="6" name="Picture 5">
+            <a:extLst>
+              <a:ext uri="{FF2B5EF4-FFF2-40B4-BE49-F238E27FC236}">
+                <a16:creationId xmlns:a16="http://schemas.microsoft.com/office/drawing/2014/main" id="{606B4FED-87EA-A232-E032-B7C2FFDB63EE}"/>
               </a:ext>
             </a:extLst>
           </p:cNvPr>
@@ -7868,8 +8262,8 @@
         </p:blipFill>
         <p:spPr>
           <a:xfrm>
-            <a:off x="6675120" y="2288620"/>
-            <a:ext cx="5410200" cy="3174391"/>
+            <a:off x="6024880" y="2155412"/>
+            <a:ext cx="6121676" cy="3598910"/>
           </a:xfrm>
           <a:prstGeom prst="rect">
             <a:avLst/>
@@ -7878,10 +8272,10 @@
       </p:pic>
       <p:sp>
         <p:nvSpPr>
-          <p:cNvPr id="9" name="TextBox 8">
-            <a:extLst>
-              <a:ext uri="{FF2B5EF4-FFF2-40B4-BE49-F238E27FC236}">
-                <a16:creationId xmlns:a16="http://schemas.microsoft.com/office/drawing/2014/main" id="{43723566-79A3-1197-E932-3517E4A633BA}"/>
+          <p:cNvPr id="17" name="TextBox 16">
+            <a:extLst>
+              <a:ext uri="{FF2B5EF4-FFF2-40B4-BE49-F238E27FC236}">
+                <a16:creationId xmlns:a16="http://schemas.microsoft.com/office/drawing/2014/main" id="{96FD2CFA-222D-7A6E-BC22-96303AF8FCED}"/>
               </a:ext>
             </a:extLst>
           </p:cNvPr>
@@ -7890,8 +8284,8 @@
         </p:nvSpPr>
         <p:spPr>
           <a:xfrm>
-            <a:off x="8172353" y="2813972"/>
-            <a:ext cx="595809" cy="369332"/>
+            <a:off x="3004682" y="2998708"/>
+            <a:ext cx="674399" cy="369332"/>
           </a:xfrm>
           <a:prstGeom prst="rect">
             <a:avLst/>
@@ -7913,10 +8307,10 @@
       </p:sp>
       <p:sp>
         <p:nvSpPr>
-          <p:cNvPr id="4" name="TextBox 3">
-            <a:extLst>
-              <a:ext uri="{FF2B5EF4-FFF2-40B4-BE49-F238E27FC236}">
-                <a16:creationId xmlns:a16="http://schemas.microsoft.com/office/drawing/2014/main" id="{5C7870BB-AF9B-7645-3D2E-187D0204E9FA}"/>
+          <p:cNvPr id="18" name="TextBox 17">
+            <a:extLst>
+              <a:ext uri="{FF2B5EF4-FFF2-40B4-BE49-F238E27FC236}">
+                <a16:creationId xmlns:a16="http://schemas.microsoft.com/office/drawing/2014/main" id="{4B813F1E-1D0D-843E-BAF4-B662BAD90C57}"/>
               </a:ext>
             </a:extLst>
           </p:cNvPr>
@@ -7925,8 +8319,8 @@
         </p:nvSpPr>
         <p:spPr>
           <a:xfrm>
-            <a:off x="3483977" y="6483346"/>
-            <a:ext cx="4573688" cy="369332"/>
+            <a:off x="1172624" y="2988548"/>
+            <a:ext cx="674399" cy="369332"/>
           </a:xfrm>
           <a:prstGeom prst="rect">
             <a:avLst/>
@@ -7934,77 +8328,24 @@
           <a:noFill/>
         </p:spPr>
         <p:txBody>
-          <a:bodyPr wrap="none" rtlCol="0">
+          <a:bodyPr wrap="square" rtlCol="0">
             <a:spAutoFit/>
           </a:bodyPr>
           <a:lstStyle/>
           <a:p>
             <a:r>
               <a:rPr lang="en-US" dirty="0"/>
-              <a:t>Wilcoxon rank sum test.</a:t>
-            </a:r>
-            <a:r>
-              <a:rPr lang="en-US" dirty="0">
-                <a:latin typeface="Calibri" panose="020F0502020204030204" pitchFamily="34" charset="0"/>
-                <a:cs typeface="Times New Roman" panose="02020603050405020304" pitchFamily="18" charset="0"/>
-              </a:rPr>
-              <a:t> </a:t>
-            </a:r>
-            <a:r>
-              <a:rPr lang="en-US" sz="1800" dirty="0">
-                <a:effectLst/>
-                <a:latin typeface="Calibri" panose="020F0502020204030204" pitchFamily="34" charset="0"/>
-                <a:ea typeface="Calibri" panose="020F0502020204030204" pitchFamily="34" charset="0"/>
-                <a:cs typeface="Times New Roman" panose="02020603050405020304" pitchFamily="18" charset="0"/>
-              </a:rPr>
-              <a:t>**, p &lt;1e-2; *; p &lt;0.05</a:t>
-            </a:r>
-            <a:endParaRPr lang="en-US" b="0" i="0" u="none" strike="noStrike" dirty="0">
-              <a:solidFill>
-                <a:srgbClr val="212121"/>
-              </a:solidFill>
-              <a:effectLst/>
-              <a:latin typeface="Cambria" panose="02040503050406030204" pitchFamily="18" charset="0"/>
-            </a:endParaRPr>
-          </a:p>
-        </p:txBody>
-      </p:sp>
-      <p:pic>
-        <p:nvPicPr>
-          <p:cNvPr id="5" name="Picture 4">
-            <a:extLst>
-              <a:ext uri="{FF2B5EF4-FFF2-40B4-BE49-F238E27FC236}">
-                <a16:creationId xmlns:a16="http://schemas.microsoft.com/office/drawing/2014/main" id="{E655F0CD-3000-4978-6A4B-17084D02EC29}"/>
-              </a:ext>
-            </a:extLst>
-          </p:cNvPr>
-          <p:cNvPicPr>
-            <a:picLocks noChangeAspect="1"/>
-          </p:cNvPicPr>
-          <p:nvPr/>
-        </p:nvPicPr>
-        <p:blipFill>
-          <a:blip r:embed="rId5"/>
-          <a:stretch>
-            <a:fillRect/>
-          </a:stretch>
-        </p:blipFill>
-        <p:spPr>
-          <a:xfrm>
-            <a:off x="171752" y="5761262"/>
-            <a:ext cx="3611880" cy="2182832"/>
-          </a:xfrm>
-          <a:prstGeom prst="rect">
-            <a:avLst/>
-          </a:prstGeom>
-        </p:spPr>
-      </p:pic>
-      <p:sp>
-        <p:nvSpPr>
-          <p:cNvPr id="6" name="TextBox 5">
-            <a:extLst>
-              <a:ext uri="{FF2B5EF4-FFF2-40B4-BE49-F238E27FC236}">
-                <a16:creationId xmlns:a16="http://schemas.microsoft.com/office/drawing/2014/main" id="{580C2D62-2F52-749C-2E34-39EA2A3458F7}"/>
+              <a:t>*</a:t>
+            </a:r>
+          </a:p>
+        </p:txBody>
+      </p:sp>
+      <p:sp>
+        <p:nvSpPr>
+          <p:cNvPr id="19" name="TextBox 18">
+            <a:extLst>
+              <a:ext uri="{FF2B5EF4-FFF2-40B4-BE49-F238E27FC236}">
+                <a16:creationId xmlns:a16="http://schemas.microsoft.com/office/drawing/2014/main" id="{A726C593-874A-0322-E9A0-A890E4D720A0}"/>
               </a:ext>
             </a:extLst>
           </p:cNvPr>
@@ -8013,8 +8354,8 @@
         </p:nvSpPr>
         <p:spPr>
           <a:xfrm>
-            <a:off x="2172486" y="5846401"/>
-            <a:ext cx="389588" cy="369332"/>
+            <a:off x="6658639" y="3044428"/>
+            <a:ext cx="674399" cy="369332"/>
           </a:xfrm>
           <a:prstGeom prst="rect">
             <a:avLst/>
@@ -8029,17 +8370,17 @@
           <a:p>
             <a:r>
               <a:rPr lang="en-US" dirty="0"/>
-              <a:t>*</a:t>
-            </a:r>
-          </a:p>
-        </p:txBody>
-      </p:sp>
-      <p:sp>
-        <p:nvSpPr>
-          <p:cNvPr id="10" name="TextBox 9">
-            <a:extLst>
-              <a:ext uri="{FF2B5EF4-FFF2-40B4-BE49-F238E27FC236}">
-                <a16:creationId xmlns:a16="http://schemas.microsoft.com/office/drawing/2014/main" id="{760E1A90-9FD1-2B68-6643-C0E27E2FE112}"/>
+              <a:t>**</a:t>
+            </a:r>
+          </a:p>
+        </p:txBody>
+      </p:sp>
+      <p:sp>
+        <p:nvSpPr>
+          <p:cNvPr id="20" name="TextBox 19">
+            <a:extLst>
+              <a:ext uri="{FF2B5EF4-FFF2-40B4-BE49-F238E27FC236}">
+                <a16:creationId xmlns:a16="http://schemas.microsoft.com/office/drawing/2014/main" id="{1E7D4730-9B66-BA02-2F6D-121581FAEF3B}"/>
               </a:ext>
             </a:extLst>
           </p:cNvPr>
@@ -8048,8 +8389,8 @@
         </p:nvSpPr>
         <p:spPr>
           <a:xfrm>
-            <a:off x="2754146" y="5865742"/>
-            <a:ext cx="389588" cy="369332"/>
+            <a:off x="1847023" y="5805780"/>
+            <a:ext cx="9223807" cy="369332"/>
           </a:xfrm>
           <a:prstGeom prst="rect">
             <a:avLst/>
@@ -8057,126 +8398,22 @@
           <a:noFill/>
         </p:spPr>
         <p:txBody>
-          <a:bodyPr wrap="square" rtlCol="0">
-            <a:spAutoFit/>
-          </a:bodyPr>
-          <a:lstStyle/>
-          <a:p>
-            <a:r>
-              <a:rPr lang="en-US" dirty="0"/>
-              <a:t>*</a:t>
-            </a:r>
-          </a:p>
-        </p:txBody>
-      </p:sp>
-      <p:pic>
-        <p:nvPicPr>
-          <p:cNvPr id="11" name="Picture 10">
-            <a:extLst>
-              <a:ext uri="{FF2B5EF4-FFF2-40B4-BE49-F238E27FC236}">
-                <a16:creationId xmlns:a16="http://schemas.microsoft.com/office/drawing/2014/main" id="{4A1A10DC-47A9-CBE7-B7FF-23DD8BEF16C6}"/>
-              </a:ext>
-            </a:extLst>
-          </p:cNvPr>
-          <p:cNvPicPr>
-            <a:picLocks noChangeAspect="1"/>
-          </p:cNvPicPr>
-          <p:nvPr/>
-        </p:nvPicPr>
-        <p:blipFill>
-          <a:blip r:embed="rId6"/>
-          <a:stretch>
-            <a:fillRect/>
-          </a:stretch>
-        </p:blipFill>
-        <p:spPr>
-          <a:xfrm>
-            <a:off x="8091472" y="5369633"/>
-            <a:ext cx="3307080" cy="2031082"/>
-          </a:xfrm>
-          <a:prstGeom prst="rect">
-            <a:avLst/>
-          </a:prstGeom>
-        </p:spPr>
-      </p:pic>
-      <p:sp>
-        <p:nvSpPr>
-          <p:cNvPr id="12" name="TextBox 11">
-            <a:extLst>
-              <a:ext uri="{FF2B5EF4-FFF2-40B4-BE49-F238E27FC236}">
-                <a16:creationId xmlns:a16="http://schemas.microsoft.com/office/drawing/2014/main" id="{A828E876-FDC8-90B1-0272-2C69162FEEF2}"/>
-              </a:ext>
-            </a:extLst>
-          </p:cNvPr>
-          <p:cNvSpPr txBox="1"/>
-          <p:nvPr/>
-        </p:nvSpPr>
-        <p:spPr>
-          <a:xfrm>
-            <a:off x="9899553" y="5496410"/>
-            <a:ext cx="595809" cy="369332"/>
-          </a:xfrm>
-          <a:prstGeom prst="rect">
-            <a:avLst/>
-          </a:prstGeom>
-          <a:noFill/>
-        </p:spPr>
-        <p:txBody>
-          <a:bodyPr wrap="square" rtlCol="0">
-            <a:spAutoFit/>
-          </a:bodyPr>
-          <a:lstStyle/>
-          <a:p>
-            <a:r>
-              <a:rPr lang="en-US" dirty="0"/>
-              <a:t>*</a:t>
-            </a:r>
-          </a:p>
-        </p:txBody>
-      </p:sp>
-      <p:sp>
-        <p:nvSpPr>
-          <p:cNvPr id="13" name="TextBox 12">
-            <a:extLst>
-              <a:ext uri="{FF2B5EF4-FFF2-40B4-BE49-F238E27FC236}">
-                <a16:creationId xmlns:a16="http://schemas.microsoft.com/office/drawing/2014/main" id="{C268475F-0C66-8306-6CEB-12BA0316B948}"/>
-              </a:ext>
-            </a:extLst>
-          </p:cNvPr>
-          <p:cNvSpPr txBox="1"/>
-          <p:nvPr/>
-        </p:nvSpPr>
-        <p:spPr>
-          <a:xfrm>
-            <a:off x="936357" y="6011063"/>
-            <a:ext cx="2547620" cy="369332"/>
-          </a:xfrm>
-          <a:prstGeom prst="rect">
-            <a:avLst/>
-          </a:prstGeom>
-          <a:noFill/>
-        </p:spPr>
-        <p:txBody>
           <a:bodyPr wrap="none" rtlCol="0">
             <a:spAutoFit/>
           </a:bodyPr>
           <a:lstStyle/>
           <a:p>
             <a:r>
+              <a:rPr lang="en-US" dirty="0"/>
+              <a:t>Showing 10 V/J genes with highest differences in median normalized counts between </a:t>
+            </a:r>
+            <a:r>
               <a:rPr lang="en-US" dirty="0" err="1"/>
-              <a:t>Havent</a:t>
-            </a:r>
-            <a:r>
-              <a:rPr lang="en-US" dirty="0"/>
-              <a:t> adjusted p </a:t>
-            </a:r>
-            <a:r>
-              <a:rPr lang="en-US" dirty="0" err="1"/>
-              <a:t>val</a:t>
-            </a:r>
-            <a:r>
-              <a:rPr lang="en-US" dirty="0"/>
-              <a:t> yet</a:t>
+              <a:t>irAE</a:t>
+            </a:r>
+            <a:r>
+              <a:rPr lang="en-US" dirty="0"/>
+              <a:t> groups</a:t>
             </a:r>
           </a:p>
         </p:txBody>
@@ -8184,7 +8421,7 @@
     </p:spTree>
     <p:extLst>
       <p:ext uri="{BB962C8B-B14F-4D97-AF65-F5344CB8AC3E}">
-        <p14:creationId xmlns:p14="http://schemas.microsoft.com/office/powerpoint/2010/main" val="2235056836"/>
+        <p14:creationId xmlns:p14="http://schemas.microsoft.com/office/powerpoint/2010/main" val="297799472"/>
       </p:ext>
     </p:extLst>
   </p:cSld>
@@ -8241,7 +8478,7 @@
           <a:p>
             <a:r>
               <a:rPr lang="en-US" dirty="0"/>
-              <a:t>Additional weak conclusion 3 from myocarditis dataset: public Treg TRAs less germline-like in </a:t>
+              <a:t>In colitis dataset, see more convergence in </a:t>
             </a:r>
             <a:r>
               <a:rPr lang="en-US" dirty="0" err="1"/>
@@ -8249,17 +8486,87 @@
             </a:r>
             <a:r>
               <a:rPr lang="en-US" dirty="0"/>
-              <a:t> patients</a:t>
+              <a:t> group</a:t>
+            </a:r>
+          </a:p>
+        </p:txBody>
+      </p:sp>
+      <p:sp>
+        <p:nvSpPr>
+          <p:cNvPr id="5" name="TextBox 4">
+            <a:extLst>
+              <a:ext uri="{FF2B5EF4-FFF2-40B4-BE49-F238E27FC236}">
+                <a16:creationId xmlns:a16="http://schemas.microsoft.com/office/drawing/2014/main" id="{58E592AD-3CC6-6B33-F23A-A5E4B8FEF0EF}"/>
+              </a:ext>
+            </a:extLst>
+          </p:cNvPr>
+          <p:cNvSpPr txBox="1"/>
+          <p:nvPr/>
+        </p:nvSpPr>
+        <p:spPr>
+          <a:xfrm>
+            <a:off x="2072640" y="2072640"/>
+            <a:ext cx="2031838" cy="369332"/>
+          </a:xfrm>
+          <a:prstGeom prst="rect">
+            <a:avLst/>
+          </a:prstGeom>
+          <a:noFill/>
+        </p:spPr>
+        <p:txBody>
+          <a:bodyPr wrap="none" rtlCol="0">
+            <a:spAutoFit/>
+          </a:bodyPr>
+          <a:lstStyle/>
+          <a:p>
+            <a:r>
+              <a:rPr lang="en-US" dirty="0"/>
+              <a:t>Myocarditis dataset</a:t>
+            </a:r>
+          </a:p>
+        </p:txBody>
+      </p:sp>
+      <p:sp>
+        <p:nvSpPr>
+          <p:cNvPr id="10" name="TextBox 9">
+            <a:extLst>
+              <a:ext uri="{FF2B5EF4-FFF2-40B4-BE49-F238E27FC236}">
+                <a16:creationId xmlns:a16="http://schemas.microsoft.com/office/drawing/2014/main" id="{112D5CA9-873E-ED75-FE11-360041F8A761}"/>
+              </a:ext>
+            </a:extLst>
+          </p:cNvPr>
+          <p:cNvSpPr txBox="1"/>
+          <p:nvPr/>
+        </p:nvSpPr>
+        <p:spPr>
+          <a:xfrm>
+            <a:off x="8839200" y="2072640"/>
+            <a:ext cx="1504194" cy="369332"/>
+          </a:xfrm>
+          <a:prstGeom prst="rect">
+            <a:avLst/>
+          </a:prstGeom>
+          <a:noFill/>
+        </p:spPr>
+        <p:txBody>
+          <a:bodyPr wrap="none" rtlCol="0">
+            <a:spAutoFit/>
+          </a:bodyPr>
+          <a:lstStyle/>
+          <a:p>
+            <a:r>
+              <a:rPr lang="en-US" dirty="0"/>
+              <a:t>Colitis dataset</a:t>
             </a:r>
           </a:p>
         </p:txBody>
       </p:sp>
       <p:pic>
         <p:nvPicPr>
-          <p:cNvPr id="13" name="Picture 12">
-            <a:extLst>
-              <a:ext uri="{FF2B5EF4-FFF2-40B4-BE49-F238E27FC236}">
-                <a16:creationId xmlns:a16="http://schemas.microsoft.com/office/drawing/2014/main" id="{5A080777-538D-D95B-1DB0-551EA30800B6}"/>
+          <p:cNvPr id="11" name="Picture 10">
+            <a:extLst>
+              <a:ext uri="{FF2B5EF4-FFF2-40B4-BE49-F238E27FC236}">
+                <a16:creationId xmlns:a16="http://schemas.microsoft.com/office/drawing/2014/main" id="{AB108FFE-C089-3E84-3A0B-1AC0ABF74B8E}"/>
               </a:ext>
             </a:extLst>
           </p:cNvPr>
@@ -8276,55 +8583,20 @@
         </p:blipFill>
         <p:spPr>
           <a:xfrm>
-            <a:off x="54689" y="1944688"/>
-            <a:ext cx="6791145" cy="3979037"/>
+            <a:off x="30480" y="2472099"/>
+            <a:ext cx="5984403" cy="3594008"/>
           </a:xfrm>
           <a:prstGeom prst="rect">
             <a:avLst/>
           </a:prstGeom>
         </p:spPr>
       </p:pic>
-      <p:sp>
-        <p:nvSpPr>
-          <p:cNvPr id="14" name="TextBox 13">
-            <a:extLst>
-              <a:ext uri="{FF2B5EF4-FFF2-40B4-BE49-F238E27FC236}">
-                <a16:creationId xmlns:a16="http://schemas.microsoft.com/office/drawing/2014/main" id="{DB0972C3-3D9C-7A5F-1DB1-05D124E8546C}"/>
-              </a:ext>
-            </a:extLst>
-          </p:cNvPr>
-          <p:cNvSpPr txBox="1"/>
-          <p:nvPr/>
-        </p:nvSpPr>
-        <p:spPr>
-          <a:xfrm>
-            <a:off x="3846800" y="2478909"/>
-            <a:ext cx="674399" cy="369332"/>
-          </a:xfrm>
-          <a:prstGeom prst="rect">
-            <a:avLst/>
-          </a:prstGeom>
-          <a:noFill/>
-        </p:spPr>
-        <p:txBody>
-          <a:bodyPr wrap="square" rtlCol="0">
-            <a:spAutoFit/>
-          </a:bodyPr>
-          <a:lstStyle/>
-          <a:p>
-            <a:r>
-              <a:rPr lang="en-US" dirty="0"/>
-              <a:t>*</a:t>
-            </a:r>
-          </a:p>
-        </p:txBody>
-      </p:sp>
       <p:pic>
         <p:nvPicPr>
-          <p:cNvPr id="15" name="Picture 14">
-            <a:extLst>
-              <a:ext uri="{FF2B5EF4-FFF2-40B4-BE49-F238E27FC236}">
-                <a16:creationId xmlns:a16="http://schemas.microsoft.com/office/drawing/2014/main" id="{89CFB0E3-CA3E-CB57-4C59-ADF959DE7B3F}"/>
+          <p:cNvPr id="12" name="Picture 11">
+            <a:extLst>
+              <a:ext uri="{FF2B5EF4-FFF2-40B4-BE49-F238E27FC236}">
+                <a16:creationId xmlns:a16="http://schemas.microsoft.com/office/drawing/2014/main" id="{EF79A75C-39A5-9864-FB33-69BC65066F00}"/>
               </a:ext>
             </a:extLst>
           </p:cNvPr>
@@ -8341,76 +8613,18 @@
         </p:blipFill>
         <p:spPr>
           <a:xfrm>
-            <a:off x="6185472" y="1944688"/>
-            <a:ext cx="6034860" cy="3553477"/>
+            <a:off x="6207596" y="2448225"/>
+            <a:ext cx="5984403" cy="3617882"/>
           </a:xfrm>
           <a:prstGeom prst="rect">
             <a:avLst/>
           </a:prstGeom>
         </p:spPr>
       </p:pic>
-      <p:sp>
-        <p:nvSpPr>
-          <p:cNvPr id="3" name="TextBox 2">
-            <a:extLst>
-              <a:ext uri="{FF2B5EF4-FFF2-40B4-BE49-F238E27FC236}">
-                <a16:creationId xmlns:a16="http://schemas.microsoft.com/office/drawing/2014/main" id="{0ACF6FA3-AA2F-D5BE-CE32-768201ABADDA}"/>
-              </a:ext>
-            </a:extLst>
-          </p:cNvPr>
-          <p:cNvSpPr txBox="1"/>
-          <p:nvPr/>
-        </p:nvSpPr>
-        <p:spPr>
-          <a:xfrm>
-            <a:off x="3483977" y="6483346"/>
-            <a:ext cx="4573688" cy="369332"/>
-          </a:xfrm>
-          <a:prstGeom prst="rect">
-            <a:avLst/>
-          </a:prstGeom>
-          <a:noFill/>
-        </p:spPr>
-        <p:txBody>
-          <a:bodyPr wrap="none" rtlCol="0">
-            <a:spAutoFit/>
-          </a:bodyPr>
-          <a:lstStyle/>
-          <a:p>
-            <a:r>
-              <a:rPr lang="en-US" dirty="0"/>
-              <a:t>Wilcoxon rank sum test.</a:t>
-            </a:r>
-            <a:r>
-              <a:rPr lang="en-US" dirty="0">
-                <a:latin typeface="Calibri" panose="020F0502020204030204" pitchFamily="34" charset="0"/>
-                <a:cs typeface="Times New Roman" panose="02020603050405020304" pitchFamily="18" charset="0"/>
-              </a:rPr>
-              <a:t> </a:t>
-            </a:r>
-            <a:r>
-              <a:rPr lang="en-US" sz="1800" dirty="0">
-                <a:effectLst/>
-                <a:latin typeface="Calibri" panose="020F0502020204030204" pitchFamily="34" charset="0"/>
-                <a:ea typeface="Calibri" panose="020F0502020204030204" pitchFamily="34" charset="0"/>
-                <a:cs typeface="Times New Roman" panose="02020603050405020304" pitchFamily="18" charset="0"/>
-              </a:rPr>
-              <a:t>**, p &lt;1e-2; *; p &lt;0.05</a:t>
-            </a:r>
-            <a:endParaRPr lang="en-US" b="0" i="0" u="none" strike="noStrike" dirty="0">
-              <a:solidFill>
-                <a:srgbClr val="212121"/>
-              </a:solidFill>
-              <a:effectLst/>
-              <a:latin typeface="Cambria" panose="02040503050406030204" pitchFamily="18" charset="0"/>
-            </a:endParaRPr>
-          </a:p>
-        </p:txBody>
-      </p:sp>
     </p:spTree>
     <p:extLst>
       <p:ext uri="{BB962C8B-B14F-4D97-AF65-F5344CB8AC3E}">
-        <p14:creationId xmlns:p14="http://schemas.microsoft.com/office/powerpoint/2010/main" val="1788033610"/>
+        <p14:creationId xmlns:p14="http://schemas.microsoft.com/office/powerpoint/2010/main" val="560129648"/>
       </p:ext>
     </p:extLst>
   </p:cSld>
@@ -8467,7 +8681,42 @@
           <a:p>
             <a:r>
               <a:rPr lang="en-US" dirty="0"/>
-              <a:t>Some cell type normalized abundances in </a:t>
+              <a:t>Conclusions</a:t>
+            </a:r>
+          </a:p>
+        </p:txBody>
+      </p:sp>
+      <p:sp>
+        <p:nvSpPr>
+          <p:cNvPr id="3" name="Content Placeholder 2">
+            <a:extLst>
+              <a:ext uri="{FF2B5EF4-FFF2-40B4-BE49-F238E27FC236}">
+                <a16:creationId xmlns:a16="http://schemas.microsoft.com/office/drawing/2014/main" id="{B9501834-7B32-1ACA-4358-B630FB8EEC36}"/>
+              </a:ext>
+            </a:extLst>
+          </p:cNvPr>
+          <p:cNvSpPr>
+            <a:spLocks noGrp="1"/>
+          </p:cNvSpPr>
+          <p:nvPr>
+            <p:ph idx="1"/>
+          </p:nvPr>
+        </p:nvSpPr>
+        <p:spPr>
+          <a:xfrm>
+            <a:off x="838200" y="1919289"/>
+            <a:ext cx="10612120" cy="4623402"/>
+          </a:xfrm>
+        </p:spPr>
+        <p:txBody>
+          <a:bodyPr>
+            <a:normAutofit/>
+          </a:bodyPr>
+          <a:lstStyle/>
+          <a:p>
+            <a:r>
+              <a:rPr lang="en-US" dirty="0"/>
+              <a:t>In myocarditis dataset, a few VJ genes are differentially encountered in different </a:t>
             </a:r>
             <a:r>
               <a:rPr lang="en-US" dirty="0" err="1"/>
@@ -8475,7 +8724,21 @@
             </a:r>
             <a:r>
               <a:rPr lang="en-US" dirty="0"/>
-              <a:t> tissue (colitis dataset) are different between </a:t>
+              <a:t> groups</a:t>
+            </a:r>
+            <a:endParaRPr lang="en-US" sz="2800" dirty="0"/>
+          </a:p>
+          <a:p>
+            <a:r>
+              <a:rPr lang="en-US" sz="2800" dirty="0"/>
+              <a:t>Colitis dataset</a:t>
+            </a:r>
+          </a:p>
+          <a:p>
+            <a:pPr lvl="1"/>
+            <a:r>
+              <a:rPr lang="en-US" dirty="0"/>
+              <a:t>More proliferating T cells (CD4 and CD8), fewer memory T cells (CD4 TEM, CD8 TCM), fewer MAITs in </a:t>
             </a:r>
             <a:r>
               <a:rPr lang="en-US" dirty="0" err="1"/>
@@ -8483,419 +8746,60 @@
             </a:r>
             <a:r>
               <a:rPr lang="en-US" dirty="0"/>
+              <a:t> tissue</a:t>
+            </a:r>
+          </a:p>
+          <a:p>
+            <a:pPr lvl="1"/>
+            <a:r>
+              <a:rPr lang="en-US" dirty="0"/>
+              <a:t>More convergence in </a:t>
+            </a:r>
+            <a:r>
+              <a:rPr lang="en-US" dirty="0" err="1"/>
+              <a:t>irAE</a:t>
+            </a:r>
+            <a:r>
+              <a:rPr lang="en-US" dirty="0"/>
+              <a:t> group</a:t>
+            </a:r>
+          </a:p>
+          <a:p>
+            <a:r>
+              <a:rPr lang="en-US" dirty="0"/>
+              <a:t>Found some additional weak TCR feature (junction length, chain germline-ness) differences </a:t>
+            </a:r>
+            <a:r>
+              <a:rPr lang="en-US" dirty="0" err="1"/>
+              <a:t>betweeen</a:t>
+            </a:r>
+            <a:r>
+              <a:rPr lang="en-US" dirty="0"/>
+              <a:t> </a:t>
+            </a:r>
+            <a:r>
+              <a:rPr lang="en-US" dirty="0" err="1"/>
+              <a:t>irAE</a:t>
+            </a:r>
+            <a:r>
+              <a:rPr lang="en-US" dirty="0"/>
+              <a:t> groups (data not shown), but nothing consistent between both datasets or as strong as CD8 TEM TRB </a:t>
+            </a:r>
+            <a:r>
+              <a:rPr lang="en-US" dirty="0" err="1"/>
+              <a:t>pgen</a:t>
+            </a:r>
+            <a:r>
+              <a:rPr lang="en-US" dirty="0"/>
+              <a:t> feature different between </a:t>
+            </a:r>
+            <a:r>
+              <a:rPr lang="en-US" dirty="0" err="1"/>
+              <a:t>irAE</a:t>
+            </a:r>
+            <a:r>
+              <a:rPr lang="en-US" dirty="0"/>
               <a:t> groups</a:t>
-            </a:r>
-          </a:p>
-        </p:txBody>
-      </p:sp>
-      <p:pic>
-        <p:nvPicPr>
-          <p:cNvPr id="4" name="Picture 3">
-            <a:extLst>
-              <a:ext uri="{FF2B5EF4-FFF2-40B4-BE49-F238E27FC236}">
-                <a16:creationId xmlns:a16="http://schemas.microsoft.com/office/drawing/2014/main" id="{DC4C55AC-6D75-3C99-5786-CE9BE67AC93A}"/>
-              </a:ext>
-            </a:extLst>
-          </p:cNvPr>
-          <p:cNvPicPr>
-            <a:picLocks noChangeAspect="1"/>
-          </p:cNvPicPr>
-          <p:nvPr/>
-        </p:nvPicPr>
-        <p:blipFill>
-          <a:blip r:embed="rId3"/>
-          <a:stretch>
-            <a:fillRect/>
-          </a:stretch>
-        </p:blipFill>
-        <p:spPr>
-          <a:xfrm>
-            <a:off x="0" y="2230955"/>
-            <a:ext cx="5745480" cy="3519526"/>
-          </a:xfrm>
-          <a:prstGeom prst="rect">
-            <a:avLst/>
-          </a:prstGeom>
-        </p:spPr>
-      </p:pic>
-      <p:sp>
-        <p:nvSpPr>
-          <p:cNvPr id="5" name="TextBox 4">
-            <a:extLst>
-              <a:ext uri="{FF2B5EF4-FFF2-40B4-BE49-F238E27FC236}">
-                <a16:creationId xmlns:a16="http://schemas.microsoft.com/office/drawing/2014/main" id="{2B65CDE9-FA4E-0649-FFEB-FE67B86BA39D}"/>
-              </a:ext>
-            </a:extLst>
-          </p:cNvPr>
-          <p:cNvSpPr txBox="1"/>
-          <p:nvPr/>
-        </p:nvSpPr>
-        <p:spPr>
-          <a:xfrm>
-            <a:off x="1920240" y="1861623"/>
-            <a:ext cx="2031838" cy="369332"/>
-          </a:xfrm>
-          <a:prstGeom prst="rect">
-            <a:avLst/>
-          </a:prstGeom>
-          <a:noFill/>
-        </p:spPr>
-        <p:txBody>
-          <a:bodyPr wrap="none" rtlCol="0">
-            <a:spAutoFit/>
-          </a:bodyPr>
-          <a:lstStyle/>
-          <a:p>
-            <a:r>
-              <a:rPr lang="en-US" dirty="0"/>
-              <a:t>Myocarditis dataset</a:t>
-            </a:r>
-          </a:p>
-        </p:txBody>
-      </p:sp>
-      <p:sp>
-        <p:nvSpPr>
-          <p:cNvPr id="7" name="TextBox 6">
-            <a:extLst>
-              <a:ext uri="{FF2B5EF4-FFF2-40B4-BE49-F238E27FC236}">
-                <a16:creationId xmlns:a16="http://schemas.microsoft.com/office/drawing/2014/main" id="{33AC99D1-BBFB-364D-C93D-F9EFA893D647}"/>
-              </a:ext>
-            </a:extLst>
-          </p:cNvPr>
-          <p:cNvSpPr txBox="1"/>
-          <p:nvPr/>
-        </p:nvSpPr>
-        <p:spPr>
-          <a:xfrm>
-            <a:off x="8239924" y="1861622"/>
-            <a:ext cx="1504194" cy="369332"/>
-          </a:xfrm>
-          <a:prstGeom prst="rect">
-            <a:avLst/>
-          </a:prstGeom>
-          <a:noFill/>
-        </p:spPr>
-        <p:txBody>
-          <a:bodyPr wrap="none" rtlCol="0">
-            <a:spAutoFit/>
-          </a:bodyPr>
-          <a:lstStyle/>
-          <a:p>
-            <a:r>
-              <a:rPr lang="en-US" dirty="0"/>
-              <a:t>Colitis dataset</a:t>
-            </a:r>
-          </a:p>
-        </p:txBody>
-      </p:sp>
-      <p:pic>
-        <p:nvPicPr>
-          <p:cNvPr id="8" name="Picture 7">
-            <a:extLst>
-              <a:ext uri="{FF2B5EF4-FFF2-40B4-BE49-F238E27FC236}">
-                <a16:creationId xmlns:a16="http://schemas.microsoft.com/office/drawing/2014/main" id="{8BBCF908-21A1-C77A-83FE-5EEEC47210AE}"/>
-              </a:ext>
-            </a:extLst>
-          </p:cNvPr>
-          <p:cNvPicPr>
-            <a:picLocks noChangeAspect="1"/>
-          </p:cNvPicPr>
-          <p:nvPr/>
-        </p:nvPicPr>
-        <p:blipFill>
-          <a:blip r:embed="rId4"/>
-          <a:stretch>
-            <a:fillRect/>
-          </a:stretch>
-        </p:blipFill>
-        <p:spPr>
-          <a:xfrm>
-            <a:off x="5865251" y="2230954"/>
-            <a:ext cx="6351645" cy="3519526"/>
-          </a:xfrm>
-          <a:prstGeom prst="rect">
-            <a:avLst/>
-          </a:prstGeom>
-        </p:spPr>
-      </p:pic>
-      <p:sp>
-        <p:nvSpPr>
-          <p:cNvPr id="9" name="TextBox 8">
-            <a:extLst>
-              <a:ext uri="{FF2B5EF4-FFF2-40B4-BE49-F238E27FC236}">
-                <a16:creationId xmlns:a16="http://schemas.microsoft.com/office/drawing/2014/main" id="{4FD04972-7431-A8DF-F214-0CA56CC31F94}"/>
-              </a:ext>
-            </a:extLst>
-          </p:cNvPr>
-          <p:cNvSpPr txBox="1"/>
-          <p:nvPr/>
-        </p:nvSpPr>
-        <p:spPr>
-          <a:xfrm>
-            <a:off x="3483977" y="6483346"/>
-            <a:ext cx="4573688" cy="369332"/>
-          </a:xfrm>
-          <a:prstGeom prst="rect">
-            <a:avLst/>
-          </a:prstGeom>
-          <a:noFill/>
-        </p:spPr>
-        <p:txBody>
-          <a:bodyPr wrap="none" rtlCol="0">
-            <a:spAutoFit/>
-          </a:bodyPr>
-          <a:lstStyle/>
-          <a:p>
-            <a:r>
-              <a:rPr lang="en-US" dirty="0"/>
-              <a:t>Wilcoxon rank sum test.</a:t>
-            </a:r>
-            <a:r>
-              <a:rPr lang="en-US" dirty="0">
-                <a:latin typeface="Calibri" panose="020F0502020204030204" pitchFamily="34" charset="0"/>
-                <a:cs typeface="Times New Roman" panose="02020603050405020304" pitchFamily="18" charset="0"/>
-              </a:rPr>
-              <a:t> </a:t>
-            </a:r>
-            <a:r>
-              <a:rPr lang="en-US" sz="1800" dirty="0">
-                <a:effectLst/>
-                <a:latin typeface="Calibri" panose="020F0502020204030204" pitchFamily="34" charset="0"/>
-                <a:ea typeface="Calibri" panose="020F0502020204030204" pitchFamily="34" charset="0"/>
-                <a:cs typeface="Times New Roman" panose="02020603050405020304" pitchFamily="18" charset="0"/>
-              </a:rPr>
-              <a:t>**, p &lt;1e-2; *; p &lt;0.05</a:t>
-            </a:r>
-            <a:endParaRPr lang="en-US" b="0" i="0" u="none" strike="noStrike" dirty="0">
-              <a:solidFill>
-                <a:srgbClr val="212121"/>
-              </a:solidFill>
-              <a:effectLst/>
-              <a:latin typeface="Cambria" panose="02040503050406030204" pitchFamily="18" charset="0"/>
-            </a:endParaRPr>
-          </a:p>
-        </p:txBody>
-      </p:sp>
-      <p:sp>
-        <p:nvSpPr>
-          <p:cNvPr id="10" name="TextBox 9">
-            <a:extLst>
-              <a:ext uri="{FF2B5EF4-FFF2-40B4-BE49-F238E27FC236}">
-                <a16:creationId xmlns:a16="http://schemas.microsoft.com/office/drawing/2014/main" id="{CEE05D2D-A200-4B71-9407-51E00BEE8CB1}"/>
-              </a:ext>
-            </a:extLst>
-          </p:cNvPr>
-          <p:cNvSpPr txBox="1"/>
-          <p:nvPr/>
-        </p:nvSpPr>
-        <p:spPr>
-          <a:xfrm>
-            <a:off x="8189124" y="2817853"/>
-            <a:ext cx="674399" cy="369332"/>
-          </a:xfrm>
-          <a:prstGeom prst="rect">
-            <a:avLst/>
-          </a:prstGeom>
-          <a:noFill/>
-        </p:spPr>
-        <p:txBody>
-          <a:bodyPr wrap="square" rtlCol="0">
-            <a:spAutoFit/>
-          </a:bodyPr>
-          <a:lstStyle/>
-          <a:p>
-            <a:r>
-              <a:rPr lang="en-US" dirty="0"/>
-              <a:t>**</a:t>
-            </a:r>
-          </a:p>
-        </p:txBody>
-      </p:sp>
-      <p:sp>
-        <p:nvSpPr>
-          <p:cNvPr id="11" name="TextBox 10">
-            <a:extLst>
-              <a:ext uri="{FF2B5EF4-FFF2-40B4-BE49-F238E27FC236}">
-                <a16:creationId xmlns:a16="http://schemas.microsoft.com/office/drawing/2014/main" id="{9B3A035E-CF79-F577-26A2-9DDBF7593AB8}"/>
-              </a:ext>
-            </a:extLst>
-          </p:cNvPr>
-          <p:cNvSpPr txBox="1"/>
-          <p:nvPr/>
-        </p:nvSpPr>
-        <p:spPr>
-          <a:xfrm>
-            <a:off x="10192850" y="2817853"/>
-            <a:ext cx="674399" cy="369332"/>
-          </a:xfrm>
-          <a:prstGeom prst="rect">
-            <a:avLst/>
-          </a:prstGeom>
-          <a:noFill/>
-        </p:spPr>
-        <p:txBody>
-          <a:bodyPr wrap="square" rtlCol="0">
-            <a:spAutoFit/>
-          </a:bodyPr>
-          <a:lstStyle/>
-          <a:p>
-            <a:r>
-              <a:rPr lang="en-US" dirty="0"/>
-              <a:t>**</a:t>
-            </a:r>
-          </a:p>
-        </p:txBody>
-      </p:sp>
-      <p:sp>
-        <p:nvSpPr>
-          <p:cNvPr id="12" name="TextBox 11">
-            <a:extLst>
-              <a:ext uri="{FF2B5EF4-FFF2-40B4-BE49-F238E27FC236}">
-                <a16:creationId xmlns:a16="http://schemas.microsoft.com/office/drawing/2014/main" id="{851B0F4D-1B2B-499E-62ED-A459DCDF2C0D}"/>
-              </a:ext>
-            </a:extLst>
-          </p:cNvPr>
-          <p:cNvSpPr txBox="1"/>
-          <p:nvPr/>
-        </p:nvSpPr>
-        <p:spPr>
-          <a:xfrm>
-            <a:off x="7565525" y="2814798"/>
-            <a:ext cx="674399" cy="369332"/>
-          </a:xfrm>
-          <a:prstGeom prst="rect">
-            <a:avLst/>
-          </a:prstGeom>
-          <a:noFill/>
-        </p:spPr>
-        <p:txBody>
-          <a:bodyPr wrap="square" rtlCol="0">
-            <a:spAutoFit/>
-          </a:bodyPr>
-          <a:lstStyle/>
-          <a:p>
-            <a:r>
-              <a:rPr lang="en-US" dirty="0"/>
-              <a:t>**</a:t>
-            </a:r>
-          </a:p>
-        </p:txBody>
-      </p:sp>
-      <p:sp>
-        <p:nvSpPr>
-          <p:cNvPr id="13" name="TextBox 12">
-            <a:extLst>
-              <a:ext uri="{FF2B5EF4-FFF2-40B4-BE49-F238E27FC236}">
-                <a16:creationId xmlns:a16="http://schemas.microsoft.com/office/drawing/2014/main" id="{47BF5AFD-0B8A-DF3B-9573-2866AF4DB562}"/>
-              </a:ext>
-            </a:extLst>
-          </p:cNvPr>
-          <p:cNvSpPr txBox="1"/>
-          <p:nvPr/>
-        </p:nvSpPr>
-        <p:spPr>
-          <a:xfrm>
-            <a:off x="8973298" y="2810253"/>
-            <a:ext cx="674399" cy="369332"/>
-          </a:xfrm>
-          <a:prstGeom prst="rect">
-            <a:avLst/>
-          </a:prstGeom>
-          <a:noFill/>
-        </p:spPr>
-        <p:txBody>
-          <a:bodyPr wrap="square" rtlCol="0">
-            <a:spAutoFit/>
-          </a:bodyPr>
-          <a:lstStyle/>
-          <a:p>
-            <a:r>
-              <a:rPr lang="en-US" dirty="0"/>
-              <a:t>*</a:t>
-            </a:r>
-          </a:p>
-        </p:txBody>
-      </p:sp>
-      <p:sp>
-        <p:nvSpPr>
-          <p:cNvPr id="14" name="TextBox 13">
-            <a:extLst>
-              <a:ext uri="{FF2B5EF4-FFF2-40B4-BE49-F238E27FC236}">
-                <a16:creationId xmlns:a16="http://schemas.microsoft.com/office/drawing/2014/main" id="{6A946E68-5EFE-F2FA-4842-A758670F4EFB}"/>
-              </a:ext>
-            </a:extLst>
-          </p:cNvPr>
-          <p:cNvSpPr txBox="1"/>
-          <p:nvPr/>
-        </p:nvSpPr>
-        <p:spPr>
-          <a:xfrm>
-            <a:off x="9316779" y="2810253"/>
-            <a:ext cx="674399" cy="369332"/>
-          </a:xfrm>
-          <a:prstGeom prst="rect">
-            <a:avLst/>
-          </a:prstGeom>
-          <a:noFill/>
-        </p:spPr>
-        <p:txBody>
-          <a:bodyPr wrap="square" rtlCol="0">
-            <a:spAutoFit/>
-          </a:bodyPr>
-          <a:lstStyle/>
-          <a:p>
-            <a:r>
-              <a:rPr lang="en-US" dirty="0"/>
-              <a:t>*</a:t>
-            </a:r>
-          </a:p>
-        </p:txBody>
-      </p:sp>
-      <p:sp>
-        <p:nvSpPr>
-          <p:cNvPr id="16" name="TextBox 15">
-            <a:extLst>
-              <a:ext uri="{FF2B5EF4-FFF2-40B4-BE49-F238E27FC236}">
-                <a16:creationId xmlns:a16="http://schemas.microsoft.com/office/drawing/2014/main" id="{0956E71C-1C54-4166-F07D-4F94B1E9B006}"/>
-              </a:ext>
-            </a:extLst>
-          </p:cNvPr>
-          <p:cNvSpPr txBox="1"/>
-          <p:nvPr/>
-        </p:nvSpPr>
-        <p:spPr>
-          <a:xfrm>
-            <a:off x="5865251" y="5725379"/>
-            <a:ext cx="6374694" cy="523220"/>
-          </a:xfrm>
-          <a:prstGeom prst="rect">
-            <a:avLst/>
-          </a:prstGeom>
-          <a:noFill/>
-        </p:spPr>
-        <p:txBody>
-          <a:bodyPr wrap="none" rtlCol="0">
-            <a:spAutoFit/>
-          </a:bodyPr>
-          <a:lstStyle/>
-          <a:p>
-            <a:r>
-              <a:rPr lang="en-US" sz="1400" dirty="0"/>
-              <a:t>More proliferating T cells (CD4 and CD8), fewer memory T cells (CD4 TEM, CD8 TCM),</a:t>
-            </a:r>
-          </a:p>
-          <a:p>
-            <a:r>
-              <a:rPr lang="en-US" sz="1400" dirty="0"/>
-              <a:t>fewer MAITs in </a:t>
-            </a:r>
-            <a:r>
-              <a:rPr lang="en-US" sz="1400" dirty="0" err="1"/>
-              <a:t>irAE</a:t>
-            </a:r>
-            <a:r>
-              <a:rPr lang="en-US" sz="1400" dirty="0"/>
-              <a:t> tissue</a:t>
             </a:r>
           </a:p>
         </p:txBody>
@@ -8903,7 +8807,7 @@
     </p:spTree>
     <p:extLst>
       <p:ext uri="{BB962C8B-B14F-4D97-AF65-F5344CB8AC3E}">
-        <p14:creationId xmlns:p14="http://schemas.microsoft.com/office/powerpoint/2010/main" val="409386724"/>
+        <p14:creationId xmlns:p14="http://schemas.microsoft.com/office/powerpoint/2010/main" val="638429564"/>
       </p:ext>
     </p:extLst>
   </p:cSld>
@@ -8960,7 +8864,42 @@
           <a:p>
             <a:r>
               <a:rPr lang="en-US" dirty="0"/>
-              <a:t>A few VJ genes are more common in different </a:t>
+              <a:t>Next steps</a:t>
+            </a:r>
+          </a:p>
+        </p:txBody>
+      </p:sp>
+      <p:sp>
+        <p:nvSpPr>
+          <p:cNvPr id="3" name="Content Placeholder 2">
+            <a:extLst>
+              <a:ext uri="{FF2B5EF4-FFF2-40B4-BE49-F238E27FC236}">
+                <a16:creationId xmlns:a16="http://schemas.microsoft.com/office/drawing/2014/main" id="{B9501834-7B32-1ACA-4358-B630FB8EEC36}"/>
+              </a:ext>
+            </a:extLst>
+          </p:cNvPr>
+          <p:cNvSpPr>
+            <a:spLocks noGrp="1"/>
+          </p:cNvSpPr>
+          <p:nvPr>
+            <p:ph idx="1"/>
+          </p:nvPr>
+        </p:nvSpPr>
+        <p:spPr>
+          <a:xfrm>
+            <a:off x="838200" y="1919289"/>
+            <a:ext cx="3459480" cy="4623402"/>
+          </a:xfrm>
+        </p:spPr>
+        <p:txBody>
+          <a:bodyPr>
+            <a:normAutofit fontScale="85000" lnSpcReduction="20000"/>
+          </a:bodyPr>
+          <a:lstStyle/>
+          <a:p>
+            <a:r>
+              <a:rPr lang="en-US" dirty="0"/>
+              <a:t>Summary plots: x-axis top n clonotypes, y-axis p value from test between </a:t>
             </a:r>
             <a:r>
               <a:rPr lang="en-US" dirty="0" err="1"/>
@@ -8968,75 +8907,39 @@
             </a:r>
             <a:r>
               <a:rPr lang="en-US" dirty="0"/>
-              <a:t> groups in myocarditis dataset</a:t>
-            </a:r>
-          </a:p>
-        </p:txBody>
-      </p:sp>
-      <p:sp>
-        <p:nvSpPr>
-          <p:cNvPr id="9" name="TextBox 8">
-            <a:extLst>
-              <a:ext uri="{FF2B5EF4-FFF2-40B4-BE49-F238E27FC236}">
-                <a16:creationId xmlns:a16="http://schemas.microsoft.com/office/drawing/2014/main" id="{4FD04972-7431-A8DF-F214-0CA56CC31F94}"/>
-              </a:ext>
-            </a:extLst>
-          </p:cNvPr>
-          <p:cNvSpPr txBox="1"/>
-          <p:nvPr/>
-        </p:nvSpPr>
-        <p:spPr>
-          <a:xfrm>
-            <a:off x="3483977" y="6483346"/>
-            <a:ext cx="4573688" cy="369332"/>
-          </a:xfrm>
-          <a:prstGeom prst="rect">
-            <a:avLst/>
-          </a:prstGeom>
-          <a:noFill/>
-        </p:spPr>
-        <p:txBody>
-          <a:bodyPr wrap="none" rtlCol="0">
-            <a:spAutoFit/>
-          </a:bodyPr>
-          <a:lstStyle/>
-          <a:p>
-            <a:r>
-              <a:rPr lang="en-US" dirty="0"/>
-              <a:t>Wilcoxon rank sum test.</a:t>
-            </a:r>
-            <a:r>
-              <a:rPr lang="en-US" dirty="0">
-                <a:latin typeface="Calibri" panose="020F0502020204030204" pitchFamily="34" charset="0"/>
-                <a:cs typeface="Times New Roman" panose="02020603050405020304" pitchFamily="18" charset="0"/>
-              </a:rPr>
-              <a:t> </a:t>
-            </a:r>
-            <a:r>
-              <a:rPr lang="en-US" sz="1800" dirty="0">
-                <a:effectLst/>
-                <a:latin typeface="Calibri" panose="020F0502020204030204" pitchFamily="34" charset="0"/>
-                <a:ea typeface="Calibri" panose="020F0502020204030204" pitchFamily="34" charset="0"/>
-                <a:cs typeface="Times New Roman" panose="02020603050405020304" pitchFamily="18" charset="0"/>
-              </a:rPr>
-              <a:t>**, p &lt;1e-2; *; p &lt;0.05</a:t>
-            </a:r>
-            <a:endParaRPr lang="en-US" b="0" i="0" u="none" strike="noStrike" dirty="0">
-              <a:solidFill>
-                <a:srgbClr val="212121"/>
-              </a:solidFill>
-              <a:effectLst/>
-              <a:latin typeface="Cambria" panose="02040503050406030204" pitchFamily="18" charset="0"/>
-            </a:endParaRPr>
+              <a:t> yes/no groups, facet for cell type, chain, feature, dataset</a:t>
+            </a:r>
+          </a:p>
+          <a:p>
+            <a:r>
+              <a:rPr lang="en-US" dirty="0"/>
+              <a:t>Prepare for 1/9 bioinformatics JC, perhaps supports use of datasets with no </a:t>
+            </a:r>
+            <a:r>
+              <a:rPr lang="en-US" dirty="0" err="1"/>
+              <a:t>TCRseq</a:t>
+            </a:r>
+            <a:r>
+              <a:rPr lang="en-US" dirty="0"/>
+              <a:t> (using </a:t>
+            </a:r>
+            <a:r>
+              <a:rPr lang="en-US" dirty="0" err="1"/>
+              <a:t>RNAseq</a:t>
+            </a:r>
+            <a:r>
+              <a:rPr lang="en-US" dirty="0"/>
+              <a:t> to call TCR clonotypes), although only from T cell rich tissue with low diversity</a:t>
+            </a:r>
           </a:p>
         </p:txBody>
       </p:sp>
       <p:pic>
         <p:nvPicPr>
-          <p:cNvPr id="3" name="Picture 2">
-            <a:extLst>
-              <a:ext uri="{FF2B5EF4-FFF2-40B4-BE49-F238E27FC236}">
-                <a16:creationId xmlns:a16="http://schemas.microsoft.com/office/drawing/2014/main" id="{AEC8A77D-ED0C-947C-6CFD-81F3A92ADB24}"/>
+          <p:cNvPr id="4" name="Picture 3">
+            <a:extLst>
+              <a:ext uri="{FF2B5EF4-FFF2-40B4-BE49-F238E27FC236}">
+                <a16:creationId xmlns:a16="http://schemas.microsoft.com/office/drawing/2014/main" id="{635D38B6-F04F-7D70-5020-4EA2EB13C3FC}"/>
               </a:ext>
             </a:extLst>
           </p:cNvPr>
@@ -9053,153 +8956,18 @@
         </p:blipFill>
         <p:spPr>
           <a:xfrm>
-            <a:off x="-5356" y="2155412"/>
-            <a:ext cx="6121676" cy="3632835"/>
+            <a:off x="4419600" y="513053"/>
+            <a:ext cx="7772400" cy="5831894"/>
           </a:xfrm>
           <a:prstGeom prst="rect">
             <a:avLst/>
           </a:prstGeom>
         </p:spPr>
       </p:pic>
-      <p:pic>
-        <p:nvPicPr>
-          <p:cNvPr id="6" name="Picture 5">
-            <a:extLst>
-              <a:ext uri="{FF2B5EF4-FFF2-40B4-BE49-F238E27FC236}">
-                <a16:creationId xmlns:a16="http://schemas.microsoft.com/office/drawing/2014/main" id="{606B4FED-87EA-A232-E032-B7C2FFDB63EE}"/>
-              </a:ext>
-            </a:extLst>
-          </p:cNvPr>
-          <p:cNvPicPr>
-            <a:picLocks noChangeAspect="1"/>
-          </p:cNvPicPr>
-          <p:nvPr/>
-        </p:nvPicPr>
-        <p:blipFill>
-          <a:blip r:embed="rId4"/>
-          <a:stretch>
-            <a:fillRect/>
-          </a:stretch>
-        </p:blipFill>
-        <p:spPr>
-          <a:xfrm>
-            <a:off x="6024880" y="2155412"/>
-            <a:ext cx="6121676" cy="3598910"/>
-          </a:xfrm>
-          <a:prstGeom prst="rect">
-            <a:avLst/>
-          </a:prstGeom>
-        </p:spPr>
-      </p:pic>
-      <p:sp>
-        <p:nvSpPr>
-          <p:cNvPr id="17" name="TextBox 16">
-            <a:extLst>
-              <a:ext uri="{FF2B5EF4-FFF2-40B4-BE49-F238E27FC236}">
-                <a16:creationId xmlns:a16="http://schemas.microsoft.com/office/drawing/2014/main" id="{96FD2CFA-222D-7A6E-BC22-96303AF8FCED}"/>
-              </a:ext>
-            </a:extLst>
-          </p:cNvPr>
-          <p:cNvSpPr txBox="1"/>
-          <p:nvPr/>
-        </p:nvSpPr>
-        <p:spPr>
-          <a:xfrm>
-            <a:off x="3004682" y="2998708"/>
-            <a:ext cx="674399" cy="369332"/>
-          </a:xfrm>
-          <a:prstGeom prst="rect">
-            <a:avLst/>
-          </a:prstGeom>
-          <a:noFill/>
-        </p:spPr>
-        <p:txBody>
-          <a:bodyPr wrap="square" rtlCol="0">
-            <a:spAutoFit/>
-          </a:bodyPr>
-          <a:lstStyle/>
-          <a:p>
-            <a:r>
-              <a:rPr lang="en-US" dirty="0"/>
-              <a:t>*</a:t>
-            </a:r>
-          </a:p>
-        </p:txBody>
-      </p:sp>
-      <p:sp>
-        <p:nvSpPr>
-          <p:cNvPr id="18" name="TextBox 17">
-            <a:extLst>
-              <a:ext uri="{FF2B5EF4-FFF2-40B4-BE49-F238E27FC236}">
-                <a16:creationId xmlns:a16="http://schemas.microsoft.com/office/drawing/2014/main" id="{4B813F1E-1D0D-843E-BAF4-B662BAD90C57}"/>
-              </a:ext>
-            </a:extLst>
-          </p:cNvPr>
-          <p:cNvSpPr txBox="1"/>
-          <p:nvPr/>
-        </p:nvSpPr>
-        <p:spPr>
-          <a:xfrm>
-            <a:off x="1172624" y="2988548"/>
-            <a:ext cx="674399" cy="369332"/>
-          </a:xfrm>
-          <a:prstGeom prst="rect">
-            <a:avLst/>
-          </a:prstGeom>
-          <a:noFill/>
-        </p:spPr>
-        <p:txBody>
-          <a:bodyPr wrap="square" rtlCol="0">
-            <a:spAutoFit/>
-          </a:bodyPr>
-          <a:lstStyle/>
-          <a:p>
-            <a:r>
-              <a:rPr lang="en-US" dirty="0"/>
-              <a:t>*</a:t>
-            </a:r>
-          </a:p>
-        </p:txBody>
-      </p:sp>
-      <p:sp>
-        <p:nvSpPr>
-          <p:cNvPr id="19" name="TextBox 18">
-            <a:extLst>
-              <a:ext uri="{FF2B5EF4-FFF2-40B4-BE49-F238E27FC236}">
-                <a16:creationId xmlns:a16="http://schemas.microsoft.com/office/drawing/2014/main" id="{A726C593-874A-0322-E9A0-A890E4D720A0}"/>
-              </a:ext>
-            </a:extLst>
-          </p:cNvPr>
-          <p:cNvSpPr txBox="1"/>
-          <p:nvPr/>
-        </p:nvSpPr>
-        <p:spPr>
-          <a:xfrm>
-            <a:off x="6658639" y="3044428"/>
-            <a:ext cx="674399" cy="369332"/>
-          </a:xfrm>
-          <a:prstGeom prst="rect">
-            <a:avLst/>
-          </a:prstGeom>
-          <a:noFill/>
-        </p:spPr>
-        <p:txBody>
-          <a:bodyPr wrap="square" rtlCol="0">
-            <a:spAutoFit/>
-          </a:bodyPr>
-          <a:lstStyle/>
-          <a:p>
-            <a:r>
-              <a:rPr lang="en-US" dirty="0"/>
-              <a:t>**</a:t>
-            </a:r>
-          </a:p>
-        </p:txBody>
-      </p:sp>
     </p:spTree>
     <p:extLst>
       <p:ext uri="{BB962C8B-B14F-4D97-AF65-F5344CB8AC3E}">
-        <p14:creationId xmlns:p14="http://schemas.microsoft.com/office/powerpoint/2010/main" val="297799472"/>
+        <p14:creationId xmlns:p14="http://schemas.microsoft.com/office/powerpoint/2010/main" val="3146602281"/>
       </p:ext>
     </p:extLst>
   </p:cSld>
@@ -9256,47 +9024,208 @@
           <a:p>
             <a:r>
               <a:rPr lang="en-US" dirty="0"/>
-              <a:t>Conclusions</a:t>
-            </a:r>
-          </a:p>
-        </p:txBody>
-      </p:sp>
-      <p:sp>
-        <p:nvSpPr>
-          <p:cNvPr id="3" name="Content Placeholder 2">
-            <a:extLst>
-              <a:ext uri="{FF2B5EF4-FFF2-40B4-BE49-F238E27FC236}">
-                <a16:creationId xmlns:a16="http://schemas.microsoft.com/office/drawing/2014/main" id="{B9501834-7B32-1ACA-4358-B630FB8EEC36}"/>
-              </a:ext>
-            </a:extLst>
-          </p:cNvPr>
-          <p:cNvSpPr>
-            <a:spLocks noGrp="1"/>
-          </p:cNvSpPr>
-          <p:nvPr>
-            <p:ph idx="1"/>
-          </p:nvPr>
-        </p:nvSpPr>
-        <p:spPr>
-          <a:xfrm>
-            <a:off x="838200" y="1919289"/>
-            <a:ext cx="10612120" cy="4623402"/>
-          </a:xfrm>
-        </p:spPr>
-        <p:txBody>
-          <a:bodyPr>
-            <a:normAutofit/>
+              <a:t>Strongest myocarditis conclusion for comparison</a:t>
+            </a:r>
+          </a:p>
+        </p:txBody>
+      </p:sp>
+      <p:pic>
+        <p:nvPicPr>
+          <p:cNvPr id="4" name="Picture 3">
+            <a:extLst>
+              <a:ext uri="{FF2B5EF4-FFF2-40B4-BE49-F238E27FC236}">
+                <a16:creationId xmlns:a16="http://schemas.microsoft.com/office/drawing/2014/main" id="{22064411-2632-A287-93B9-78DA0B6E7314}"/>
+              </a:ext>
+            </a:extLst>
+          </p:cNvPr>
+          <p:cNvPicPr>
+            <a:picLocks noChangeAspect="1"/>
+          </p:cNvPicPr>
+          <p:nvPr/>
+        </p:nvPicPr>
+        <p:blipFill>
+          <a:blip r:embed="rId3"/>
+          <a:stretch>
+            <a:fillRect/>
+          </a:stretch>
+        </p:blipFill>
+        <p:spPr>
+          <a:xfrm>
+            <a:off x="1203960" y="1627522"/>
+            <a:ext cx="7772400" cy="4636753"/>
+          </a:xfrm>
+          <a:prstGeom prst="rect">
+            <a:avLst/>
+          </a:prstGeom>
+        </p:spPr>
+      </p:pic>
+      <p:sp>
+        <p:nvSpPr>
+          <p:cNvPr id="5" name="TextBox 4">
+            <a:extLst>
+              <a:ext uri="{FF2B5EF4-FFF2-40B4-BE49-F238E27FC236}">
+                <a16:creationId xmlns:a16="http://schemas.microsoft.com/office/drawing/2014/main" id="{F125686D-CEE9-CF68-4BA3-C080BE32C00C}"/>
+              </a:ext>
+            </a:extLst>
+          </p:cNvPr>
+          <p:cNvSpPr txBox="1"/>
+          <p:nvPr/>
+        </p:nvSpPr>
+        <p:spPr>
+          <a:xfrm>
+            <a:off x="3483977" y="6483346"/>
+            <a:ext cx="4573688" cy="369332"/>
+          </a:xfrm>
+          <a:prstGeom prst="rect">
+            <a:avLst/>
+          </a:prstGeom>
+          <a:noFill/>
+        </p:spPr>
+        <p:txBody>
+          <a:bodyPr wrap="none" rtlCol="0">
+            <a:spAutoFit/>
           </a:bodyPr>
           <a:lstStyle/>
           <a:p>
-            <a:endParaRPr lang="en-US" dirty="0"/>
+            <a:r>
+              <a:rPr lang="en-US" dirty="0"/>
+              <a:t>Wilcoxon rank sum test.</a:t>
+            </a:r>
+            <a:r>
+              <a:rPr lang="en-US" dirty="0">
+                <a:latin typeface="Calibri" panose="020F0502020204030204" pitchFamily="34" charset="0"/>
+                <a:cs typeface="Times New Roman" panose="02020603050405020304" pitchFamily="18" charset="0"/>
+              </a:rPr>
+              <a:t> </a:t>
+            </a:r>
+            <a:r>
+              <a:rPr lang="en-US" sz="1800" dirty="0">
+                <a:effectLst/>
+                <a:latin typeface="Calibri" panose="020F0502020204030204" pitchFamily="34" charset="0"/>
+                <a:ea typeface="Calibri" panose="020F0502020204030204" pitchFamily="34" charset="0"/>
+                <a:cs typeface="Times New Roman" panose="02020603050405020304" pitchFamily="18" charset="0"/>
+              </a:rPr>
+              <a:t>**, p &lt;1e-2; *; p &lt;0.05</a:t>
+            </a:r>
+            <a:endParaRPr lang="en-US" b="0" i="0" u="none" strike="noStrike" dirty="0">
+              <a:solidFill>
+                <a:srgbClr val="212121"/>
+              </a:solidFill>
+              <a:effectLst/>
+              <a:latin typeface="Cambria" panose="02040503050406030204" pitchFamily="18" charset="0"/>
+            </a:endParaRPr>
+          </a:p>
+        </p:txBody>
+      </p:sp>
+      <p:sp>
+        <p:nvSpPr>
+          <p:cNvPr id="6" name="TextBox 5">
+            <a:extLst>
+              <a:ext uri="{FF2B5EF4-FFF2-40B4-BE49-F238E27FC236}">
+                <a16:creationId xmlns:a16="http://schemas.microsoft.com/office/drawing/2014/main" id="{A1FA9CBB-C193-F78E-BE9D-D7887FFB22C7}"/>
+              </a:ext>
+            </a:extLst>
+          </p:cNvPr>
+          <p:cNvSpPr txBox="1"/>
+          <p:nvPr/>
+        </p:nvSpPr>
+        <p:spPr>
+          <a:xfrm>
+            <a:off x="5645435" y="2219581"/>
+            <a:ext cx="589280" cy="369332"/>
+          </a:xfrm>
+          <a:prstGeom prst="rect">
+            <a:avLst/>
+          </a:prstGeom>
+          <a:noFill/>
+        </p:spPr>
+        <p:txBody>
+          <a:bodyPr wrap="square" rtlCol="0">
+            <a:spAutoFit/>
+          </a:bodyPr>
+          <a:lstStyle/>
+          <a:p>
+            <a:r>
+              <a:rPr lang="en-US" dirty="0"/>
+              <a:t>*</a:t>
+            </a:r>
+          </a:p>
+        </p:txBody>
+      </p:sp>
+      <p:sp>
+        <p:nvSpPr>
+          <p:cNvPr id="7" name="TextBox 6">
+            <a:extLst>
+              <a:ext uri="{FF2B5EF4-FFF2-40B4-BE49-F238E27FC236}">
+                <a16:creationId xmlns:a16="http://schemas.microsoft.com/office/drawing/2014/main" id="{AA02738C-558B-5971-7406-F80142D56ECD}"/>
+              </a:ext>
+            </a:extLst>
+          </p:cNvPr>
+          <p:cNvSpPr txBox="1"/>
+          <p:nvPr/>
+        </p:nvSpPr>
+        <p:spPr>
+          <a:xfrm>
+            <a:off x="6905275" y="2219581"/>
+            <a:ext cx="589280" cy="369332"/>
+          </a:xfrm>
+          <a:prstGeom prst="rect">
+            <a:avLst/>
+          </a:prstGeom>
+          <a:noFill/>
+        </p:spPr>
+        <p:txBody>
+          <a:bodyPr wrap="square" rtlCol="0">
+            <a:spAutoFit/>
+          </a:bodyPr>
+          <a:lstStyle/>
+          <a:p>
+            <a:r>
+              <a:rPr lang="en-US" dirty="0"/>
+              <a:t>*</a:t>
+            </a:r>
+          </a:p>
+        </p:txBody>
+      </p:sp>
+      <p:sp>
+        <p:nvSpPr>
+          <p:cNvPr id="3" name="TextBox 2">
+            <a:extLst>
+              <a:ext uri="{FF2B5EF4-FFF2-40B4-BE49-F238E27FC236}">
+                <a16:creationId xmlns:a16="http://schemas.microsoft.com/office/drawing/2014/main" id="{33151649-41B4-9230-8670-C92EC0D33DF7}"/>
+              </a:ext>
+            </a:extLst>
+          </p:cNvPr>
+          <p:cNvSpPr txBox="1"/>
+          <p:nvPr/>
+        </p:nvSpPr>
+        <p:spPr>
+          <a:xfrm>
+            <a:off x="2379059" y="6004479"/>
+            <a:ext cx="5678606" cy="369332"/>
+          </a:xfrm>
+          <a:prstGeom prst="rect">
+            <a:avLst/>
+          </a:prstGeom>
+          <a:noFill/>
+        </p:spPr>
+        <p:txBody>
+          <a:bodyPr wrap="none" rtlCol="0">
+            <a:spAutoFit/>
+          </a:bodyPr>
+          <a:lstStyle/>
+          <a:p>
+            <a:r>
+              <a:rPr lang="en-US" dirty="0"/>
+              <a:t>Not just seen for not normalized (reason why its not weak)</a:t>
+            </a:r>
           </a:p>
         </p:txBody>
       </p:sp>
     </p:spTree>
     <p:extLst>
       <p:ext uri="{BB962C8B-B14F-4D97-AF65-F5344CB8AC3E}">
-        <p14:creationId xmlns:p14="http://schemas.microsoft.com/office/powerpoint/2010/main" val="638429564"/>
+        <p14:creationId xmlns:p14="http://schemas.microsoft.com/office/powerpoint/2010/main" val="2854579076"/>
       </p:ext>
     </p:extLst>
   </p:cSld>
@@ -9347,53 +9276,509 @@
         </p:spPr>
         <p:txBody>
           <a:bodyPr>
-            <a:normAutofit/>
+            <a:normAutofit fontScale="90000"/>
           </a:bodyPr>
           <a:lstStyle/>
           <a:p>
             <a:r>
               <a:rPr lang="en-US" dirty="0"/>
-              <a:t>Next steps</a:t>
-            </a:r>
-          </a:p>
-        </p:txBody>
-      </p:sp>
-      <p:sp>
-        <p:nvSpPr>
-          <p:cNvPr id="3" name="Content Placeholder 2">
-            <a:extLst>
-              <a:ext uri="{FF2B5EF4-FFF2-40B4-BE49-F238E27FC236}">
-                <a16:creationId xmlns:a16="http://schemas.microsoft.com/office/drawing/2014/main" id="{B9501834-7B32-1ACA-4358-B630FB8EEC36}"/>
-              </a:ext>
-            </a:extLst>
-          </p:cNvPr>
-          <p:cNvSpPr>
-            <a:spLocks noGrp="1"/>
-          </p:cNvSpPr>
-          <p:nvPr>
-            <p:ph idx="1"/>
-          </p:nvPr>
-        </p:nvSpPr>
-        <p:spPr>
-          <a:xfrm>
-            <a:off x="838200" y="1919289"/>
-            <a:ext cx="10612120" cy="4623402"/>
-          </a:xfrm>
-        </p:spPr>
-        <p:txBody>
-          <a:bodyPr>
-            <a:normAutofit/>
+              <a:t>Additional weak conclusion 1 from myocarditis dataset: highly expanded CD8 Naïve TRA CDR3s shorter in </a:t>
+            </a:r>
+            <a:r>
+              <a:rPr lang="en-US" dirty="0" err="1"/>
+              <a:t>irAE</a:t>
+            </a:r>
+            <a:r>
+              <a:rPr lang="en-US" dirty="0"/>
+              <a:t> patients</a:t>
+            </a:r>
+          </a:p>
+        </p:txBody>
+      </p:sp>
+      <p:pic>
+        <p:nvPicPr>
+          <p:cNvPr id="18" name="Picture 17">
+            <a:extLst>
+              <a:ext uri="{FF2B5EF4-FFF2-40B4-BE49-F238E27FC236}">
+                <a16:creationId xmlns:a16="http://schemas.microsoft.com/office/drawing/2014/main" id="{D9EBC4D2-838A-5723-6665-44952CCE9F07}"/>
+              </a:ext>
+            </a:extLst>
+          </p:cNvPr>
+          <p:cNvPicPr>
+            <a:picLocks noChangeAspect="1"/>
+          </p:cNvPicPr>
+          <p:nvPr/>
+        </p:nvPicPr>
+        <p:blipFill>
+          <a:blip r:embed="rId3"/>
+          <a:stretch>
+            <a:fillRect/>
+          </a:stretch>
+        </p:blipFill>
+        <p:spPr>
+          <a:xfrm>
+            <a:off x="46483" y="2117314"/>
+            <a:ext cx="6049517" cy="3619142"/>
+          </a:xfrm>
+          <a:prstGeom prst="rect">
+            <a:avLst/>
+          </a:prstGeom>
+        </p:spPr>
+      </p:pic>
+      <p:sp>
+        <p:nvSpPr>
+          <p:cNvPr id="20" name="TextBox 19">
+            <a:extLst>
+              <a:ext uri="{FF2B5EF4-FFF2-40B4-BE49-F238E27FC236}">
+                <a16:creationId xmlns:a16="http://schemas.microsoft.com/office/drawing/2014/main" id="{CF68CEC5-9141-7449-715A-197EC4CCFF32}"/>
+              </a:ext>
+            </a:extLst>
+          </p:cNvPr>
+          <p:cNvSpPr txBox="1"/>
+          <p:nvPr/>
+        </p:nvSpPr>
+        <p:spPr>
+          <a:xfrm>
+            <a:off x="1185633" y="2712823"/>
+            <a:ext cx="539240" cy="369332"/>
+          </a:xfrm>
+          <a:prstGeom prst="rect">
+            <a:avLst/>
+          </a:prstGeom>
+          <a:noFill/>
+        </p:spPr>
+        <p:txBody>
+          <a:bodyPr wrap="square" rtlCol="0">
+            <a:spAutoFit/>
           </a:bodyPr>
           <a:lstStyle/>
           <a:p>
-            <a:endParaRPr lang="en-US" dirty="0"/>
+            <a:r>
+              <a:rPr lang="en-US" dirty="0"/>
+              <a:t>*</a:t>
+            </a:r>
+          </a:p>
+        </p:txBody>
+      </p:sp>
+      <p:sp>
+        <p:nvSpPr>
+          <p:cNvPr id="3" name="TextBox 2">
+            <a:extLst>
+              <a:ext uri="{FF2B5EF4-FFF2-40B4-BE49-F238E27FC236}">
+                <a16:creationId xmlns:a16="http://schemas.microsoft.com/office/drawing/2014/main" id="{C471D885-7CA4-4354-CDCD-374C980D5817}"/>
+              </a:ext>
+            </a:extLst>
+          </p:cNvPr>
+          <p:cNvSpPr txBox="1"/>
+          <p:nvPr/>
+        </p:nvSpPr>
+        <p:spPr>
+          <a:xfrm>
+            <a:off x="3809156" y="6478551"/>
+            <a:ext cx="4573688" cy="369332"/>
+          </a:xfrm>
+          <a:prstGeom prst="rect">
+            <a:avLst/>
+          </a:prstGeom>
+          <a:noFill/>
+        </p:spPr>
+        <p:txBody>
+          <a:bodyPr wrap="none" rtlCol="0">
+            <a:spAutoFit/>
+          </a:bodyPr>
+          <a:lstStyle/>
+          <a:p>
+            <a:r>
+              <a:rPr lang="en-US" dirty="0"/>
+              <a:t>Wilcoxon rank sum test.</a:t>
+            </a:r>
+            <a:r>
+              <a:rPr lang="en-US" dirty="0">
+                <a:latin typeface="Calibri" panose="020F0502020204030204" pitchFamily="34" charset="0"/>
+                <a:cs typeface="Times New Roman" panose="02020603050405020304" pitchFamily="18" charset="0"/>
+              </a:rPr>
+              <a:t> </a:t>
+            </a:r>
+            <a:r>
+              <a:rPr lang="en-US" sz="1800" dirty="0">
+                <a:effectLst/>
+                <a:latin typeface="Calibri" panose="020F0502020204030204" pitchFamily="34" charset="0"/>
+                <a:ea typeface="Calibri" panose="020F0502020204030204" pitchFamily="34" charset="0"/>
+                <a:cs typeface="Times New Roman" panose="02020603050405020304" pitchFamily="18" charset="0"/>
+              </a:rPr>
+              <a:t>**, p &lt;1e-2; *; p &lt;0.05</a:t>
+            </a:r>
+            <a:endParaRPr lang="en-US" b="0" i="0" u="none" strike="noStrike" dirty="0">
+              <a:solidFill>
+                <a:srgbClr val="212121"/>
+              </a:solidFill>
+              <a:effectLst/>
+              <a:latin typeface="Cambria" panose="02040503050406030204" pitchFamily="18" charset="0"/>
+            </a:endParaRPr>
+          </a:p>
+        </p:txBody>
+      </p:sp>
+      <p:sp>
+        <p:nvSpPr>
+          <p:cNvPr id="7" name="TextBox 6">
+            <a:extLst>
+              <a:ext uri="{FF2B5EF4-FFF2-40B4-BE49-F238E27FC236}">
+                <a16:creationId xmlns:a16="http://schemas.microsoft.com/office/drawing/2014/main" id="{DEFEB2C9-39C3-1343-EEA4-A5E269C06490}"/>
+              </a:ext>
+            </a:extLst>
+          </p:cNvPr>
+          <p:cNvSpPr txBox="1"/>
+          <p:nvPr/>
+        </p:nvSpPr>
+        <p:spPr>
+          <a:xfrm>
+            <a:off x="7585949" y="6800669"/>
+            <a:ext cx="3153171" cy="369332"/>
+          </a:xfrm>
+          <a:prstGeom prst="rect">
+            <a:avLst/>
+          </a:prstGeom>
+          <a:noFill/>
+        </p:spPr>
+        <p:txBody>
+          <a:bodyPr wrap="none" rtlCol="0">
+            <a:spAutoFit/>
+          </a:bodyPr>
+          <a:lstStyle/>
+          <a:p>
+            <a:r>
+              <a:rPr lang="en-US" dirty="0"/>
+              <a:t>Label wrong they’re normalized</a:t>
+            </a:r>
+          </a:p>
+        </p:txBody>
+      </p:sp>
+      <p:pic>
+        <p:nvPicPr>
+          <p:cNvPr id="9" name="Picture 8">
+            <a:extLst>
+              <a:ext uri="{FF2B5EF4-FFF2-40B4-BE49-F238E27FC236}">
+                <a16:creationId xmlns:a16="http://schemas.microsoft.com/office/drawing/2014/main" id="{D10A7F58-159E-13F7-52AC-E7624C4229D1}"/>
+              </a:ext>
+            </a:extLst>
+          </p:cNvPr>
+          <p:cNvPicPr>
+            <a:picLocks noChangeAspect="1"/>
+          </p:cNvPicPr>
+          <p:nvPr/>
+        </p:nvPicPr>
+        <p:blipFill>
+          <a:blip r:embed="rId4"/>
+          <a:stretch>
+            <a:fillRect/>
+          </a:stretch>
+        </p:blipFill>
+        <p:spPr>
+          <a:xfrm>
+            <a:off x="6096000" y="2117314"/>
+            <a:ext cx="6049517" cy="3571928"/>
+          </a:xfrm>
+          <a:prstGeom prst="rect">
+            <a:avLst/>
+          </a:prstGeom>
+        </p:spPr>
+      </p:pic>
+      <p:sp>
+        <p:nvSpPr>
+          <p:cNvPr id="10" name="TextBox 9">
+            <a:extLst>
+              <a:ext uri="{FF2B5EF4-FFF2-40B4-BE49-F238E27FC236}">
+                <a16:creationId xmlns:a16="http://schemas.microsoft.com/office/drawing/2014/main" id="{0F32C0D1-2FF8-367D-F644-723EE4559C86}"/>
+              </a:ext>
+            </a:extLst>
+          </p:cNvPr>
+          <p:cNvSpPr txBox="1"/>
+          <p:nvPr/>
+        </p:nvSpPr>
+        <p:spPr>
+          <a:xfrm>
+            <a:off x="9614655" y="2348395"/>
+            <a:ext cx="482177" cy="369332"/>
+          </a:xfrm>
+          <a:prstGeom prst="rect">
+            <a:avLst/>
+          </a:prstGeom>
+          <a:noFill/>
+        </p:spPr>
+        <p:txBody>
+          <a:bodyPr wrap="square" rtlCol="0">
+            <a:spAutoFit/>
+          </a:bodyPr>
+          <a:lstStyle/>
+          <a:p>
+            <a:r>
+              <a:rPr lang="en-US" dirty="0"/>
+              <a:t>*</a:t>
+            </a:r>
+          </a:p>
+        </p:txBody>
+      </p:sp>
+      <p:sp>
+        <p:nvSpPr>
+          <p:cNvPr id="11" name="TextBox 10">
+            <a:extLst>
+              <a:ext uri="{FF2B5EF4-FFF2-40B4-BE49-F238E27FC236}">
+                <a16:creationId xmlns:a16="http://schemas.microsoft.com/office/drawing/2014/main" id="{191000C6-9BC6-CF31-028A-ABAE600F45D2}"/>
+              </a:ext>
+            </a:extLst>
+          </p:cNvPr>
+          <p:cNvSpPr txBox="1"/>
+          <p:nvPr/>
+        </p:nvSpPr>
+        <p:spPr>
+          <a:xfrm>
+            <a:off x="10597020" y="2348498"/>
+            <a:ext cx="482177" cy="369332"/>
+          </a:xfrm>
+          <a:prstGeom prst="rect">
+            <a:avLst/>
+          </a:prstGeom>
+          <a:noFill/>
+        </p:spPr>
+        <p:txBody>
+          <a:bodyPr wrap="square" rtlCol="0">
+            <a:spAutoFit/>
+          </a:bodyPr>
+          <a:lstStyle/>
+          <a:p>
+            <a:r>
+              <a:rPr lang="en-US" dirty="0"/>
+              <a:t>*</a:t>
+            </a:r>
+          </a:p>
+        </p:txBody>
+      </p:sp>
+      <p:sp>
+        <p:nvSpPr>
+          <p:cNvPr id="13" name="Rectangle 12">
+            <a:extLst>
+              <a:ext uri="{FF2B5EF4-FFF2-40B4-BE49-F238E27FC236}">
+                <a16:creationId xmlns:a16="http://schemas.microsoft.com/office/drawing/2014/main" id="{185F69E8-772B-C388-FFFB-F72BFFF1B4F3}"/>
+              </a:ext>
+            </a:extLst>
+          </p:cNvPr>
+          <p:cNvSpPr/>
+          <p:nvPr/>
+        </p:nvSpPr>
+        <p:spPr>
+          <a:xfrm>
+            <a:off x="6839559" y="4480560"/>
+            <a:ext cx="4239638" cy="1047623"/>
+          </a:xfrm>
+          <a:prstGeom prst="rect">
+            <a:avLst/>
+          </a:prstGeom>
+          <a:ln>
+            <a:noFill/>
+          </a:ln>
+        </p:spPr>
+        <p:style>
+          <a:lnRef idx="2">
+            <a:schemeClr val="accent6"/>
+          </a:lnRef>
+          <a:fillRef idx="1">
+            <a:schemeClr val="lt1"/>
+          </a:fillRef>
+          <a:effectRef idx="0">
+            <a:schemeClr val="accent6"/>
+          </a:effectRef>
+          <a:fontRef idx="minor">
+            <a:schemeClr val="dk1"/>
+          </a:fontRef>
+        </p:style>
+        <p:txBody>
+          <a:bodyPr rtlCol="0" anchor="ctr"/>
+          <a:lstStyle/>
+          <a:p>
+            <a:pPr algn="ctr"/>
+            <a:endParaRPr lang="en-US"/>
+          </a:p>
+        </p:txBody>
+      </p:sp>
+      <p:sp>
+        <p:nvSpPr>
+          <p:cNvPr id="14" name="TextBox 13">
+            <a:extLst>
+              <a:ext uri="{FF2B5EF4-FFF2-40B4-BE49-F238E27FC236}">
+                <a16:creationId xmlns:a16="http://schemas.microsoft.com/office/drawing/2014/main" id="{9F07E524-EB2D-6AD5-97E8-064377ABA479}"/>
+              </a:ext>
+            </a:extLst>
+          </p:cNvPr>
+          <p:cNvSpPr txBox="1"/>
+          <p:nvPr/>
+        </p:nvSpPr>
+        <p:spPr>
+          <a:xfrm>
+            <a:off x="7582378" y="4560925"/>
+            <a:ext cx="430935" cy="369332"/>
+          </a:xfrm>
+          <a:prstGeom prst="rect">
+            <a:avLst/>
+          </a:prstGeom>
+          <a:noFill/>
+        </p:spPr>
+        <p:txBody>
+          <a:bodyPr wrap="square" rtlCol="0">
+            <a:spAutoFit/>
+          </a:bodyPr>
+          <a:lstStyle/>
+          <a:p>
+            <a:r>
+              <a:rPr lang="en-US" dirty="0"/>
+              <a:t>5</a:t>
+            </a:r>
+          </a:p>
+        </p:txBody>
+      </p:sp>
+      <p:sp>
+        <p:nvSpPr>
+          <p:cNvPr id="15" name="TextBox 14">
+            <a:extLst>
+              <a:ext uri="{FF2B5EF4-FFF2-40B4-BE49-F238E27FC236}">
+                <a16:creationId xmlns:a16="http://schemas.microsoft.com/office/drawing/2014/main" id="{765210A3-4992-811C-437C-AD4490405B73}"/>
+              </a:ext>
+            </a:extLst>
+          </p:cNvPr>
+          <p:cNvSpPr txBox="1"/>
+          <p:nvPr/>
+        </p:nvSpPr>
+        <p:spPr>
+          <a:xfrm>
+            <a:off x="9512175" y="4560925"/>
+            <a:ext cx="430935" cy="369332"/>
+          </a:xfrm>
+          <a:prstGeom prst="rect">
+            <a:avLst/>
+          </a:prstGeom>
+          <a:noFill/>
+        </p:spPr>
+        <p:txBody>
+          <a:bodyPr wrap="square" rtlCol="0">
+            <a:spAutoFit/>
+          </a:bodyPr>
+          <a:lstStyle/>
+          <a:p>
+            <a:r>
+              <a:rPr lang="en-US" dirty="0"/>
+              <a:t>15</a:t>
+            </a:r>
+          </a:p>
+        </p:txBody>
+      </p:sp>
+      <p:sp>
+        <p:nvSpPr>
+          <p:cNvPr id="16" name="TextBox 15">
+            <a:extLst>
+              <a:ext uri="{FF2B5EF4-FFF2-40B4-BE49-F238E27FC236}">
+                <a16:creationId xmlns:a16="http://schemas.microsoft.com/office/drawing/2014/main" id="{C205F79F-53B6-2F79-744C-3D8FC6E3E969}"/>
+              </a:ext>
+            </a:extLst>
+          </p:cNvPr>
+          <p:cNvSpPr txBox="1"/>
+          <p:nvPr/>
+        </p:nvSpPr>
+        <p:spPr>
+          <a:xfrm>
+            <a:off x="8504017" y="4560925"/>
+            <a:ext cx="430935" cy="369332"/>
+          </a:xfrm>
+          <a:prstGeom prst="rect">
+            <a:avLst/>
+          </a:prstGeom>
+          <a:noFill/>
+        </p:spPr>
+        <p:txBody>
+          <a:bodyPr wrap="square" rtlCol="0">
+            <a:spAutoFit/>
+          </a:bodyPr>
+          <a:lstStyle/>
+          <a:p>
+            <a:r>
+              <a:rPr lang="en-US" dirty="0"/>
+              <a:t>10</a:t>
+            </a:r>
+          </a:p>
+        </p:txBody>
+      </p:sp>
+      <p:sp>
+        <p:nvSpPr>
+          <p:cNvPr id="21" name="TextBox 20">
+            <a:extLst>
+              <a:ext uri="{FF2B5EF4-FFF2-40B4-BE49-F238E27FC236}">
+                <a16:creationId xmlns:a16="http://schemas.microsoft.com/office/drawing/2014/main" id="{C82B7176-399A-0D20-9E5D-DE83AE6446E7}"/>
+              </a:ext>
+            </a:extLst>
+          </p:cNvPr>
+          <p:cNvSpPr txBox="1"/>
+          <p:nvPr/>
+        </p:nvSpPr>
+        <p:spPr>
+          <a:xfrm>
+            <a:off x="10520333" y="4560925"/>
+            <a:ext cx="430935" cy="369332"/>
+          </a:xfrm>
+          <a:prstGeom prst="rect">
+            <a:avLst/>
+          </a:prstGeom>
+          <a:noFill/>
+        </p:spPr>
+        <p:txBody>
+          <a:bodyPr wrap="square" rtlCol="0">
+            <a:spAutoFit/>
+          </a:bodyPr>
+          <a:lstStyle/>
+          <a:p>
+            <a:r>
+              <a:rPr lang="en-US" dirty="0"/>
+              <a:t>20</a:t>
+            </a:r>
+          </a:p>
+        </p:txBody>
+      </p:sp>
+      <p:sp>
+        <p:nvSpPr>
+          <p:cNvPr id="12" name="TextBox 11">
+            <a:extLst>
+              <a:ext uri="{FF2B5EF4-FFF2-40B4-BE49-F238E27FC236}">
+                <a16:creationId xmlns:a16="http://schemas.microsoft.com/office/drawing/2014/main" id="{D663B4E8-5DC3-E2A0-1528-5DB5896BC659}"/>
+              </a:ext>
+            </a:extLst>
+          </p:cNvPr>
+          <p:cNvSpPr txBox="1"/>
+          <p:nvPr/>
+        </p:nvSpPr>
+        <p:spPr>
+          <a:xfrm>
+            <a:off x="7655583" y="4968733"/>
+            <a:ext cx="3013902" cy="369332"/>
+          </a:xfrm>
+          <a:prstGeom prst="rect">
+            <a:avLst/>
+          </a:prstGeom>
+          <a:noFill/>
+        </p:spPr>
+        <p:txBody>
+          <a:bodyPr wrap="none" rtlCol="0">
+            <a:spAutoFit/>
+          </a:bodyPr>
+          <a:lstStyle/>
+          <a:p>
+            <a:r>
+              <a:rPr lang="en-US" dirty="0"/>
+              <a:t>Top n clonotypes (normalized)</a:t>
+            </a:r>
           </a:p>
         </p:txBody>
       </p:sp>
     </p:spTree>
     <p:extLst>
       <p:ext uri="{BB962C8B-B14F-4D97-AF65-F5344CB8AC3E}">
-        <p14:creationId xmlns:p14="http://schemas.microsoft.com/office/powerpoint/2010/main" val="3146602281"/>
+        <p14:creationId xmlns:p14="http://schemas.microsoft.com/office/powerpoint/2010/main" val="1218855552"/>
       </p:ext>
     </p:extLst>
   </p:cSld>

--- a/linsley_postdoc/presentations/weekly_meetings/1_4_24.pptx
+++ b/linsley_postdoc/presentations/weekly_meetings/1_4_24.pptx
@@ -5,7 +5,7 @@
     <p:sldMasterId id="2147483648" r:id="rId1"/>
   </p:sldMasterIdLst>
   <p:notesMasterIdLst>
-    <p:notesMasterId r:id="rId19"/>
+    <p:notesMasterId r:id="rId20"/>
   </p:notesMasterIdLst>
   <p:sldIdLst>
     <p:sldId id="477" r:id="rId2"/>
@@ -15,16 +15,17 @@
     <p:sldId id="518" r:id="rId6"/>
     <p:sldId id="516" r:id="rId7"/>
     <p:sldId id="505" r:id="rId8"/>
-    <p:sldId id="512" r:id="rId9"/>
-    <p:sldId id="508" r:id="rId10"/>
-    <p:sldId id="509" r:id="rId11"/>
-    <p:sldId id="511" r:id="rId12"/>
-    <p:sldId id="486" r:id="rId13"/>
-    <p:sldId id="510" r:id="rId14"/>
-    <p:sldId id="507" r:id="rId15"/>
-    <p:sldId id="515" r:id="rId16"/>
-    <p:sldId id="513" r:id="rId17"/>
-    <p:sldId id="514" r:id="rId18"/>
+    <p:sldId id="519" r:id="rId9"/>
+    <p:sldId id="512" r:id="rId10"/>
+    <p:sldId id="508" r:id="rId11"/>
+    <p:sldId id="509" r:id="rId12"/>
+    <p:sldId id="511" r:id="rId13"/>
+    <p:sldId id="486" r:id="rId14"/>
+    <p:sldId id="510" r:id="rId15"/>
+    <p:sldId id="507" r:id="rId16"/>
+    <p:sldId id="515" r:id="rId17"/>
+    <p:sldId id="513" r:id="rId18"/>
+    <p:sldId id="514" r:id="rId19"/>
   </p:sldIdLst>
   <p:sldSz cx="12192000" cy="6858000"/>
   <p:notesSz cx="6858000" cy="9144000"/>
@@ -619,13 +620,36 @@
           <a:bodyPr/>
           <a:lstStyle/>
           <a:p>
-            <a:endParaRPr lang="en-US" b="0" dirty="0">
-              <a:solidFill>
-                <a:srgbClr val="CCCCCC"/>
-              </a:solidFill>
-              <a:effectLst/>
-              <a:latin typeface="Menlo" panose="020B0609030804020204" pitchFamily="49" charset="0"/>
-            </a:endParaRPr>
+            <a:r>
+              <a:rPr lang="en-US" b="0" dirty="0">
+                <a:solidFill>
+                  <a:srgbClr val="CCCCCC"/>
+                </a:solidFill>
+                <a:effectLst/>
+                <a:latin typeface="Menlo" panose="020B0609030804020204" pitchFamily="49" charset="0"/>
+              </a:rPr>
+              <a:t>No </a:t>
+            </a:r>
+            <a:r>
+              <a:rPr lang="en-US" b="0" dirty="0" err="1">
+                <a:solidFill>
+                  <a:srgbClr val="CCCCCC"/>
+                </a:solidFill>
+                <a:effectLst/>
+                <a:latin typeface="Menlo" panose="020B0609030804020204" pitchFamily="49" charset="0"/>
+              </a:rPr>
+              <a:t>pgen</a:t>
+            </a:r>
+            <a:r>
+              <a:rPr lang="en-US" b="0" dirty="0">
+                <a:solidFill>
+                  <a:srgbClr val="CCCCCC"/>
+                </a:solidFill>
+                <a:effectLst/>
+                <a:latin typeface="Menlo" panose="020B0609030804020204" pitchFamily="49" charset="0"/>
+              </a:rPr>
+              <a:t> differences (least at 15 clonotype level)</a:t>
+            </a:r>
           </a:p>
         </p:txBody>
       </p:sp>
@@ -655,7 +679,7 @@
     </p:spTree>
     <p:extLst>
       <p:ext uri="{BB962C8B-B14F-4D97-AF65-F5344CB8AC3E}">
-        <p14:creationId xmlns:p14="http://schemas.microsoft.com/office/powerpoint/2010/main" val="4098486630"/>
+        <p14:creationId xmlns:p14="http://schemas.microsoft.com/office/powerpoint/2010/main" val="2979991149"/>
       </p:ext>
     </p:extLst>
   </p:cSld>
@@ -745,7 +769,7 @@
     </p:spTree>
     <p:extLst>
       <p:ext uri="{BB962C8B-B14F-4D97-AF65-F5344CB8AC3E}">
-        <p14:creationId xmlns:p14="http://schemas.microsoft.com/office/powerpoint/2010/main" val="487863271"/>
+        <p14:creationId xmlns:p14="http://schemas.microsoft.com/office/powerpoint/2010/main" val="4098486630"/>
       </p:ext>
     </p:extLst>
   </p:cSld>
@@ -835,7 +859,7 @@
     </p:spTree>
     <p:extLst>
       <p:ext uri="{BB962C8B-B14F-4D97-AF65-F5344CB8AC3E}">
-        <p14:creationId xmlns:p14="http://schemas.microsoft.com/office/powerpoint/2010/main" val="1801458086"/>
+        <p14:creationId xmlns:p14="http://schemas.microsoft.com/office/powerpoint/2010/main" val="487863271"/>
       </p:ext>
     </p:extLst>
   </p:cSld>
@@ -925,7 +949,7 @@
     </p:spTree>
     <p:extLst>
       <p:ext uri="{BB962C8B-B14F-4D97-AF65-F5344CB8AC3E}">
-        <p14:creationId xmlns:p14="http://schemas.microsoft.com/office/powerpoint/2010/main" val="256492057"/>
+        <p14:creationId xmlns:p14="http://schemas.microsoft.com/office/powerpoint/2010/main" val="1801458086"/>
       </p:ext>
     </p:extLst>
   </p:cSld>
@@ -1015,7 +1039,7 @@
     </p:spTree>
     <p:extLst>
       <p:ext uri="{BB962C8B-B14F-4D97-AF65-F5344CB8AC3E}">
-        <p14:creationId xmlns:p14="http://schemas.microsoft.com/office/powerpoint/2010/main" val="335981907"/>
+        <p14:creationId xmlns:p14="http://schemas.microsoft.com/office/powerpoint/2010/main" val="256492057"/>
       </p:ext>
     </p:extLst>
   </p:cSld>
@@ -1105,7 +1129,7 @@
     </p:spTree>
     <p:extLst>
       <p:ext uri="{BB962C8B-B14F-4D97-AF65-F5344CB8AC3E}">
-        <p14:creationId xmlns:p14="http://schemas.microsoft.com/office/powerpoint/2010/main" val="3639552818"/>
+        <p14:creationId xmlns:p14="http://schemas.microsoft.com/office/powerpoint/2010/main" val="335981907"/>
       </p:ext>
     </p:extLst>
   </p:cSld>
@@ -1195,7 +1219,7 @@
     </p:spTree>
     <p:extLst>
       <p:ext uri="{BB962C8B-B14F-4D97-AF65-F5344CB8AC3E}">
-        <p14:creationId xmlns:p14="http://schemas.microsoft.com/office/powerpoint/2010/main" val="1610850162"/>
+        <p14:creationId xmlns:p14="http://schemas.microsoft.com/office/powerpoint/2010/main" val="3639552818"/>
       </p:ext>
     </p:extLst>
   </p:cSld>
@@ -1277,6 +1301,96 @@
             <a:fld id="{061BAA8C-FDC6-D345-B4E0-3B02449209FB}" type="slidenum">
               <a:rPr lang="en-US" smtClean="0"/>
               <a:t>17</a:t>
+            </a:fld>
+            <a:endParaRPr lang="en-US"/>
+          </a:p>
+        </p:txBody>
+      </p:sp>
+    </p:spTree>
+    <p:extLst>
+      <p:ext uri="{BB962C8B-B14F-4D97-AF65-F5344CB8AC3E}">
+        <p14:creationId xmlns:p14="http://schemas.microsoft.com/office/powerpoint/2010/main" val="1610850162"/>
+      </p:ext>
+    </p:extLst>
+  </p:cSld>
+  <p:clrMapOvr>
+    <a:masterClrMapping/>
+  </p:clrMapOvr>
+</p:notes>
+</file>
+
+<file path=ppt/notesSlides/notesSlide18.xml><?xml version="1.0" encoding="utf-8"?>
+<p:notes xmlns:a="http://schemas.openxmlformats.org/drawingml/2006/main" xmlns:r="http://schemas.openxmlformats.org/officeDocument/2006/relationships" xmlns:p="http://schemas.openxmlformats.org/presentationml/2006/main">
+  <p:cSld>
+    <p:spTree>
+      <p:nvGrpSpPr>
+        <p:cNvPr id="1" name=""/>
+        <p:cNvGrpSpPr/>
+        <p:nvPr/>
+      </p:nvGrpSpPr>
+      <p:grpSpPr>
+        <a:xfrm>
+          <a:off x="0" y="0"/>
+          <a:ext cx="0" cy="0"/>
+          <a:chOff x="0" y="0"/>
+          <a:chExt cx="0" cy="0"/>
+        </a:xfrm>
+      </p:grpSpPr>
+      <p:sp>
+        <p:nvSpPr>
+          <p:cNvPr id="2" name="Slide Image Placeholder 1"/>
+          <p:cNvSpPr>
+            <a:spLocks noGrp="1" noRot="1" noChangeAspect="1"/>
+          </p:cNvSpPr>
+          <p:nvPr>
+            <p:ph type="sldImg"/>
+          </p:nvPr>
+        </p:nvSpPr>
+        <p:spPr/>
+      </p:sp>
+      <p:sp>
+        <p:nvSpPr>
+          <p:cNvPr id="3" name="Notes Placeholder 2"/>
+          <p:cNvSpPr>
+            <a:spLocks noGrp="1"/>
+          </p:cNvSpPr>
+          <p:nvPr>
+            <p:ph type="body" idx="1"/>
+          </p:nvPr>
+        </p:nvSpPr>
+        <p:spPr/>
+        <p:txBody>
+          <a:bodyPr/>
+          <a:lstStyle/>
+          <a:p>
+            <a:endParaRPr lang="en-US" b="0" dirty="0">
+              <a:solidFill>
+                <a:srgbClr val="CCCCCC"/>
+              </a:solidFill>
+              <a:effectLst/>
+              <a:latin typeface="Menlo" panose="020B0609030804020204" pitchFamily="49" charset="0"/>
+            </a:endParaRPr>
+          </a:p>
+        </p:txBody>
+      </p:sp>
+      <p:sp>
+        <p:nvSpPr>
+          <p:cNvPr id="4" name="Slide Number Placeholder 3"/>
+          <p:cNvSpPr>
+            <a:spLocks noGrp="1"/>
+          </p:cNvSpPr>
+          <p:nvPr>
+            <p:ph type="sldNum" sz="quarter" idx="5"/>
+          </p:nvPr>
+        </p:nvSpPr>
+        <p:spPr/>
+        <p:txBody>
+          <a:bodyPr/>
+          <a:lstStyle/>
+          <a:p>
+            <a:fld id="{061BAA8C-FDC6-D345-B4E0-3B02449209FB}" type="slidenum">
+              <a:rPr lang="en-US" smtClean="0"/>
+              <a:t>18</a:t>
             </a:fld>
             <a:endParaRPr lang="en-US"/>
           </a:p>
@@ -1812,13 +1926,90 @@
           <a:bodyPr/>
           <a:lstStyle/>
           <a:p>
-            <a:endParaRPr lang="en-US" b="0" dirty="0">
-              <a:solidFill>
-                <a:srgbClr val="CCCCCC"/>
-              </a:solidFill>
-              <a:effectLst/>
-              <a:latin typeface="Menlo" panose="020B0609030804020204" pitchFamily="49" charset="0"/>
-            </a:endParaRPr>
+            <a:r>
+              <a:rPr lang="en-US" b="0" dirty="0">
+                <a:solidFill>
+                  <a:srgbClr val="CCCCCC"/>
+                </a:solidFill>
+                <a:effectLst/>
+                <a:latin typeface="Menlo" panose="020B0609030804020204" pitchFamily="49" charset="0"/>
+              </a:rPr>
+              <a:t>Caveats with summary plots as I currently have it:</a:t>
+            </a:r>
+          </a:p>
+          <a:p>
+            <a:r>
+              <a:rPr lang="en-US" b="0" dirty="0" err="1">
+                <a:solidFill>
+                  <a:srgbClr val="CCCCCC"/>
+                </a:solidFill>
+                <a:effectLst/>
+                <a:latin typeface="Menlo" panose="020B0609030804020204" pitchFamily="49" charset="0"/>
+              </a:rPr>
+              <a:t>Pval</a:t>
+            </a:r>
+            <a:r>
+              <a:rPr lang="en-US" b="0" dirty="0">
+                <a:solidFill>
+                  <a:srgbClr val="CCCCCC"/>
+                </a:solidFill>
+                <a:effectLst/>
+                <a:latin typeface="Menlo" panose="020B0609030804020204" pitchFamily="49" charset="0"/>
+              </a:rPr>
+              <a:t> not </a:t>
+            </a:r>
+            <a:r>
+              <a:rPr lang="en-US" b="0" dirty="0" err="1">
+                <a:solidFill>
+                  <a:srgbClr val="CCCCCC"/>
+                </a:solidFill>
+                <a:effectLst/>
+                <a:latin typeface="Menlo" panose="020B0609030804020204" pitchFamily="49" charset="0"/>
+              </a:rPr>
+              <a:t>padj</a:t>
+            </a:r>
+            <a:r>
+              <a:rPr lang="en-US" b="0" dirty="0">
+                <a:solidFill>
+                  <a:srgbClr val="CCCCCC"/>
+                </a:solidFill>
+                <a:effectLst/>
+                <a:latin typeface="Menlo" panose="020B0609030804020204" pitchFamily="49" charset="0"/>
+              </a:rPr>
+              <a:t>…</a:t>
+            </a:r>
+          </a:p>
+          <a:p>
+            <a:r>
+              <a:rPr lang="en-US" b="0" dirty="0">
+                <a:solidFill>
+                  <a:srgbClr val="CCCCCC"/>
+                </a:solidFill>
+                <a:effectLst/>
+                <a:latin typeface="Menlo" panose="020B0609030804020204" pitchFamily="49" charset="0"/>
+              </a:rPr>
+              <a:t>no way to know if effect is in same direction for each test (i.e. </a:t>
+            </a:r>
+            <a:r>
+              <a:rPr lang="en-US" b="0" dirty="0" err="1">
+                <a:solidFill>
+                  <a:srgbClr val="CCCCCC"/>
+                </a:solidFill>
+                <a:effectLst/>
+                <a:latin typeface="Menlo" panose="020B0609030804020204" pitchFamily="49" charset="0"/>
+              </a:rPr>
+              <a:t>pgens</a:t>
+            </a:r>
+            <a:r>
+              <a:rPr lang="en-US" b="0" dirty="0">
+                <a:solidFill>
+                  <a:srgbClr val="CCCCCC"/>
+                </a:solidFill>
+                <a:effectLst/>
+                <a:latin typeface="Menlo" panose="020B0609030804020204" pitchFamily="49" charset="0"/>
+              </a:rPr>
+              <a:t> could be lower significantly in one and higher significantly in another, and I don’t know ahead of time what the effect direction is…), although it’s unlikely for nearby top n clonotype comparisons (i.e. top 30 and top 31 likely same effect direction if both significant)</a:t>
+            </a:r>
           </a:p>
         </p:txBody>
       </p:sp>
@@ -1902,13 +2093,90 @@
           <a:bodyPr/>
           <a:lstStyle/>
           <a:p>
-            <a:endParaRPr lang="en-US" b="0" dirty="0">
-              <a:solidFill>
-                <a:srgbClr val="CCCCCC"/>
-              </a:solidFill>
-              <a:effectLst/>
-              <a:latin typeface="Menlo" panose="020B0609030804020204" pitchFamily="49" charset="0"/>
-            </a:endParaRPr>
+            <a:r>
+              <a:rPr lang="en-US" b="0" dirty="0">
+                <a:solidFill>
+                  <a:srgbClr val="CCCCCC"/>
+                </a:solidFill>
+                <a:effectLst/>
+                <a:latin typeface="Menlo" panose="020B0609030804020204" pitchFamily="49" charset="0"/>
+              </a:rPr>
+              <a:t>Caveats with summary plots as I currently have it:</a:t>
+            </a:r>
+          </a:p>
+          <a:p>
+            <a:r>
+              <a:rPr lang="en-US" b="0" dirty="0" err="1">
+                <a:solidFill>
+                  <a:srgbClr val="CCCCCC"/>
+                </a:solidFill>
+                <a:effectLst/>
+                <a:latin typeface="Menlo" panose="020B0609030804020204" pitchFamily="49" charset="0"/>
+              </a:rPr>
+              <a:t>Pval</a:t>
+            </a:r>
+            <a:r>
+              <a:rPr lang="en-US" b="0" dirty="0">
+                <a:solidFill>
+                  <a:srgbClr val="CCCCCC"/>
+                </a:solidFill>
+                <a:effectLst/>
+                <a:latin typeface="Menlo" panose="020B0609030804020204" pitchFamily="49" charset="0"/>
+              </a:rPr>
+              <a:t> not </a:t>
+            </a:r>
+            <a:r>
+              <a:rPr lang="en-US" b="0" dirty="0" err="1">
+                <a:solidFill>
+                  <a:srgbClr val="CCCCCC"/>
+                </a:solidFill>
+                <a:effectLst/>
+                <a:latin typeface="Menlo" panose="020B0609030804020204" pitchFamily="49" charset="0"/>
+              </a:rPr>
+              <a:t>padj</a:t>
+            </a:r>
+            <a:r>
+              <a:rPr lang="en-US" b="0" dirty="0">
+                <a:solidFill>
+                  <a:srgbClr val="CCCCCC"/>
+                </a:solidFill>
+                <a:effectLst/>
+                <a:latin typeface="Menlo" panose="020B0609030804020204" pitchFamily="49" charset="0"/>
+              </a:rPr>
+              <a:t>…</a:t>
+            </a:r>
+          </a:p>
+          <a:p>
+            <a:r>
+              <a:rPr lang="en-US" b="0" dirty="0">
+                <a:solidFill>
+                  <a:srgbClr val="CCCCCC"/>
+                </a:solidFill>
+                <a:effectLst/>
+                <a:latin typeface="Menlo" panose="020B0609030804020204" pitchFamily="49" charset="0"/>
+              </a:rPr>
+              <a:t>no way to know if effect is in same direction for each test (i.e. </a:t>
+            </a:r>
+            <a:r>
+              <a:rPr lang="en-US" b="0" dirty="0" err="1">
+                <a:solidFill>
+                  <a:srgbClr val="CCCCCC"/>
+                </a:solidFill>
+                <a:effectLst/>
+                <a:latin typeface="Menlo" panose="020B0609030804020204" pitchFamily="49" charset="0"/>
+              </a:rPr>
+              <a:t>pgens</a:t>
+            </a:r>
+            <a:r>
+              <a:rPr lang="en-US" b="0" dirty="0">
+                <a:solidFill>
+                  <a:srgbClr val="CCCCCC"/>
+                </a:solidFill>
+                <a:effectLst/>
+                <a:latin typeface="Menlo" panose="020B0609030804020204" pitchFamily="49" charset="0"/>
+              </a:rPr>
+              <a:t> could be lower significantly in one and higher significantly in another, and I don’t know ahead of time what the effect direction is…), although it’s unlikely for nearby top n clonotype comparisons (i.e. top 30 and top 31 likely same effect direction if both significant)</a:t>
+            </a:r>
           </a:p>
         </p:txBody>
       </p:sp>
@@ -1938,7 +2206,7 @@
     </p:spTree>
     <p:extLst>
       <p:ext uri="{BB962C8B-B14F-4D97-AF65-F5344CB8AC3E}">
-        <p14:creationId xmlns:p14="http://schemas.microsoft.com/office/powerpoint/2010/main" val="1550285497"/>
+        <p14:creationId xmlns:p14="http://schemas.microsoft.com/office/powerpoint/2010/main" val="906140516"/>
       </p:ext>
     </p:extLst>
   </p:cSld>
@@ -1992,36 +2260,13 @@
           <a:bodyPr/>
           <a:lstStyle/>
           <a:p>
-            <a:r>
-              <a:rPr lang="en-US" b="0" dirty="0">
-                <a:solidFill>
-                  <a:srgbClr val="CCCCCC"/>
-                </a:solidFill>
-                <a:effectLst/>
-                <a:latin typeface="Menlo" panose="020B0609030804020204" pitchFamily="49" charset="0"/>
-              </a:rPr>
-              <a:t>No </a:t>
-            </a:r>
-            <a:r>
-              <a:rPr lang="en-US" b="0" dirty="0" err="1">
-                <a:solidFill>
-                  <a:srgbClr val="CCCCCC"/>
-                </a:solidFill>
-                <a:effectLst/>
-                <a:latin typeface="Menlo" panose="020B0609030804020204" pitchFamily="49" charset="0"/>
-              </a:rPr>
-              <a:t>pgen</a:t>
-            </a:r>
-            <a:r>
-              <a:rPr lang="en-US" b="0" dirty="0">
-                <a:solidFill>
-                  <a:srgbClr val="CCCCCC"/>
-                </a:solidFill>
-                <a:effectLst/>
-                <a:latin typeface="Menlo" panose="020B0609030804020204" pitchFamily="49" charset="0"/>
-              </a:rPr>
-              <a:t> differences (least at 15 clonotype level)</a:t>
-            </a:r>
+            <a:endParaRPr lang="en-US" b="0" dirty="0">
+              <a:solidFill>
+                <a:srgbClr val="CCCCCC"/>
+              </a:solidFill>
+              <a:effectLst/>
+              <a:latin typeface="Menlo" panose="020B0609030804020204" pitchFamily="49" charset="0"/>
+            </a:endParaRPr>
           </a:p>
         </p:txBody>
       </p:sp>
@@ -2051,7 +2296,7 @@
     </p:spTree>
     <p:extLst>
       <p:ext uri="{BB962C8B-B14F-4D97-AF65-F5344CB8AC3E}">
-        <p14:creationId xmlns:p14="http://schemas.microsoft.com/office/powerpoint/2010/main" val="2979991149"/>
+        <p14:creationId xmlns:p14="http://schemas.microsoft.com/office/powerpoint/2010/main" val="1550285497"/>
       </p:ext>
     </p:extLst>
   </p:cSld>
@@ -5421,7 +5666,7 @@
           <a:p>
             <a:r>
               <a:rPr lang="en-US" dirty="0"/>
-              <a:t>Additional weak conclusion 2 from myocarditis dataset: highly expanded CD4 TCM TRB more germline-like in </a:t>
+              <a:t>Additional weak conclusion 1 from myocarditis dataset: highly expanded CD8 Naïve TRA CDR3s shorter in </a:t>
             </a:r>
             <a:r>
               <a:rPr lang="en-US" dirty="0" err="1"/>
@@ -5436,10 +5681,10 @@
       </p:sp>
       <p:pic>
         <p:nvPicPr>
-          <p:cNvPr id="7" name="Picture 6">
-            <a:extLst>
-              <a:ext uri="{FF2B5EF4-FFF2-40B4-BE49-F238E27FC236}">
-                <a16:creationId xmlns:a16="http://schemas.microsoft.com/office/drawing/2014/main" id="{AA13BBE1-1F2E-1C86-3DBB-44FF80ADE88A}"/>
+          <p:cNvPr id="18" name="Picture 17">
+            <a:extLst>
+              <a:ext uri="{FF2B5EF4-FFF2-40B4-BE49-F238E27FC236}">
+                <a16:creationId xmlns:a16="http://schemas.microsoft.com/office/drawing/2014/main" id="{D9EBC4D2-838A-5723-6665-44952CCE9F07}"/>
               </a:ext>
             </a:extLst>
           </p:cNvPr>
@@ -5456,8 +5701,8 @@
         </p:blipFill>
         <p:spPr>
           <a:xfrm>
-            <a:off x="140678" y="2226479"/>
-            <a:ext cx="6253551" cy="3503762"/>
+            <a:off x="46483" y="2117314"/>
+            <a:ext cx="6049517" cy="3619142"/>
           </a:xfrm>
           <a:prstGeom prst="rect">
             <a:avLst/>
@@ -5466,10 +5711,10 @@
       </p:pic>
       <p:sp>
         <p:nvSpPr>
-          <p:cNvPr id="19" name="TextBox 18">
-            <a:extLst>
-              <a:ext uri="{FF2B5EF4-FFF2-40B4-BE49-F238E27FC236}">
-                <a16:creationId xmlns:a16="http://schemas.microsoft.com/office/drawing/2014/main" id="{64FE5E85-49E4-6F65-E9DE-AD82474B127E}"/>
+          <p:cNvPr id="20" name="TextBox 19">
+            <a:extLst>
+              <a:ext uri="{FF2B5EF4-FFF2-40B4-BE49-F238E27FC236}">
+                <a16:creationId xmlns:a16="http://schemas.microsoft.com/office/drawing/2014/main" id="{CF68CEC5-9141-7449-715A-197EC4CCFF32}"/>
               </a:ext>
             </a:extLst>
           </p:cNvPr>
@@ -5478,8 +5723,8 @@
         </p:nvSpPr>
         <p:spPr>
           <a:xfrm>
-            <a:off x="1378252" y="2629306"/>
-            <a:ext cx="389588" cy="369332"/>
+            <a:off x="1185633" y="2712823"/>
+            <a:ext cx="539240" cy="369332"/>
           </a:xfrm>
           <a:prstGeom prst="rect">
             <a:avLst/>
@@ -5494,17 +5739,110 @@
           <a:p>
             <a:r>
               <a:rPr lang="en-US" dirty="0"/>
-              <a:t>* </a:t>
+              <a:t>*</a:t>
+            </a:r>
+          </a:p>
+        </p:txBody>
+      </p:sp>
+      <p:sp>
+        <p:nvSpPr>
+          <p:cNvPr id="3" name="TextBox 2">
+            <a:extLst>
+              <a:ext uri="{FF2B5EF4-FFF2-40B4-BE49-F238E27FC236}">
+                <a16:creationId xmlns:a16="http://schemas.microsoft.com/office/drawing/2014/main" id="{C471D885-7CA4-4354-CDCD-374C980D5817}"/>
+              </a:ext>
+            </a:extLst>
+          </p:cNvPr>
+          <p:cNvSpPr txBox="1"/>
+          <p:nvPr/>
+        </p:nvSpPr>
+        <p:spPr>
+          <a:xfrm>
+            <a:off x="3809156" y="6478551"/>
+            <a:ext cx="4573688" cy="369332"/>
+          </a:xfrm>
+          <a:prstGeom prst="rect">
+            <a:avLst/>
+          </a:prstGeom>
+          <a:noFill/>
+        </p:spPr>
+        <p:txBody>
+          <a:bodyPr wrap="none" rtlCol="0">
+            <a:spAutoFit/>
+          </a:bodyPr>
+          <a:lstStyle/>
+          <a:p>
+            <a:r>
+              <a:rPr lang="en-US" dirty="0"/>
+              <a:t>Wilcoxon rank sum test.</a:t>
+            </a:r>
+            <a:r>
+              <a:rPr lang="en-US" dirty="0">
+                <a:latin typeface="Calibri" panose="020F0502020204030204" pitchFamily="34" charset="0"/>
+                <a:cs typeface="Times New Roman" panose="02020603050405020304" pitchFamily="18" charset="0"/>
+              </a:rPr>
+              <a:t> </a:t>
+            </a:r>
+            <a:r>
+              <a:rPr lang="en-US" sz="1800" dirty="0">
+                <a:effectLst/>
+                <a:latin typeface="Calibri" panose="020F0502020204030204" pitchFamily="34" charset="0"/>
+                <a:ea typeface="Calibri" panose="020F0502020204030204" pitchFamily="34" charset="0"/>
+                <a:cs typeface="Times New Roman" panose="02020603050405020304" pitchFamily="18" charset="0"/>
+              </a:rPr>
+              <a:t>**, p &lt;1e-2; *; p &lt;0.05</a:t>
+            </a:r>
+            <a:endParaRPr lang="en-US" b="0" i="0" u="none" strike="noStrike" dirty="0">
+              <a:solidFill>
+                <a:srgbClr val="212121"/>
+              </a:solidFill>
+              <a:effectLst/>
+              <a:latin typeface="Cambria" panose="02040503050406030204" pitchFamily="18" charset="0"/>
+            </a:endParaRPr>
+          </a:p>
+        </p:txBody>
+      </p:sp>
+      <p:sp>
+        <p:nvSpPr>
+          <p:cNvPr id="7" name="TextBox 6">
+            <a:extLst>
+              <a:ext uri="{FF2B5EF4-FFF2-40B4-BE49-F238E27FC236}">
+                <a16:creationId xmlns:a16="http://schemas.microsoft.com/office/drawing/2014/main" id="{DEFEB2C9-39C3-1343-EEA4-A5E269C06490}"/>
+              </a:ext>
+            </a:extLst>
+          </p:cNvPr>
+          <p:cNvSpPr txBox="1"/>
+          <p:nvPr/>
+        </p:nvSpPr>
+        <p:spPr>
+          <a:xfrm>
+            <a:off x="7585949" y="6800669"/>
+            <a:ext cx="3153171" cy="369332"/>
+          </a:xfrm>
+          <a:prstGeom prst="rect">
+            <a:avLst/>
+          </a:prstGeom>
+          <a:noFill/>
+        </p:spPr>
+        <p:txBody>
+          <a:bodyPr wrap="none" rtlCol="0">
+            <a:spAutoFit/>
+          </a:bodyPr>
+          <a:lstStyle/>
+          <a:p>
+            <a:r>
+              <a:rPr lang="en-US" dirty="0"/>
+              <a:t>Label wrong they’re normalized</a:t>
             </a:r>
           </a:p>
         </p:txBody>
       </p:sp>
       <p:pic>
         <p:nvPicPr>
-          <p:cNvPr id="3" name="Picture 2">
-            <a:extLst>
-              <a:ext uri="{FF2B5EF4-FFF2-40B4-BE49-F238E27FC236}">
-                <a16:creationId xmlns:a16="http://schemas.microsoft.com/office/drawing/2014/main" id="{195B8E52-4CEC-219D-AD57-6BE9A3BEEE10}"/>
+          <p:cNvPr id="9" name="Picture 8">
+            <a:extLst>
+              <a:ext uri="{FF2B5EF4-FFF2-40B4-BE49-F238E27FC236}">
+                <a16:creationId xmlns:a16="http://schemas.microsoft.com/office/drawing/2014/main" id="{D10A7F58-159E-13F7-52AC-E7624C4229D1}"/>
               </a:ext>
             </a:extLst>
           </p:cNvPr>
@@ -5521,8 +5859,8 @@
         </p:blipFill>
         <p:spPr>
           <a:xfrm>
-            <a:off x="6220444" y="2226479"/>
-            <a:ext cx="5971556" cy="3503762"/>
+            <a:off x="6096000" y="2117314"/>
+            <a:ext cx="6049517" cy="3571928"/>
           </a:xfrm>
           <a:prstGeom prst="rect">
             <a:avLst/>
@@ -5531,10 +5869,10 @@
       </p:pic>
       <p:sp>
         <p:nvSpPr>
-          <p:cNvPr id="9" name="TextBox 8">
-            <a:extLst>
-              <a:ext uri="{FF2B5EF4-FFF2-40B4-BE49-F238E27FC236}">
-                <a16:creationId xmlns:a16="http://schemas.microsoft.com/office/drawing/2014/main" id="{43723566-79A3-1197-E932-3517E4A633BA}"/>
+          <p:cNvPr id="10" name="TextBox 9">
+            <a:extLst>
+              <a:ext uri="{FF2B5EF4-FFF2-40B4-BE49-F238E27FC236}">
+                <a16:creationId xmlns:a16="http://schemas.microsoft.com/office/drawing/2014/main" id="{0F32C0D1-2FF8-367D-F644-723EE4559C86}"/>
               </a:ext>
             </a:extLst>
           </p:cNvPr>
@@ -5543,8 +5881,8 @@
         </p:nvSpPr>
         <p:spPr>
           <a:xfrm>
-            <a:off x="7928513" y="2813972"/>
-            <a:ext cx="595809" cy="369332"/>
+            <a:off x="9614655" y="2348395"/>
+            <a:ext cx="482177" cy="369332"/>
           </a:xfrm>
           <a:prstGeom prst="rect">
             <a:avLst/>
@@ -5566,10 +5904,10 @@
       </p:sp>
       <p:sp>
         <p:nvSpPr>
-          <p:cNvPr id="4" name="TextBox 3">
-            <a:extLst>
-              <a:ext uri="{FF2B5EF4-FFF2-40B4-BE49-F238E27FC236}">
-                <a16:creationId xmlns:a16="http://schemas.microsoft.com/office/drawing/2014/main" id="{5C7870BB-AF9B-7645-3D2E-187D0204E9FA}"/>
+          <p:cNvPr id="11" name="TextBox 10">
+            <a:extLst>
+              <a:ext uri="{FF2B5EF4-FFF2-40B4-BE49-F238E27FC236}">
+                <a16:creationId xmlns:a16="http://schemas.microsoft.com/office/drawing/2014/main" id="{191000C6-9BC6-CF31-028A-ABAE600F45D2}"/>
               </a:ext>
             </a:extLst>
           </p:cNvPr>
@@ -5578,8 +5916,8 @@
         </p:nvSpPr>
         <p:spPr>
           <a:xfrm>
-            <a:off x="3483977" y="6483346"/>
-            <a:ext cx="4573688" cy="369332"/>
+            <a:off x="10597020" y="2348498"/>
+            <a:ext cx="482177" cy="369332"/>
           </a:xfrm>
           <a:prstGeom prst="rect">
             <a:avLst/>
@@ -5587,47 +5925,71 @@
           <a:noFill/>
         </p:spPr>
         <p:txBody>
-          <a:bodyPr wrap="none" rtlCol="0">
+          <a:bodyPr wrap="square" rtlCol="0">
             <a:spAutoFit/>
           </a:bodyPr>
           <a:lstStyle/>
           <a:p>
             <a:r>
               <a:rPr lang="en-US" dirty="0"/>
-              <a:t>Wilcoxon rank sum test.</a:t>
-            </a:r>
-            <a:r>
-              <a:rPr lang="en-US" dirty="0">
-                <a:latin typeface="Calibri" panose="020F0502020204030204" pitchFamily="34" charset="0"/>
-                <a:cs typeface="Times New Roman" panose="02020603050405020304" pitchFamily="18" charset="0"/>
-              </a:rPr>
-              <a:t> </a:t>
-            </a:r>
-            <a:r>
-              <a:rPr lang="en-US" sz="1800" dirty="0">
-                <a:effectLst/>
-                <a:latin typeface="Calibri" panose="020F0502020204030204" pitchFamily="34" charset="0"/>
-                <a:ea typeface="Calibri" panose="020F0502020204030204" pitchFamily="34" charset="0"/>
-                <a:cs typeface="Times New Roman" panose="02020603050405020304" pitchFamily="18" charset="0"/>
-              </a:rPr>
-              <a:t>**, p &lt;1e-2; *; p &lt;0.05</a:t>
-            </a:r>
-            <a:endParaRPr lang="en-US" b="0" i="0" u="none" strike="noStrike" dirty="0">
-              <a:solidFill>
-                <a:srgbClr val="212121"/>
-              </a:solidFill>
-              <a:effectLst/>
-              <a:latin typeface="Cambria" panose="02040503050406030204" pitchFamily="18" charset="0"/>
-            </a:endParaRPr>
-          </a:p>
-        </p:txBody>
-      </p:sp>
-      <p:sp>
-        <p:nvSpPr>
-          <p:cNvPr id="8" name="TextBox 7">
-            <a:extLst>
-              <a:ext uri="{FF2B5EF4-FFF2-40B4-BE49-F238E27FC236}">
-                <a16:creationId xmlns:a16="http://schemas.microsoft.com/office/drawing/2014/main" id="{0B293859-9A24-EB7C-04EF-1CA68F77CE57}"/>
+              <a:t>*</a:t>
+            </a:r>
+          </a:p>
+        </p:txBody>
+      </p:sp>
+      <p:sp>
+        <p:nvSpPr>
+          <p:cNvPr id="13" name="Rectangle 12">
+            <a:extLst>
+              <a:ext uri="{FF2B5EF4-FFF2-40B4-BE49-F238E27FC236}">
+                <a16:creationId xmlns:a16="http://schemas.microsoft.com/office/drawing/2014/main" id="{185F69E8-772B-C388-FFFB-F72BFFF1B4F3}"/>
+              </a:ext>
+            </a:extLst>
+          </p:cNvPr>
+          <p:cNvSpPr/>
+          <p:nvPr/>
+        </p:nvSpPr>
+        <p:spPr>
+          <a:xfrm>
+            <a:off x="6839559" y="4480560"/>
+            <a:ext cx="4239638" cy="1047623"/>
+          </a:xfrm>
+          <a:prstGeom prst="rect">
+            <a:avLst/>
+          </a:prstGeom>
+          <a:ln>
+            <a:noFill/>
+          </a:ln>
+        </p:spPr>
+        <p:style>
+          <a:lnRef idx="2">
+            <a:schemeClr val="accent6"/>
+          </a:lnRef>
+          <a:fillRef idx="1">
+            <a:schemeClr val="lt1"/>
+          </a:fillRef>
+          <a:effectRef idx="0">
+            <a:schemeClr val="accent6"/>
+          </a:effectRef>
+          <a:fontRef idx="minor">
+            <a:schemeClr val="dk1"/>
+          </a:fontRef>
+        </p:style>
+        <p:txBody>
+          <a:bodyPr rtlCol="0" anchor="ctr"/>
+          <a:lstStyle/>
+          <a:p>
+            <a:pPr algn="ctr"/>
+            <a:endParaRPr lang="en-US"/>
+          </a:p>
+        </p:txBody>
+      </p:sp>
+      <p:sp>
+        <p:nvSpPr>
+          <p:cNvPr id="14" name="TextBox 13">
+            <a:extLst>
+              <a:ext uri="{FF2B5EF4-FFF2-40B4-BE49-F238E27FC236}">
+                <a16:creationId xmlns:a16="http://schemas.microsoft.com/office/drawing/2014/main" id="{9F07E524-EB2D-6AD5-97E8-064377ABA479}"/>
               </a:ext>
             </a:extLst>
           </p:cNvPr>
@@ -5636,8 +5998,8 @@
         </p:nvSpPr>
         <p:spPr>
           <a:xfrm>
-            <a:off x="7128846" y="5653361"/>
-            <a:ext cx="4421467" cy="369332"/>
+            <a:off x="7582378" y="4560925"/>
+            <a:ext cx="430935" cy="369332"/>
           </a:xfrm>
           <a:prstGeom prst="rect">
             <a:avLst/>
@@ -5645,24 +6007,24 @@
           <a:noFill/>
         </p:spPr>
         <p:txBody>
-          <a:bodyPr wrap="none" rtlCol="0">
+          <a:bodyPr wrap="square" rtlCol="0">
             <a:spAutoFit/>
           </a:bodyPr>
           <a:lstStyle/>
           <a:p>
             <a:r>
               <a:rPr lang="en-US" dirty="0"/>
-              <a:t>Not significant for top 5, 10, or 20 clonotypes</a:t>
-            </a:r>
-          </a:p>
-        </p:txBody>
-      </p:sp>
-      <p:sp>
-        <p:nvSpPr>
-          <p:cNvPr id="14" name="TextBox 13">
-            <a:extLst>
-              <a:ext uri="{FF2B5EF4-FFF2-40B4-BE49-F238E27FC236}">
-                <a16:creationId xmlns:a16="http://schemas.microsoft.com/office/drawing/2014/main" id="{0AC0ACB9-CC5A-DCB5-43C7-ADABB9D56CB4}"/>
+              <a:t>5</a:t>
+            </a:r>
+          </a:p>
+        </p:txBody>
+      </p:sp>
+      <p:sp>
+        <p:nvSpPr>
+          <p:cNvPr id="15" name="TextBox 14">
+            <a:extLst>
+              <a:ext uri="{FF2B5EF4-FFF2-40B4-BE49-F238E27FC236}">
+                <a16:creationId xmlns:a16="http://schemas.microsoft.com/office/drawing/2014/main" id="{765210A3-4992-811C-437C-AD4490405B73}"/>
               </a:ext>
             </a:extLst>
           </p:cNvPr>
@@ -5671,8 +6033,8 @@
         </p:nvSpPr>
         <p:spPr>
           <a:xfrm>
-            <a:off x="1307970" y="5653361"/>
-            <a:ext cx="3644011" cy="369332"/>
+            <a:off x="9512175" y="4560925"/>
+            <a:ext cx="430935" cy="369332"/>
           </a:xfrm>
           <a:prstGeom prst="rect">
             <a:avLst/>
@@ -5680,6 +6042,111 @@
           <a:noFill/>
         </p:spPr>
         <p:txBody>
+          <a:bodyPr wrap="square" rtlCol="0">
+            <a:spAutoFit/>
+          </a:bodyPr>
+          <a:lstStyle/>
+          <a:p>
+            <a:r>
+              <a:rPr lang="en-US" dirty="0"/>
+              <a:t>15</a:t>
+            </a:r>
+          </a:p>
+        </p:txBody>
+      </p:sp>
+      <p:sp>
+        <p:nvSpPr>
+          <p:cNvPr id="16" name="TextBox 15">
+            <a:extLst>
+              <a:ext uri="{FF2B5EF4-FFF2-40B4-BE49-F238E27FC236}">
+                <a16:creationId xmlns:a16="http://schemas.microsoft.com/office/drawing/2014/main" id="{C205F79F-53B6-2F79-744C-3D8FC6E3E969}"/>
+              </a:ext>
+            </a:extLst>
+          </p:cNvPr>
+          <p:cNvSpPr txBox="1"/>
+          <p:nvPr/>
+        </p:nvSpPr>
+        <p:spPr>
+          <a:xfrm>
+            <a:off x="8504017" y="4560925"/>
+            <a:ext cx="430935" cy="369332"/>
+          </a:xfrm>
+          <a:prstGeom prst="rect">
+            <a:avLst/>
+          </a:prstGeom>
+          <a:noFill/>
+        </p:spPr>
+        <p:txBody>
+          <a:bodyPr wrap="square" rtlCol="0">
+            <a:spAutoFit/>
+          </a:bodyPr>
+          <a:lstStyle/>
+          <a:p>
+            <a:r>
+              <a:rPr lang="en-US" dirty="0"/>
+              <a:t>10</a:t>
+            </a:r>
+          </a:p>
+        </p:txBody>
+      </p:sp>
+      <p:sp>
+        <p:nvSpPr>
+          <p:cNvPr id="21" name="TextBox 20">
+            <a:extLst>
+              <a:ext uri="{FF2B5EF4-FFF2-40B4-BE49-F238E27FC236}">
+                <a16:creationId xmlns:a16="http://schemas.microsoft.com/office/drawing/2014/main" id="{C82B7176-399A-0D20-9E5D-DE83AE6446E7}"/>
+              </a:ext>
+            </a:extLst>
+          </p:cNvPr>
+          <p:cNvSpPr txBox="1"/>
+          <p:nvPr/>
+        </p:nvSpPr>
+        <p:spPr>
+          <a:xfrm>
+            <a:off x="10520333" y="4560925"/>
+            <a:ext cx="430935" cy="369332"/>
+          </a:xfrm>
+          <a:prstGeom prst="rect">
+            <a:avLst/>
+          </a:prstGeom>
+          <a:noFill/>
+        </p:spPr>
+        <p:txBody>
+          <a:bodyPr wrap="square" rtlCol="0">
+            <a:spAutoFit/>
+          </a:bodyPr>
+          <a:lstStyle/>
+          <a:p>
+            <a:r>
+              <a:rPr lang="en-US" dirty="0"/>
+              <a:t>20</a:t>
+            </a:r>
+          </a:p>
+        </p:txBody>
+      </p:sp>
+      <p:sp>
+        <p:nvSpPr>
+          <p:cNvPr id="12" name="TextBox 11">
+            <a:extLst>
+              <a:ext uri="{FF2B5EF4-FFF2-40B4-BE49-F238E27FC236}">
+                <a16:creationId xmlns:a16="http://schemas.microsoft.com/office/drawing/2014/main" id="{D663B4E8-5DC3-E2A0-1528-5DB5896BC659}"/>
+              </a:ext>
+            </a:extLst>
+          </p:cNvPr>
+          <p:cNvSpPr txBox="1"/>
+          <p:nvPr/>
+        </p:nvSpPr>
+        <p:spPr>
+          <a:xfrm>
+            <a:off x="7655583" y="4968733"/>
+            <a:ext cx="3013902" cy="369332"/>
+          </a:xfrm>
+          <a:prstGeom prst="rect">
+            <a:avLst/>
+          </a:prstGeom>
+          <a:noFill/>
+        </p:spPr>
+        <p:txBody>
           <a:bodyPr wrap="none" rtlCol="0">
             <a:spAutoFit/>
           </a:bodyPr>
@@ -5687,7 +6154,7 @@
           <a:p>
             <a:r>
               <a:rPr lang="en-US" dirty="0"/>
-              <a:t>Also significant for top 20 clonotypes</a:t>
+              <a:t>Top n clonotypes (normalized)</a:t>
             </a:r>
           </a:p>
         </p:txBody>
@@ -5695,7 +6162,7 @@
     </p:spTree>
     <p:extLst>
       <p:ext uri="{BB962C8B-B14F-4D97-AF65-F5344CB8AC3E}">
-        <p14:creationId xmlns:p14="http://schemas.microsoft.com/office/powerpoint/2010/main" val="3617837239"/>
+        <p14:creationId xmlns:p14="http://schemas.microsoft.com/office/powerpoint/2010/main" val="1218855552"/>
       </p:ext>
     </p:extLst>
   </p:cSld>
@@ -5746,13 +6213,13 @@
         </p:spPr>
         <p:txBody>
           <a:bodyPr>
-            <a:normAutofit/>
+            <a:normAutofit fontScale="90000"/>
           </a:bodyPr>
           <a:lstStyle/>
           <a:p>
             <a:r>
               <a:rPr lang="en-US" dirty="0"/>
-              <a:t>Additional weak conclusion 3 from myocarditis dataset: public Treg TRAs less germline-like in </a:t>
+              <a:t>Additional weak conclusion 2 from myocarditis dataset: highly expanded CD4 TCM TRB more germline-like in </a:t>
             </a:r>
             <a:r>
               <a:rPr lang="en-US" dirty="0" err="1"/>
@@ -5767,10 +6234,10 @@
       </p:sp>
       <p:pic>
         <p:nvPicPr>
-          <p:cNvPr id="13" name="Picture 12">
-            <a:extLst>
-              <a:ext uri="{FF2B5EF4-FFF2-40B4-BE49-F238E27FC236}">
-                <a16:creationId xmlns:a16="http://schemas.microsoft.com/office/drawing/2014/main" id="{5A080777-538D-D95B-1DB0-551EA30800B6}"/>
+          <p:cNvPr id="7" name="Picture 6">
+            <a:extLst>
+              <a:ext uri="{FF2B5EF4-FFF2-40B4-BE49-F238E27FC236}">
+                <a16:creationId xmlns:a16="http://schemas.microsoft.com/office/drawing/2014/main" id="{AA13BBE1-1F2E-1C86-3DBB-44FF80ADE88A}"/>
               </a:ext>
             </a:extLst>
           </p:cNvPr>
@@ -5787,8 +6254,8 @@
         </p:blipFill>
         <p:spPr>
           <a:xfrm>
-            <a:off x="54689" y="1944688"/>
-            <a:ext cx="6791145" cy="3979037"/>
+            <a:off x="140678" y="2226479"/>
+            <a:ext cx="6253551" cy="3503762"/>
           </a:xfrm>
           <a:prstGeom prst="rect">
             <a:avLst/>
@@ -5797,10 +6264,10 @@
       </p:pic>
       <p:sp>
         <p:nvSpPr>
-          <p:cNvPr id="14" name="TextBox 13">
-            <a:extLst>
-              <a:ext uri="{FF2B5EF4-FFF2-40B4-BE49-F238E27FC236}">
-                <a16:creationId xmlns:a16="http://schemas.microsoft.com/office/drawing/2014/main" id="{DB0972C3-3D9C-7A5F-1DB1-05D124E8546C}"/>
+          <p:cNvPr id="19" name="TextBox 18">
+            <a:extLst>
+              <a:ext uri="{FF2B5EF4-FFF2-40B4-BE49-F238E27FC236}">
+                <a16:creationId xmlns:a16="http://schemas.microsoft.com/office/drawing/2014/main" id="{64FE5E85-49E4-6F65-E9DE-AD82474B127E}"/>
               </a:ext>
             </a:extLst>
           </p:cNvPr>
@@ -5809,8 +6276,8 @@
         </p:nvSpPr>
         <p:spPr>
           <a:xfrm>
-            <a:off x="3846800" y="2478909"/>
-            <a:ext cx="674399" cy="369332"/>
+            <a:off x="1378252" y="2629306"/>
+            <a:ext cx="389588" cy="369332"/>
           </a:xfrm>
           <a:prstGeom prst="rect">
             <a:avLst/>
@@ -5825,17 +6292,17 @@
           <a:p>
             <a:r>
               <a:rPr lang="en-US" dirty="0"/>
-              <a:t>*</a:t>
+              <a:t>* </a:t>
             </a:r>
           </a:p>
         </p:txBody>
       </p:sp>
       <p:pic>
         <p:nvPicPr>
-          <p:cNvPr id="15" name="Picture 14">
-            <a:extLst>
-              <a:ext uri="{FF2B5EF4-FFF2-40B4-BE49-F238E27FC236}">
-                <a16:creationId xmlns:a16="http://schemas.microsoft.com/office/drawing/2014/main" id="{89CFB0E3-CA3E-CB57-4C59-ADF959DE7B3F}"/>
+          <p:cNvPr id="3" name="Picture 2">
+            <a:extLst>
+              <a:ext uri="{FF2B5EF4-FFF2-40B4-BE49-F238E27FC236}">
+                <a16:creationId xmlns:a16="http://schemas.microsoft.com/office/drawing/2014/main" id="{195B8E52-4CEC-219D-AD57-6BE9A3BEEE10}"/>
               </a:ext>
             </a:extLst>
           </p:cNvPr>
@@ -5852,8 +6319,8 @@
         </p:blipFill>
         <p:spPr>
           <a:xfrm>
-            <a:off x="6185472" y="1944688"/>
-            <a:ext cx="6034860" cy="3553477"/>
+            <a:off x="6220444" y="2226479"/>
+            <a:ext cx="5971556" cy="3503762"/>
           </a:xfrm>
           <a:prstGeom prst="rect">
             <a:avLst/>
@@ -5862,10 +6329,45 @@
       </p:pic>
       <p:sp>
         <p:nvSpPr>
-          <p:cNvPr id="3" name="TextBox 2">
-            <a:extLst>
-              <a:ext uri="{FF2B5EF4-FFF2-40B4-BE49-F238E27FC236}">
-                <a16:creationId xmlns:a16="http://schemas.microsoft.com/office/drawing/2014/main" id="{0ACF6FA3-AA2F-D5BE-CE32-768201ABADDA}"/>
+          <p:cNvPr id="9" name="TextBox 8">
+            <a:extLst>
+              <a:ext uri="{FF2B5EF4-FFF2-40B4-BE49-F238E27FC236}">
+                <a16:creationId xmlns:a16="http://schemas.microsoft.com/office/drawing/2014/main" id="{43723566-79A3-1197-E932-3517E4A633BA}"/>
+              </a:ext>
+            </a:extLst>
+          </p:cNvPr>
+          <p:cNvSpPr txBox="1"/>
+          <p:nvPr/>
+        </p:nvSpPr>
+        <p:spPr>
+          <a:xfrm>
+            <a:off x="7928513" y="2813972"/>
+            <a:ext cx="595809" cy="369332"/>
+          </a:xfrm>
+          <a:prstGeom prst="rect">
+            <a:avLst/>
+          </a:prstGeom>
+          <a:noFill/>
+        </p:spPr>
+        <p:txBody>
+          <a:bodyPr wrap="square" rtlCol="0">
+            <a:spAutoFit/>
+          </a:bodyPr>
+          <a:lstStyle/>
+          <a:p>
+            <a:r>
+              <a:rPr lang="en-US" dirty="0"/>
+              <a:t>*</a:t>
+            </a:r>
+          </a:p>
+        </p:txBody>
+      </p:sp>
+      <p:sp>
+        <p:nvSpPr>
+          <p:cNvPr id="4" name="TextBox 3">
+            <a:extLst>
+              <a:ext uri="{FF2B5EF4-FFF2-40B4-BE49-F238E27FC236}">
+                <a16:creationId xmlns:a16="http://schemas.microsoft.com/office/drawing/2014/main" id="{5C7870BB-AF9B-7645-3D2E-187D0204E9FA}"/>
               </a:ext>
             </a:extLst>
           </p:cNvPr>
@@ -5918,10 +6420,80 @@
           </a:p>
         </p:txBody>
       </p:sp>
+      <p:sp>
+        <p:nvSpPr>
+          <p:cNvPr id="8" name="TextBox 7">
+            <a:extLst>
+              <a:ext uri="{FF2B5EF4-FFF2-40B4-BE49-F238E27FC236}">
+                <a16:creationId xmlns:a16="http://schemas.microsoft.com/office/drawing/2014/main" id="{0B293859-9A24-EB7C-04EF-1CA68F77CE57}"/>
+              </a:ext>
+            </a:extLst>
+          </p:cNvPr>
+          <p:cNvSpPr txBox="1"/>
+          <p:nvPr/>
+        </p:nvSpPr>
+        <p:spPr>
+          <a:xfrm>
+            <a:off x="7128846" y="5653361"/>
+            <a:ext cx="4421467" cy="369332"/>
+          </a:xfrm>
+          <a:prstGeom prst="rect">
+            <a:avLst/>
+          </a:prstGeom>
+          <a:noFill/>
+        </p:spPr>
+        <p:txBody>
+          <a:bodyPr wrap="none" rtlCol="0">
+            <a:spAutoFit/>
+          </a:bodyPr>
+          <a:lstStyle/>
+          <a:p>
+            <a:r>
+              <a:rPr lang="en-US" dirty="0"/>
+              <a:t>Not significant for top 5, 10, or 20 clonotypes</a:t>
+            </a:r>
+          </a:p>
+        </p:txBody>
+      </p:sp>
+      <p:sp>
+        <p:nvSpPr>
+          <p:cNvPr id="14" name="TextBox 13">
+            <a:extLst>
+              <a:ext uri="{FF2B5EF4-FFF2-40B4-BE49-F238E27FC236}">
+                <a16:creationId xmlns:a16="http://schemas.microsoft.com/office/drawing/2014/main" id="{0AC0ACB9-CC5A-DCB5-43C7-ADABB9D56CB4}"/>
+              </a:ext>
+            </a:extLst>
+          </p:cNvPr>
+          <p:cNvSpPr txBox="1"/>
+          <p:nvPr/>
+        </p:nvSpPr>
+        <p:spPr>
+          <a:xfrm>
+            <a:off x="1307970" y="5653361"/>
+            <a:ext cx="3644011" cy="369332"/>
+          </a:xfrm>
+          <a:prstGeom prst="rect">
+            <a:avLst/>
+          </a:prstGeom>
+          <a:noFill/>
+        </p:spPr>
+        <p:txBody>
+          <a:bodyPr wrap="none" rtlCol="0">
+            <a:spAutoFit/>
+          </a:bodyPr>
+          <a:lstStyle/>
+          <a:p>
+            <a:r>
+              <a:rPr lang="en-US" dirty="0"/>
+              <a:t>Also significant for top 20 clonotypes</a:t>
+            </a:r>
+          </a:p>
+        </p:txBody>
+      </p:sp>
     </p:spTree>
     <p:extLst>
       <p:ext uri="{BB962C8B-B14F-4D97-AF65-F5344CB8AC3E}">
-        <p14:creationId xmlns:p14="http://schemas.microsoft.com/office/powerpoint/2010/main" val="1430622526"/>
+        <p14:creationId xmlns:p14="http://schemas.microsoft.com/office/powerpoint/2010/main" val="3617837239"/>
       </p:ext>
     </p:extLst>
   </p:cSld>
@@ -5972,13 +6544,13 @@
         </p:spPr>
         <p:txBody>
           <a:bodyPr>
-            <a:normAutofit fontScale="90000"/>
+            <a:normAutofit/>
           </a:bodyPr>
           <a:lstStyle/>
           <a:p>
             <a:r>
               <a:rPr lang="en-US" dirty="0"/>
-              <a:t>Additional super weak conclusion 1 from myocarditis dataset: highly expanded CD8 Naïve TRBs less germline-like in </a:t>
+              <a:t>Additional weak conclusion 3 from myocarditis dataset: public Treg TRAs less germline-like in </a:t>
             </a:r>
             <a:r>
               <a:rPr lang="en-US" dirty="0" err="1"/>
@@ -5993,10 +6565,10 @@
       </p:sp>
       <p:pic>
         <p:nvPicPr>
-          <p:cNvPr id="21" name="Picture 20">
-            <a:extLst>
-              <a:ext uri="{FF2B5EF4-FFF2-40B4-BE49-F238E27FC236}">
-                <a16:creationId xmlns:a16="http://schemas.microsoft.com/office/drawing/2014/main" id="{8ED9DADA-4E48-4BA5-2B94-7B3234667549}"/>
+          <p:cNvPr id="13" name="Picture 12">
+            <a:extLst>
+              <a:ext uri="{FF2B5EF4-FFF2-40B4-BE49-F238E27FC236}">
+                <a16:creationId xmlns:a16="http://schemas.microsoft.com/office/drawing/2014/main" id="{5A080777-538D-D95B-1DB0-551EA30800B6}"/>
               </a:ext>
             </a:extLst>
           </p:cNvPr>
@@ -6013,8 +6585,8 @@
         </p:blipFill>
         <p:spPr>
           <a:xfrm>
-            <a:off x="211423" y="2104276"/>
-            <a:ext cx="6124440" cy="3523293"/>
+            <a:off x="54689" y="1944688"/>
+            <a:ext cx="6791145" cy="3979037"/>
           </a:xfrm>
           <a:prstGeom prst="rect">
             <a:avLst/>
@@ -6023,10 +6595,10 @@
       </p:pic>
       <p:sp>
         <p:nvSpPr>
-          <p:cNvPr id="22" name="TextBox 21">
-            <a:extLst>
-              <a:ext uri="{FF2B5EF4-FFF2-40B4-BE49-F238E27FC236}">
-                <a16:creationId xmlns:a16="http://schemas.microsoft.com/office/drawing/2014/main" id="{FB933261-9B70-5795-4D85-5E2FBB60D324}"/>
+          <p:cNvPr id="14" name="TextBox 13">
+            <a:extLst>
+              <a:ext uri="{FF2B5EF4-FFF2-40B4-BE49-F238E27FC236}">
+                <a16:creationId xmlns:a16="http://schemas.microsoft.com/office/drawing/2014/main" id="{DB0972C3-3D9C-7A5F-1DB1-05D124E8546C}"/>
               </a:ext>
             </a:extLst>
           </p:cNvPr>
@@ -6035,8 +6607,8 @@
         </p:nvSpPr>
         <p:spPr>
           <a:xfrm>
-            <a:off x="1934725" y="2528037"/>
-            <a:ext cx="415498" cy="369332"/>
+            <a:off x="3846800" y="2478909"/>
+            <a:ext cx="674399" cy="369332"/>
           </a:xfrm>
           <a:prstGeom prst="rect">
             <a:avLst/>
@@ -6044,24 +6616,24 @@
           <a:noFill/>
         </p:spPr>
         <p:txBody>
-          <a:bodyPr wrap="none" rtlCol="0">
+          <a:bodyPr wrap="square" rtlCol="0">
             <a:spAutoFit/>
           </a:bodyPr>
           <a:lstStyle/>
           <a:p>
             <a:r>
               <a:rPr lang="en-US" dirty="0"/>
-              <a:t>**</a:t>
+              <a:t>*</a:t>
             </a:r>
           </a:p>
         </p:txBody>
       </p:sp>
       <p:pic>
         <p:nvPicPr>
-          <p:cNvPr id="24" name="Picture 23">
-            <a:extLst>
-              <a:ext uri="{FF2B5EF4-FFF2-40B4-BE49-F238E27FC236}">
-                <a16:creationId xmlns:a16="http://schemas.microsoft.com/office/drawing/2014/main" id="{6195BBD5-08DD-16AD-FAB1-129B3A23552C}"/>
+          <p:cNvPr id="15" name="Picture 14">
+            <a:extLst>
+              <a:ext uri="{FF2B5EF4-FFF2-40B4-BE49-F238E27FC236}">
+                <a16:creationId xmlns:a16="http://schemas.microsoft.com/office/drawing/2014/main" id="{89CFB0E3-CA3E-CB57-4C59-ADF959DE7B3F}"/>
               </a:ext>
             </a:extLst>
           </p:cNvPr>
@@ -6078,8 +6650,8 @@
         </p:blipFill>
         <p:spPr>
           <a:xfrm>
-            <a:off x="5877207" y="2213884"/>
-            <a:ext cx="6330513" cy="3598673"/>
+            <a:off x="6185472" y="1944688"/>
+            <a:ext cx="6034860" cy="3553477"/>
           </a:xfrm>
           <a:prstGeom prst="rect">
             <a:avLst/>
@@ -6091,7 +6663,7 @@
           <p:cNvPr id="3" name="TextBox 2">
             <a:extLst>
               <a:ext uri="{FF2B5EF4-FFF2-40B4-BE49-F238E27FC236}">
-                <a16:creationId xmlns:a16="http://schemas.microsoft.com/office/drawing/2014/main" id="{B710E3F1-65C1-846E-8D4A-82F1005D4DA6}"/>
+                <a16:creationId xmlns:a16="http://schemas.microsoft.com/office/drawing/2014/main" id="{0ACF6FA3-AA2F-D5BE-CE32-768201ABADDA}"/>
               </a:ext>
             </a:extLst>
           </p:cNvPr>
@@ -6144,45 +6716,10 @@
           </a:p>
         </p:txBody>
       </p:sp>
-      <p:sp>
-        <p:nvSpPr>
-          <p:cNvPr id="4" name="TextBox 3">
-            <a:extLst>
-              <a:ext uri="{FF2B5EF4-FFF2-40B4-BE49-F238E27FC236}">
-                <a16:creationId xmlns:a16="http://schemas.microsoft.com/office/drawing/2014/main" id="{39C33379-B800-6813-2835-ABC582A1A4BC}"/>
-              </a:ext>
-            </a:extLst>
-          </p:cNvPr>
-          <p:cNvSpPr txBox="1"/>
-          <p:nvPr/>
-        </p:nvSpPr>
-        <p:spPr>
-          <a:xfrm>
-            <a:off x="1190348" y="5501459"/>
-            <a:ext cx="4166590" cy="369332"/>
-          </a:xfrm>
-          <a:prstGeom prst="rect">
-            <a:avLst/>
-          </a:prstGeom>
-          <a:noFill/>
-        </p:spPr>
-        <p:txBody>
-          <a:bodyPr wrap="none" rtlCol="0">
-            <a:spAutoFit/>
-          </a:bodyPr>
-          <a:lstStyle/>
-          <a:p>
-            <a:r>
-              <a:rPr lang="en-US" dirty="0"/>
-              <a:t>Not significant for top 5, 10, 20 clonotypes</a:t>
-            </a:r>
-          </a:p>
-        </p:txBody>
-      </p:sp>
     </p:spTree>
     <p:extLst>
       <p:ext uri="{BB962C8B-B14F-4D97-AF65-F5344CB8AC3E}">
-        <p14:creationId xmlns:p14="http://schemas.microsoft.com/office/powerpoint/2010/main" val="83269482"/>
+        <p14:creationId xmlns:p14="http://schemas.microsoft.com/office/powerpoint/2010/main" val="1430622526"/>
       </p:ext>
     </p:extLst>
   </p:cSld>
@@ -6239,7 +6776,7 @@
           <a:p>
             <a:r>
               <a:rPr lang="en-US" dirty="0"/>
-              <a:t>Additional super weak conclusion 2 from myocarditis dataset: highly expanded CD4 TEM TRAs less germline-like in </a:t>
+              <a:t>Additional super weak conclusion 1 from myocarditis dataset: highly expanded CD8 Naïve TRBs less germline-like in </a:t>
             </a:r>
             <a:r>
               <a:rPr lang="en-US" dirty="0" err="1"/>
@@ -6254,10 +6791,10 @@
       </p:sp>
       <p:pic>
         <p:nvPicPr>
-          <p:cNvPr id="10" name="Picture 9">
-            <a:extLst>
-              <a:ext uri="{FF2B5EF4-FFF2-40B4-BE49-F238E27FC236}">
-                <a16:creationId xmlns:a16="http://schemas.microsoft.com/office/drawing/2014/main" id="{53EEA28D-131A-ED5F-D1B8-B8A5BBBE9C67}"/>
+          <p:cNvPr id="21" name="Picture 20">
+            <a:extLst>
+              <a:ext uri="{FF2B5EF4-FFF2-40B4-BE49-F238E27FC236}">
+                <a16:creationId xmlns:a16="http://schemas.microsoft.com/office/drawing/2014/main" id="{8ED9DADA-4E48-4BA5-2B94-7B3234667549}"/>
               </a:ext>
             </a:extLst>
           </p:cNvPr>
@@ -6274,8 +6811,8 @@
         </p:blipFill>
         <p:spPr>
           <a:xfrm>
-            <a:off x="0" y="2482411"/>
-            <a:ext cx="6271793" cy="3673738"/>
+            <a:off x="211423" y="2104276"/>
+            <a:ext cx="6124440" cy="3523293"/>
           </a:xfrm>
           <a:prstGeom prst="rect">
             <a:avLst/>
@@ -6284,10 +6821,10 @@
       </p:pic>
       <p:sp>
         <p:nvSpPr>
-          <p:cNvPr id="11" name="TextBox 10">
-            <a:extLst>
-              <a:ext uri="{FF2B5EF4-FFF2-40B4-BE49-F238E27FC236}">
-                <a16:creationId xmlns:a16="http://schemas.microsoft.com/office/drawing/2014/main" id="{F3A11341-32FE-0A8A-0B5E-40D7CFBF2A67}"/>
+          <p:cNvPr id="22" name="TextBox 21">
+            <a:extLst>
+              <a:ext uri="{FF2B5EF4-FFF2-40B4-BE49-F238E27FC236}">
+                <a16:creationId xmlns:a16="http://schemas.microsoft.com/office/drawing/2014/main" id="{FB933261-9B70-5795-4D85-5E2FBB60D324}"/>
               </a:ext>
             </a:extLst>
           </p:cNvPr>
@@ -6296,8 +6833,8 @@
         </p:nvSpPr>
         <p:spPr>
           <a:xfrm>
-            <a:off x="1795504" y="2900103"/>
-            <a:ext cx="683535" cy="369332"/>
+            <a:off x="1934725" y="2528037"/>
+            <a:ext cx="415498" cy="369332"/>
           </a:xfrm>
           <a:prstGeom prst="rect">
             <a:avLst/>
@@ -6305,24 +6842,24 @@
           <a:noFill/>
         </p:spPr>
         <p:txBody>
-          <a:bodyPr wrap="square" rtlCol="0">
+          <a:bodyPr wrap="none" rtlCol="0">
             <a:spAutoFit/>
           </a:bodyPr>
           <a:lstStyle/>
           <a:p>
             <a:r>
               <a:rPr lang="en-US" dirty="0"/>
-              <a:t>*</a:t>
+              <a:t>**</a:t>
             </a:r>
           </a:p>
         </p:txBody>
       </p:sp>
       <p:pic>
         <p:nvPicPr>
-          <p:cNvPr id="12" name="Picture 11">
-            <a:extLst>
-              <a:ext uri="{FF2B5EF4-FFF2-40B4-BE49-F238E27FC236}">
-                <a16:creationId xmlns:a16="http://schemas.microsoft.com/office/drawing/2014/main" id="{A6C5CDB3-6B3B-21B9-0146-C46995AE0150}"/>
+          <p:cNvPr id="24" name="Picture 23">
+            <a:extLst>
+              <a:ext uri="{FF2B5EF4-FFF2-40B4-BE49-F238E27FC236}">
+                <a16:creationId xmlns:a16="http://schemas.microsoft.com/office/drawing/2014/main" id="{6195BBD5-08DD-16AD-FAB1-129B3A23552C}"/>
               </a:ext>
             </a:extLst>
           </p:cNvPr>
@@ -6339,8 +6876,8 @@
         </p:blipFill>
         <p:spPr>
           <a:xfrm>
-            <a:off x="6690583" y="2295413"/>
-            <a:ext cx="5501417" cy="3211093"/>
+            <a:off x="5877207" y="2213884"/>
+            <a:ext cx="6330513" cy="3598673"/>
           </a:xfrm>
           <a:prstGeom prst="rect">
             <a:avLst/>
@@ -6352,7 +6889,7 @@
           <p:cNvPr id="3" name="TextBox 2">
             <a:extLst>
               <a:ext uri="{FF2B5EF4-FFF2-40B4-BE49-F238E27FC236}">
-                <a16:creationId xmlns:a16="http://schemas.microsoft.com/office/drawing/2014/main" id="{DAB45A85-3D1D-DEC2-E20D-C0D63B7818CA}"/>
+                <a16:creationId xmlns:a16="http://schemas.microsoft.com/office/drawing/2014/main" id="{B710E3F1-65C1-846E-8D4A-82F1005D4DA6}"/>
               </a:ext>
             </a:extLst>
           </p:cNvPr>
@@ -6407,10 +6944,10 @@
       </p:sp>
       <p:sp>
         <p:nvSpPr>
-          <p:cNvPr id="6" name="TextBox 5">
-            <a:extLst>
-              <a:ext uri="{FF2B5EF4-FFF2-40B4-BE49-F238E27FC236}">
-                <a16:creationId xmlns:a16="http://schemas.microsoft.com/office/drawing/2014/main" id="{E7F0355D-6A5F-783C-3EDF-05DB6E4DD773}"/>
+          <p:cNvPr id="4" name="TextBox 3">
+            <a:extLst>
+              <a:ext uri="{FF2B5EF4-FFF2-40B4-BE49-F238E27FC236}">
+                <a16:creationId xmlns:a16="http://schemas.microsoft.com/office/drawing/2014/main" id="{39C33379-B800-6813-2835-ABC582A1A4BC}"/>
               </a:ext>
             </a:extLst>
           </p:cNvPr>
@@ -6419,7 +6956,7 @@
         </p:nvSpPr>
         <p:spPr>
           <a:xfrm>
-            <a:off x="1052601" y="5950416"/>
+            <a:off x="1190348" y="5501459"/>
             <a:ext cx="4166590" cy="369332"/>
           </a:xfrm>
           <a:prstGeom prst="rect">
@@ -6443,7 +6980,7 @@
     </p:spTree>
     <p:extLst>
       <p:ext uri="{BB962C8B-B14F-4D97-AF65-F5344CB8AC3E}">
-        <p14:creationId xmlns:p14="http://schemas.microsoft.com/office/powerpoint/2010/main" val="3284446982"/>
+        <p14:creationId xmlns:p14="http://schemas.microsoft.com/office/powerpoint/2010/main" val="83269482"/>
       </p:ext>
     </p:extLst>
   </p:cSld>
@@ -6500,7 +7037,7 @@
           <a:p>
             <a:r>
               <a:rPr lang="en-US" dirty="0"/>
-              <a:t>Additional super weak conclusion 3 from myocarditis dataset: highly expanded CD4 TCM TRAs less germline-like in </a:t>
+              <a:t>Additional super weak conclusion 2 from myocarditis dataset: highly expanded CD4 TEM TRAs less germline-like in </a:t>
             </a:r>
             <a:r>
               <a:rPr lang="en-US" dirty="0" err="1"/>
@@ -6515,10 +7052,10 @@
       </p:sp>
       <p:pic>
         <p:nvPicPr>
-          <p:cNvPr id="4" name="Picture 3">
-            <a:extLst>
-              <a:ext uri="{FF2B5EF4-FFF2-40B4-BE49-F238E27FC236}">
-                <a16:creationId xmlns:a16="http://schemas.microsoft.com/office/drawing/2014/main" id="{CB0345FA-A8C3-8FB2-F846-0BE892530310}"/>
+          <p:cNvPr id="10" name="Picture 9">
+            <a:extLst>
+              <a:ext uri="{FF2B5EF4-FFF2-40B4-BE49-F238E27FC236}">
+                <a16:creationId xmlns:a16="http://schemas.microsoft.com/office/drawing/2014/main" id="{53EEA28D-131A-ED5F-D1B8-B8A5BBBE9C67}"/>
               </a:ext>
             </a:extLst>
           </p:cNvPr>
@@ -6535,8 +7072,8 @@
         </p:blipFill>
         <p:spPr>
           <a:xfrm>
-            <a:off x="0" y="2482197"/>
-            <a:ext cx="5357431" cy="3015978"/>
+            <a:off x="0" y="2482411"/>
+            <a:ext cx="6271793" cy="3673738"/>
           </a:xfrm>
           <a:prstGeom prst="rect">
             <a:avLst/>
@@ -6545,10 +7082,10 @@
       </p:pic>
       <p:sp>
         <p:nvSpPr>
-          <p:cNvPr id="5" name="TextBox 4">
-            <a:extLst>
-              <a:ext uri="{FF2B5EF4-FFF2-40B4-BE49-F238E27FC236}">
-                <a16:creationId xmlns:a16="http://schemas.microsoft.com/office/drawing/2014/main" id="{4FC1DBAB-4112-92CC-8453-666F98679938}"/>
+          <p:cNvPr id="11" name="TextBox 10">
+            <a:extLst>
+              <a:ext uri="{FF2B5EF4-FFF2-40B4-BE49-F238E27FC236}">
+                <a16:creationId xmlns:a16="http://schemas.microsoft.com/office/drawing/2014/main" id="{F3A11341-32FE-0A8A-0B5E-40D7CFBF2A67}"/>
               </a:ext>
             </a:extLst>
           </p:cNvPr>
@@ -6557,8 +7094,8 @@
         </p:nvSpPr>
         <p:spPr>
           <a:xfrm>
-            <a:off x="1493520" y="2651728"/>
-            <a:ext cx="300082" cy="369332"/>
+            <a:off x="1795504" y="2900103"/>
+            <a:ext cx="683535" cy="369332"/>
           </a:xfrm>
           <a:prstGeom prst="rect">
             <a:avLst/>
@@ -6566,7 +7103,7 @@
           <a:noFill/>
         </p:spPr>
         <p:txBody>
-          <a:bodyPr wrap="none" rtlCol="0">
+          <a:bodyPr wrap="square" rtlCol="0">
             <a:spAutoFit/>
           </a:bodyPr>
           <a:lstStyle/>
@@ -6580,10 +7117,10 @@
       </p:sp>
       <p:pic>
         <p:nvPicPr>
-          <p:cNvPr id="6" name="Picture 5">
-            <a:extLst>
-              <a:ext uri="{FF2B5EF4-FFF2-40B4-BE49-F238E27FC236}">
-                <a16:creationId xmlns:a16="http://schemas.microsoft.com/office/drawing/2014/main" id="{72C5FA71-987C-D11A-FF0C-09FE4B7AF7D3}"/>
+          <p:cNvPr id="12" name="Picture 11">
+            <a:extLst>
+              <a:ext uri="{FF2B5EF4-FFF2-40B4-BE49-F238E27FC236}">
+                <a16:creationId xmlns:a16="http://schemas.microsoft.com/office/drawing/2014/main" id="{A6C5CDB3-6B3B-21B9-0146-C46995AE0150}"/>
               </a:ext>
             </a:extLst>
           </p:cNvPr>
@@ -6600,8 +7137,8 @@
         </p:blipFill>
         <p:spPr>
           <a:xfrm>
-            <a:off x="6138307" y="2364252"/>
-            <a:ext cx="5770657" cy="3367603"/>
+            <a:off x="6690583" y="2295413"/>
+            <a:ext cx="5501417" cy="3211093"/>
           </a:xfrm>
           <a:prstGeom prst="rect">
             <a:avLst/>
@@ -6613,7 +7150,7 @@
           <p:cNvPr id="3" name="TextBox 2">
             <a:extLst>
               <a:ext uri="{FF2B5EF4-FFF2-40B4-BE49-F238E27FC236}">
-                <a16:creationId xmlns:a16="http://schemas.microsoft.com/office/drawing/2014/main" id="{9CC0B7DE-843F-4F91-7B15-E95101715101}"/>
+                <a16:creationId xmlns:a16="http://schemas.microsoft.com/office/drawing/2014/main" id="{DAB45A85-3D1D-DEC2-E20D-C0D63B7818CA}"/>
               </a:ext>
             </a:extLst>
           </p:cNvPr>
@@ -6668,10 +7205,10 @@
       </p:sp>
       <p:sp>
         <p:nvSpPr>
-          <p:cNvPr id="9" name="TextBox 8">
-            <a:extLst>
-              <a:ext uri="{FF2B5EF4-FFF2-40B4-BE49-F238E27FC236}">
-                <a16:creationId xmlns:a16="http://schemas.microsoft.com/office/drawing/2014/main" id="{F847260B-E3B7-F10E-1FC0-B81360439B0A}"/>
+          <p:cNvPr id="6" name="TextBox 5">
+            <a:extLst>
+              <a:ext uri="{FF2B5EF4-FFF2-40B4-BE49-F238E27FC236}">
+                <a16:creationId xmlns:a16="http://schemas.microsoft.com/office/drawing/2014/main" id="{E7F0355D-6A5F-783C-3EDF-05DB6E4DD773}"/>
               </a:ext>
             </a:extLst>
           </p:cNvPr>
@@ -6680,7 +7217,7 @@
         </p:nvSpPr>
         <p:spPr>
           <a:xfrm>
-            <a:off x="731520" y="5621428"/>
+            <a:off x="1052601" y="5950416"/>
             <a:ext cx="4166590" cy="369332"/>
           </a:xfrm>
           <a:prstGeom prst="rect">
@@ -6704,7 +7241,7 @@
     </p:spTree>
     <p:extLst>
       <p:ext uri="{BB962C8B-B14F-4D97-AF65-F5344CB8AC3E}">
-        <p14:creationId xmlns:p14="http://schemas.microsoft.com/office/powerpoint/2010/main" val="778138977"/>
+        <p14:creationId xmlns:p14="http://schemas.microsoft.com/office/powerpoint/2010/main" val="3284446982"/>
       </p:ext>
     </p:extLst>
   </p:cSld>
@@ -6755,93 +7292,31 @@
         </p:spPr>
         <p:txBody>
           <a:bodyPr>
-            <a:normAutofit/>
+            <a:normAutofit fontScale="90000"/>
           </a:bodyPr>
           <a:lstStyle/>
           <a:p>
             <a:r>
-              <a:rPr lang="en-US"/>
-              <a:t>Weak conclusion </a:t>
-            </a:r>
-            <a:r>
               <a:rPr lang="en-US" dirty="0"/>
-              <a:t>1</a:t>
-            </a:r>
-            <a:r>
-              <a:rPr lang="en-US"/>
-              <a:t> </a:t>
+              <a:t>Additional super weak conclusion 3 from myocarditis dataset: highly expanded CD4 TCM TRAs less germline-like in </a:t>
+            </a:r>
+            <a:r>
+              <a:rPr lang="en-US" dirty="0" err="1"/>
+              <a:t>irAE</a:t>
             </a:r>
             <a:r>
               <a:rPr lang="en-US" dirty="0"/>
-              <a:t>from colitis dataset (seen last week):</a:t>
-            </a:r>
-          </a:p>
-        </p:txBody>
-      </p:sp>
-      <p:sp>
-        <p:nvSpPr>
-          <p:cNvPr id="3" name="TextBox 2">
-            <a:extLst>
-              <a:ext uri="{FF2B5EF4-FFF2-40B4-BE49-F238E27FC236}">
-                <a16:creationId xmlns:a16="http://schemas.microsoft.com/office/drawing/2014/main" id="{9CC0B7DE-843F-4F91-7B15-E95101715101}"/>
-              </a:ext>
-            </a:extLst>
-          </p:cNvPr>
-          <p:cNvSpPr txBox="1"/>
-          <p:nvPr/>
-        </p:nvSpPr>
-        <p:spPr>
-          <a:xfrm>
-            <a:off x="3483977" y="6483346"/>
-            <a:ext cx="4573688" cy="369332"/>
-          </a:xfrm>
-          <a:prstGeom prst="rect">
-            <a:avLst/>
-          </a:prstGeom>
-          <a:noFill/>
-        </p:spPr>
-        <p:txBody>
-          <a:bodyPr wrap="none" rtlCol="0">
-            <a:spAutoFit/>
-          </a:bodyPr>
-          <a:lstStyle/>
-          <a:p>
-            <a:r>
-              <a:rPr lang="en-US" dirty="0"/>
-              <a:t>Wilcoxon rank sum test.</a:t>
-            </a:r>
-            <a:r>
-              <a:rPr lang="en-US" dirty="0">
-                <a:latin typeface="Calibri" panose="020F0502020204030204" pitchFamily="34" charset="0"/>
-                <a:cs typeface="Times New Roman" panose="02020603050405020304" pitchFamily="18" charset="0"/>
-              </a:rPr>
-              <a:t> </a:t>
-            </a:r>
-            <a:r>
-              <a:rPr lang="en-US" sz="1800" dirty="0">
-                <a:effectLst/>
-                <a:latin typeface="Calibri" panose="020F0502020204030204" pitchFamily="34" charset="0"/>
-                <a:ea typeface="Calibri" panose="020F0502020204030204" pitchFamily="34" charset="0"/>
-                <a:cs typeface="Times New Roman" panose="02020603050405020304" pitchFamily="18" charset="0"/>
-              </a:rPr>
-              <a:t>**, p &lt;1e-2; *; p &lt;0.05</a:t>
-            </a:r>
-            <a:endParaRPr lang="en-US" b="0" i="0" u="none" strike="noStrike" dirty="0">
-              <a:solidFill>
-                <a:srgbClr val="212121"/>
-              </a:solidFill>
-              <a:effectLst/>
-              <a:latin typeface="Cambria" panose="02040503050406030204" pitchFamily="18" charset="0"/>
-            </a:endParaRPr>
+              <a:t> patients</a:t>
+            </a:r>
           </a:p>
         </p:txBody>
       </p:sp>
       <p:pic>
         <p:nvPicPr>
-          <p:cNvPr id="5" name="Picture 4">
-            <a:extLst>
-              <a:ext uri="{FF2B5EF4-FFF2-40B4-BE49-F238E27FC236}">
-                <a16:creationId xmlns:a16="http://schemas.microsoft.com/office/drawing/2014/main" id="{0FAF4098-EA3F-8047-A14D-0DB653ECA8CD}"/>
+          <p:cNvPr id="4" name="Picture 3">
+            <a:extLst>
+              <a:ext uri="{FF2B5EF4-FFF2-40B4-BE49-F238E27FC236}">
+                <a16:creationId xmlns:a16="http://schemas.microsoft.com/office/drawing/2014/main" id="{CB0345FA-A8C3-8FB2-F846-0BE892530310}"/>
               </a:ext>
             </a:extLst>
           </p:cNvPr>
@@ -6858,8 +7333,8 @@
         </p:blipFill>
         <p:spPr>
           <a:xfrm>
-            <a:off x="2209800" y="1663621"/>
-            <a:ext cx="7025640" cy="3950678"/>
+            <a:off x="0" y="2482197"/>
+            <a:ext cx="5357431" cy="3015978"/>
           </a:xfrm>
           <a:prstGeom prst="rect">
             <a:avLst/>
@@ -6868,10 +7343,10 @@
       </p:pic>
       <p:sp>
         <p:nvSpPr>
-          <p:cNvPr id="6" name="TextBox 5">
-            <a:extLst>
-              <a:ext uri="{FF2B5EF4-FFF2-40B4-BE49-F238E27FC236}">
-                <a16:creationId xmlns:a16="http://schemas.microsoft.com/office/drawing/2014/main" id="{2AD06CAF-DA31-938F-C215-BD840618A111}"/>
+          <p:cNvPr id="5" name="TextBox 4">
+            <a:extLst>
+              <a:ext uri="{FF2B5EF4-FFF2-40B4-BE49-F238E27FC236}">
+                <a16:creationId xmlns:a16="http://schemas.microsoft.com/office/drawing/2014/main" id="{4FC1DBAB-4112-92CC-8453-666F98679938}"/>
               </a:ext>
             </a:extLst>
           </p:cNvPr>
@@ -6880,8 +7355,8 @@
         </p:nvSpPr>
         <p:spPr>
           <a:xfrm>
-            <a:off x="4084320" y="5494824"/>
-            <a:ext cx="2804679" cy="369332"/>
+            <a:off x="1493520" y="2651728"/>
+            <a:ext cx="300082" cy="369332"/>
           </a:xfrm>
           <a:prstGeom prst="rect">
             <a:avLst/>
@@ -6896,17 +7371,47 @@
           <a:p>
             <a:r>
               <a:rPr lang="en-US" dirty="0"/>
-              <a:t>Label wrong not normalized</a:t>
-            </a:r>
-          </a:p>
-        </p:txBody>
-      </p:sp>
-      <p:sp>
-        <p:nvSpPr>
-          <p:cNvPr id="7" name="TextBox 6">
-            <a:extLst>
-              <a:ext uri="{FF2B5EF4-FFF2-40B4-BE49-F238E27FC236}">
-                <a16:creationId xmlns:a16="http://schemas.microsoft.com/office/drawing/2014/main" id="{A7A97028-62D0-E4A6-8B67-1495CFF0B258}"/>
+              <a:t>*</a:t>
+            </a:r>
+          </a:p>
+        </p:txBody>
+      </p:sp>
+      <p:pic>
+        <p:nvPicPr>
+          <p:cNvPr id="6" name="Picture 5">
+            <a:extLst>
+              <a:ext uri="{FF2B5EF4-FFF2-40B4-BE49-F238E27FC236}">
+                <a16:creationId xmlns:a16="http://schemas.microsoft.com/office/drawing/2014/main" id="{72C5FA71-987C-D11A-FF0C-09FE4B7AF7D3}"/>
+              </a:ext>
+            </a:extLst>
+          </p:cNvPr>
+          <p:cNvPicPr>
+            <a:picLocks noChangeAspect="1"/>
+          </p:cNvPicPr>
+          <p:nvPr/>
+        </p:nvPicPr>
+        <p:blipFill>
+          <a:blip r:embed="rId4"/>
+          <a:stretch>
+            <a:fillRect/>
+          </a:stretch>
+        </p:blipFill>
+        <p:spPr>
+          <a:xfrm>
+            <a:off x="6138307" y="2364252"/>
+            <a:ext cx="5770657" cy="3367603"/>
+          </a:xfrm>
+          <a:prstGeom prst="rect">
+            <a:avLst/>
+          </a:prstGeom>
+        </p:spPr>
+      </p:pic>
+      <p:sp>
+        <p:nvSpPr>
+          <p:cNvPr id="3" name="TextBox 2">
+            <a:extLst>
+              <a:ext uri="{FF2B5EF4-FFF2-40B4-BE49-F238E27FC236}">
+                <a16:creationId xmlns:a16="http://schemas.microsoft.com/office/drawing/2014/main" id="{9CC0B7DE-843F-4F91-7B15-E95101715101}"/>
               </a:ext>
             </a:extLst>
           </p:cNvPr>
@@ -6915,8 +7420,8 @@
         </p:nvSpPr>
         <p:spPr>
           <a:xfrm>
-            <a:off x="7082039" y="2146989"/>
-            <a:ext cx="885576" cy="369332"/>
+            <a:off x="3483977" y="6483346"/>
+            <a:ext cx="4573688" cy="369332"/>
           </a:xfrm>
           <a:prstGeom prst="rect">
             <a:avLst/>
@@ -6924,14 +7429,72 @@
           <a:noFill/>
         </p:spPr>
         <p:txBody>
-          <a:bodyPr wrap="square" rtlCol="0">
+          <a:bodyPr wrap="none" rtlCol="0">
             <a:spAutoFit/>
           </a:bodyPr>
           <a:lstStyle/>
           <a:p>
             <a:r>
               <a:rPr lang="en-US" dirty="0"/>
-              <a:t>*</a:t>
+              <a:t>Wilcoxon rank sum test.</a:t>
+            </a:r>
+            <a:r>
+              <a:rPr lang="en-US" dirty="0">
+                <a:latin typeface="Calibri" panose="020F0502020204030204" pitchFamily="34" charset="0"/>
+                <a:cs typeface="Times New Roman" panose="02020603050405020304" pitchFamily="18" charset="0"/>
+              </a:rPr>
+              <a:t> </a:t>
+            </a:r>
+            <a:r>
+              <a:rPr lang="en-US" sz="1800" dirty="0">
+                <a:effectLst/>
+                <a:latin typeface="Calibri" panose="020F0502020204030204" pitchFamily="34" charset="0"/>
+                <a:ea typeface="Calibri" panose="020F0502020204030204" pitchFamily="34" charset="0"/>
+                <a:cs typeface="Times New Roman" panose="02020603050405020304" pitchFamily="18" charset="0"/>
+              </a:rPr>
+              <a:t>**, p &lt;1e-2; *; p &lt;0.05</a:t>
+            </a:r>
+            <a:endParaRPr lang="en-US" b="0" i="0" u="none" strike="noStrike" dirty="0">
+              <a:solidFill>
+                <a:srgbClr val="212121"/>
+              </a:solidFill>
+              <a:effectLst/>
+              <a:latin typeface="Cambria" panose="02040503050406030204" pitchFamily="18" charset="0"/>
+            </a:endParaRPr>
+          </a:p>
+        </p:txBody>
+      </p:sp>
+      <p:sp>
+        <p:nvSpPr>
+          <p:cNvPr id="9" name="TextBox 8">
+            <a:extLst>
+              <a:ext uri="{FF2B5EF4-FFF2-40B4-BE49-F238E27FC236}">
+                <a16:creationId xmlns:a16="http://schemas.microsoft.com/office/drawing/2014/main" id="{F847260B-E3B7-F10E-1FC0-B81360439B0A}"/>
+              </a:ext>
+            </a:extLst>
+          </p:cNvPr>
+          <p:cNvSpPr txBox="1"/>
+          <p:nvPr/>
+        </p:nvSpPr>
+        <p:spPr>
+          <a:xfrm>
+            <a:off x="731520" y="5621428"/>
+            <a:ext cx="4166590" cy="369332"/>
+          </a:xfrm>
+          <a:prstGeom prst="rect">
+            <a:avLst/>
+          </a:prstGeom>
+          <a:noFill/>
+        </p:spPr>
+        <p:txBody>
+          <a:bodyPr wrap="none" rtlCol="0">
+            <a:spAutoFit/>
+          </a:bodyPr>
+          <a:lstStyle/>
+          <a:p>
+            <a:r>
+              <a:rPr lang="en-US" dirty="0"/>
+              <a:t>Not significant for top 5, 10, 20 clonotypes</a:t>
             </a:r>
           </a:p>
         </p:txBody>
@@ -6939,7 +7502,7 @@
     </p:spTree>
     <p:extLst>
       <p:ext uri="{BB962C8B-B14F-4D97-AF65-F5344CB8AC3E}">
-        <p14:creationId xmlns:p14="http://schemas.microsoft.com/office/powerpoint/2010/main" val="3033499721"/>
+        <p14:creationId xmlns:p14="http://schemas.microsoft.com/office/powerpoint/2010/main" val="778138977"/>
       </p:ext>
     </p:extLst>
   </p:cSld>
@@ -6990,6 +7553,241 @@
         </p:spPr>
         <p:txBody>
           <a:bodyPr>
+            <a:normAutofit/>
+          </a:bodyPr>
+          <a:lstStyle/>
+          <a:p>
+            <a:r>
+              <a:rPr lang="en-US"/>
+              <a:t>Weak conclusion </a:t>
+            </a:r>
+            <a:r>
+              <a:rPr lang="en-US" dirty="0"/>
+              <a:t>1</a:t>
+            </a:r>
+            <a:r>
+              <a:rPr lang="en-US"/>
+              <a:t> </a:t>
+            </a:r>
+            <a:r>
+              <a:rPr lang="en-US" dirty="0"/>
+              <a:t>from colitis dataset (seen last week):</a:t>
+            </a:r>
+          </a:p>
+        </p:txBody>
+      </p:sp>
+      <p:sp>
+        <p:nvSpPr>
+          <p:cNvPr id="3" name="TextBox 2">
+            <a:extLst>
+              <a:ext uri="{FF2B5EF4-FFF2-40B4-BE49-F238E27FC236}">
+                <a16:creationId xmlns:a16="http://schemas.microsoft.com/office/drawing/2014/main" id="{9CC0B7DE-843F-4F91-7B15-E95101715101}"/>
+              </a:ext>
+            </a:extLst>
+          </p:cNvPr>
+          <p:cNvSpPr txBox="1"/>
+          <p:nvPr/>
+        </p:nvSpPr>
+        <p:spPr>
+          <a:xfrm>
+            <a:off x="3483977" y="6483346"/>
+            <a:ext cx="4573688" cy="369332"/>
+          </a:xfrm>
+          <a:prstGeom prst="rect">
+            <a:avLst/>
+          </a:prstGeom>
+          <a:noFill/>
+        </p:spPr>
+        <p:txBody>
+          <a:bodyPr wrap="none" rtlCol="0">
+            <a:spAutoFit/>
+          </a:bodyPr>
+          <a:lstStyle/>
+          <a:p>
+            <a:r>
+              <a:rPr lang="en-US" dirty="0"/>
+              <a:t>Wilcoxon rank sum test.</a:t>
+            </a:r>
+            <a:r>
+              <a:rPr lang="en-US" dirty="0">
+                <a:latin typeface="Calibri" panose="020F0502020204030204" pitchFamily="34" charset="0"/>
+                <a:cs typeface="Times New Roman" panose="02020603050405020304" pitchFamily="18" charset="0"/>
+              </a:rPr>
+              <a:t> </a:t>
+            </a:r>
+            <a:r>
+              <a:rPr lang="en-US" sz="1800" dirty="0">
+                <a:effectLst/>
+                <a:latin typeface="Calibri" panose="020F0502020204030204" pitchFamily="34" charset="0"/>
+                <a:ea typeface="Calibri" panose="020F0502020204030204" pitchFamily="34" charset="0"/>
+                <a:cs typeface="Times New Roman" panose="02020603050405020304" pitchFamily="18" charset="0"/>
+              </a:rPr>
+              <a:t>**, p &lt;1e-2; *; p &lt;0.05</a:t>
+            </a:r>
+            <a:endParaRPr lang="en-US" b="0" i="0" u="none" strike="noStrike" dirty="0">
+              <a:solidFill>
+                <a:srgbClr val="212121"/>
+              </a:solidFill>
+              <a:effectLst/>
+              <a:latin typeface="Cambria" panose="02040503050406030204" pitchFamily="18" charset="0"/>
+            </a:endParaRPr>
+          </a:p>
+        </p:txBody>
+      </p:sp>
+      <p:pic>
+        <p:nvPicPr>
+          <p:cNvPr id="5" name="Picture 4">
+            <a:extLst>
+              <a:ext uri="{FF2B5EF4-FFF2-40B4-BE49-F238E27FC236}">
+                <a16:creationId xmlns:a16="http://schemas.microsoft.com/office/drawing/2014/main" id="{0FAF4098-EA3F-8047-A14D-0DB653ECA8CD}"/>
+              </a:ext>
+            </a:extLst>
+          </p:cNvPr>
+          <p:cNvPicPr>
+            <a:picLocks noChangeAspect="1"/>
+          </p:cNvPicPr>
+          <p:nvPr/>
+        </p:nvPicPr>
+        <p:blipFill>
+          <a:blip r:embed="rId3"/>
+          <a:stretch>
+            <a:fillRect/>
+          </a:stretch>
+        </p:blipFill>
+        <p:spPr>
+          <a:xfrm>
+            <a:off x="2209800" y="1663621"/>
+            <a:ext cx="7025640" cy="3950678"/>
+          </a:xfrm>
+          <a:prstGeom prst="rect">
+            <a:avLst/>
+          </a:prstGeom>
+        </p:spPr>
+      </p:pic>
+      <p:sp>
+        <p:nvSpPr>
+          <p:cNvPr id="6" name="TextBox 5">
+            <a:extLst>
+              <a:ext uri="{FF2B5EF4-FFF2-40B4-BE49-F238E27FC236}">
+                <a16:creationId xmlns:a16="http://schemas.microsoft.com/office/drawing/2014/main" id="{2AD06CAF-DA31-938F-C215-BD840618A111}"/>
+              </a:ext>
+            </a:extLst>
+          </p:cNvPr>
+          <p:cNvSpPr txBox="1"/>
+          <p:nvPr/>
+        </p:nvSpPr>
+        <p:spPr>
+          <a:xfrm>
+            <a:off x="4084320" y="5494824"/>
+            <a:ext cx="2804679" cy="369332"/>
+          </a:xfrm>
+          <a:prstGeom prst="rect">
+            <a:avLst/>
+          </a:prstGeom>
+          <a:noFill/>
+        </p:spPr>
+        <p:txBody>
+          <a:bodyPr wrap="none" rtlCol="0">
+            <a:spAutoFit/>
+          </a:bodyPr>
+          <a:lstStyle/>
+          <a:p>
+            <a:r>
+              <a:rPr lang="en-US" dirty="0"/>
+              <a:t>Label wrong not normalized</a:t>
+            </a:r>
+          </a:p>
+        </p:txBody>
+      </p:sp>
+      <p:sp>
+        <p:nvSpPr>
+          <p:cNvPr id="7" name="TextBox 6">
+            <a:extLst>
+              <a:ext uri="{FF2B5EF4-FFF2-40B4-BE49-F238E27FC236}">
+                <a16:creationId xmlns:a16="http://schemas.microsoft.com/office/drawing/2014/main" id="{A7A97028-62D0-E4A6-8B67-1495CFF0B258}"/>
+              </a:ext>
+            </a:extLst>
+          </p:cNvPr>
+          <p:cNvSpPr txBox="1"/>
+          <p:nvPr/>
+        </p:nvSpPr>
+        <p:spPr>
+          <a:xfrm>
+            <a:off x="7082039" y="2146989"/>
+            <a:ext cx="885576" cy="369332"/>
+          </a:xfrm>
+          <a:prstGeom prst="rect">
+            <a:avLst/>
+          </a:prstGeom>
+          <a:noFill/>
+        </p:spPr>
+        <p:txBody>
+          <a:bodyPr wrap="square" rtlCol="0">
+            <a:spAutoFit/>
+          </a:bodyPr>
+          <a:lstStyle/>
+          <a:p>
+            <a:r>
+              <a:rPr lang="en-US" dirty="0"/>
+              <a:t>*</a:t>
+            </a:r>
+          </a:p>
+        </p:txBody>
+      </p:sp>
+    </p:spTree>
+    <p:extLst>
+      <p:ext uri="{BB962C8B-B14F-4D97-AF65-F5344CB8AC3E}">
+        <p14:creationId xmlns:p14="http://schemas.microsoft.com/office/powerpoint/2010/main" val="3033499721"/>
+      </p:ext>
+    </p:extLst>
+  </p:cSld>
+  <p:clrMapOvr>
+    <a:masterClrMapping/>
+  </p:clrMapOvr>
+</p:sld>
+</file>
+
+<file path=ppt/slides/slide17.xml><?xml version="1.0" encoding="utf-8"?>
+<p:sld xmlns:a="http://schemas.openxmlformats.org/drawingml/2006/main" xmlns:r="http://schemas.openxmlformats.org/officeDocument/2006/relationships" xmlns:p="http://schemas.openxmlformats.org/presentationml/2006/main">
+  <p:cSld>
+    <p:spTree>
+      <p:nvGrpSpPr>
+        <p:cNvPr id="1" name=""/>
+        <p:cNvGrpSpPr/>
+        <p:nvPr/>
+      </p:nvGrpSpPr>
+      <p:grpSpPr>
+        <a:xfrm>
+          <a:off x="0" y="0"/>
+          <a:ext cx="0" cy="0"/>
+          <a:chOff x="0" y="0"/>
+          <a:chExt cx="0" cy="0"/>
+        </a:xfrm>
+      </p:grpSpPr>
+      <p:sp>
+        <p:nvSpPr>
+          <p:cNvPr id="2" name="Title 1">
+            <a:extLst>
+              <a:ext uri="{FF2B5EF4-FFF2-40B4-BE49-F238E27FC236}">
+                <a16:creationId xmlns:a16="http://schemas.microsoft.com/office/drawing/2014/main" id="{70A4C97D-8F21-3D3B-6A90-EA7145324964}"/>
+              </a:ext>
+            </a:extLst>
+          </p:cNvPr>
+          <p:cNvSpPr>
+            <a:spLocks noGrp="1"/>
+          </p:cNvSpPr>
+          <p:nvPr>
+            <p:ph type="title"/>
+          </p:nvPr>
+        </p:nvSpPr>
+        <p:spPr>
+          <a:xfrm>
+            <a:off x="838200" y="593725"/>
+            <a:ext cx="10515600" cy="1325563"/>
+          </a:xfrm>
+        </p:spPr>
+        <p:txBody>
+          <a:bodyPr>
             <a:normAutofit fontScale="90000"/>
           </a:bodyPr>
           <a:lstStyle/>
@@ -7202,7 +8000,7 @@
 </p:sld>
 </file>
 
-<file path=ppt/slides/slide17.xml><?xml version="1.0" encoding="utf-8"?>
+<file path=ppt/slides/slide18.xml><?xml version="1.0" encoding="utf-8"?>
 <p:sld xmlns:a="http://schemas.openxmlformats.org/drawingml/2006/main" xmlns:r="http://schemas.openxmlformats.org/officeDocument/2006/relationships" xmlns:p="http://schemas.openxmlformats.org/presentationml/2006/main">
   <p:cSld>
     <p:spTree>
@@ -8864,82 +9662,17 @@
           <a:p>
             <a:r>
               <a:rPr lang="en-US" dirty="0"/>
-              <a:t>Next steps</a:t>
-            </a:r>
-          </a:p>
-        </p:txBody>
-      </p:sp>
-      <p:sp>
-        <p:nvSpPr>
-          <p:cNvPr id="3" name="Content Placeholder 2">
-            <a:extLst>
-              <a:ext uri="{FF2B5EF4-FFF2-40B4-BE49-F238E27FC236}">
-                <a16:creationId xmlns:a16="http://schemas.microsoft.com/office/drawing/2014/main" id="{B9501834-7B32-1ACA-4358-B630FB8EEC36}"/>
-              </a:ext>
-            </a:extLst>
-          </p:cNvPr>
-          <p:cNvSpPr>
-            <a:spLocks noGrp="1"/>
-          </p:cNvSpPr>
-          <p:nvPr>
-            <p:ph idx="1"/>
-          </p:nvPr>
-        </p:nvSpPr>
-        <p:spPr>
-          <a:xfrm>
-            <a:off x="838200" y="1919289"/>
-            <a:ext cx="3459480" cy="4623402"/>
-          </a:xfrm>
-        </p:spPr>
-        <p:txBody>
-          <a:bodyPr>
-            <a:normAutofit fontScale="85000" lnSpcReduction="20000"/>
-          </a:bodyPr>
-          <a:lstStyle/>
-          <a:p>
-            <a:r>
-              <a:rPr lang="en-US" dirty="0"/>
-              <a:t>Summary plots: x-axis top n clonotypes, y-axis p value from test between </a:t>
-            </a:r>
-            <a:r>
-              <a:rPr lang="en-US" dirty="0" err="1"/>
-              <a:t>irAE</a:t>
-            </a:r>
-            <a:r>
-              <a:rPr lang="en-US" dirty="0"/>
-              <a:t> yes/no groups, facet for cell type, chain, feature, dataset</a:t>
-            </a:r>
-          </a:p>
-          <a:p>
-            <a:r>
-              <a:rPr lang="en-US" dirty="0"/>
-              <a:t>Prepare for 1/9 bioinformatics JC, perhaps supports use of datasets with no </a:t>
-            </a:r>
-            <a:r>
-              <a:rPr lang="en-US" dirty="0" err="1"/>
-              <a:t>TCRseq</a:t>
-            </a:r>
-            <a:r>
-              <a:rPr lang="en-US" dirty="0"/>
-              <a:t> (using </a:t>
-            </a:r>
-            <a:r>
-              <a:rPr lang="en-US" dirty="0" err="1"/>
-              <a:t>RNAseq</a:t>
-            </a:r>
-            <a:r>
-              <a:rPr lang="en-US" dirty="0"/>
-              <a:t> to call TCR clonotypes), although only from T cell rich tissue with low diversity</a:t>
+              <a:t>Next steps: summary plots?</a:t>
             </a:r>
           </a:p>
         </p:txBody>
       </p:sp>
       <p:pic>
         <p:nvPicPr>
-          <p:cNvPr id="4" name="Picture 3">
-            <a:extLst>
-              <a:ext uri="{FF2B5EF4-FFF2-40B4-BE49-F238E27FC236}">
-                <a16:creationId xmlns:a16="http://schemas.microsoft.com/office/drawing/2014/main" id="{635D38B6-F04F-7D70-5020-4EA2EB13C3FC}"/>
+          <p:cNvPr id="7" name="Picture 6">
+            <a:extLst>
+              <a:ext uri="{FF2B5EF4-FFF2-40B4-BE49-F238E27FC236}">
+                <a16:creationId xmlns:a16="http://schemas.microsoft.com/office/drawing/2014/main" id="{C30F8605-07D9-5CF6-D4A5-28E56AF1F859}"/>
               </a:ext>
             </a:extLst>
           </p:cNvPr>
@@ -8956,8 +9689,38 @@
         </p:blipFill>
         <p:spPr>
           <a:xfrm>
-            <a:off x="4419600" y="513053"/>
-            <a:ext cx="7772400" cy="5831894"/>
+            <a:off x="6096000" y="1961141"/>
+            <a:ext cx="6059981" cy="3680813"/>
+          </a:xfrm>
+          <a:prstGeom prst="rect">
+            <a:avLst/>
+          </a:prstGeom>
+        </p:spPr>
+      </p:pic>
+      <p:pic>
+        <p:nvPicPr>
+          <p:cNvPr id="8" name="Picture 7">
+            <a:extLst>
+              <a:ext uri="{FF2B5EF4-FFF2-40B4-BE49-F238E27FC236}">
+                <a16:creationId xmlns:a16="http://schemas.microsoft.com/office/drawing/2014/main" id="{BAAF33B7-6801-5BC2-9DF3-D4AA15DB4734}"/>
+              </a:ext>
+            </a:extLst>
+          </p:cNvPr>
+          <p:cNvPicPr>
+            <a:picLocks noChangeAspect="1"/>
+          </p:cNvPicPr>
+          <p:nvPr/>
+        </p:nvPicPr>
+        <p:blipFill>
+          <a:blip r:embed="rId4"/>
+          <a:stretch>
+            <a:fillRect/>
+          </a:stretch>
+        </p:blipFill>
+        <p:spPr>
+          <a:xfrm>
+            <a:off x="0" y="1961141"/>
+            <a:ext cx="5953760" cy="3680814"/>
           </a:xfrm>
           <a:prstGeom prst="rect">
             <a:avLst/>
@@ -9013,7 +9776,7 @@
         <p:spPr>
           <a:xfrm>
             <a:off x="838200" y="593725"/>
-            <a:ext cx="10515600" cy="1325563"/>
+            <a:ext cx="3561080" cy="1325563"/>
           </a:xfrm>
         </p:spPr>
         <p:txBody>
@@ -9024,7 +9787,58 @@
           <a:p>
             <a:r>
               <a:rPr lang="en-US" dirty="0"/>
-              <a:t>Strongest myocarditis conclusion for comparison</a:t>
+              <a:t>Next steps: JC prep</a:t>
+            </a:r>
+          </a:p>
+        </p:txBody>
+      </p:sp>
+      <p:sp>
+        <p:nvSpPr>
+          <p:cNvPr id="3" name="Content Placeholder 2">
+            <a:extLst>
+              <a:ext uri="{FF2B5EF4-FFF2-40B4-BE49-F238E27FC236}">
+                <a16:creationId xmlns:a16="http://schemas.microsoft.com/office/drawing/2014/main" id="{B9501834-7B32-1ACA-4358-B630FB8EEC36}"/>
+              </a:ext>
+            </a:extLst>
+          </p:cNvPr>
+          <p:cNvSpPr>
+            <a:spLocks noGrp="1"/>
+          </p:cNvSpPr>
+          <p:nvPr>
+            <p:ph idx="1"/>
+          </p:nvPr>
+        </p:nvSpPr>
+        <p:spPr>
+          <a:xfrm>
+            <a:off x="838200" y="1919289"/>
+            <a:ext cx="3459480" cy="4623402"/>
+          </a:xfrm>
+        </p:spPr>
+        <p:txBody>
+          <a:bodyPr>
+            <a:normAutofit/>
+          </a:bodyPr>
+          <a:lstStyle/>
+          <a:p>
+            <a:r>
+              <a:rPr lang="en-US" dirty="0"/>
+              <a:t>perhaps supports use of datasets with no </a:t>
+            </a:r>
+            <a:r>
+              <a:rPr lang="en-US" dirty="0" err="1"/>
+              <a:t>TCRseq</a:t>
+            </a:r>
+            <a:r>
+              <a:rPr lang="en-US" dirty="0"/>
+              <a:t> (using </a:t>
+            </a:r>
+            <a:r>
+              <a:rPr lang="en-US" dirty="0" err="1"/>
+              <a:t>RNAseq</a:t>
+            </a:r>
+            <a:r>
+              <a:rPr lang="en-US" dirty="0"/>
+              <a:t> to call TCR clonotypes), although only from T cell rich tissue with low diversity</a:t>
             </a:r>
           </a:p>
         </p:txBody>
@@ -9034,7 +9848,7 @@
           <p:cNvPr id="4" name="Picture 3">
             <a:extLst>
               <a:ext uri="{FF2B5EF4-FFF2-40B4-BE49-F238E27FC236}">
-                <a16:creationId xmlns:a16="http://schemas.microsoft.com/office/drawing/2014/main" id="{22064411-2632-A287-93B9-78DA0B6E7314}"/>
+                <a16:creationId xmlns:a16="http://schemas.microsoft.com/office/drawing/2014/main" id="{635D38B6-F04F-7D70-5020-4EA2EB13C3FC}"/>
               </a:ext>
             </a:extLst>
           </p:cNvPr>
@@ -9051,181 +9865,18 @@
         </p:blipFill>
         <p:spPr>
           <a:xfrm>
-            <a:off x="1203960" y="1627522"/>
-            <a:ext cx="7772400" cy="4636753"/>
+            <a:off x="4297680" y="315309"/>
+            <a:ext cx="7894320" cy="5923374"/>
           </a:xfrm>
           <a:prstGeom prst="rect">
             <a:avLst/>
           </a:prstGeom>
         </p:spPr>
       </p:pic>
-      <p:sp>
-        <p:nvSpPr>
-          <p:cNvPr id="5" name="TextBox 4">
-            <a:extLst>
-              <a:ext uri="{FF2B5EF4-FFF2-40B4-BE49-F238E27FC236}">
-                <a16:creationId xmlns:a16="http://schemas.microsoft.com/office/drawing/2014/main" id="{F125686D-CEE9-CF68-4BA3-C080BE32C00C}"/>
-              </a:ext>
-            </a:extLst>
-          </p:cNvPr>
-          <p:cNvSpPr txBox="1"/>
-          <p:nvPr/>
-        </p:nvSpPr>
-        <p:spPr>
-          <a:xfrm>
-            <a:off x="3483977" y="6483346"/>
-            <a:ext cx="4573688" cy="369332"/>
-          </a:xfrm>
-          <a:prstGeom prst="rect">
-            <a:avLst/>
-          </a:prstGeom>
-          <a:noFill/>
-        </p:spPr>
-        <p:txBody>
-          <a:bodyPr wrap="none" rtlCol="0">
-            <a:spAutoFit/>
-          </a:bodyPr>
-          <a:lstStyle/>
-          <a:p>
-            <a:r>
-              <a:rPr lang="en-US" dirty="0"/>
-              <a:t>Wilcoxon rank sum test.</a:t>
-            </a:r>
-            <a:r>
-              <a:rPr lang="en-US" dirty="0">
-                <a:latin typeface="Calibri" panose="020F0502020204030204" pitchFamily="34" charset="0"/>
-                <a:cs typeface="Times New Roman" panose="02020603050405020304" pitchFamily="18" charset="0"/>
-              </a:rPr>
-              <a:t> </a:t>
-            </a:r>
-            <a:r>
-              <a:rPr lang="en-US" sz="1800" dirty="0">
-                <a:effectLst/>
-                <a:latin typeface="Calibri" panose="020F0502020204030204" pitchFamily="34" charset="0"/>
-                <a:ea typeface="Calibri" panose="020F0502020204030204" pitchFamily="34" charset="0"/>
-                <a:cs typeface="Times New Roman" panose="02020603050405020304" pitchFamily="18" charset="0"/>
-              </a:rPr>
-              <a:t>**, p &lt;1e-2; *; p &lt;0.05</a:t>
-            </a:r>
-            <a:endParaRPr lang="en-US" b="0" i="0" u="none" strike="noStrike" dirty="0">
-              <a:solidFill>
-                <a:srgbClr val="212121"/>
-              </a:solidFill>
-              <a:effectLst/>
-              <a:latin typeface="Cambria" panose="02040503050406030204" pitchFamily="18" charset="0"/>
-            </a:endParaRPr>
-          </a:p>
-        </p:txBody>
-      </p:sp>
-      <p:sp>
-        <p:nvSpPr>
-          <p:cNvPr id="6" name="TextBox 5">
-            <a:extLst>
-              <a:ext uri="{FF2B5EF4-FFF2-40B4-BE49-F238E27FC236}">
-                <a16:creationId xmlns:a16="http://schemas.microsoft.com/office/drawing/2014/main" id="{A1FA9CBB-C193-F78E-BE9D-D7887FFB22C7}"/>
-              </a:ext>
-            </a:extLst>
-          </p:cNvPr>
-          <p:cNvSpPr txBox="1"/>
-          <p:nvPr/>
-        </p:nvSpPr>
-        <p:spPr>
-          <a:xfrm>
-            <a:off x="5645435" y="2219581"/>
-            <a:ext cx="589280" cy="369332"/>
-          </a:xfrm>
-          <a:prstGeom prst="rect">
-            <a:avLst/>
-          </a:prstGeom>
-          <a:noFill/>
-        </p:spPr>
-        <p:txBody>
-          <a:bodyPr wrap="square" rtlCol="0">
-            <a:spAutoFit/>
-          </a:bodyPr>
-          <a:lstStyle/>
-          <a:p>
-            <a:r>
-              <a:rPr lang="en-US" dirty="0"/>
-              <a:t>*</a:t>
-            </a:r>
-          </a:p>
-        </p:txBody>
-      </p:sp>
-      <p:sp>
-        <p:nvSpPr>
-          <p:cNvPr id="7" name="TextBox 6">
-            <a:extLst>
-              <a:ext uri="{FF2B5EF4-FFF2-40B4-BE49-F238E27FC236}">
-                <a16:creationId xmlns:a16="http://schemas.microsoft.com/office/drawing/2014/main" id="{AA02738C-558B-5971-7406-F80142D56ECD}"/>
-              </a:ext>
-            </a:extLst>
-          </p:cNvPr>
-          <p:cNvSpPr txBox="1"/>
-          <p:nvPr/>
-        </p:nvSpPr>
-        <p:spPr>
-          <a:xfrm>
-            <a:off x="6905275" y="2219581"/>
-            <a:ext cx="589280" cy="369332"/>
-          </a:xfrm>
-          <a:prstGeom prst="rect">
-            <a:avLst/>
-          </a:prstGeom>
-          <a:noFill/>
-        </p:spPr>
-        <p:txBody>
-          <a:bodyPr wrap="square" rtlCol="0">
-            <a:spAutoFit/>
-          </a:bodyPr>
-          <a:lstStyle/>
-          <a:p>
-            <a:r>
-              <a:rPr lang="en-US" dirty="0"/>
-              <a:t>*</a:t>
-            </a:r>
-          </a:p>
-        </p:txBody>
-      </p:sp>
-      <p:sp>
-        <p:nvSpPr>
-          <p:cNvPr id="3" name="TextBox 2">
-            <a:extLst>
-              <a:ext uri="{FF2B5EF4-FFF2-40B4-BE49-F238E27FC236}">
-                <a16:creationId xmlns:a16="http://schemas.microsoft.com/office/drawing/2014/main" id="{33151649-41B4-9230-8670-C92EC0D33DF7}"/>
-              </a:ext>
-            </a:extLst>
-          </p:cNvPr>
-          <p:cNvSpPr txBox="1"/>
-          <p:nvPr/>
-        </p:nvSpPr>
-        <p:spPr>
-          <a:xfrm>
-            <a:off x="2379059" y="6004479"/>
-            <a:ext cx="5678606" cy="369332"/>
-          </a:xfrm>
-          <a:prstGeom prst="rect">
-            <a:avLst/>
-          </a:prstGeom>
-          <a:noFill/>
-        </p:spPr>
-        <p:txBody>
-          <a:bodyPr wrap="none" rtlCol="0">
-            <a:spAutoFit/>
-          </a:bodyPr>
-          <a:lstStyle/>
-          <a:p>
-            <a:r>
-              <a:rPr lang="en-US" dirty="0"/>
-              <a:t>Not just seen for not normalized (reason why its not weak)</a:t>
-            </a:r>
-          </a:p>
-        </p:txBody>
-      </p:sp>
     </p:spTree>
     <p:extLst>
       <p:ext uri="{BB962C8B-B14F-4D97-AF65-F5344CB8AC3E}">
-        <p14:creationId xmlns:p14="http://schemas.microsoft.com/office/powerpoint/2010/main" val="2854579076"/>
+        <p14:creationId xmlns:p14="http://schemas.microsoft.com/office/powerpoint/2010/main" val="1759230395"/>
       </p:ext>
     </p:extLst>
   </p:cSld>
@@ -9276,31 +9927,23 @@
         </p:spPr>
         <p:txBody>
           <a:bodyPr>
-            <a:normAutofit fontScale="90000"/>
+            <a:normAutofit/>
           </a:bodyPr>
           <a:lstStyle/>
           <a:p>
             <a:r>
               <a:rPr lang="en-US" dirty="0"/>
-              <a:t>Additional weak conclusion 1 from myocarditis dataset: highly expanded CD8 Naïve TRA CDR3s shorter in </a:t>
-            </a:r>
-            <a:r>
-              <a:rPr lang="en-US" dirty="0" err="1"/>
-              <a:t>irAE</a:t>
-            </a:r>
-            <a:r>
-              <a:rPr lang="en-US" dirty="0"/>
-              <a:t> patients</a:t>
+              <a:t>Strongest myocarditis conclusion for comparison</a:t>
             </a:r>
           </a:p>
         </p:txBody>
       </p:sp>
       <p:pic>
         <p:nvPicPr>
-          <p:cNvPr id="18" name="Picture 17">
-            <a:extLst>
-              <a:ext uri="{FF2B5EF4-FFF2-40B4-BE49-F238E27FC236}">
-                <a16:creationId xmlns:a16="http://schemas.microsoft.com/office/drawing/2014/main" id="{D9EBC4D2-838A-5723-6665-44952CCE9F07}"/>
+          <p:cNvPr id="4" name="Picture 3">
+            <a:extLst>
+              <a:ext uri="{FF2B5EF4-FFF2-40B4-BE49-F238E27FC236}">
+                <a16:creationId xmlns:a16="http://schemas.microsoft.com/office/drawing/2014/main" id="{22064411-2632-A287-93B9-78DA0B6E7314}"/>
               </a:ext>
             </a:extLst>
           </p:cNvPr>
@@ -9317,8 +9960,8 @@
         </p:blipFill>
         <p:spPr>
           <a:xfrm>
-            <a:off x="46483" y="2117314"/>
-            <a:ext cx="6049517" cy="3619142"/>
+            <a:off x="1203960" y="1627522"/>
+            <a:ext cx="7772400" cy="4636753"/>
           </a:xfrm>
           <a:prstGeom prst="rect">
             <a:avLst/>
@@ -9327,10 +9970,10 @@
       </p:pic>
       <p:sp>
         <p:nvSpPr>
-          <p:cNvPr id="20" name="TextBox 19">
-            <a:extLst>
-              <a:ext uri="{FF2B5EF4-FFF2-40B4-BE49-F238E27FC236}">
-                <a16:creationId xmlns:a16="http://schemas.microsoft.com/office/drawing/2014/main" id="{CF68CEC5-9141-7449-715A-197EC4CCFF32}"/>
+          <p:cNvPr id="5" name="TextBox 4">
+            <a:extLst>
+              <a:ext uri="{FF2B5EF4-FFF2-40B4-BE49-F238E27FC236}">
+                <a16:creationId xmlns:a16="http://schemas.microsoft.com/office/drawing/2014/main" id="{F125686D-CEE9-CF68-4BA3-C080BE32C00C}"/>
               </a:ext>
             </a:extLst>
           </p:cNvPr>
@@ -9339,42 +9982,7 @@
         </p:nvSpPr>
         <p:spPr>
           <a:xfrm>
-            <a:off x="1185633" y="2712823"/>
-            <a:ext cx="539240" cy="369332"/>
-          </a:xfrm>
-          <a:prstGeom prst="rect">
-            <a:avLst/>
-          </a:prstGeom>
-          <a:noFill/>
-        </p:spPr>
-        <p:txBody>
-          <a:bodyPr wrap="square" rtlCol="0">
-            <a:spAutoFit/>
-          </a:bodyPr>
-          <a:lstStyle/>
-          <a:p>
-            <a:r>
-              <a:rPr lang="en-US" dirty="0"/>
-              <a:t>*</a:t>
-            </a:r>
-          </a:p>
-        </p:txBody>
-      </p:sp>
-      <p:sp>
-        <p:nvSpPr>
-          <p:cNvPr id="3" name="TextBox 2">
-            <a:extLst>
-              <a:ext uri="{FF2B5EF4-FFF2-40B4-BE49-F238E27FC236}">
-                <a16:creationId xmlns:a16="http://schemas.microsoft.com/office/drawing/2014/main" id="{C471D885-7CA4-4354-CDCD-374C980D5817}"/>
-              </a:ext>
-            </a:extLst>
-          </p:cNvPr>
-          <p:cNvSpPr txBox="1"/>
-          <p:nvPr/>
-        </p:nvSpPr>
-        <p:spPr>
-          <a:xfrm>
-            <a:off x="3809156" y="6478551"/>
+            <a:off x="3483977" y="6483346"/>
             <a:ext cx="4573688" cy="369332"/>
           </a:xfrm>
           <a:prstGeom prst="rect">
@@ -9420,10 +10028,10 @@
       </p:sp>
       <p:sp>
         <p:nvSpPr>
-          <p:cNvPr id="7" name="TextBox 6">
-            <a:extLst>
-              <a:ext uri="{FF2B5EF4-FFF2-40B4-BE49-F238E27FC236}">
-                <a16:creationId xmlns:a16="http://schemas.microsoft.com/office/drawing/2014/main" id="{DEFEB2C9-39C3-1343-EEA4-A5E269C06490}"/>
+          <p:cNvPr id="6" name="TextBox 5">
+            <a:extLst>
+              <a:ext uri="{FF2B5EF4-FFF2-40B4-BE49-F238E27FC236}">
+                <a16:creationId xmlns:a16="http://schemas.microsoft.com/office/drawing/2014/main" id="{A1FA9CBB-C193-F78E-BE9D-D7887FFB22C7}"/>
               </a:ext>
             </a:extLst>
           </p:cNvPr>
@@ -9432,8 +10040,8 @@
         </p:nvSpPr>
         <p:spPr>
           <a:xfrm>
-            <a:off x="7585949" y="6800669"/>
-            <a:ext cx="3153171" cy="369332"/>
+            <a:off x="5645435" y="2219581"/>
+            <a:ext cx="589280" cy="369332"/>
           </a:xfrm>
           <a:prstGeom prst="rect">
             <a:avLst/>
@@ -9441,54 +10049,24 @@
           <a:noFill/>
         </p:spPr>
         <p:txBody>
-          <a:bodyPr wrap="none" rtlCol="0">
+          <a:bodyPr wrap="square" rtlCol="0">
             <a:spAutoFit/>
           </a:bodyPr>
           <a:lstStyle/>
           <a:p>
             <a:r>
               <a:rPr lang="en-US" dirty="0"/>
-              <a:t>Label wrong they’re normalized</a:t>
-            </a:r>
-          </a:p>
-        </p:txBody>
-      </p:sp>
-      <p:pic>
-        <p:nvPicPr>
-          <p:cNvPr id="9" name="Picture 8">
-            <a:extLst>
-              <a:ext uri="{FF2B5EF4-FFF2-40B4-BE49-F238E27FC236}">
-                <a16:creationId xmlns:a16="http://schemas.microsoft.com/office/drawing/2014/main" id="{D10A7F58-159E-13F7-52AC-E7624C4229D1}"/>
-              </a:ext>
-            </a:extLst>
-          </p:cNvPr>
-          <p:cNvPicPr>
-            <a:picLocks noChangeAspect="1"/>
-          </p:cNvPicPr>
-          <p:nvPr/>
-        </p:nvPicPr>
-        <p:blipFill>
-          <a:blip r:embed="rId4"/>
-          <a:stretch>
-            <a:fillRect/>
-          </a:stretch>
-        </p:blipFill>
-        <p:spPr>
-          <a:xfrm>
-            <a:off x="6096000" y="2117314"/>
-            <a:ext cx="6049517" cy="3571928"/>
-          </a:xfrm>
-          <a:prstGeom prst="rect">
-            <a:avLst/>
-          </a:prstGeom>
-        </p:spPr>
-      </p:pic>
-      <p:sp>
-        <p:nvSpPr>
-          <p:cNvPr id="10" name="TextBox 9">
-            <a:extLst>
-              <a:ext uri="{FF2B5EF4-FFF2-40B4-BE49-F238E27FC236}">
-                <a16:creationId xmlns:a16="http://schemas.microsoft.com/office/drawing/2014/main" id="{0F32C0D1-2FF8-367D-F644-723EE4559C86}"/>
+              <a:t>*</a:t>
+            </a:r>
+          </a:p>
+        </p:txBody>
+      </p:sp>
+      <p:sp>
+        <p:nvSpPr>
+          <p:cNvPr id="7" name="TextBox 6">
+            <a:extLst>
+              <a:ext uri="{FF2B5EF4-FFF2-40B4-BE49-F238E27FC236}">
+                <a16:creationId xmlns:a16="http://schemas.microsoft.com/office/drawing/2014/main" id="{AA02738C-558B-5971-7406-F80142D56ECD}"/>
               </a:ext>
             </a:extLst>
           </p:cNvPr>
@@ -9497,8 +10075,8 @@
         </p:nvSpPr>
         <p:spPr>
           <a:xfrm>
-            <a:off x="9614655" y="2348395"/>
-            <a:ext cx="482177" cy="369332"/>
+            <a:off x="6905275" y="2219581"/>
+            <a:ext cx="589280" cy="369332"/>
           </a:xfrm>
           <a:prstGeom prst="rect">
             <a:avLst/>
@@ -9520,10 +10098,10 @@
       </p:sp>
       <p:sp>
         <p:nvSpPr>
-          <p:cNvPr id="11" name="TextBox 10">
-            <a:extLst>
-              <a:ext uri="{FF2B5EF4-FFF2-40B4-BE49-F238E27FC236}">
-                <a16:creationId xmlns:a16="http://schemas.microsoft.com/office/drawing/2014/main" id="{191000C6-9BC6-CF31-028A-ABAE600F45D2}"/>
+          <p:cNvPr id="3" name="TextBox 2">
+            <a:extLst>
+              <a:ext uri="{FF2B5EF4-FFF2-40B4-BE49-F238E27FC236}">
+                <a16:creationId xmlns:a16="http://schemas.microsoft.com/office/drawing/2014/main" id="{33151649-41B4-9230-8670-C92EC0D33DF7}"/>
               </a:ext>
             </a:extLst>
           </p:cNvPr>
@@ -9532,8 +10110,8 @@
         </p:nvSpPr>
         <p:spPr>
           <a:xfrm>
-            <a:off x="10597020" y="2348498"/>
-            <a:ext cx="482177" cy="369332"/>
+            <a:off x="2379059" y="6004479"/>
+            <a:ext cx="5678606" cy="369332"/>
           </a:xfrm>
           <a:prstGeom prst="rect">
             <a:avLst/>
@@ -9541,228 +10119,6 @@
           <a:noFill/>
         </p:spPr>
         <p:txBody>
-          <a:bodyPr wrap="square" rtlCol="0">
-            <a:spAutoFit/>
-          </a:bodyPr>
-          <a:lstStyle/>
-          <a:p>
-            <a:r>
-              <a:rPr lang="en-US" dirty="0"/>
-              <a:t>*</a:t>
-            </a:r>
-          </a:p>
-        </p:txBody>
-      </p:sp>
-      <p:sp>
-        <p:nvSpPr>
-          <p:cNvPr id="13" name="Rectangle 12">
-            <a:extLst>
-              <a:ext uri="{FF2B5EF4-FFF2-40B4-BE49-F238E27FC236}">
-                <a16:creationId xmlns:a16="http://schemas.microsoft.com/office/drawing/2014/main" id="{185F69E8-772B-C388-FFFB-F72BFFF1B4F3}"/>
-              </a:ext>
-            </a:extLst>
-          </p:cNvPr>
-          <p:cNvSpPr/>
-          <p:nvPr/>
-        </p:nvSpPr>
-        <p:spPr>
-          <a:xfrm>
-            <a:off x="6839559" y="4480560"/>
-            <a:ext cx="4239638" cy="1047623"/>
-          </a:xfrm>
-          <a:prstGeom prst="rect">
-            <a:avLst/>
-          </a:prstGeom>
-          <a:ln>
-            <a:noFill/>
-          </a:ln>
-        </p:spPr>
-        <p:style>
-          <a:lnRef idx="2">
-            <a:schemeClr val="accent6"/>
-          </a:lnRef>
-          <a:fillRef idx="1">
-            <a:schemeClr val="lt1"/>
-          </a:fillRef>
-          <a:effectRef idx="0">
-            <a:schemeClr val="accent6"/>
-          </a:effectRef>
-          <a:fontRef idx="minor">
-            <a:schemeClr val="dk1"/>
-          </a:fontRef>
-        </p:style>
-        <p:txBody>
-          <a:bodyPr rtlCol="0" anchor="ctr"/>
-          <a:lstStyle/>
-          <a:p>
-            <a:pPr algn="ctr"/>
-            <a:endParaRPr lang="en-US"/>
-          </a:p>
-        </p:txBody>
-      </p:sp>
-      <p:sp>
-        <p:nvSpPr>
-          <p:cNvPr id="14" name="TextBox 13">
-            <a:extLst>
-              <a:ext uri="{FF2B5EF4-FFF2-40B4-BE49-F238E27FC236}">
-                <a16:creationId xmlns:a16="http://schemas.microsoft.com/office/drawing/2014/main" id="{9F07E524-EB2D-6AD5-97E8-064377ABA479}"/>
-              </a:ext>
-            </a:extLst>
-          </p:cNvPr>
-          <p:cNvSpPr txBox="1"/>
-          <p:nvPr/>
-        </p:nvSpPr>
-        <p:spPr>
-          <a:xfrm>
-            <a:off x="7582378" y="4560925"/>
-            <a:ext cx="430935" cy="369332"/>
-          </a:xfrm>
-          <a:prstGeom prst="rect">
-            <a:avLst/>
-          </a:prstGeom>
-          <a:noFill/>
-        </p:spPr>
-        <p:txBody>
-          <a:bodyPr wrap="square" rtlCol="0">
-            <a:spAutoFit/>
-          </a:bodyPr>
-          <a:lstStyle/>
-          <a:p>
-            <a:r>
-              <a:rPr lang="en-US" dirty="0"/>
-              <a:t>5</a:t>
-            </a:r>
-          </a:p>
-        </p:txBody>
-      </p:sp>
-      <p:sp>
-        <p:nvSpPr>
-          <p:cNvPr id="15" name="TextBox 14">
-            <a:extLst>
-              <a:ext uri="{FF2B5EF4-FFF2-40B4-BE49-F238E27FC236}">
-                <a16:creationId xmlns:a16="http://schemas.microsoft.com/office/drawing/2014/main" id="{765210A3-4992-811C-437C-AD4490405B73}"/>
-              </a:ext>
-            </a:extLst>
-          </p:cNvPr>
-          <p:cNvSpPr txBox="1"/>
-          <p:nvPr/>
-        </p:nvSpPr>
-        <p:spPr>
-          <a:xfrm>
-            <a:off x="9512175" y="4560925"/>
-            <a:ext cx="430935" cy="369332"/>
-          </a:xfrm>
-          <a:prstGeom prst="rect">
-            <a:avLst/>
-          </a:prstGeom>
-          <a:noFill/>
-        </p:spPr>
-        <p:txBody>
-          <a:bodyPr wrap="square" rtlCol="0">
-            <a:spAutoFit/>
-          </a:bodyPr>
-          <a:lstStyle/>
-          <a:p>
-            <a:r>
-              <a:rPr lang="en-US" dirty="0"/>
-              <a:t>15</a:t>
-            </a:r>
-          </a:p>
-        </p:txBody>
-      </p:sp>
-      <p:sp>
-        <p:nvSpPr>
-          <p:cNvPr id="16" name="TextBox 15">
-            <a:extLst>
-              <a:ext uri="{FF2B5EF4-FFF2-40B4-BE49-F238E27FC236}">
-                <a16:creationId xmlns:a16="http://schemas.microsoft.com/office/drawing/2014/main" id="{C205F79F-53B6-2F79-744C-3D8FC6E3E969}"/>
-              </a:ext>
-            </a:extLst>
-          </p:cNvPr>
-          <p:cNvSpPr txBox="1"/>
-          <p:nvPr/>
-        </p:nvSpPr>
-        <p:spPr>
-          <a:xfrm>
-            <a:off x="8504017" y="4560925"/>
-            <a:ext cx="430935" cy="369332"/>
-          </a:xfrm>
-          <a:prstGeom prst="rect">
-            <a:avLst/>
-          </a:prstGeom>
-          <a:noFill/>
-        </p:spPr>
-        <p:txBody>
-          <a:bodyPr wrap="square" rtlCol="0">
-            <a:spAutoFit/>
-          </a:bodyPr>
-          <a:lstStyle/>
-          <a:p>
-            <a:r>
-              <a:rPr lang="en-US" dirty="0"/>
-              <a:t>10</a:t>
-            </a:r>
-          </a:p>
-        </p:txBody>
-      </p:sp>
-      <p:sp>
-        <p:nvSpPr>
-          <p:cNvPr id="21" name="TextBox 20">
-            <a:extLst>
-              <a:ext uri="{FF2B5EF4-FFF2-40B4-BE49-F238E27FC236}">
-                <a16:creationId xmlns:a16="http://schemas.microsoft.com/office/drawing/2014/main" id="{C82B7176-399A-0D20-9E5D-DE83AE6446E7}"/>
-              </a:ext>
-            </a:extLst>
-          </p:cNvPr>
-          <p:cNvSpPr txBox="1"/>
-          <p:nvPr/>
-        </p:nvSpPr>
-        <p:spPr>
-          <a:xfrm>
-            <a:off x="10520333" y="4560925"/>
-            <a:ext cx="430935" cy="369332"/>
-          </a:xfrm>
-          <a:prstGeom prst="rect">
-            <a:avLst/>
-          </a:prstGeom>
-          <a:noFill/>
-        </p:spPr>
-        <p:txBody>
-          <a:bodyPr wrap="square" rtlCol="0">
-            <a:spAutoFit/>
-          </a:bodyPr>
-          <a:lstStyle/>
-          <a:p>
-            <a:r>
-              <a:rPr lang="en-US" dirty="0"/>
-              <a:t>20</a:t>
-            </a:r>
-          </a:p>
-        </p:txBody>
-      </p:sp>
-      <p:sp>
-        <p:nvSpPr>
-          <p:cNvPr id="12" name="TextBox 11">
-            <a:extLst>
-              <a:ext uri="{FF2B5EF4-FFF2-40B4-BE49-F238E27FC236}">
-                <a16:creationId xmlns:a16="http://schemas.microsoft.com/office/drawing/2014/main" id="{D663B4E8-5DC3-E2A0-1528-5DB5896BC659}"/>
-              </a:ext>
-            </a:extLst>
-          </p:cNvPr>
-          <p:cNvSpPr txBox="1"/>
-          <p:nvPr/>
-        </p:nvSpPr>
-        <p:spPr>
-          <a:xfrm>
-            <a:off x="7655583" y="4968733"/>
-            <a:ext cx="3013902" cy="369332"/>
-          </a:xfrm>
-          <a:prstGeom prst="rect">
-            <a:avLst/>
-          </a:prstGeom>
-          <a:noFill/>
-        </p:spPr>
-        <p:txBody>
           <a:bodyPr wrap="none" rtlCol="0">
             <a:spAutoFit/>
           </a:bodyPr>
@@ -9770,7 +10126,7 @@
           <a:p>
             <a:r>
               <a:rPr lang="en-US" dirty="0"/>
-              <a:t>Top n clonotypes (normalized)</a:t>
+              <a:t>Not just seen for not normalized (reason why its not weak)</a:t>
             </a:r>
           </a:p>
         </p:txBody>
@@ -9778,7 +10134,7 @@
     </p:spTree>
     <p:extLst>
       <p:ext uri="{BB962C8B-B14F-4D97-AF65-F5344CB8AC3E}">
-        <p14:creationId xmlns:p14="http://schemas.microsoft.com/office/powerpoint/2010/main" val="1218855552"/>
+        <p14:creationId xmlns:p14="http://schemas.microsoft.com/office/powerpoint/2010/main" val="2854579076"/>
       </p:ext>
     </p:extLst>
   </p:cSld>

--- a/linsley_postdoc/presentations/weekly_meetings/1_4_24.pptx
+++ b/linsley_postdoc/presentations/weekly_meetings/1_4_24.pptx
@@ -225,7 +225,7 @@
           <a:p>
             <a:fld id="{E933A773-0DCE-3544-BB67-D5FA58DF903C}" type="datetimeFigureOut">
               <a:rPr lang="en-US" smtClean="0"/>
-              <a:t>1/3/24</a:t>
+              <a:t>1/4/24</a:t>
             </a:fld>
             <a:endParaRPr lang="en-US"/>
           </a:p>
@@ -1571,7 +1571,7 @@
                 <a:effectLst/>
                 <a:latin typeface="Menlo" panose="020B0609030804020204" pitchFamily="49" charset="0"/>
               </a:rPr>
-              <a:t> in literature, don’t see that here though</a:t>
+              <a:t> in literature, don’t see that here though, don’t even see ICI decreasing Tregs…</a:t>
             </a:r>
           </a:p>
         </p:txBody>
@@ -2453,7 +2453,7 @@
           <a:p>
             <a:fld id="{80FC6068-BAFB-FC44-B9D8-F4B3BB105DE6}" type="datetimeFigureOut">
               <a:rPr lang="en-US" smtClean="0"/>
-              <a:t>1/3/24</a:t>
+              <a:t>1/4/24</a:t>
             </a:fld>
             <a:endParaRPr lang="en-US"/>
           </a:p>
@@ -2651,7 +2651,7 @@
           <a:p>
             <a:fld id="{80FC6068-BAFB-FC44-B9D8-F4B3BB105DE6}" type="datetimeFigureOut">
               <a:rPr lang="en-US" smtClean="0"/>
-              <a:t>1/3/24</a:t>
+              <a:t>1/4/24</a:t>
             </a:fld>
             <a:endParaRPr lang="en-US"/>
           </a:p>
@@ -2859,7 +2859,7 @@
           <a:p>
             <a:fld id="{80FC6068-BAFB-FC44-B9D8-F4B3BB105DE6}" type="datetimeFigureOut">
               <a:rPr lang="en-US" smtClean="0"/>
-              <a:t>1/3/24</a:t>
+              <a:t>1/4/24</a:t>
             </a:fld>
             <a:endParaRPr lang="en-US"/>
           </a:p>
@@ -3063,7 +3063,7 @@
           <a:p>
             <a:fld id="{80FC6068-BAFB-FC44-B9D8-F4B3BB105DE6}" type="datetimeFigureOut">
               <a:rPr lang="en-US" smtClean="0"/>
-              <a:t>1/3/24</a:t>
+              <a:t>1/4/24</a:t>
             </a:fld>
             <a:endParaRPr lang="en-US"/>
           </a:p>
@@ -3354,7 +3354,7 @@
           <a:p>
             <a:fld id="{80FC6068-BAFB-FC44-B9D8-F4B3BB105DE6}" type="datetimeFigureOut">
               <a:rPr lang="en-US" smtClean="0"/>
-              <a:t>1/3/24</a:t>
+              <a:t>1/4/24</a:t>
             </a:fld>
             <a:endParaRPr lang="en-US"/>
           </a:p>
@@ -3619,7 +3619,7 @@
           <a:p>
             <a:fld id="{80FC6068-BAFB-FC44-B9D8-F4B3BB105DE6}" type="datetimeFigureOut">
               <a:rPr lang="en-US" smtClean="0"/>
-              <a:t>1/3/24</a:t>
+              <a:t>1/4/24</a:t>
             </a:fld>
             <a:endParaRPr lang="en-US"/>
           </a:p>
@@ -4031,7 +4031,7 @@
           <a:p>
             <a:fld id="{80FC6068-BAFB-FC44-B9D8-F4B3BB105DE6}" type="datetimeFigureOut">
               <a:rPr lang="en-US" smtClean="0"/>
-              <a:t>1/3/24</a:t>
+              <a:t>1/4/24</a:t>
             </a:fld>
             <a:endParaRPr lang="en-US"/>
           </a:p>
@@ -4172,7 +4172,7 @@
           <a:p>
             <a:fld id="{80FC6068-BAFB-FC44-B9D8-F4B3BB105DE6}" type="datetimeFigureOut">
               <a:rPr lang="en-US" smtClean="0"/>
-              <a:t>1/3/24</a:t>
+              <a:t>1/4/24</a:t>
             </a:fld>
             <a:endParaRPr lang="en-US"/>
           </a:p>
@@ -4285,7 +4285,7 @@
           <a:p>
             <a:fld id="{80FC6068-BAFB-FC44-B9D8-F4B3BB105DE6}" type="datetimeFigureOut">
               <a:rPr lang="en-US" smtClean="0"/>
-              <a:t>1/3/24</a:t>
+              <a:t>1/4/24</a:t>
             </a:fld>
             <a:endParaRPr lang="en-US"/>
           </a:p>
@@ -4596,7 +4596,7 @@
           <a:p>
             <a:fld id="{80FC6068-BAFB-FC44-B9D8-F4B3BB105DE6}" type="datetimeFigureOut">
               <a:rPr lang="en-US" smtClean="0"/>
-              <a:t>1/3/24</a:t>
+              <a:t>1/4/24</a:t>
             </a:fld>
             <a:endParaRPr lang="en-US"/>
           </a:p>
@@ -4884,7 +4884,7 @@
           <a:p>
             <a:fld id="{80FC6068-BAFB-FC44-B9D8-F4B3BB105DE6}" type="datetimeFigureOut">
               <a:rPr lang="en-US" smtClean="0"/>
-              <a:t>1/3/24</a:t>
+              <a:t>1/4/24</a:t>
             </a:fld>
             <a:endParaRPr lang="en-US"/>
           </a:p>
@@ -5125,7 +5125,7 @@
           <a:p>
             <a:fld id="{80FC6068-BAFB-FC44-B9D8-F4B3BB105DE6}" type="datetimeFigureOut">
               <a:rPr lang="en-US" smtClean="0"/>
-              <a:t>1/3/24</a:t>
+              <a:t>1/4/24</a:t>
             </a:fld>
             <a:endParaRPr lang="en-US"/>
           </a:p>
@@ -9565,15 +9565,7 @@
           <a:p>
             <a:r>
               <a:rPr lang="en-US" dirty="0"/>
-              <a:t>Found some additional weak TCR feature (junction length, chain germline-ness) differences </a:t>
-            </a:r>
-            <a:r>
-              <a:rPr lang="en-US" dirty="0" err="1"/>
-              <a:t>betweeen</a:t>
-            </a:r>
-            <a:r>
-              <a:rPr lang="en-US" dirty="0"/>
-              <a:t> </a:t>
+              <a:t>Found some additional weak TCR feature (junction length, chain germline-ness) differences between </a:t>
             </a:r>
             <a:r>
               <a:rPr lang="en-US" dirty="0" err="1"/>
@@ -9662,17 +9654,60 @@
           <a:p>
             <a:r>
               <a:rPr lang="en-US" dirty="0"/>
-              <a:t>Next steps: summary plots?</a:t>
+              <a:t>Next steps on </a:t>
+            </a:r>
+            <a:r>
+              <a:rPr lang="en-US" dirty="0" err="1"/>
+              <a:t>irAE</a:t>
+            </a:r>
+            <a:r>
+              <a:rPr lang="en-US" dirty="0"/>
+              <a:t> datasets</a:t>
+            </a:r>
+          </a:p>
+        </p:txBody>
+      </p:sp>
+      <p:sp>
+        <p:nvSpPr>
+          <p:cNvPr id="5" name="TextBox 4">
+            <a:extLst>
+              <a:ext uri="{FF2B5EF4-FFF2-40B4-BE49-F238E27FC236}">
+                <a16:creationId xmlns:a16="http://schemas.microsoft.com/office/drawing/2014/main" id="{FC1A1405-6AB2-2277-9816-EE54BC98F06E}"/>
+              </a:ext>
+            </a:extLst>
+          </p:cNvPr>
+          <p:cNvSpPr txBox="1"/>
+          <p:nvPr/>
+        </p:nvSpPr>
+        <p:spPr>
+          <a:xfrm>
+            <a:off x="6614160" y="1558067"/>
+            <a:ext cx="3089820" cy="369332"/>
+          </a:xfrm>
+          <a:prstGeom prst="rect">
+            <a:avLst/>
+          </a:prstGeom>
+          <a:noFill/>
+        </p:spPr>
+        <p:txBody>
+          <a:bodyPr wrap="none" rtlCol="0">
+            <a:spAutoFit/>
+          </a:bodyPr>
+          <a:lstStyle/>
+          <a:p>
+            <a:r>
+              <a:rPr lang="en-US" dirty="0"/>
+              <a:t>Myocarditis dataset, CD8 TEMs</a:t>
             </a:r>
           </a:p>
         </p:txBody>
       </p:sp>
       <p:pic>
         <p:nvPicPr>
-          <p:cNvPr id="7" name="Picture 6">
-            <a:extLst>
-              <a:ext uri="{FF2B5EF4-FFF2-40B4-BE49-F238E27FC236}">
-                <a16:creationId xmlns:a16="http://schemas.microsoft.com/office/drawing/2014/main" id="{C30F8605-07D9-5CF6-D4A5-28E56AF1F859}"/>
+          <p:cNvPr id="6" name="Picture 5">
+            <a:extLst>
+              <a:ext uri="{FF2B5EF4-FFF2-40B4-BE49-F238E27FC236}">
+                <a16:creationId xmlns:a16="http://schemas.microsoft.com/office/drawing/2014/main" id="{F5CFE561-EBA4-D576-BD2F-810D411B68D3}"/>
               </a:ext>
             </a:extLst>
           </p:cNvPr>
@@ -9689,44 +9724,74 @@
         </p:blipFill>
         <p:spPr>
           <a:xfrm>
-            <a:off x="6096000" y="1961141"/>
-            <a:ext cx="6059981" cy="3680813"/>
+            <a:off x="3825240" y="1919288"/>
+            <a:ext cx="7772400" cy="4850859"/>
           </a:xfrm>
           <a:prstGeom prst="rect">
             <a:avLst/>
           </a:prstGeom>
         </p:spPr>
       </p:pic>
-      <p:pic>
-        <p:nvPicPr>
-          <p:cNvPr id="8" name="Picture 7">
-            <a:extLst>
-              <a:ext uri="{FF2B5EF4-FFF2-40B4-BE49-F238E27FC236}">
-                <a16:creationId xmlns:a16="http://schemas.microsoft.com/office/drawing/2014/main" id="{BAAF33B7-6801-5BC2-9DF3-D4AA15DB4734}"/>
-              </a:ext>
-            </a:extLst>
-          </p:cNvPr>
-          <p:cNvPicPr>
-            <a:picLocks noChangeAspect="1"/>
-          </p:cNvPicPr>
-          <p:nvPr/>
-        </p:nvPicPr>
-        <p:blipFill>
-          <a:blip r:embed="rId4"/>
-          <a:stretch>
-            <a:fillRect/>
-          </a:stretch>
-        </p:blipFill>
-        <p:spPr>
-          <a:xfrm>
-            <a:off x="0" y="1961141"/>
-            <a:ext cx="5953760" cy="3680814"/>
-          </a:xfrm>
-          <a:prstGeom prst="rect">
-            <a:avLst/>
-          </a:prstGeom>
-        </p:spPr>
-      </p:pic>
+      <p:sp>
+        <p:nvSpPr>
+          <p:cNvPr id="9" name="Content Placeholder 2">
+            <a:extLst>
+              <a:ext uri="{FF2B5EF4-FFF2-40B4-BE49-F238E27FC236}">
+                <a16:creationId xmlns:a16="http://schemas.microsoft.com/office/drawing/2014/main" id="{8CBEDB99-E936-1505-3B14-7330EC32F84F}"/>
+              </a:ext>
+            </a:extLst>
+          </p:cNvPr>
+          <p:cNvSpPr>
+            <a:spLocks noGrp="1"/>
+          </p:cNvSpPr>
+          <p:nvPr>
+            <p:ph idx="1"/>
+          </p:nvPr>
+        </p:nvSpPr>
+        <p:spPr>
+          <a:xfrm>
+            <a:off x="838200" y="1919289"/>
+            <a:ext cx="2636520" cy="4623402"/>
+          </a:xfrm>
+        </p:spPr>
+        <p:txBody>
+          <a:bodyPr>
+            <a:normAutofit fontScale="92500"/>
+          </a:bodyPr>
+          <a:lstStyle/>
+          <a:p>
+            <a:r>
+              <a:rPr lang="en-US" dirty="0"/>
+              <a:t>Summary plots?</a:t>
+            </a:r>
+          </a:p>
+          <a:p>
+            <a:r>
+              <a:rPr lang="en-US" dirty="0"/>
+              <a:t>UMAP “contour plots” for cell type abundance differences +/- </a:t>
+            </a:r>
+            <a:r>
+              <a:rPr lang="en-US" dirty="0" err="1"/>
+              <a:t>irAE</a:t>
+            </a:r>
+            <a:endParaRPr lang="en-US" dirty="0"/>
+          </a:p>
+          <a:p>
+            <a:r>
+              <a:rPr lang="en-US" dirty="0"/>
+              <a:t>Extend cell type abundance comparisons +/- </a:t>
+            </a:r>
+            <a:r>
+              <a:rPr lang="en-US" dirty="0" err="1"/>
+              <a:t>irAE</a:t>
+            </a:r>
+            <a:r>
+              <a:rPr lang="en-US" dirty="0"/>
+              <a:t> to non-T cells?</a:t>
+            </a:r>
+          </a:p>
+        </p:txBody>
+      </p:sp>
     </p:spTree>
     <p:extLst>
       <p:ext uri="{BB962C8B-B14F-4D97-AF65-F5344CB8AC3E}">
@@ -9822,15 +9887,7 @@
           <a:p>
             <a:r>
               <a:rPr lang="en-US" dirty="0"/>
-              <a:t>perhaps supports use of datasets with no </a:t>
-            </a:r>
-            <a:r>
-              <a:rPr lang="en-US" dirty="0" err="1"/>
-              <a:t>TCRseq</a:t>
-            </a:r>
-            <a:r>
-              <a:rPr lang="en-US" dirty="0"/>
-              <a:t> (using </a:t>
+              <a:t>use </a:t>
             </a:r>
             <a:r>
               <a:rPr lang="en-US" dirty="0" err="1"/>
@@ -9838,7 +9895,21 @@
             </a:r>
             <a:r>
               <a:rPr lang="en-US" dirty="0"/>
-              <a:t> to call TCR clonotypes), although only from T cell rich tissue with low diversity</a:t>
+              <a:t> to call TCR clonotypes, although only captures top clonotypes</a:t>
+            </a:r>
+          </a:p>
+          <a:p>
+            <a:r>
+              <a:rPr lang="en-US" dirty="0"/>
+              <a:t>After 1/9 JC focus more on </a:t>
+            </a:r>
+            <a:r>
+              <a:rPr lang="en-US" dirty="0" err="1"/>
+              <a:t>ATACseq</a:t>
+            </a:r>
+            <a:r>
+              <a:rPr lang="en-US" dirty="0"/>
+              <a:t> prep.</a:t>
             </a:r>
           </a:p>
         </p:txBody>
